--- a/PSCONFEU_Perf2017.pptx
+++ b/PSCONFEU_Perf2017.pptx
@@ -19,8 +19,8 @@
     <p:sldId id="310" r:id="rId7"/>
     <p:sldId id="319" r:id="rId8"/>
     <p:sldId id="322" r:id="rId9"/>
-    <p:sldId id="323" r:id="rId10"/>
-    <p:sldId id="317" r:id="rId11"/>
+    <p:sldId id="317" r:id="rId10"/>
+    <p:sldId id="323" r:id="rId11"/>
     <p:sldId id="320" r:id="rId12"/>
     <p:sldId id="318" r:id="rId13"/>
     <p:sldId id="321" r:id="rId14"/>
@@ -8061,7 +8061,7 @@
               <a:t>Performance </a:t>
             </a:r>
             <a:r>
-              <a:rPr lang="de-DE"/>
+              <a:rPr lang="de-DE" dirty="0" err="1"/>
               <a:t>varies</a:t>
             </a:r>
             <a:endParaRPr lang="de-DE" dirty="0"/>
@@ -8090,6 +8090,408 @@
       </p:transition>
     </mc:Fallback>
   </mc:AlternateContent>
+  <p:timing>
+    <p:tnLst>
+      <p:par>
+        <p:cTn id="1" dur="indefinite" restart="never" nodeType="tmRoot">
+          <p:childTnLst>
+            <p:seq concurrent="1" nextAc="seek">
+              <p:cTn id="2" dur="indefinite" nodeType="mainSeq">
+                <p:childTnLst>
+                  <p:par>
+                    <p:cTn id="3" fill="hold">
+                      <p:stCondLst>
+                        <p:cond delay="indefinite"/>
+                        <p:cond evt="onBegin" delay="0">
+                          <p:tn val="2"/>
+                        </p:cond>
+                      </p:stCondLst>
+                      <p:childTnLst>
+                        <p:par>
+                          <p:cTn id="4" fill="hold">
+                            <p:stCondLst>
+                              <p:cond delay="0"/>
+                            </p:stCondLst>
+                            <p:childTnLst>
+                              <p:par>
+                                <p:cTn id="5" presetID="10" presetClass="entr" presetSubtype="0" fill="hold" grpId="0" nodeType="withEffect">
+                                  <p:stCondLst>
+                                    <p:cond delay="0"/>
+                                  </p:stCondLst>
+                                  <p:childTnLst>
+                                    <p:set>
+                                      <p:cBhvr>
+                                        <p:cTn id="6" dur="1" fill="hold">
+                                          <p:stCondLst>
+                                            <p:cond delay="0"/>
+                                          </p:stCondLst>
+                                        </p:cTn>
+                                        <p:tgtEl>
+                                          <p:spTgt spid="3">
+                                            <p:txEl>
+                                              <p:pRg st="0" end="0"/>
+                                            </p:txEl>
+                                          </p:spTgt>
+                                        </p:tgtEl>
+                                        <p:attrNameLst>
+                                          <p:attrName>style.visibility</p:attrName>
+                                        </p:attrNameLst>
+                                      </p:cBhvr>
+                                      <p:to>
+                                        <p:strVal val="visible"/>
+                                      </p:to>
+                                    </p:set>
+                                    <p:animEffect transition="in" filter="fade">
+                                      <p:cBhvr>
+                                        <p:cTn id="7" dur="500"/>
+                                        <p:tgtEl>
+                                          <p:spTgt spid="3">
+                                            <p:txEl>
+                                              <p:pRg st="0" end="0"/>
+                                            </p:txEl>
+                                          </p:spTgt>
+                                        </p:tgtEl>
+                                      </p:cBhvr>
+                                    </p:animEffect>
+                                  </p:childTnLst>
+                                </p:cTn>
+                              </p:par>
+                            </p:childTnLst>
+                          </p:cTn>
+                        </p:par>
+                      </p:childTnLst>
+                    </p:cTn>
+                  </p:par>
+                  <p:par>
+                    <p:cTn id="8" fill="hold">
+                      <p:stCondLst>
+                        <p:cond delay="indefinite"/>
+                      </p:stCondLst>
+                      <p:childTnLst>
+                        <p:par>
+                          <p:cTn id="9" fill="hold">
+                            <p:stCondLst>
+                              <p:cond delay="0"/>
+                            </p:stCondLst>
+                            <p:childTnLst>
+                              <p:par>
+                                <p:cTn id="10" presetID="10" presetClass="entr" presetSubtype="0" fill="hold" grpId="0" nodeType="clickEffect">
+                                  <p:stCondLst>
+                                    <p:cond delay="0"/>
+                                  </p:stCondLst>
+                                  <p:childTnLst>
+                                    <p:set>
+                                      <p:cBhvr>
+                                        <p:cTn id="11" dur="1" fill="hold">
+                                          <p:stCondLst>
+                                            <p:cond delay="0"/>
+                                          </p:stCondLst>
+                                        </p:cTn>
+                                        <p:tgtEl>
+                                          <p:spTgt spid="3">
+                                            <p:txEl>
+                                              <p:pRg st="1" end="1"/>
+                                            </p:txEl>
+                                          </p:spTgt>
+                                        </p:tgtEl>
+                                        <p:attrNameLst>
+                                          <p:attrName>style.visibility</p:attrName>
+                                        </p:attrNameLst>
+                                      </p:cBhvr>
+                                      <p:to>
+                                        <p:strVal val="visible"/>
+                                      </p:to>
+                                    </p:set>
+                                    <p:animEffect transition="in" filter="fade">
+                                      <p:cBhvr>
+                                        <p:cTn id="12" dur="500"/>
+                                        <p:tgtEl>
+                                          <p:spTgt spid="3">
+                                            <p:txEl>
+                                              <p:pRg st="1" end="1"/>
+                                            </p:txEl>
+                                          </p:spTgt>
+                                        </p:tgtEl>
+                                      </p:cBhvr>
+                                    </p:animEffect>
+                                  </p:childTnLst>
+                                </p:cTn>
+                              </p:par>
+                            </p:childTnLst>
+                          </p:cTn>
+                        </p:par>
+                      </p:childTnLst>
+                    </p:cTn>
+                  </p:par>
+                  <p:par>
+                    <p:cTn id="13" fill="hold">
+                      <p:stCondLst>
+                        <p:cond delay="indefinite"/>
+                      </p:stCondLst>
+                      <p:childTnLst>
+                        <p:par>
+                          <p:cTn id="14" fill="hold">
+                            <p:stCondLst>
+                              <p:cond delay="0"/>
+                            </p:stCondLst>
+                            <p:childTnLst>
+                              <p:par>
+                                <p:cTn id="15" presetID="10" presetClass="entr" presetSubtype="0" fill="hold" grpId="0" nodeType="clickEffect">
+                                  <p:stCondLst>
+                                    <p:cond delay="0"/>
+                                  </p:stCondLst>
+                                  <p:childTnLst>
+                                    <p:set>
+                                      <p:cBhvr>
+                                        <p:cTn id="16" dur="1" fill="hold">
+                                          <p:stCondLst>
+                                            <p:cond delay="0"/>
+                                          </p:stCondLst>
+                                        </p:cTn>
+                                        <p:tgtEl>
+                                          <p:spTgt spid="3">
+                                            <p:txEl>
+                                              <p:pRg st="2" end="2"/>
+                                            </p:txEl>
+                                          </p:spTgt>
+                                        </p:tgtEl>
+                                        <p:attrNameLst>
+                                          <p:attrName>style.visibility</p:attrName>
+                                        </p:attrNameLst>
+                                      </p:cBhvr>
+                                      <p:to>
+                                        <p:strVal val="visible"/>
+                                      </p:to>
+                                    </p:set>
+                                    <p:animEffect transition="in" filter="fade">
+                                      <p:cBhvr>
+                                        <p:cTn id="17" dur="500"/>
+                                        <p:tgtEl>
+                                          <p:spTgt spid="3">
+                                            <p:txEl>
+                                              <p:pRg st="2" end="2"/>
+                                            </p:txEl>
+                                          </p:spTgt>
+                                        </p:tgtEl>
+                                      </p:cBhvr>
+                                    </p:animEffect>
+                                  </p:childTnLst>
+                                </p:cTn>
+                              </p:par>
+                            </p:childTnLst>
+                          </p:cTn>
+                        </p:par>
+                      </p:childTnLst>
+                    </p:cTn>
+                  </p:par>
+                  <p:par>
+                    <p:cTn id="18" fill="hold">
+                      <p:stCondLst>
+                        <p:cond delay="indefinite"/>
+                      </p:stCondLst>
+                      <p:childTnLst>
+                        <p:par>
+                          <p:cTn id="19" fill="hold">
+                            <p:stCondLst>
+                              <p:cond delay="0"/>
+                            </p:stCondLst>
+                            <p:childTnLst>
+                              <p:par>
+                                <p:cTn id="20" presetID="10" presetClass="entr" presetSubtype="0" fill="hold" grpId="0" nodeType="clickEffect">
+                                  <p:stCondLst>
+                                    <p:cond delay="0"/>
+                                  </p:stCondLst>
+                                  <p:childTnLst>
+                                    <p:set>
+                                      <p:cBhvr>
+                                        <p:cTn id="21" dur="1" fill="hold">
+                                          <p:stCondLst>
+                                            <p:cond delay="0"/>
+                                          </p:stCondLst>
+                                        </p:cTn>
+                                        <p:tgtEl>
+                                          <p:spTgt spid="3">
+                                            <p:txEl>
+                                              <p:pRg st="3" end="3"/>
+                                            </p:txEl>
+                                          </p:spTgt>
+                                        </p:tgtEl>
+                                        <p:attrNameLst>
+                                          <p:attrName>style.visibility</p:attrName>
+                                        </p:attrNameLst>
+                                      </p:cBhvr>
+                                      <p:to>
+                                        <p:strVal val="visible"/>
+                                      </p:to>
+                                    </p:set>
+                                    <p:animEffect transition="in" filter="fade">
+                                      <p:cBhvr>
+                                        <p:cTn id="22" dur="500"/>
+                                        <p:tgtEl>
+                                          <p:spTgt spid="3">
+                                            <p:txEl>
+                                              <p:pRg st="3" end="3"/>
+                                            </p:txEl>
+                                          </p:spTgt>
+                                        </p:tgtEl>
+                                      </p:cBhvr>
+                                    </p:animEffect>
+                                  </p:childTnLst>
+                                </p:cTn>
+                              </p:par>
+                            </p:childTnLst>
+                          </p:cTn>
+                        </p:par>
+                      </p:childTnLst>
+                    </p:cTn>
+                  </p:par>
+                  <p:par>
+                    <p:cTn id="23" fill="hold">
+                      <p:stCondLst>
+                        <p:cond delay="indefinite"/>
+                      </p:stCondLst>
+                      <p:childTnLst>
+                        <p:par>
+                          <p:cTn id="24" fill="hold">
+                            <p:stCondLst>
+                              <p:cond delay="0"/>
+                            </p:stCondLst>
+                            <p:childTnLst>
+                              <p:par>
+                                <p:cTn id="25" presetID="10" presetClass="entr" presetSubtype="0" fill="hold" grpId="0" nodeType="clickEffect">
+                                  <p:stCondLst>
+                                    <p:cond delay="0"/>
+                                  </p:stCondLst>
+                                  <p:childTnLst>
+                                    <p:set>
+                                      <p:cBhvr>
+                                        <p:cTn id="26" dur="1" fill="hold">
+                                          <p:stCondLst>
+                                            <p:cond delay="0"/>
+                                          </p:stCondLst>
+                                        </p:cTn>
+                                        <p:tgtEl>
+                                          <p:spTgt spid="3">
+                                            <p:txEl>
+                                              <p:pRg st="4" end="4"/>
+                                            </p:txEl>
+                                          </p:spTgt>
+                                        </p:tgtEl>
+                                        <p:attrNameLst>
+                                          <p:attrName>style.visibility</p:attrName>
+                                        </p:attrNameLst>
+                                      </p:cBhvr>
+                                      <p:to>
+                                        <p:strVal val="visible"/>
+                                      </p:to>
+                                    </p:set>
+                                    <p:animEffect transition="in" filter="fade">
+                                      <p:cBhvr>
+                                        <p:cTn id="27" dur="500"/>
+                                        <p:tgtEl>
+                                          <p:spTgt spid="3">
+                                            <p:txEl>
+                                              <p:pRg st="4" end="4"/>
+                                            </p:txEl>
+                                          </p:spTgt>
+                                        </p:tgtEl>
+                                      </p:cBhvr>
+                                    </p:animEffect>
+                                  </p:childTnLst>
+                                </p:cTn>
+                              </p:par>
+                            </p:childTnLst>
+                          </p:cTn>
+                        </p:par>
+                      </p:childTnLst>
+                    </p:cTn>
+                  </p:par>
+                  <p:par>
+                    <p:cTn id="28" fill="hold">
+                      <p:stCondLst>
+                        <p:cond delay="indefinite"/>
+                      </p:stCondLst>
+                      <p:childTnLst>
+                        <p:par>
+                          <p:cTn id="29" fill="hold">
+                            <p:stCondLst>
+                              <p:cond delay="0"/>
+                            </p:stCondLst>
+                            <p:childTnLst>
+                              <p:par>
+                                <p:cTn id="30" presetID="10" presetClass="entr" presetSubtype="0" fill="hold" grpId="0" nodeType="clickEffect">
+                                  <p:stCondLst>
+                                    <p:cond delay="0"/>
+                                  </p:stCondLst>
+                                  <p:childTnLst>
+                                    <p:set>
+                                      <p:cBhvr>
+                                        <p:cTn id="31" dur="1" fill="hold">
+                                          <p:stCondLst>
+                                            <p:cond delay="0"/>
+                                          </p:stCondLst>
+                                        </p:cTn>
+                                        <p:tgtEl>
+                                          <p:spTgt spid="3">
+                                            <p:txEl>
+                                              <p:pRg st="5" end="5"/>
+                                            </p:txEl>
+                                          </p:spTgt>
+                                        </p:tgtEl>
+                                        <p:attrNameLst>
+                                          <p:attrName>style.visibility</p:attrName>
+                                        </p:attrNameLst>
+                                      </p:cBhvr>
+                                      <p:to>
+                                        <p:strVal val="visible"/>
+                                      </p:to>
+                                    </p:set>
+                                    <p:animEffect transition="in" filter="fade">
+                                      <p:cBhvr>
+                                        <p:cTn id="32" dur="500"/>
+                                        <p:tgtEl>
+                                          <p:spTgt spid="3">
+                                            <p:txEl>
+                                              <p:pRg st="5" end="5"/>
+                                            </p:txEl>
+                                          </p:spTgt>
+                                        </p:tgtEl>
+                                      </p:cBhvr>
+                                    </p:animEffect>
+                                  </p:childTnLst>
+                                </p:cTn>
+                              </p:par>
+                            </p:childTnLst>
+                          </p:cTn>
+                        </p:par>
+                      </p:childTnLst>
+                    </p:cTn>
+                  </p:par>
+                </p:childTnLst>
+              </p:cTn>
+              <p:prevCondLst>
+                <p:cond evt="onPrev" delay="0">
+                  <p:tgtEl>
+                    <p:sldTgt/>
+                  </p:tgtEl>
+                </p:cond>
+              </p:prevCondLst>
+              <p:nextCondLst>
+                <p:cond evt="onNext" delay="0">
+                  <p:tgtEl>
+                    <p:sldTgt/>
+                  </p:tgtEl>
+                </p:cond>
+              </p:nextCondLst>
+            </p:seq>
+          </p:childTnLst>
+        </p:cTn>
+      </p:par>
+    </p:tnLst>
+    <p:bldLst>
+      <p:bldP spid="3" grpId="0" uiExpand="1" build="p"/>
+    </p:bldLst>
+  </p:timing>
 </p:sld>
 </file>
 
@@ -8673,107 +9075,333 @@
           <a:lstStyle/>
           <a:p>
             <a:r>
-              <a:rPr lang="de-DE" dirty="0">
+              <a:rPr lang="de-DE" sz="2400" dirty="0">
                 <a:latin typeface="Consolas" panose="020B0609020204030204" pitchFamily="49" charset="0"/>
               </a:rPr>
               <a:t>Processing </a:t>
             </a:r>
             <a:r>
-              <a:rPr lang="de-DE" dirty="0" err="1">
+              <a:rPr lang="de-DE" sz="2400" dirty="0" err="1">
                 <a:latin typeface="Consolas" panose="020B0609020204030204" pitchFamily="49" charset="0"/>
               </a:rPr>
               <a:t>sets</a:t>
             </a:r>
             <a:r>
-              <a:rPr lang="de-DE" dirty="0">
+              <a:rPr lang="de-DE" sz="2400" dirty="0">
                 <a:latin typeface="Consolas" panose="020B0609020204030204" pitchFamily="49" charset="0"/>
               </a:rPr>
               <a:t> </a:t>
             </a:r>
             <a:r>
-              <a:rPr lang="de-DE" dirty="0" err="1">
+              <a:rPr lang="de-DE" sz="2400" dirty="0" err="1">
                 <a:latin typeface="Consolas" panose="020B0609020204030204" pitchFamily="49" charset="0"/>
               </a:rPr>
               <a:t>of</a:t>
             </a:r>
             <a:r>
-              <a:rPr lang="de-DE" dirty="0">
+              <a:rPr lang="de-DE" sz="2400" dirty="0">
                 <a:latin typeface="Consolas" panose="020B0609020204030204" pitchFamily="49" charset="0"/>
               </a:rPr>
               <a:t> </a:t>
             </a:r>
             <a:r>
-              <a:rPr lang="de-DE" dirty="0" err="1">
+              <a:rPr lang="de-DE" sz="2400" dirty="0" err="1">
                 <a:latin typeface="Consolas" panose="020B0609020204030204" pitchFamily="49" charset="0"/>
               </a:rPr>
               <a:t>data</a:t>
             </a:r>
             <a:r>
-              <a:rPr lang="de-DE" dirty="0">
+              <a:rPr lang="de-DE" sz="2400" dirty="0">
                 <a:latin typeface="Consolas" panose="020B0609020204030204" pitchFamily="49" charset="0"/>
               </a:rPr>
               <a:t> </a:t>
             </a:r>
             <a:r>
-              <a:rPr lang="de-DE" dirty="0" err="1">
+              <a:rPr lang="de-DE" sz="2400" dirty="0" err="1">
                 <a:latin typeface="Consolas" panose="020B0609020204030204" pitchFamily="49" charset="0"/>
               </a:rPr>
               <a:t>is</a:t>
             </a:r>
             <a:r>
-              <a:rPr lang="de-DE" dirty="0">
+              <a:rPr lang="de-DE" sz="2400" dirty="0">
                 <a:latin typeface="Consolas" panose="020B0609020204030204" pitchFamily="49" charset="0"/>
               </a:rPr>
               <a:t> </a:t>
             </a:r>
             <a:r>
-              <a:rPr lang="de-DE" dirty="0" err="1">
+              <a:rPr lang="de-DE" sz="2400" dirty="0" err="1">
                 <a:latin typeface="Consolas" panose="020B0609020204030204" pitchFamily="49" charset="0"/>
               </a:rPr>
               <a:t>usually</a:t>
             </a:r>
             <a:r>
-              <a:rPr lang="de-DE" dirty="0">
+              <a:rPr lang="de-DE" sz="2400" dirty="0">
                 <a:latin typeface="Consolas" panose="020B0609020204030204" pitchFamily="49" charset="0"/>
               </a:rPr>
               <a:t> </a:t>
             </a:r>
             <a:r>
-              <a:rPr lang="de-DE" dirty="0" err="1">
+              <a:rPr lang="de-DE" sz="2400" dirty="0" err="1">
                 <a:latin typeface="Consolas" panose="020B0609020204030204" pitchFamily="49" charset="0"/>
               </a:rPr>
               <a:t>what</a:t>
             </a:r>
             <a:r>
-              <a:rPr lang="de-DE" dirty="0">
+              <a:rPr lang="de-DE" sz="2400" dirty="0">
                 <a:latin typeface="Consolas" panose="020B0609020204030204" pitchFamily="49" charset="0"/>
               </a:rPr>
               <a:t> </a:t>
             </a:r>
             <a:r>
-              <a:rPr lang="de-DE" dirty="0" err="1">
+              <a:rPr lang="de-DE" sz="2400" dirty="0" err="1">
                 <a:latin typeface="Consolas" panose="020B0609020204030204" pitchFamily="49" charset="0"/>
               </a:rPr>
               <a:t>takes</a:t>
             </a:r>
             <a:r>
-              <a:rPr lang="de-DE" dirty="0">
+              <a:rPr lang="de-DE" sz="2400" dirty="0">
                 <a:latin typeface="Consolas" panose="020B0609020204030204" pitchFamily="49" charset="0"/>
               </a:rPr>
               <a:t> time</a:t>
             </a:r>
+          </a:p>
+          <a:p>
+            <a:r>
+              <a:rPr lang="de-DE" sz="2400" dirty="0">
+                <a:latin typeface="Consolas" panose="020B0609020204030204" pitchFamily="49" charset="0"/>
+              </a:rPr>
+              <a:t>Options at </a:t>
+            </a:r>
+            <a:r>
+              <a:rPr lang="de-DE" sz="2400" dirty="0" err="1">
+                <a:latin typeface="Consolas" panose="020B0609020204030204" pitchFamily="49" charset="0"/>
+              </a:rPr>
+              <a:t>hand</a:t>
+            </a:r>
+            <a:endParaRPr lang="de-DE" sz="2400" dirty="0">
+              <a:latin typeface="Consolas" panose="020B0609020204030204" pitchFamily="49" charset="0"/>
+            </a:endParaRPr>
+          </a:p>
+          <a:p>
+            <a:pPr lvl="1"/>
+            <a:r>
+              <a:rPr lang="de-DE" sz="2000" dirty="0" err="1">
+                <a:latin typeface="Consolas" panose="020B0609020204030204" pitchFamily="49" charset="0"/>
+              </a:rPr>
+              <a:t>Foreach-Object</a:t>
+            </a:r>
+            <a:r>
+              <a:rPr lang="de-DE" sz="2000" dirty="0">
+                <a:latin typeface="Consolas" panose="020B0609020204030204" pitchFamily="49" charset="0"/>
+              </a:rPr>
+              <a:t> </a:t>
+            </a:r>
+          </a:p>
+          <a:p>
+            <a:pPr lvl="2"/>
+            <a:r>
+              <a:rPr lang="de-DE" sz="2000" dirty="0" err="1">
+                <a:latin typeface="Consolas" panose="020B0609020204030204" pitchFamily="49" charset="0"/>
+              </a:rPr>
+              <a:t>Our</a:t>
+            </a:r>
+            <a:r>
+              <a:rPr lang="de-DE" sz="2000" dirty="0">
+                <a:latin typeface="Consolas" panose="020B0609020204030204" pitchFamily="49" charset="0"/>
+              </a:rPr>
+              <a:t> </a:t>
+            </a:r>
+            <a:r>
+              <a:rPr lang="de-DE" sz="2000" dirty="0" err="1">
+                <a:latin typeface="Consolas" panose="020B0609020204030204" pitchFamily="49" charset="0"/>
+              </a:rPr>
+              <a:t>interactive</a:t>
+            </a:r>
+            <a:r>
+              <a:rPr lang="de-DE" sz="2000" dirty="0">
+                <a:latin typeface="Consolas" panose="020B0609020204030204" pitchFamily="49" charset="0"/>
+              </a:rPr>
+              <a:t> </a:t>
+            </a:r>
+            <a:r>
+              <a:rPr lang="de-DE" sz="2000" dirty="0" err="1">
+                <a:latin typeface="Consolas" panose="020B0609020204030204" pitchFamily="49" charset="0"/>
+              </a:rPr>
+              <a:t>work</a:t>
+            </a:r>
+            <a:r>
+              <a:rPr lang="de-DE" sz="2000" dirty="0">
+                <a:latin typeface="Consolas" panose="020B0609020204030204" pitchFamily="49" charset="0"/>
+              </a:rPr>
+              <a:t> </a:t>
+            </a:r>
+            <a:r>
+              <a:rPr lang="de-DE" sz="2000" dirty="0" err="1">
+                <a:latin typeface="Consolas" panose="020B0609020204030204" pitchFamily="49" charset="0"/>
+              </a:rPr>
+              <a:t>horse</a:t>
+            </a:r>
+            <a:endParaRPr lang="de-DE" sz="2000" dirty="0">
+              <a:latin typeface="Consolas" panose="020B0609020204030204" pitchFamily="49" charset="0"/>
+            </a:endParaRPr>
+          </a:p>
+          <a:p>
+            <a:pPr lvl="1"/>
+            <a:r>
+              <a:rPr lang="de-DE" sz="2000" dirty="0" err="1">
+                <a:latin typeface="Consolas" panose="020B0609020204030204" pitchFamily="49" charset="0"/>
+              </a:rPr>
+              <a:t>foreach</a:t>
+            </a:r>
+            <a:r>
+              <a:rPr lang="de-DE" sz="2000" dirty="0">
+                <a:latin typeface="Consolas" panose="020B0609020204030204" pitchFamily="49" charset="0"/>
+              </a:rPr>
+              <a:t> (</a:t>
+            </a:r>
+            <a:r>
+              <a:rPr lang="de-DE" sz="2000" dirty="0" err="1">
+                <a:latin typeface="Consolas" panose="020B0609020204030204" pitchFamily="49" charset="0"/>
+              </a:rPr>
+              <a:t>language</a:t>
+            </a:r>
+            <a:r>
+              <a:rPr lang="de-DE" sz="2000" dirty="0">
+                <a:latin typeface="Consolas" panose="020B0609020204030204" pitchFamily="49" charset="0"/>
+              </a:rPr>
+              <a:t> </a:t>
+            </a:r>
+            <a:r>
+              <a:rPr lang="de-DE" sz="2000" dirty="0" err="1">
+                <a:latin typeface="Consolas" panose="020B0609020204030204" pitchFamily="49" charset="0"/>
+              </a:rPr>
+              <a:t>construct</a:t>
+            </a:r>
+            <a:r>
+              <a:rPr lang="de-DE" sz="2000" dirty="0">
+                <a:latin typeface="Consolas" panose="020B0609020204030204" pitchFamily="49" charset="0"/>
+              </a:rPr>
+              <a:t>)</a:t>
+            </a:r>
+          </a:p>
+          <a:p>
+            <a:pPr lvl="2"/>
+            <a:r>
+              <a:rPr lang="de-DE" sz="2000" dirty="0">
+                <a:latin typeface="Consolas" panose="020B0609020204030204" pitchFamily="49" charset="0"/>
+              </a:rPr>
+              <a:t>Not </a:t>
+            </a:r>
+            <a:r>
+              <a:rPr lang="de-DE" sz="2000" dirty="0" err="1">
+                <a:latin typeface="Consolas" panose="020B0609020204030204" pitchFamily="49" charset="0"/>
+              </a:rPr>
+              <a:t>as</a:t>
+            </a:r>
+            <a:r>
+              <a:rPr lang="de-DE" sz="2000" dirty="0">
+                <a:latin typeface="Consolas" panose="020B0609020204030204" pitchFamily="49" charset="0"/>
+              </a:rPr>
+              <a:t> </a:t>
+            </a:r>
+            <a:r>
+              <a:rPr lang="de-DE" sz="2000" dirty="0" err="1">
+                <a:latin typeface="Consolas" panose="020B0609020204030204" pitchFamily="49" charset="0"/>
+              </a:rPr>
+              <a:t>pipeline</a:t>
+            </a:r>
+            <a:r>
+              <a:rPr lang="de-DE" sz="2000" dirty="0">
+                <a:latin typeface="Consolas" panose="020B0609020204030204" pitchFamily="49" charset="0"/>
+              </a:rPr>
+              <a:t> </a:t>
+            </a:r>
+            <a:r>
+              <a:rPr lang="de-DE" sz="2000" dirty="0" err="1">
+                <a:latin typeface="Consolas" panose="020B0609020204030204" pitchFamily="49" charset="0"/>
+              </a:rPr>
+              <a:t>friendly</a:t>
+            </a:r>
+            <a:endParaRPr lang="de-DE" sz="2000" dirty="0">
+              <a:latin typeface="Consolas" panose="020B0609020204030204" pitchFamily="49" charset="0"/>
+            </a:endParaRPr>
+          </a:p>
+          <a:p>
+            <a:pPr lvl="1"/>
+            <a:r>
+              <a:rPr lang="de-DE" sz="2000" dirty="0">
+                <a:latin typeface="Consolas" panose="020B0609020204030204" pitchFamily="49" charset="0"/>
+              </a:rPr>
+              <a:t>.</a:t>
+            </a:r>
+            <a:r>
+              <a:rPr lang="de-DE" sz="2000" dirty="0" err="1">
+                <a:latin typeface="Consolas" panose="020B0609020204030204" pitchFamily="49" charset="0"/>
+              </a:rPr>
+              <a:t>Foreach</a:t>
+            </a:r>
+            <a:r>
+              <a:rPr lang="de-DE" sz="2000" dirty="0">
+                <a:latin typeface="Consolas" panose="020B0609020204030204" pitchFamily="49" charset="0"/>
+              </a:rPr>
+              <a:t>{}</a:t>
+            </a:r>
+          </a:p>
+          <a:p>
+            <a:pPr lvl="2"/>
+            <a:r>
+              <a:rPr lang="de-DE" sz="2000" dirty="0">
+                <a:latin typeface="Consolas" panose="020B0609020204030204" pitchFamily="49" charset="0"/>
+              </a:rPr>
+              <a:t>Magic </a:t>
+            </a:r>
+            <a:r>
+              <a:rPr lang="de-DE" sz="2000" dirty="0" err="1">
+                <a:latin typeface="Consolas" panose="020B0609020204030204" pitchFamily="49" charset="0"/>
+              </a:rPr>
+              <a:t>method</a:t>
+            </a:r>
+            <a:endParaRPr lang="de-DE" sz="2000" dirty="0">
+              <a:latin typeface="Consolas" panose="020B0609020204030204" pitchFamily="49" charset="0"/>
+            </a:endParaRPr>
+          </a:p>
+          <a:p>
+            <a:pPr lvl="1"/>
+            <a:r>
+              <a:rPr lang="de-DE" sz="2000" dirty="0" err="1">
+                <a:latin typeface="Consolas" panose="020B0609020204030204" pitchFamily="49" charset="0"/>
+              </a:rPr>
+              <a:t>for</a:t>
+            </a:r>
+            <a:endParaRPr lang="de-DE" sz="2000" dirty="0">
+              <a:latin typeface="Consolas" panose="020B0609020204030204" pitchFamily="49" charset="0"/>
+            </a:endParaRPr>
+          </a:p>
+          <a:p>
+            <a:pPr lvl="1"/>
+            <a:endParaRPr lang="de-DE" sz="2000" dirty="0">
+              <a:latin typeface="Consolas" panose="020B0609020204030204" pitchFamily="49" charset="0"/>
+            </a:endParaRPr>
+          </a:p>
+          <a:p>
+            <a:pPr marL="457200" lvl="1" indent="0">
+              <a:buNone/>
+            </a:pPr>
+            <a:endParaRPr lang="de-DE" sz="2000" dirty="0">
+              <a:latin typeface="Consolas" panose="020B0609020204030204" pitchFamily="49" charset="0"/>
+            </a:endParaRPr>
           </a:p>
           <a:p>
             <a:pPr marL="0" indent="0">
               <a:buNone/>
             </a:pPr>
-            <a:endParaRPr lang="de-DE" dirty="0"/>
+            <a:endParaRPr lang="de-DE" sz="2400" dirty="0"/>
           </a:p>
           <a:p>
             <a:pPr marL="0" indent="0">
               <a:buNone/>
             </a:pPr>
-            <a:endParaRPr lang="de-DE" dirty="0"/>
+            <a:endParaRPr lang="de-DE" sz="2400" dirty="0"/>
           </a:p>
         </p:txBody>
       </p:sp>
@@ -8821,37 +9449,7 @@
       </p:grpSpPr>
       <p:sp>
         <p:nvSpPr>
-          <p:cNvPr id="9218" name="Titel 1"/>
-          <p:cNvSpPr>
-            <a:spLocks noGrp="1"/>
-          </p:cNvSpPr>
-          <p:nvPr>
-            <p:ph type="title"/>
-          </p:nvPr>
-        </p:nvSpPr>
-        <p:spPr>
-          <a:xfrm>
-            <a:off x="0" y="908720"/>
-            <a:ext cx="9144000" cy="792088"/>
-          </a:xfrm>
-          <a:prstGeom prst="rect">
-            <a:avLst/>
-          </a:prstGeom>
-        </p:spPr>
-        <p:txBody>
-          <a:bodyPr/>
-          <a:lstStyle/>
-          <a:p>
-            <a:r>
-              <a:rPr lang="de-DE" dirty="0"/>
-              <a:t>IO / Filesystem</a:t>
-            </a:r>
-          </a:p>
-        </p:txBody>
-      </p:sp>
-      <p:sp>
-        <p:nvSpPr>
-          <p:cNvPr id="9219" name="Inhaltsplatzhalter 2"/>
+          <p:cNvPr id="2" name="Content Placeholder 1"/>
           <p:cNvSpPr>
             <a:spLocks noGrp="1"/>
           </p:cNvSpPr>
@@ -8861,80 +9459,2405 @@
         </p:nvSpPr>
         <p:spPr/>
         <p:txBody>
-          <a:bodyPr/>
+          <a:bodyPr>
+            <a:normAutofit/>
+          </a:bodyPr>
           <a:lstStyle/>
           <a:p>
             <a:r>
-              <a:rPr lang="de-DE" dirty="0" err="1">
-                <a:latin typeface="Consolas" panose="020B0609020204030204" pitchFamily="49" charset="0"/>
-              </a:rPr>
-              <a:t>Enumerating</a:t>
-            </a:r>
-            <a:r>
-              <a:rPr lang="de-DE" dirty="0">
-                <a:latin typeface="Consolas" panose="020B0609020204030204" pitchFamily="49" charset="0"/>
-              </a:rPr>
-              <a:t> </a:t>
-            </a:r>
-            <a:r>
-              <a:rPr lang="de-DE" dirty="0" err="1">
-                <a:latin typeface="Consolas" panose="020B0609020204030204" pitchFamily="49" charset="0"/>
-              </a:rPr>
-              <a:t>files</a:t>
-            </a:r>
-            <a:endParaRPr lang="de-DE" dirty="0">
-              <a:latin typeface="Consolas" panose="020B0609020204030204" pitchFamily="49" charset="0"/>
+              <a:rPr lang="sv-SE" sz="1050" dirty="0"/>
+              <a:t> </a:t>
+            </a:r>
+            <a:r>
+              <a:rPr lang="sv-SE" sz="1050" dirty="0" err="1">
+                <a:solidFill>
+                  <a:srgbClr val="00008B"/>
+                </a:solidFill>
+                <a:latin typeface="Lucida Console" panose="020B0609040504020204" pitchFamily="49" charset="0"/>
+              </a:rPr>
+              <a:t>enum</a:t>
+            </a:r>
+            <a:r>
+              <a:rPr lang="sv-SE" sz="1050" dirty="0">
+                <a:solidFill>
+                  <a:prstClr val="black"/>
+                </a:solidFill>
+                <a:latin typeface="Lucida Console" panose="020B0609040504020204" pitchFamily="49" charset="0"/>
+              </a:rPr>
+              <a:t> </a:t>
+            </a:r>
+            <a:r>
+              <a:rPr lang="sv-SE" sz="1050" dirty="0" err="1">
+                <a:solidFill>
+                  <a:prstClr val="black"/>
+                </a:solidFill>
+                <a:latin typeface="Lucida Console" panose="020B0609040504020204" pitchFamily="49" charset="0"/>
+              </a:rPr>
+              <a:t>LoopKind</a:t>
+            </a:r>
+            <a:r>
+              <a:rPr lang="sv-SE" sz="1050" dirty="0">
+                <a:solidFill>
+                  <a:prstClr val="black"/>
+                </a:solidFill>
+                <a:latin typeface="Lucida Console" panose="020B0609040504020204" pitchFamily="49" charset="0"/>
+              </a:rPr>
+              <a:t> {  </a:t>
+            </a:r>
+            <a:r>
+              <a:rPr lang="sv-SE" sz="1050" dirty="0" err="1">
+                <a:solidFill>
+                  <a:prstClr val="black"/>
+                </a:solidFill>
+                <a:latin typeface="Lucida Console" panose="020B0609040504020204" pitchFamily="49" charset="0"/>
+              </a:rPr>
+              <a:t>ForeachObject</a:t>
+            </a:r>
+            <a:r>
+              <a:rPr lang="sv-SE" sz="1050" dirty="0">
+                <a:solidFill>
+                  <a:prstClr val="black"/>
+                </a:solidFill>
+                <a:latin typeface="Lucida Console" panose="020B0609040504020204" pitchFamily="49" charset="0"/>
+              </a:rPr>
+              <a:t>; </a:t>
+            </a:r>
+            <a:r>
+              <a:rPr lang="sv-SE" sz="1050" dirty="0" err="1">
+                <a:solidFill>
+                  <a:prstClr val="black"/>
+                </a:solidFill>
+                <a:latin typeface="Lucida Console" panose="020B0609040504020204" pitchFamily="49" charset="0"/>
+              </a:rPr>
+              <a:t>ForeachLang</a:t>
+            </a:r>
+            <a:r>
+              <a:rPr lang="sv-SE" sz="1050" dirty="0">
+                <a:solidFill>
+                  <a:prstClr val="black"/>
+                </a:solidFill>
+                <a:latin typeface="Lucida Console" panose="020B0609040504020204" pitchFamily="49" charset="0"/>
+              </a:rPr>
+              <a:t> ; </a:t>
+            </a:r>
+            <a:r>
+              <a:rPr lang="sv-SE" sz="1050" dirty="0" err="1">
+                <a:solidFill>
+                  <a:prstClr val="black"/>
+                </a:solidFill>
+                <a:latin typeface="Lucida Console" panose="020B0609040504020204" pitchFamily="49" charset="0"/>
+              </a:rPr>
+              <a:t>MagicForeach</a:t>
+            </a:r>
+            <a:r>
+              <a:rPr lang="sv-SE" sz="1050" dirty="0">
+                <a:solidFill>
+                  <a:prstClr val="black"/>
+                </a:solidFill>
+                <a:latin typeface="Lucida Console" panose="020B0609040504020204" pitchFamily="49" charset="0"/>
+              </a:rPr>
+              <a:t>; For }</a:t>
+            </a:r>
+          </a:p>
+          <a:p>
+            <a:endParaRPr lang="sv-SE" sz="1050" dirty="0">
+              <a:solidFill>
+                <a:prstClr val="black"/>
+              </a:solidFill>
+              <a:latin typeface="Lucida Console" panose="020B0609040504020204" pitchFamily="49" charset="0"/>
             </a:endParaRPr>
           </a:p>
           <a:p>
             <a:r>
-              <a:rPr lang="de-DE" dirty="0" err="1">
-                <a:latin typeface="Consolas" panose="020B0609020204030204" pitchFamily="49" charset="0"/>
-              </a:rPr>
-              <a:t>Downloading</a:t>
-            </a:r>
-            <a:r>
-              <a:rPr lang="de-DE" dirty="0">
-                <a:latin typeface="Consolas" panose="020B0609020204030204" pitchFamily="49" charset="0"/>
-              </a:rPr>
-              <a:t> </a:t>
-            </a:r>
-            <a:r>
-              <a:rPr lang="de-DE" dirty="0" err="1">
-                <a:latin typeface="Consolas" panose="020B0609020204030204" pitchFamily="49" charset="0"/>
-              </a:rPr>
-              <a:t>files</a:t>
-            </a:r>
-            <a:endParaRPr lang="de-DE" dirty="0">
-              <a:latin typeface="Consolas" panose="020B0609020204030204" pitchFamily="49" charset="0"/>
+              <a:rPr lang="sv-SE" sz="1050" dirty="0">
+                <a:solidFill>
+                  <a:prstClr val="black"/>
+                </a:solidFill>
+                <a:latin typeface="Lucida Console" panose="020B0609040504020204" pitchFamily="49" charset="0"/>
+              </a:rPr>
+              <a:t> </a:t>
+            </a:r>
+            <a:r>
+              <a:rPr lang="sv-SE" sz="1050" dirty="0" err="1">
+                <a:solidFill>
+                  <a:srgbClr val="00008B"/>
+                </a:solidFill>
+                <a:latin typeface="Lucida Console" panose="020B0609040504020204" pitchFamily="49" charset="0"/>
+              </a:rPr>
+              <a:t>function</a:t>
+            </a:r>
+            <a:r>
+              <a:rPr lang="sv-SE" sz="1050" dirty="0">
+                <a:solidFill>
+                  <a:prstClr val="black"/>
+                </a:solidFill>
+                <a:latin typeface="Lucida Console" panose="020B0609040504020204" pitchFamily="49" charset="0"/>
+              </a:rPr>
+              <a:t> </a:t>
+            </a:r>
+            <a:r>
+              <a:rPr lang="sv-SE" sz="1050" dirty="0">
+                <a:solidFill>
+                  <a:srgbClr val="8A2BE2"/>
+                </a:solidFill>
+                <a:latin typeface="Lucida Console" panose="020B0609040504020204" pitchFamily="49" charset="0"/>
+              </a:rPr>
+              <a:t>Get-</a:t>
+            </a:r>
+            <a:r>
+              <a:rPr lang="sv-SE" sz="1050" dirty="0" err="1">
+                <a:solidFill>
+                  <a:srgbClr val="8A2BE2"/>
+                </a:solidFill>
+                <a:latin typeface="Lucida Console" panose="020B0609040504020204" pitchFamily="49" charset="0"/>
+              </a:rPr>
+              <a:t>Sum</a:t>
+            </a:r>
+            <a:r>
+              <a:rPr lang="sv-SE" sz="1050" dirty="0">
+                <a:solidFill>
+                  <a:prstClr val="black"/>
+                </a:solidFill>
+                <a:latin typeface="Lucida Console" panose="020B0609040504020204" pitchFamily="49" charset="0"/>
+              </a:rPr>
+              <a:t> {</a:t>
+            </a:r>
+          </a:p>
+          <a:p>
+            <a:r>
+              <a:rPr lang="sv-SE" sz="1050" dirty="0">
+                <a:solidFill>
+                  <a:prstClr val="black"/>
+                </a:solidFill>
+                <a:latin typeface="Lucida Console" panose="020B0609040504020204" pitchFamily="49" charset="0"/>
+              </a:rPr>
+              <a:t>    </a:t>
+            </a:r>
+            <a:r>
+              <a:rPr lang="sv-SE" sz="1050" dirty="0" err="1">
+                <a:solidFill>
+                  <a:srgbClr val="00008B"/>
+                </a:solidFill>
+                <a:latin typeface="Lucida Console" panose="020B0609040504020204" pitchFamily="49" charset="0"/>
+              </a:rPr>
+              <a:t>param</a:t>
+            </a:r>
+            <a:r>
+              <a:rPr lang="sv-SE" sz="1050" dirty="0">
+                <a:solidFill>
+                  <a:prstClr val="black"/>
+                </a:solidFill>
+                <a:latin typeface="Lucida Console" panose="020B0609040504020204" pitchFamily="49" charset="0"/>
+              </a:rPr>
+              <a:t>(</a:t>
+            </a:r>
+          </a:p>
+          <a:p>
+            <a:r>
+              <a:rPr lang="sv-SE" sz="1050" dirty="0">
+                <a:solidFill>
+                  <a:prstClr val="black"/>
+                </a:solidFill>
+                <a:latin typeface="Lucida Console" panose="020B0609040504020204" pitchFamily="49" charset="0"/>
+              </a:rPr>
+              <a:t>        </a:t>
+            </a:r>
+            <a:r>
+              <a:rPr lang="sv-SE" sz="1050" dirty="0">
+                <a:solidFill>
+                  <a:srgbClr val="A9A9A9"/>
+                </a:solidFill>
+                <a:latin typeface="Lucida Console" panose="020B0609040504020204" pitchFamily="49" charset="0"/>
+              </a:rPr>
+              <a:t>[</a:t>
+            </a:r>
+            <a:r>
+              <a:rPr lang="sv-SE" sz="1050" dirty="0">
+                <a:solidFill>
+                  <a:srgbClr val="00BFFF"/>
+                </a:solidFill>
+                <a:latin typeface="Lucida Console" panose="020B0609040504020204" pitchFamily="49" charset="0"/>
+              </a:rPr>
+              <a:t>Parameter</a:t>
+            </a:r>
+            <a:r>
+              <a:rPr lang="sv-SE" sz="1050" dirty="0">
+                <a:solidFill>
+                  <a:prstClr val="black"/>
+                </a:solidFill>
+                <a:latin typeface="Lucida Console" panose="020B0609040504020204" pitchFamily="49" charset="0"/>
+              </a:rPr>
+              <a:t>(</a:t>
+            </a:r>
+            <a:r>
+              <a:rPr lang="sv-SE" sz="1050" dirty="0" err="1">
+                <a:solidFill>
+                  <a:prstClr val="black"/>
+                </a:solidFill>
+                <a:latin typeface="Lucida Console" panose="020B0609040504020204" pitchFamily="49" charset="0"/>
+              </a:rPr>
+              <a:t>ValueFromPipeline</a:t>
+            </a:r>
+            <a:r>
+              <a:rPr lang="sv-SE" sz="1050" dirty="0">
+                <a:solidFill>
+                  <a:prstClr val="black"/>
+                </a:solidFill>
+                <a:latin typeface="Lucida Console" panose="020B0609040504020204" pitchFamily="49" charset="0"/>
+              </a:rPr>
+              <a:t>)</a:t>
+            </a:r>
+            <a:r>
+              <a:rPr lang="sv-SE" sz="1050" dirty="0">
+                <a:solidFill>
+                  <a:srgbClr val="A9A9A9"/>
+                </a:solidFill>
+                <a:latin typeface="Lucida Console" panose="020B0609040504020204" pitchFamily="49" charset="0"/>
+              </a:rPr>
+              <a:t>]</a:t>
+            </a:r>
+            <a:endParaRPr lang="sv-SE" sz="1050" dirty="0">
+              <a:solidFill>
+                <a:prstClr val="black"/>
+              </a:solidFill>
+              <a:latin typeface="Lucida Console" panose="020B0609040504020204" pitchFamily="49" charset="0"/>
             </a:endParaRPr>
           </a:p>
           <a:p>
-            <a:pPr marL="0" indent="0">
-              <a:buNone/>
-            </a:pPr>
-            <a:endParaRPr lang="de-DE" dirty="0">
-              <a:latin typeface="Consolas" panose="020B0609020204030204" pitchFamily="49" charset="0"/>
+            <a:r>
+              <a:rPr lang="sv-SE" sz="1050" dirty="0">
+                <a:solidFill>
+                  <a:prstClr val="black"/>
+                </a:solidFill>
+                <a:latin typeface="Lucida Console" panose="020B0609040504020204" pitchFamily="49" charset="0"/>
+              </a:rPr>
+              <a:t>        </a:t>
+            </a:r>
+            <a:r>
+              <a:rPr lang="sv-SE" sz="1050" dirty="0">
+                <a:solidFill>
+                  <a:srgbClr val="A9A9A9"/>
+                </a:solidFill>
+                <a:latin typeface="Lucida Console" panose="020B0609040504020204" pitchFamily="49" charset="0"/>
+              </a:rPr>
+              <a:t>[</a:t>
+            </a:r>
+            <a:r>
+              <a:rPr lang="sv-SE" sz="1050" dirty="0" err="1">
+                <a:solidFill>
+                  <a:srgbClr val="008080"/>
+                </a:solidFill>
+                <a:latin typeface="Lucida Console" panose="020B0609040504020204" pitchFamily="49" charset="0"/>
+              </a:rPr>
+              <a:t>int</a:t>
+            </a:r>
+            <a:r>
+              <a:rPr lang="sv-SE" sz="1050" dirty="0">
+                <a:solidFill>
+                  <a:srgbClr val="A9A9A9"/>
+                </a:solidFill>
+                <a:latin typeface="Lucida Console" panose="020B0609040504020204" pitchFamily="49" charset="0"/>
+              </a:rPr>
+              <a:t>[]]</a:t>
+            </a:r>
+            <a:r>
+              <a:rPr lang="sv-SE" sz="1050" dirty="0">
+                <a:solidFill>
+                  <a:prstClr val="black"/>
+                </a:solidFill>
+                <a:latin typeface="Lucida Console" panose="020B0609040504020204" pitchFamily="49" charset="0"/>
+              </a:rPr>
+              <a:t> </a:t>
+            </a:r>
+            <a:r>
+              <a:rPr lang="sv-SE" sz="1050" dirty="0">
+                <a:solidFill>
+                  <a:srgbClr val="FF4500"/>
+                </a:solidFill>
+                <a:latin typeface="Lucida Console" panose="020B0609040504020204" pitchFamily="49" charset="0"/>
+              </a:rPr>
+              <a:t>$</a:t>
+            </a:r>
+            <a:r>
+              <a:rPr lang="sv-SE" sz="1050" dirty="0" err="1">
+                <a:solidFill>
+                  <a:srgbClr val="FF4500"/>
+                </a:solidFill>
+                <a:latin typeface="Lucida Console" panose="020B0609040504020204" pitchFamily="49" charset="0"/>
+              </a:rPr>
+              <a:t>Number</a:t>
+            </a:r>
+            <a:r>
+              <a:rPr lang="sv-SE" sz="1050" dirty="0">
+                <a:solidFill>
+                  <a:srgbClr val="A9A9A9"/>
+                </a:solidFill>
+                <a:latin typeface="Lucida Console" panose="020B0609040504020204" pitchFamily="49" charset="0"/>
+              </a:rPr>
+              <a:t>,</a:t>
+            </a:r>
+            <a:endParaRPr lang="sv-SE" sz="1050" dirty="0">
+              <a:solidFill>
+                <a:prstClr val="black"/>
+              </a:solidFill>
+              <a:latin typeface="Lucida Console" panose="020B0609040504020204" pitchFamily="49" charset="0"/>
             </a:endParaRPr>
           </a:p>
           <a:p>
-            <a:pPr marL="0" indent="0">
-              <a:buNone/>
-            </a:pPr>
-            <a:endParaRPr lang="de-DE" dirty="0"/>
-          </a:p>
-          <a:p>
-            <a:pPr marL="0" indent="0">
-              <a:buNone/>
-            </a:pPr>
-            <a:endParaRPr lang="de-DE" dirty="0"/>
+            <a:r>
+              <a:rPr lang="sv-SE" sz="1050" dirty="0">
+                <a:solidFill>
+                  <a:prstClr val="black"/>
+                </a:solidFill>
+                <a:latin typeface="Lucida Console" panose="020B0609040504020204" pitchFamily="49" charset="0"/>
+              </a:rPr>
+              <a:t>        </a:t>
+            </a:r>
+            <a:r>
+              <a:rPr lang="sv-SE" sz="1050" dirty="0">
+                <a:solidFill>
+                  <a:srgbClr val="A9A9A9"/>
+                </a:solidFill>
+                <a:latin typeface="Lucida Console" panose="020B0609040504020204" pitchFamily="49" charset="0"/>
+              </a:rPr>
+              <a:t>[</a:t>
+            </a:r>
+            <a:r>
+              <a:rPr lang="sv-SE" sz="1050" dirty="0" err="1">
+                <a:solidFill>
+                  <a:srgbClr val="008080"/>
+                </a:solidFill>
+                <a:latin typeface="Lucida Console" panose="020B0609040504020204" pitchFamily="49" charset="0"/>
+              </a:rPr>
+              <a:t>LoopKind</a:t>
+            </a:r>
+            <a:r>
+              <a:rPr lang="sv-SE" sz="1050" dirty="0">
+                <a:solidFill>
+                  <a:srgbClr val="A9A9A9"/>
+                </a:solidFill>
+                <a:latin typeface="Lucida Console" panose="020B0609040504020204" pitchFamily="49" charset="0"/>
+              </a:rPr>
+              <a:t>]</a:t>
+            </a:r>
+            <a:r>
+              <a:rPr lang="sv-SE" sz="1050" dirty="0">
+                <a:solidFill>
+                  <a:prstClr val="black"/>
+                </a:solidFill>
+                <a:latin typeface="Lucida Console" panose="020B0609040504020204" pitchFamily="49" charset="0"/>
+              </a:rPr>
+              <a:t> </a:t>
+            </a:r>
+            <a:r>
+              <a:rPr lang="sv-SE" sz="1050" dirty="0">
+                <a:solidFill>
+                  <a:srgbClr val="FF4500"/>
+                </a:solidFill>
+                <a:latin typeface="Lucida Console" panose="020B0609040504020204" pitchFamily="49" charset="0"/>
+              </a:rPr>
+              <a:t>$Kind</a:t>
+            </a:r>
+            <a:r>
+              <a:rPr lang="sv-SE" sz="1050" dirty="0">
+                <a:solidFill>
+                  <a:prstClr val="black"/>
+                </a:solidFill>
+                <a:latin typeface="Lucida Console" panose="020B0609040504020204" pitchFamily="49" charset="0"/>
+              </a:rPr>
+              <a:t>)</a:t>
+            </a:r>
+          </a:p>
+          <a:p>
+            <a:r>
+              <a:rPr lang="sv-SE" sz="1050" dirty="0">
+                <a:solidFill>
+                  <a:prstClr val="black"/>
+                </a:solidFill>
+                <a:latin typeface="Lucida Console" panose="020B0609040504020204" pitchFamily="49" charset="0"/>
+              </a:rPr>
+              <a:t>    </a:t>
+            </a:r>
+            <a:r>
+              <a:rPr lang="sv-SE" sz="1050" dirty="0" err="1">
+                <a:solidFill>
+                  <a:srgbClr val="00008B"/>
+                </a:solidFill>
+                <a:latin typeface="Lucida Console" panose="020B0609040504020204" pitchFamily="49" charset="0"/>
+              </a:rPr>
+              <a:t>begin</a:t>
+            </a:r>
+            <a:r>
+              <a:rPr lang="sv-SE" sz="1050" dirty="0">
+                <a:solidFill>
+                  <a:prstClr val="black"/>
+                </a:solidFill>
+                <a:latin typeface="Lucida Console" panose="020B0609040504020204" pitchFamily="49" charset="0"/>
+              </a:rPr>
+              <a:t> {</a:t>
+            </a:r>
+          </a:p>
+          <a:p>
+            <a:r>
+              <a:rPr lang="sv-SE" sz="1050" dirty="0">
+                <a:solidFill>
+                  <a:prstClr val="black"/>
+                </a:solidFill>
+                <a:latin typeface="Lucida Console" panose="020B0609040504020204" pitchFamily="49" charset="0"/>
+              </a:rPr>
+              <a:t>        </a:t>
+            </a:r>
+            <a:r>
+              <a:rPr lang="sv-SE" sz="1050" dirty="0">
+                <a:solidFill>
+                  <a:srgbClr val="A9A9A9"/>
+                </a:solidFill>
+                <a:latin typeface="Lucida Console" panose="020B0609040504020204" pitchFamily="49" charset="0"/>
+              </a:rPr>
+              <a:t>[</a:t>
+            </a:r>
+            <a:r>
+              <a:rPr lang="sv-SE" sz="1050" dirty="0">
+                <a:solidFill>
+                  <a:srgbClr val="008080"/>
+                </a:solidFill>
+                <a:latin typeface="Lucida Console" panose="020B0609040504020204" pitchFamily="49" charset="0"/>
+              </a:rPr>
+              <a:t>long</a:t>
+            </a:r>
+            <a:r>
+              <a:rPr lang="sv-SE" sz="1050" dirty="0">
+                <a:solidFill>
+                  <a:srgbClr val="A9A9A9"/>
+                </a:solidFill>
+                <a:latin typeface="Lucida Console" panose="020B0609040504020204" pitchFamily="49" charset="0"/>
+              </a:rPr>
+              <a:t>]</a:t>
+            </a:r>
+            <a:r>
+              <a:rPr lang="sv-SE" sz="1050" dirty="0">
+                <a:solidFill>
+                  <a:srgbClr val="FF4500"/>
+                </a:solidFill>
+                <a:latin typeface="Lucida Console" panose="020B0609040504020204" pitchFamily="49" charset="0"/>
+              </a:rPr>
+              <a:t>$</a:t>
+            </a:r>
+            <a:r>
+              <a:rPr lang="sv-SE" sz="1050" dirty="0" err="1">
+                <a:solidFill>
+                  <a:srgbClr val="FF4500"/>
+                </a:solidFill>
+                <a:latin typeface="Lucida Console" panose="020B0609040504020204" pitchFamily="49" charset="0"/>
+              </a:rPr>
+              <a:t>sum</a:t>
+            </a:r>
+            <a:r>
+              <a:rPr lang="sv-SE" sz="1050" dirty="0">
+                <a:solidFill>
+                  <a:prstClr val="black"/>
+                </a:solidFill>
+                <a:latin typeface="Lucida Console" panose="020B0609040504020204" pitchFamily="49" charset="0"/>
+              </a:rPr>
+              <a:t> </a:t>
+            </a:r>
+            <a:r>
+              <a:rPr lang="sv-SE" sz="1050" dirty="0">
+                <a:solidFill>
+                  <a:srgbClr val="A9A9A9"/>
+                </a:solidFill>
+                <a:latin typeface="Lucida Console" panose="020B0609040504020204" pitchFamily="49" charset="0"/>
+              </a:rPr>
+              <a:t>=</a:t>
+            </a:r>
+            <a:r>
+              <a:rPr lang="sv-SE" sz="1050" dirty="0">
+                <a:solidFill>
+                  <a:prstClr val="black"/>
+                </a:solidFill>
+                <a:latin typeface="Lucida Console" panose="020B0609040504020204" pitchFamily="49" charset="0"/>
+              </a:rPr>
+              <a:t> </a:t>
+            </a:r>
+            <a:r>
+              <a:rPr lang="sv-SE" sz="1050" dirty="0">
+                <a:solidFill>
+                  <a:srgbClr val="800080"/>
+                </a:solidFill>
+                <a:latin typeface="Lucida Console" panose="020B0609040504020204" pitchFamily="49" charset="0"/>
+              </a:rPr>
+              <a:t>0</a:t>
+            </a:r>
+            <a:endParaRPr lang="sv-SE" sz="1050" dirty="0">
+              <a:solidFill>
+                <a:prstClr val="black"/>
+              </a:solidFill>
+              <a:latin typeface="Lucida Console" panose="020B0609040504020204" pitchFamily="49" charset="0"/>
+            </a:endParaRPr>
+          </a:p>
+          <a:p>
+            <a:r>
+              <a:rPr lang="sv-SE" sz="1050" dirty="0">
+                <a:solidFill>
+                  <a:prstClr val="black"/>
+                </a:solidFill>
+                <a:latin typeface="Lucida Console" panose="020B0609040504020204" pitchFamily="49" charset="0"/>
+              </a:rPr>
+              <a:t>    }</a:t>
+            </a:r>
+          </a:p>
+          <a:p>
+            <a:r>
+              <a:rPr lang="sv-SE" sz="1050" dirty="0">
+                <a:solidFill>
+                  <a:prstClr val="black"/>
+                </a:solidFill>
+                <a:latin typeface="Lucida Console" panose="020B0609040504020204" pitchFamily="49" charset="0"/>
+              </a:rPr>
+              <a:t>    </a:t>
+            </a:r>
+            <a:r>
+              <a:rPr lang="sv-SE" sz="1050" dirty="0">
+                <a:solidFill>
+                  <a:srgbClr val="00008B"/>
+                </a:solidFill>
+                <a:latin typeface="Lucida Console" panose="020B0609040504020204" pitchFamily="49" charset="0"/>
+              </a:rPr>
+              <a:t>process</a:t>
+            </a:r>
+            <a:r>
+              <a:rPr lang="sv-SE" sz="1050" dirty="0">
+                <a:solidFill>
+                  <a:prstClr val="black"/>
+                </a:solidFill>
+                <a:latin typeface="Lucida Console" panose="020B0609040504020204" pitchFamily="49" charset="0"/>
+              </a:rPr>
+              <a:t> {        </a:t>
+            </a:r>
+          </a:p>
+          <a:p>
+            <a:r>
+              <a:rPr lang="sv-SE" sz="1050" dirty="0">
+                <a:solidFill>
+                  <a:prstClr val="black"/>
+                </a:solidFill>
+                <a:latin typeface="Lucida Console" panose="020B0609040504020204" pitchFamily="49" charset="0"/>
+              </a:rPr>
+              <a:t>        </a:t>
+            </a:r>
+            <a:r>
+              <a:rPr lang="sv-SE" sz="1050" dirty="0">
+                <a:solidFill>
+                  <a:srgbClr val="00008B"/>
+                </a:solidFill>
+                <a:latin typeface="Lucida Console" panose="020B0609040504020204" pitchFamily="49" charset="0"/>
+              </a:rPr>
+              <a:t>switch</a:t>
+            </a:r>
+            <a:r>
+              <a:rPr lang="sv-SE" sz="1050" dirty="0">
+                <a:solidFill>
+                  <a:prstClr val="black"/>
+                </a:solidFill>
+                <a:latin typeface="Lucida Console" panose="020B0609040504020204" pitchFamily="49" charset="0"/>
+              </a:rPr>
+              <a:t>(</a:t>
+            </a:r>
+            <a:r>
+              <a:rPr lang="sv-SE" sz="1050" dirty="0">
+                <a:solidFill>
+                  <a:srgbClr val="FF4500"/>
+                </a:solidFill>
+                <a:latin typeface="Lucida Console" panose="020B0609040504020204" pitchFamily="49" charset="0"/>
+              </a:rPr>
+              <a:t>$Kind</a:t>
+            </a:r>
+            <a:r>
+              <a:rPr lang="sv-SE" sz="1050" dirty="0">
+                <a:solidFill>
+                  <a:prstClr val="black"/>
+                </a:solidFill>
+                <a:latin typeface="Lucida Console" panose="020B0609040504020204" pitchFamily="49" charset="0"/>
+              </a:rPr>
+              <a:t>) {</a:t>
+            </a:r>
+          </a:p>
+          <a:p>
+            <a:r>
+              <a:rPr lang="en-US" sz="1050" dirty="0">
+                <a:solidFill>
+                  <a:prstClr val="black"/>
+                </a:solidFill>
+                <a:latin typeface="Lucida Console" panose="020B0609040504020204" pitchFamily="49" charset="0"/>
+              </a:rPr>
+              <a:t>            (</a:t>
+            </a:r>
+            <a:r>
+              <a:rPr lang="en-US" sz="1050" dirty="0">
+                <a:solidFill>
+                  <a:srgbClr val="A9A9A9"/>
+                </a:solidFill>
+                <a:latin typeface="Lucida Console" panose="020B0609040504020204" pitchFamily="49" charset="0"/>
+              </a:rPr>
+              <a:t>[</a:t>
+            </a:r>
+            <a:r>
+              <a:rPr lang="en-US" sz="1050" dirty="0" err="1">
+                <a:solidFill>
+                  <a:srgbClr val="008080"/>
+                </a:solidFill>
+                <a:latin typeface="Lucida Console" panose="020B0609040504020204" pitchFamily="49" charset="0"/>
+              </a:rPr>
+              <a:t>LoopKind</a:t>
+            </a:r>
+            <a:r>
+              <a:rPr lang="en-US" sz="1050" dirty="0">
+                <a:solidFill>
+                  <a:srgbClr val="A9A9A9"/>
+                </a:solidFill>
+                <a:latin typeface="Lucida Console" panose="020B0609040504020204" pitchFamily="49" charset="0"/>
+              </a:rPr>
+              <a:t>]::</a:t>
+            </a:r>
+            <a:r>
+              <a:rPr lang="en-US" sz="1050" dirty="0" err="1">
+                <a:solidFill>
+                  <a:prstClr val="black"/>
+                </a:solidFill>
+                <a:latin typeface="Lucida Console" panose="020B0609040504020204" pitchFamily="49" charset="0"/>
+              </a:rPr>
+              <a:t>ForeachObject</a:t>
+            </a:r>
+            <a:r>
+              <a:rPr lang="en-US" sz="1050" dirty="0">
+                <a:solidFill>
+                  <a:prstClr val="black"/>
+                </a:solidFill>
+                <a:latin typeface="Lucida Console" panose="020B0609040504020204" pitchFamily="49" charset="0"/>
+              </a:rPr>
+              <a:t>) { </a:t>
+            </a:r>
+            <a:r>
+              <a:rPr lang="en-US" sz="1050" dirty="0">
+                <a:solidFill>
+                  <a:srgbClr val="FF4500"/>
+                </a:solidFill>
+                <a:latin typeface="Lucida Console" panose="020B0609040504020204" pitchFamily="49" charset="0"/>
+              </a:rPr>
+              <a:t>$Number</a:t>
+            </a:r>
+            <a:r>
+              <a:rPr lang="en-US" sz="1050" dirty="0">
+                <a:solidFill>
+                  <a:prstClr val="black"/>
+                </a:solidFill>
+                <a:latin typeface="Lucida Console" panose="020B0609040504020204" pitchFamily="49" charset="0"/>
+              </a:rPr>
+              <a:t> </a:t>
+            </a:r>
+            <a:r>
+              <a:rPr lang="en-US" sz="1050" dirty="0">
+                <a:solidFill>
+                  <a:srgbClr val="A9A9A9"/>
+                </a:solidFill>
+                <a:latin typeface="Lucida Console" panose="020B0609040504020204" pitchFamily="49" charset="0"/>
+              </a:rPr>
+              <a:t>|</a:t>
+            </a:r>
+            <a:r>
+              <a:rPr lang="en-US" sz="1050" dirty="0">
+                <a:solidFill>
+                  <a:prstClr val="black"/>
+                </a:solidFill>
+                <a:latin typeface="Lucida Console" panose="020B0609040504020204" pitchFamily="49" charset="0"/>
+              </a:rPr>
+              <a:t> </a:t>
+            </a:r>
+            <a:r>
+              <a:rPr lang="en-US" sz="1050" dirty="0" err="1">
+                <a:solidFill>
+                  <a:srgbClr val="0000FF"/>
+                </a:solidFill>
+                <a:latin typeface="Lucida Console" panose="020B0609040504020204" pitchFamily="49" charset="0"/>
+              </a:rPr>
+              <a:t>ForEach</a:t>
+            </a:r>
+            <a:r>
+              <a:rPr lang="en-US" sz="1050" dirty="0">
+                <a:solidFill>
+                  <a:srgbClr val="0000FF"/>
+                </a:solidFill>
+                <a:latin typeface="Lucida Console" panose="020B0609040504020204" pitchFamily="49" charset="0"/>
+              </a:rPr>
+              <a:t>-Object</a:t>
+            </a:r>
+            <a:r>
+              <a:rPr lang="en-US" sz="1050" dirty="0">
+                <a:solidFill>
+                  <a:prstClr val="black"/>
+                </a:solidFill>
+                <a:latin typeface="Lucida Console" panose="020B0609040504020204" pitchFamily="49" charset="0"/>
+              </a:rPr>
+              <a:t> { </a:t>
+            </a:r>
+            <a:r>
+              <a:rPr lang="en-US" sz="1050" dirty="0">
+                <a:solidFill>
+                  <a:srgbClr val="FF4500"/>
+                </a:solidFill>
+                <a:latin typeface="Lucida Console" panose="020B0609040504020204" pitchFamily="49" charset="0"/>
+              </a:rPr>
+              <a:t>$sum</a:t>
+            </a:r>
+            <a:r>
+              <a:rPr lang="en-US" sz="1050" dirty="0">
+                <a:solidFill>
+                  <a:prstClr val="black"/>
+                </a:solidFill>
+                <a:latin typeface="Lucida Console" panose="020B0609040504020204" pitchFamily="49" charset="0"/>
+              </a:rPr>
+              <a:t> </a:t>
+            </a:r>
+            <a:r>
+              <a:rPr lang="en-US" sz="1050" dirty="0">
+                <a:solidFill>
+                  <a:srgbClr val="A9A9A9"/>
+                </a:solidFill>
+                <a:latin typeface="Lucida Console" panose="020B0609040504020204" pitchFamily="49" charset="0"/>
+              </a:rPr>
+              <a:t>+=</a:t>
+            </a:r>
+            <a:r>
+              <a:rPr lang="en-US" sz="1050" dirty="0">
+                <a:solidFill>
+                  <a:prstClr val="black"/>
+                </a:solidFill>
+                <a:latin typeface="Lucida Console" panose="020B0609040504020204" pitchFamily="49" charset="0"/>
+              </a:rPr>
+              <a:t> </a:t>
+            </a:r>
+            <a:r>
+              <a:rPr lang="en-US" sz="1050" dirty="0">
+                <a:solidFill>
+                  <a:srgbClr val="FF4500"/>
+                </a:solidFill>
+                <a:latin typeface="Lucida Console" panose="020B0609040504020204" pitchFamily="49" charset="0"/>
+              </a:rPr>
+              <a:t>$_</a:t>
+            </a:r>
+            <a:r>
+              <a:rPr lang="en-US" sz="1050" dirty="0">
+                <a:solidFill>
+                  <a:prstClr val="black"/>
+                </a:solidFill>
+                <a:latin typeface="Lucida Console" panose="020B0609040504020204" pitchFamily="49" charset="0"/>
+              </a:rPr>
+              <a:t> } ; </a:t>
+            </a:r>
+            <a:r>
+              <a:rPr lang="en-US" sz="1050" dirty="0">
+                <a:solidFill>
+                  <a:srgbClr val="00008B"/>
+                </a:solidFill>
+                <a:latin typeface="Lucida Console" panose="020B0609040504020204" pitchFamily="49" charset="0"/>
+              </a:rPr>
+              <a:t>break</a:t>
+            </a:r>
+            <a:r>
+              <a:rPr lang="en-US" sz="1050" dirty="0">
+                <a:solidFill>
+                  <a:prstClr val="black"/>
+                </a:solidFill>
+                <a:latin typeface="Lucida Console" panose="020B0609040504020204" pitchFamily="49" charset="0"/>
+              </a:rPr>
+              <a:t> }</a:t>
+            </a:r>
+          </a:p>
+          <a:p>
+            <a:r>
+              <a:rPr lang="sv-SE" sz="1050" dirty="0">
+                <a:solidFill>
+                  <a:prstClr val="black"/>
+                </a:solidFill>
+                <a:latin typeface="Lucida Console" panose="020B0609040504020204" pitchFamily="49" charset="0"/>
+              </a:rPr>
+              <a:t>            (</a:t>
+            </a:r>
+            <a:r>
+              <a:rPr lang="sv-SE" sz="1050" dirty="0">
+                <a:solidFill>
+                  <a:srgbClr val="A9A9A9"/>
+                </a:solidFill>
+                <a:latin typeface="Lucida Console" panose="020B0609040504020204" pitchFamily="49" charset="0"/>
+              </a:rPr>
+              <a:t>[</a:t>
+            </a:r>
+            <a:r>
+              <a:rPr lang="sv-SE" sz="1050" dirty="0" err="1">
+                <a:solidFill>
+                  <a:srgbClr val="008080"/>
+                </a:solidFill>
+                <a:latin typeface="Lucida Console" panose="020B0609040504020204" pitchFamily="49" charset="0"/>
+              </a:rPr>
+              <a:t>LoopKind</a:t>
+            </a:r>
+            <a:r>
+              <a:rPr lang="sv-SE" sz="1050" dirty="0">
+                <a:solidFill>
+                  <a:srgbClr val="A9A9A9"/>
+                </a:solidFill>
+                <a:latin typeface="Lucida Console" panose="020B0609040504020204" pitchFamily="49" charset="0"/>
+              </a:rPr>
+              <a:t>]::</a:t>
+            </a:r>
+            <a:r>
+              <a:rPr lang="sv-SE" sz="1050" dirty="0" err="1">
+                <a:solidFill>
+                  <a:prstClr val="black"/>
+                </a:solidFill>
+                <a:latin typeface="Lucida Console" panose="020B0609040504020204" pitchFamily="49" charset="0"/>
+              </a:rPr>
+              <a:t>ForeachLang</a:t>
+            </a:r>
+            <a:r>
+              <a:rPr lang="sv-SE" sz="1050" dirty="0">
+                <a:solidFill>
+                  <a:prstClr val="black"/>
+                </a:solidFill>
+                <a:latin typeface="Lucida Console" panose="020B0609040504020204" pitchFamily="49" charset="0"/>
+              </a:rPr>
+              <a:t>)   { </a:t>
+            </a:r>
+            <a:r>
+              <a:rPr lang="sv-SE" sz="1050" dirty="0" err="1">
+                <a:solidFill>
+                  <a:srgbClr val="00008B"/>
+                </a:solidFill>
+                <a:latin typeface="Lucida Console" panose="020B0609040504020204" pitchFamily="49" charset="0"/>
+              </a:rPr>
+              <a:t>foreach</a:t>
+            </a:r>
+            <a:r>
+              <a:rPr lang="sv-SE" sz="1050" dirty="0">
+                <a:solidFill>
+                  <a:prstClr val="black"/>
+                </a:solidFill>
+                <a:latin typeface="Lucida Console" panose="020B0609040504020204" pitchFamily="49" charset="0"/>
+              </a:rPr>
+              <a:t>(</a:t>
+            </a:r>
+            <a:r>
+              <a:rPr lang="sv-SE" sz="1050" dirty="0">
+                <a:solidFill>
+                  <a:srgbClr val="FF4500"/>
+                </a:solidFill>
+                <a:latin typeface="Lucida Console" panose="020B0609040504020204" pitchFamily="49" charset="0"/>
+              </a:rPr>
+              <a:t>$n</a:t>
+            </a:r>
+            <a:r>
+              <a:rPr lang="sv-SE" sz="1050" dirty="0">
+                <a:solidFill>
+                  <a:prstClr val="black"/>
+                </a:solidFill>
+                <a:latin typeface="Lucida Console" panose="020B0609040504020204" pitchFamily="49" charset="0"/>
+              </a:rPr>
+              <a:t> </a:t>
+            </a:r>
+            <a:r>
+              <a:rPr lang="sv-SE" sz="1050" dirty="0">
+                <a:solidFill>
+                  <a:srgbClr val="00008B"/>
+                </a:solidFill>
+                <a:latin typeface="Lucida Console" panose="020B0609040504020204" pitchFamily="49" charset="0"/>
+              </a:rPr>
+              <a:t>in</a:t>
+            </a:r>
+            <a:r>
+              <a:rPr lang="sv-SE" sz="1050" dirty="0">
+                <a:solidFill>
+                  <a:prstClr val="black"/>
+                </a:solidFill>
+                <a:latin typeface="Lucida Console" panose="020B0609040504020204" pitchFamily="49" charset="0"/>
+              </a:rPr>
+              <a:t> </a:t>
+            </a:r>
+            <a:r>
+              <a:rPr lang="sv-SE" sz="1050" dirty="0">
+                <a:solidFill>
+                  <a:srgbClr val="FF4500"/>
+                </a:solidFill>
+                <a:latin typeface="Lucida Console" panose="020B0609040504020204" pitchFamily="49" charset="0"/>
+              </a:rPr>
+              <a:t>$</a:t>
+            </a:r>
+            <a:r>
+              <a:rPr lang="sv-SE" sz="1050" dirty="0" err="1">
+                <a:solidFill>
+                  <a:srgbClr val="FF4500"/>
+                </a:solidFill>
+                <a:latin typeface="Lucida Console" panose="020B0609040504020204" pitchFamily="49" charset="0"/>
+              </a:rPr>
+              <a:t>Number</a:t>
+            </a:r>
+            <a:r>
+              <a:rPr lang="sv-SE" sz="1050" dirty="0">
+                <a:solidFill>
+                  <a:prstClr val="black"/>
+                </a:solidFill>
+                <a:latin typeface="Lucida Console" panose="020B0609040504020204" pitchFamily="49" charset="0"/>
+              </a:rPr>
+              <a:t>) { </a:t>
+            </a:r>
+            <a:r>
+              <a:rPr lang="sv-SE" sz="1050" dirty="0">
+                <a:solidFill>
+                  <a:srgbClr val="FF4500"/>
+                </a:solidFill>
+                <a:latin typeface="Lucida Console" panose="020B0609040504020204" pitchFamily="49" charset="0"/>
+              </a:rPr>
+              <a:t>$</a:t>
+            </a:r>
+            <a:r>
+              <a:rPr lang="sv-SE" sz="1050" dirty="0" err="1">
+                <a:solidFill>
+                  <a:srgbClr val="FF4500"/>
+                </a:solidFill>
+                <a:latin typeface="Lucida Console" panose="020B0609040504020204" pitchFamily="49" charset="0"/>
+              </a:rPr>
+              <a:t>sum</a:t>
+            </a:r>
+            <a:r>
+              <a:rPr lang="sv-SE" sz="1050" dirty="0">
+                <a:solidFill>
+                  <a:prstClr val="black"/>
+                </a:solidFill>
+                <a:latin typeface="Lucida Console" panose="020B0609040504020204" pitchFamily="49" charset="0"/>
+              </a:rPr>
+              <a:t> </a:t>
+            </a:r>
+            <a:r>
+              <a:rPr lang="sv-SE" sz="1050" dirty="0">
+                <a:solidFill>
+                  <a:srgbClr val="A9A9A9"/>
+                </a:solidFill>
+                <a:latin typeface="Lucida Console" panose="020B0609040504020204" pitchFamily="49" charset="0"/>
+              </a:rPr>
+              <a:t>+=</a:t>
+            </a:r>
+            <a:r>
+              <a:rPr lang="sv-SE" sz="1050" dirty="0">
+                <a:solidFill>
+                  <a:prstClr val="black"/>
+                </a:solidFill>
+                <a:latin typeface="Lucida Console" panose="020B0609040504020204" pitchFamily="49" charset="0"/>
+              </a:rPr>
+              <a:t> </a:t>
+            </a:r>
+            <a:r>
+              <a:rPr lang="sv-SE" sz="1050" dirty="0">
+                <a:solidFill>
+                  <a:srgbClr val="FF4500"/>
+                </a:solidFill>
+                <a:latin typeface="Lucida Console" panose="020B0609040504020204" pitchFamily="49" charset="0"/>
+              </a:rPr>
+              <a:t>$n</a:t>
+            </a:r>
+            <a:r>
+              <a:rPr lang="sv-SE" sz="1050" dirty="0">
+                <a:solidFill>
+                  <a:prstClr val="black"/>
+                </a:solidFill>
+                <a:latin typeface="Lucida Console" panose="020B0609040504020204" pitchFamily="49" charset="0"/>
+              </a:rPr>
+              <a:t> }   ; </a:t>
+            </a:r>
+            <a:r>
+              <a:rPr lang="sv-SE" sz="1050" dirty="0">
+                <a:solidFill>
+                  <a:srgbClr val="00008B"/>
+                </a:solidFill>
+                <a:latin typeface="Lucida Console" panose="020B0609040504020204" pitchFamily="49" charset="0"/>
+              </a:rPr>
+              <a:t>break</a:t>
+            </a:r>
+            <a:r>
+              <a:rPr lang="sv-SE" sz="1050" dirty="0">
+                <a:solidFill>
+                  <a:prstClr val="black"/>
+                </a:solidFill>
+                <a:latin typeface="Lucida Console" panose="020B0609040504020204" pitchFamily="49" charset="0"/>
+              </a:rPr>
+              <a:t> }</a:t>
+            </a:r>
+          </a:p>
+          <a:p>
+            <a:r>
+              <a:rPr lang="sv-SE" sz="1050" dirty="0">
+                <a:solidFill>
+                  <a:prstClr val="black"/>
+                </a:solidFill>
+                <a:latin typeface="Lucida Console" panose="020B0609040504020204" pitchFamily="49" charset="0"/>
+              </a:rPr>
+              <a:t>            (</a:t>
+            </a:r>
+            <a:r>
+              <a:rPr lang="sv-SE" sz="1050" dirty="0">
+                <a:solidFill>
+                  <a:srgbClr val="A9A9A9"/>
+                </a:solidFill>
+                <a:latin typeface="Lucida Console" panose="020B0609040504020204" pitchFamily="49" charset="0"/>
+              </a:rPr>
+              <a:t>[</a:t>
+            </a:r>
+            <a:r>
+              <a:rPr lang="sv-SE" sz="1050" dirty="0" err="1">
+                <a:solidFill>
+                  <a:srgbClr val="008080"/>
+                </a:solidFill>
+                <a:latin typeface="Lucida Console" panose="020B0609040504020204" pitchFamily="49" charset="0"/>
+              </a:rPr>
+              <a:t>LoopKind</a:t>
+            </a:r>
+            <a:r>
+              <a:rPr lang="sv-SE" sz="1050" dirty="0">
+                <a:solidFill>
+                  <a:srgbClr val="A9A9A9"/>
+                </a:solidFill>
+                <a:latin typeface="Lucida Console" panose="020B0609040504020204" pitchFamily="49" charset="0"/>
+              </a:rPr>
+              <a:t>]::</a:t>
+            </a:r>
+            <a:r>
+              <a:rPr lang="sv-SE" sz="1050" dirty="0" err="1">
+                <a:solidFill>
+                  <a:prstClr val="black"/>
+                </a:solidFill>
+                <a:latin typeface="Lucida Console" panose="020B0609040504020204" pitchFamily="49" charset="0"/>
+              </a:rPr>
+              <a:t>MagicForeach</a:t>
+            </a:r>
+            <a:r>
+              <a:rPr lang="sv-SE" sz="1050" dirty="0">
+                <a:solidFill>
+                  <a:prstClr val="black"/>
+                </a:solidFill>
+                <a:latin typeface="Lucida Console" panose="020B0609040504020204" pitchFamily="49" charset="0"/>
+              </a:rPr>
+              <a:t>)  {  </a:t>
+            </a:r>
+            <a:r>
+              <a:rPr lang="sv-SE" sz="1050" dirty="0">
+                <a:solidFill>
+                  <a:srgbClr val="FF4500"/>
+                </a:solidFill>
+                <a:latin typeface="Lucida Console" panose="020B0609040504020204" pitchFamily="49" charset="0"/>
+              </a:rPr>
+              <a:t>$</a:t>
+            </a:r>
+            <a:r>
+              <a:rPr lang="sv-SE" sz="1050" dirty="0" err="1">
+                <a:solidFill>
+                  <a:srgbClr val="FF4500"/>
+                </a:solidFill>
+                <a:latin typeface="Lucida Console" panose="020B0609040504020204" pitchFamily="49" charset="0"/>
+              </a:rPr>
+              <a:t>Number</a:t>
+            </a:r>
+            <a:r>
+              <a:rPr lang="sv-SE" sz="1050" dirty="0" err="1">
+                <a:solidFill>
+                  <a:srgbClr val="A9A9A9"/>
+                </a:solidFill>
+                <a:latin typeface="Lucida Console" panose="020B0609040504020204" pitchFamily="49" charset="0"/>
+              </a:rPr>
+              <a:t>.</a:t>
+            </a:r>
+            <a:r>
+              <a:rPr lang="sv-SE" sz="1050" dirty="0" err="1">
+                <a:solidFill>
+                  <a:prstClr val="black"/>
+                </a:solidFill>
+                <a:latin typeface="Lucida Console" panose="020B0609040504020204" pitchFamily="49" charset="0"/>
+              </a:rPr>
+              <a:t>Foreach</a:t>
+            </a:r>
+            <a:r>
+              <a:rPr lang="sv-SE" sz="1050" dirty="0">
+                <a:solidFill>
+                  <a:prstClr val="black"/>
+                </a:solidFill>
+                <a:latin typeface="Lucida Console" panose="020B0609040504020204" pitchFamily="49" charset="0"/>
+              </a:rPr>
+              <a:t>{</a:t>
+            </a:r>
+            <a:r>
+              <a:rPr lang="sv-SE" sz="1050" dirty="0">
+                <a:solidFill>
+                  <a:srgbClr val="FF4500"/>
+                </a:solidFill>
+                <a:latin typeface="Lucida Console" panose="020B0609040504020204" pitchFamily="49" charset="0"/>
+              </a:rPr>
+              <a:t>$</a:t>
+            </a:r>
+            <a:r>
+              <a:rPr lang="sv-SE" sz="1050" dirty="0" err="1">
+                <a:solidFill>
+                  <a:srgbClr val="FF4500"/>
+                </a:solidFill>
+                <a:latin typeface="Lucida Console" panose="020B0609040504020204" pitchFamily="49" charset="0"/>
+              </a:rPr>
+              <a:t>sum</a:t>
+            </a:r>
+            <a:r>
+              <a:rPr lang="sv-SE" sz="1050" dirty="0">
+                <a:solidFill>
+                  <a:prstClr val="black"/>
+                </a:solidFill>
+                <a:latin typeface="Lucida Console" panose="020B0609040504020204" pitchFamily="49" charset="0"/>
+              </a:rPr>
+              <a:t> </a:t>
+            </a:r>
+            <a:r>
+              <a:rPr lang="sv-SE" sz="1050" dirty="0">
+                <a:solidFill>
+                  <a:srgbClr val="A9A9A9"/>
+                </a:solidFill>
+                <a:latin typeface="Lucida Console" panose="020B0609040504020204" pitchFamily="49" charset="0"/>
+              </a:rPr>
+              <a:t>+=</a:t>
+            </a:r>
+            <a:r>
+              <a:rPr lang="sv-SE" sz="1050" dirty="0">
+                <a:solidFill>
+                  <a:prstClr val="black"/>
+                </a:solidFill>
+                <a:latin typeface="Lucida Console" panose="020B0609040504020204" pitchFamily="49" charset="0"/>
+              </a:rPr>
+              <a:t> </a:t>
+            </a:r>
+            <a:r>
+              <a:rPr lang="sv-SE" sz="1050" dirty="0">
+                <a:solidFill>
+                  <a:srgbClr val="FF4500"/>
+                </a:solidFill>
+                <a:latin typeface="Lucida Console" panose="020B0609040504020204" pitchFamily="49" charset="0"/>
+              </a:rPr>
+              <a:t>$_</a:t>
+            </a:r>
+            <a:r>
+              <a:rPr lang="sv-SE" sz="1050" dirty="0">
+                <a:solidFill>
+                  <a:prstClr val="black"/>
+                </a:solidFill>
+                <a:latin typeface="Lucida Console" panose="020B0609040504020204" pitchFamily="49" charset="0"/>
+              </a:rPr>
+              <a:t> }           ; </a:t>
+            </a:r>
+            <a:r>
+              <a:rPr lang="sv-SE" sz="1050" dirty="0">
+                <a:solidFill>
+                  <a:srgbClr val="00008B"/>
+                </a:solidFill>
+                <a:latin typeface="Lucida Console" panose="020B0609040504020204" pitchFamily="49" charset="0"/>
+              </a:rPr>
+              <a:t>break</a:t>
+            </a:r>
+            <a:r>
+              <a:rPr lang="sv-SE" sz="1050" dirty="0">
+                <a:solidFill>
+                  <a:prstClr val="black"/>
+                </a:solidFill>
+                <a:latin typeface="Lucida Console" panose="020B0609040504020204" pitchFamily="49" charset="0"/>
+              </a:rPr>
+              <a:t> }</a:t>
+            </a:r>
+          </a:p>
+          <a:p>
+            <a:r>
+              <a:rPr lang="sv-SE" sz="1050" dirty="0">
+                <a:solidFill>
+                  <a:prstClr val="black"/>
+                </a:solidFill>
+                <a:latin typeface="Lucida Console" panose="020B0609040504020204" pitchFamily="49" charset="0"/>
+              </a:rPr>
+              <a:t>            (</a:t>
+            </a:r>
+            <a:r>
+              <a:rPr lang="sv-SE" sz="1050" dirty="0">
+                <a:solidFill>
+                  <a:srgbClr val="A9A9A9"/>
+                </a:solidFill>
+                <a:latin typeface="Lucida Console" panose="020B0609040504020204" pitchFamily="49" charset="0"/>
+              </a:rPr>
+              <a:t>[</a:t>
+            </a:r>
+            <a:r>
+              <a:rPr lang="sv-SE" sz="1050" dirty="0" err="1">
+                <a:solidFill>
+                  <a:srgbClr val="008080"/>
+                </a:solidFill>
+                <a:latin typeface="Lucida Console" panose="020B0609040504020204" pitchFamily="49" charset="0"/>
+              </a:rPr>
+              <a:t>LoopKind</a:t>
+            </a:r>
+            <a:r>
+              <a:rPr lang="sv-SE" sz="1050" dirty="0">
+                <a:solidFill>
+                  <a:srgbClr val="A9A9A9"/>
+                </a:solidFill>
+                <a:latin typeface="Lucida Console" panose="020B0609040504020204" pitchFamily="49" charset="0"/>
+              </a:rPr>
+              <a:t>]::</a:t>
+            </a:r>
+            <a:r>
+              <a:rPr lang="sv-SE" sz="1050" dirty="0">
+                <a:solidFill>
+                  <a:prstClr val="black"/>
+                </a:solidFill>
+                <a:latin typeface="Lucida Console" panose="020B0609040504020204" pitchFamily="49" charset="0"/>
+              </a:rPr>
+              <a:t>For)           { </a:t>
+            </a:r>
+            <a:r>
+              <a:rPr lang="sv-SE" sz="1050" dirty="0">
+                <a:solidFill>
+                  <a:srgbClr val="00008B"/>
+                </a:solidFill>
+                <a:latin typeface="Lucida Console" panose="020B0609040504020204" pitchFamily="49" charset="0"/>
+              </a:rPr>
+              <a:t>for</a:t>
+            </a:r>
+            <a:r>
+              <a:rPr lang="sv-SE" sz="1050" dirty="0">
+                <a:solidFill>
+                  <a:prstClr val="black"/>
+                </a:solidFill>
+                <a:latin typeface="Lucida Console" panose="020B0609040504020204" pitchFamily="49" charset="0"/>
+              </a:rPr>
+              <a:t>(</a:t>
+            </a:r>
+            <a:r>
+              <a:rPr lang="sv-SE" sz="1050" dirty="0">
+                <a:solidFill>
+                  <a:srgbClr val="FF4500"/>
+                </a:solidFill>
+                <a:latin typeface="Lucida Console" panose="020B0609040504020204" pitchFamily="49" charset="0"/>
+              </a:rPr>
+              <a:t>$i</a:t>
+            </a:r>
+            <a:r>
+              <a:rPr lang="sv-SE" sz="1050" dirty="0">
+                <a:solidFill>
+                  <a:prstClr val="black"/>
+                </a:solidFill>
+                <a:latin typeface="Lucida Console" panose="020B0609040504020204" pitchFamily="49" charset="0"/>
+              </a:rPr>
+              <a:t> </a:t>
+            </a:r>
+            <a:r>
+              <a:rPr lang="sv-SE" sz="1050" dirty="0">
+                <a:solidFill>
+                  <a:srgbClr val="A9A9A9"/>
+                </a:solidFill>
+                <a:latin typeface="Lucida Console" panose="020B0609040504020204" pitchFamily="49" charset="0"/>
+              </a:rPr>
+              <a:t>=</a:t>
+            </a:r>
+            <a:r>
+              <a:rPr lang="sv-SE" sz="1050" dirty="0">
+                <a:solidFill>
+                  <a:prstClr val="black"/>
+                </a:solidFill>
+                <a:latin typeface="Lucida Console" panose="020B0609040504020204" pitchFamily="49" charset="0"/>
+              </a:rPr>
+              <a:t> </a:t>
+            </a:r>
+            <a:r>
+              <a:rPr lang="sv-SE" sz="1050" dirty="0">
+                <a:solidFill>
+                  <a:srgbClr val="800080"/>
+                </a:solidFill>
+                <a:latin typeface="Lucida Console" panose="020B0609040504020204" pitchFamily="49" charset="0"/>
+              </a:rPr>
+              <a:t>0</a:t>
+            </a:r>
+            <a:r>
+              <a:rPr lang="sv-SE" sz="1050" dirty="0">
+                <a:solidFill>
+                  <a:prstClr val="black"/>
+                </a:solidFill>
+                <a:latin typeface="Lucida Console" panose="020B0609040504020204" pitchFamily="49" charset="0"/>
+              </a:rPr>
+              <a:t>; </a:t>
+            </a:r>
+            <a:r>
+              <a:rPr lang="sv-SE" sz="1050" dirty="0">
+                <a:solidFill>
+                  <a:srgbClr val="FF4500"/>
+                </a:solidFill>
+                <a:latin typeface="Lucida Console" panose="020B0609040504020204" pitchFamily="49" charset="0"/>
+              </a:rPr>
+              <a:t>$i</a:t>
+            </a:r>
+            <a:r>
+              <a:rPr lang="sv-SE" sz="1050" dirty="0">
+                <a:solidFill>
+                  <a:prstClr val="black"/>
+                </a:solidFill>
+                <a:latin typeface="Lucida Console" panose="020B0609040504020204" pitchFamily="49" charset="0"/>
+              </a:rPr>
+              <a:t> </a:t>
+            </a:r>
+            <a:r>
+              <a:rPr lang="sv-SE" sz="1050" dirty="0">
+                <a:solidFill>
+                  <a:srgbClr val="A9A9A9"/>
+                </a:solidFill>
+                <a:latin typeface="Lucida Console" panose="020B0609040504020204" pitchFamily="49" charset="0"/>
+              </a:rPr>
+              <a:t>-</a:t>
+            </a:r>
+            <a:r>
+              <a:rPr lang="sv-SE" sz="1050" dirty="0" err="1">
+                <a:solidFill>
+                  <a:srgbClr val="A9A9A9"/>
+                </a:solidFill>
+                <a:latin typeface="Lucida Console" panose="020B0609040504020204" pitchFamily="49" charset="0"/>
+              </a:rPr>
+              <a:t>lt</a:t>
+            </a:r>
+            <a:r>
+              <a:rPr lang="sv-SE" sz="1050" dirty="0">
+                <a:solidFill>
+                  <a:prstClr val="black"/>
+                </a:solidFill>
+                <a:latin typeface="Lucida Console" panose="020B0609040504020204" pitchFamily="49" charset="0"/>
+              </a:rPr>
+              <a:t> </a:t>
+            </a:r>
+            <a:r>
+              <a:rPr lang="sv-SE" sz="1050" dirty="0">
+                <a:solidFill>
+                  <a:srgbClr val="FF4500"/>
+                </a:solidFill>
+                <a:latin typeface="Lucida Console" panose="020B0609040504020204" pitchFamily="49" charset="0"/>
+              </a:rPr>
+              <a:t>$</a:t>
+            </a:r>
+            <a:r>
+              <a:rPr lang="sv-SE" sz="1050" dirty="0" err="1">
+                <a:solidFill>
+                  <a:srgbClr val="FF4500"/>
+                </a:solidFill>
+                <a:latin typeface="Lucida Console" panose="020B0609040504020204" pitchFamily="49" charset="0"/>
+              </a:rPr>
+              <a:t>Number</a:t>
+            </a:r>
+            <a:r>
+              <a:rPr lang="sv-SE" sz="1050" dirty="0" err="1">
+                <a:solidFill>
+                  <a:srgbClr val="A9A9A9"/>
+                </a:solidFill>
+                <a:latin typeface="Lucida Console" panose="020B0609040504020204" pitchFamily="49" charset="0"/>
+              </a:rPr>
+              <a:t>.</a:t>
+            </a:r>
+            <a:r>
+              <a:rPr lang="sv-SE" sz="1050" dirty="0" err="1">
+                <a:solidFill>
+                  <a:prstClr val="black"/>
+                </a:solidFill>
+                <a:latin typeface="Lucida Console" panose="020B0609040504020204" pitchFamily="49" charset="0"/>
+              </a:rPr>
+              <a:t>Length</a:t>
+            </a:r>
+            <a:r>
+              <a:rPr lang="sv-SE" sz="1050" dirty="0">
+                <a:solidFill>
+                  <a:prstClr val="black"/>
+                </a:solidFill>
+                <a:latin typeface="Lucida Console" panose="020B0609040504020204" pitchFamily="49" charset="0"/>
+              </a:rPr>
+              <a:t>; </a:t>
+            </a:r>
+            <a:r>
+              <a:rPr lang="sv-SE" sz="1050" dirty="0">
+                <a:solidFill>
+                  <a:srgbClr val="FF4500"/>
+                </a:solidFill>
+                <a:latin typeface="Lucida Console" panose="020B0609040504020204" pitchFamily="49" charset="0"/>
+              </a:rPr>
+              <a:t>$i</a:t>
+            </a:r>
+            <a:r>
+              <a:rPr lang="sv-SE" sz="1050" dirty="0">
+                <a:solidFill>
+                  <a:srgbClr val="A9A9A9"/>
+                </a:solidFill>
+                <a:latin typeface="Lucida Console" panose="020B0609040504020204" pitchFamily="49" charset="0"/>
+              </a:rPr>
+              <a:t>++</a:t>
+            </a:r>
+            <a:r>
+              <a:rPr lang="sv-SE" sz="1050" dirty="0">
+                <a:solidFill>
+                  <a:prstClr val="black"/>
+                </a:solidFill>
+                <a:latin typeface="Lucida Console" panose="020B0609040504020204" pitchFamily="49" charset="0"/>
+              </a:rPr>
+              <a:t>) { </a:t>
+            </a:r>
+          </a:p>
+          <a:p>
+            <a:r>
+              <a:rPr lang="sv-SE" sz="1050" dirty="0">
+                <a:solidFill>
+                  <a:prstClr val="black"/>
+                </a:solidFill>
+                <a:latin typeface="Lucida Console" panose="020B0609040504020204" pitchFamily="49" charset="0"/>
+              </a:rPr>
+              <a:t>                                            </a:t>
+            </a:r>
+            <a:r>
+              <a:rPr lang="sv-SE" sz="1050" dirty="0">
+                <a:solidFill>
+                  <a:srgbClr val="FF4500"/>
+                </a:solidFill>
+                <a:latin typeface="Lucida Console" panose="020B0609040504020204" pitchFamily="49" charset="0"/>
+              </a:rPr>
+              <a:t>$</a:t>
+            </a:r>
+            <a:r>
+              <a:rPr lang="sv-SE" sz="1050" dirty="0" err="1">
+                <a:solidFill>
+                  <a:srgbClr val="FF4500"/>
+                </a:solidFill>
+                <a:latin typeface="Lucida Console" panose="020B0609040504020204" pitchFamily="49" charset="0"/>
+              </a:rPr>
+              <a:t>sum</a:t>
+            </a:r>
+            <a:r>
+              <a:rPr lang="sv-SE" sz="1050" dirty="0">
+                <a:solidFill>
+                  <a:prstClr val="black"/>
+                </a:solidFill>
+                <a:latin typeface="Lucida Console" panose="020B0609040504020204" pitchFamily="49" charset="0"/>
+              </a:rPr>
+              <a:t> </a:t>
+            </a:r>
+            <a:r>
+              <a:rPr lang="sv-SE" sz="1050" dirty="0">
+                <a:solidFill>
+                  <a:srgbClr val="A9A9A9"/>
+                </a:solidFill>
+                <a:latin typeface="Lucida Console" panose="020B0609040504020204" pitchFamily="49" charset="0"/>
+              </a:rPr>
+              <a:t>+=</a:t>
+            </a:r>
+            <a:r>
+              <a:rPr lang="sv-SE" sz="1050" dirty="0">
+                <a:solidFill>
+                  <a:prstClr val="black"/>
+                </a:solidFill>
+                <a:latin typeface="Lucida Console" panose="020B0609040504020204" pitchFamily="49" charset="0"/>
+              </a:rPr>
+              <a:t> </a:t>
+            </a:r>
+            <a:r>
+              <a:rPr lang="sv-SE" sz="1050" dirty="0">
+                <a:solidFill>
+                  <a:srgbClr val="FF4500"/>
+                </a:solidFill>
+                <a:latin typeface="Lucida Console" panose="020B0609040504020204" pitchFamily="49" charset="0"/>
+              </a:rPr>
+              <a:t>$</a:t>
+            </a:r>
+            <a:r>
+              <a:rPr lang="sv-SE" sz="1050" dirty="0" err="1">
+                <a:solidFill>
+                  <a:srgbClr val="FF4500"/>
+                </a:solidFill>
+                <a:latin typeface="Lucida Console" panose="020B0609040504020204" pitchFamily="49" charset="0"/>
+              </a:rPr>
+              <a:t>Number</a:t>
+            </a:r>
+            <a:r>
+              <a:rPr lang="sv-SE" sz="1050" dirty="0">
+                <a:solidFill>
+                  <a:srgbClr val="A9A9A9"/>
+                </a:solidFill>
+                <a:latin typeface="Lucida Console" panose="020B0609040504020204" pitchFamily="49" charset="0"/>
+              </a:rPr>
+              <a:t>[</a:t>
+            </a:r>
+            <a:r>
+              <a:rPr lang="sv-SE" sz="1050" dirty="0">
+                <a:solidFill>
+                  <a:srgbClr val="FF4500"/>
+                </a:solidFill>
+                <a:latin typeface="Lucida Console" panose="020B0609040504020204" pitchFamily="49" charset="0"/>
+              </a:rPr>
+              <a:t>$i</a:t>
+            </a:r>
+            <a:r>
+              <a:rPr lang="sv-SE" sz="1050" dirty="0">
+                <a:solidFill>
+                  <a:srgbClr val="A9A9A9"/>
+                </a:solidFill>
+                <a:latin typeface="Lucida Console" panose="020B0609040504020204" pitchFamily="49" charset="0"/>
+              </a:rPr>
+              <a:t>]</a:t>
+            </a:r>
+            <a:r>
+              <a:rPr lang="sv-SE" sz="1050" dirty="0">
+                <a:solidFill>
+                  <a:prstClr val="black"/>
+                </a:solidFill>
+                <a:latin typeface="Lucida Console" panose="020B0609040504020204" pitchFamily="49" charset="0"/>
+              </a:rPr>
+              <a:t> }                 ; </a:t>
+            </a:r>
+            <a:r>
+              <a:rPr lang="sv-SE" sz="1050" dirty="0">
+                <a:solidFill>
+                  <a:srgbClr val="00008B"/>
+                </a:solidFill>
+                <a:latin typeface="Lucida Console" panose="020B0609040504020204" pitchFamily="49" charset="0"/>
+              </a:rPr>
+              <a:t>break</a:t>
+            </a:r>
+            <a:r>
+              <a:rPr lang="sv-SE" sz="1050" dirty="0">
+                <a:solidFill>
+                  <a:prstClr val="black"/>
+                </a:solidFill>
+                <a:latin typeface="Lucida Console" panose="020B0609040504020204" pitchFamily="49" charset="0"/>
+              </a:rPr>
+              <a:t> }</a:t>
+            </a:r>
+          </a:p>
+          <a:p>
+            <a:r>
+              <a:rPr lang="sv-SE" sz="1050" dirty="0">
+                <a:solidFill>
+                  <a:prstClr val="black"/>
+                </a:solidFill>
+                <a:latin typeface="Lucida Console" panose="020B0609040504020204" pitchFamily="49" charset="0"/>
+              </a:rPr>
+              <a:t>        }</a:t>
+            </a:r>
+          </a:p>
+          <a:p>
+            <a:r>
+              <a:rPr lang="sv-SE" sz="1050" dirty="0">
+                <a:solidFill>
+                  <a:prstClr val="black"/>
+                </a:solidFill>
+                <a:latin typeface="Lucida Console" panose="020B0609040504020204" pitchFamily="49" charset="0"/>
+              </a:rPr>
+              <a:t>    }</a:t>
+            </a:r>
+          </a:p>
+          <a:p>
+            <a:r>
+              <a:rPr lang="sv-SE" sz="1050" dirty="0">
+                <a:solidFill>
+                  <a:prstClr val="black"/>
+                </a:solidFill>
+                <a:latin typeface="Lucida Console" panose="020B0609040504020204" pitchFamily="49" charset="0"/>
+              </a:rPr>
+              <a:t>    </a:t>
+            </a:r>
+            <a:r>
+              <a:rPr lang="sv-SE" sz="1050" dirty="0">
+                <a:solidFill>
+                  <a:srgbClr val="00008B"/>
+                </a:solidFill>
+                <a:latin typeface="Lucida Console" panose="020B0609040504020204" pitchFamily="49" charset="0"/>
+              </a:rPr>
+              <a:t>end</a:t>
+            </a:r>
+            <a:r>
+              <a:rPr lang="sv-SE" sz="1050" dirty="0">
+                <a:solidFill>
+                  <a:prstClr val="black"/>
+                </a:solidFill>
+                <a:latin typeface="Lucida Console" panose="020B0609040504020204" pitchFamily="49" charset="0"/>
+              </a:rPr>
+              <a:t> {</a:t>
+            </a:r>
+          </a:p>
+          <a:p>
+            <a:r>
+              <a:rPr lang="sv-SE" sz="1050" dirty="0">
+                <a:solidFill>
+                  <a:prstClr val="black"/>
+                </a:solidFill>
+                <a:latin typeface="Lucida Console" panose="020B0609040504020204" pitchFamily="49" charset="0"/>
+              </a:rPr>
+              <a:t>        </a:t>
+            </a:r>
+            <a:r>
+              <a:rPr lang="sv-SE" sz="1050" dirty="0">
+                <a:solidFill>
+                  <a:srgbClr val="FF4500"/>
+                </a:solidFill>
+                <a:latin typeface="Lucida Console" panose="020B0609040504020204" pitchFamily="49" charset="0"/>
+              </a:rPr>
+              <a:t>$</a:t>
+            </a:r>
+            <a:r>
+              <a:rPr lang="sv-SE" sz="1050" dirty="0" err="1">
+                <a:solidFill>
+                  <a:srgbClr val="FF4500"/>
+                </a:solidFill>
+                <a:latin typeface="Lucida Console" panose="020B0609040504020204" pitchFamily="49" charset="0"/>
+              </a:rPr>
+              <a:t>sum</a:t>
+            </a:r>
+            <a:endParaRPr lang="sv-SE" sz="1050" dirty="0">
+              <a:solidFill>
+                <a:prstClr val="black"/>
+              </a:solidFill>
+              <a:latin typeface="Lucida Console" panose="020B0609040504020204" pitchFamily="49" charset="0"/>
+            </a:endParaRPr>
+          </a:p>
+          <a:p>
+            <a:r>
+              <a:rPr lang="sv-SE" sz="1050" dirty="0">
+                <a:solidFill>
+                  <a:prstClr val="black"/>
+                </a:solidFill>
+                <a:latin typeface="Lucida Console" panose="020B0609040504020204" pitchFamily="49" charset="0"/>
+              </a:rPr>
+              <a:t>    }</a:t>
+            </a:r>
+          </a:p>
+          <a:p>
+            <a:r>
+              <a:rPr lang="sv-SE" sz="1050" dirty="0">
+                <a:solidFill>
+                  <a:prstClr val="black"/>
+                </a:solidFill>
+                <a:latin typeface="Lucida Console" panose="020B0609040504020204" pitchFamily="49" charset="0"/>
+              </a:rPr>
+              <a:t>}</a:t>
+            </a:r>
+          </a:p>
+          <a:p>
+            <a:endParaRPr lang="sv-SE" sz="1050" dirty="0">
+              <a:solidFill>
+                <a:prstClr val="black"/>
+              </a:solidFill>
+              <a:latin typeface="Lucida Console" panose="020B0609040504020204" pitchFamily="49" charset="0"/>
+            </a:endParaRPr>
+          </a:p>
+          <a:p>
+            <a:r>
+              <a:rPr lang="sv-SE" sz="1050" dirty="0">
+                <a:solidFill>
+                  <a:srgbClr val="A9A9A9"/>
+                </a:solidFill>
+                <a:latin typeface="Lucida Console" panose="020B0609040504020204" pitchFamily="49" charset="0"/>
+              </a:rPr>
+              <a:t>[</a:t>
+            </a:r>
+            <a:r>
+              <a:rPr lang="sv-SE" sz="1050" dirty="0" err="1">
+                <a:solidFill>
+                  <a:srgbClr val="008080"/>
+                </a:solidFill>
+                <a:latin typeface="Lucida Console" panose="020B0609040504020204" pitchFamily="49" charset="0"/>
+              </a:rPr>
+              <a:t>Enum</a:t>
+            </a:r>
+            <a:r>
+              <a:rPr lang="sv-SE" sz="1050" dirty="0">
+                <a:solidFill>
+                  <a:srgbClr val="A9A9A9"/>
+                </a:solidFill>
+                <a:latin typeface="Lucida Console" panose="020B0609040504020204" pitchFamily="49" charset="0"/>
+              </a:rPr>
+              <a:t>]::</a:t>
+            </a:r>
+            <a:r>
+              <a:rPr lang="sv-SE" sz="1050" dirty="0" err="1">
+                <a:solidFill>
+                  <a:prstClr val="black"/>
+                </a:solidFill>
+                <a:latin typeface="Lucida Console" panose="020B0609040504020204" pitchFamily="49" charset="0"/>
+              </a:rPr>
+              <a:t>GetValues</a:t>
+            </a:r>
+            <a:r>
+              <a:rPr lang="sv-SE" sz="1050" dirty="0">
+                <a:solidFill>
+                  <a:prstClr val="black"/>
+                </a:solidFill>
+                <a:latin typeface="Lucida Console" panose="020B0609040504020204" pitchFamily="49" charset="0"/>
+              </a:rPr>
+              <a:t>(</a:t>
+            </a:r>
+            <a:r>
+              <a:rPr lang="sv-SE" sz="1050" dirty="0">
+                <a:solidFill>
+                  <a:srgbClr val="A9A9A9"/>
+                </a:solidFill>
+                <a:latin typeface="Lucida Console" panose="020B0609040504020204" pitchFamily="49" charset="0"/>
+              </a:rPr>
+              <a:t>[</a:t>
+            </a:r>
+            <a:r>
+              <a:rPr lang="sv-SE" sz="1050" dirty="0" err="1">
+                <a:solidFill>
+                  <a:srgbClr val="008080"/>
+                </a:solidFill>
+                <a:latin typeface="Lucida Console" panose="020B0609040504020204" pitchFamily="49" charset="0"/>
+              </a:rPr>
+              <a:t>LoopKind</a:t>
+            </a:r>
+            <a:r>
+              <a:rPr lang="sv-SE" sz="1050" dirty="0">
+                <a:solidFill>
+                  <a:srgbClr val="A9A9A9"/>
+                </a:solidFill>
+                <a:latin typeface="Lucida Console" panose="020B0609040504020204" pitchFamily="49" charset="0"/>
+              </a:rPr>
+              <a:t>]</a:t>
+            </a:r>
+            <a:r>
+              <a:rPr lang="sv-SE" sz="1050" dirty="0">
+                <a:solidFill>
+                  <a:prstClr val="black"/>
+                </a:solidFill>
+                <a:latin typeface="Lucida Console" panose="020B0609040504020204" pitchFamily="49" charset="0"/>
+              </a:rPr>
+              <a:t>)</a:t>
+            </a:r>
+            <a:r>
+              <a:rPr lang="sv-SE" sz="1050" dirty="0">
+                <a:solidFill>
+                  <a:srgbClr val="A9A9A9"/>
+                </a:solidFill>
+                <a:latin typeface="Lucida Console" panose="020B0609040504020204" pitchFamily="49" charset="0"/>
+              </a:rPr>
+              <a:t>.</a:t>
+            </a:r>
+            <a:r>
+              <a:rPr lang="sv-SE" sz="1050" dirty="0" err="1">
+                <a:solidFill>
+                  <a:prstClr val="black"/>
+                </a:solidFill>
+                <a:latin typeface="Lucida Console" panose="020B0609040504020204" pitchFamily="49" charset="0"/>
+              </a:rPr>
+              <a:t>Foreach</a:t>
+            </a:r>
+            <a:r>
+              <a:rPr lang="sv-SE" sz="1050" dirty="0">
+                <a:solidFill>
+                  <a:prstClr val="black"/>
+                </a:solidFill>
+                <a:latin typeface="Lucida Console" panose="020B0609040504020204" pitchFamily="49" charset="0"/>
+              </a:rPr>
+              <a:t>{</a:t>
+            </a:r>
+          </a:p>
+          <a:p>
+            <a:r>
+              <a:rPr lang="sv-SE" sz="1050" dirty="0">
+                <a:solidFill>
+                  <a:prstClr val="black"/>
+                </a:solidFill>
+                <a:latin typeface="Lucida Console" panose="020B0609040504020204" pitchFamily="49" charset="0"/>
+              </a:rPr>
+              <a:t>    </a:t>
+            </a:r>
+            <a:r>
+              <a:rPr lang="sv-SE" sz="1050" dirty="0">
+                <a:solidFill>
+                  <a:srgbClr val="FF4500"/>
+                </a:solidFill>
+                <a:latin typeface="Lucida Console" panose="020B0609040504020204" pitchFamily="49" charset="0"/>
+              </a:rPr>
+              <a:t>$</a:t>
+            </a:r>
+            <a:r>
+              <a:rPr lang="sv-SE" sz="1050" dirty="0" err="1">
+                <a:solidFill>
+                  <a:srgbClr val="FF4500"/>
+                </a:solidFill>
+                <a:latin typeface="Lucida Console" panose="020B0609040504020204" pitchFamily="49" charset="0"/>
+              </a:rPr>
+              <a:t>sw</a:t>
+            </a:r>
+            <a:r>
+              <a:rPr lang="sv-SE" sz="1050" dirty="0">
+                <a:solidFill>
+                  <a:prstClr val="black"/>
+                </a:solidFill>
+                <a:latin typeface="Lucida Console" panose="020B0609040504020204" pitchFamily="49" charset="0"/>
+              </a:rPr>
+              <a:t> </a:t>
+            </a:r>
+            <a:r>
+              <a:rPr lang="sv-SE" sz="1050" dirty="0">
+                <a:solidFill>
+                  <a:srgbClr val="A9A9A9"/>
+                </a:solidFill>
+                <a:latin typeface="Lucida Console" panose="020B0609040504020204" pitchFamily="49" charset="0"/>
+              </a:rPr>
+              <a:t>=</a:t>
+            </a:r>
+            <a:r>
+              <a:rPr lang="sv-SE" sz="1050" dirty="0">
+                <a:solidFill>
+                  <a:prstClr val="black"/>
+                </a:solidFill>
+                <a:latin typeface="Lucida Console" panose="020B0609040504020204" pitchFamily="49" charset="0"/>
+              </a:rPr>
+              <a:t> </a:t>
+            </a:r>
+            <a:r>
+              <a:rPr lang="sv-SE" sz="1050" dirty="0">
+                <a:solidFill>
+                  <a:srgbClr val="A9A9A9"/>
+                </a:solidFill>
+                <a:latin typeface="Lucida Console" panose="020B0609040504020204" pitchFamily="49" charset="0"/>
+              </a:rPr>
+              <a:t>[</a:t>
+            </a:r>
+            <a:r>
+              <a:rPr lang="sv-SE" sz="1050" dirty="0" err="1">
+                <a:solidFill>
+                  <a:srgbClr val="008080"/>
+                </a:solidFill>
+                <a:latin typeface="Lucida Console" panose="020B0609040504020204" pitchFamily="49" charset="0"/>
+              </a:rPr>
+              <a:t>Diagnostics.Stopwatch</a:t>
+            </a:r>
+            <a:r>
+              <a:rPr lang="sv-SE" sz="1050" dirty="0">
+                <a:solidFill>
+                  <a:srgbClr val="A9A9A9"/>
+                </a:solidFill>
+                <a:latin typeface="Lucida Console" panose="020B0609040504020204" pitchFamily="49" charset="0"/>
+              </a:rPr>
+              <a:t>]::</a:t>
+            </a:r>
+            <a:r>
+              <a:rPr lang="sv-SE" sz="1050" dirty="0" err="1">
+                <a:solidFill>
+                  <a:prstClr val="black"/>
+                </a:solidFill>
+                <a:latin typeface="Lucida Console" panose="020B0609040504020204" pitchFamily="49" charset="0"/>
+              </a:rPr>
+              <a:t>StartNew</a:t>
+            </a:r>
+            <a:r>
+              <a:rPr lang="sv-SE" sz="1050" dirty="0">
+                <a:solidFill>
+                  <a:prstClr val="black"/>
+                </a:solidFill>
+                <a:latin typeface="Lucida Console" panose="020B0609040504020204" pitchFamily="49" charset="0"/>
+              </a:rPr>
+              <a:t>()</a:t>
+            </a:r>
+          </a:p>
+          <a:p>
+            <a:r>
+              <a:rPr lang="en-US" sz="1050" dirty="0">
+                <a:solidFill>
+                  <a:prstClr val="black"/>
+                </a:solidFill>
+                <a:latin typeface="Lucida Console" panose="020B0609040504020204" pitchFamily="49" charset="0"/>
+              </a:rPr>
+              <a:t>    </a:t>
+            </a:r>
+            <a:r>
+              <a:rPr lang="en-US" sz="1050" dirty="0">
+                <a:solidFill>
+                  <a:srgbClr val="FF4500"/>
+                </a:solidFill>
+                <a:latin typeface="Lucida Console" panose="020B0609040504020204" pitchFamily="49" charset="0"/>
+              </a:rPr>
+              <a:t>$sum</a:t>
+            </a:r>
+            <a:r>
+              <a:rPr lang="en-US" sz="1050" dirty="0">
+                <a:solidFill>
+                  <a:prstClr val="black"/>
+                </a:solidFill>
+                <a:latin typeface="Lucida Console" panose="020B0609040504020204" pitchFamily="49" charset="0"/>
+              </a:rPr>
+              <a:t> </a:t>
+            </a:r>
+            <a:r>
+              <a:rPr lang="en-US" sz="1050" dirty="0">
+                <a:solidFill>
+                  <a:srgbClr val="A9A9A9"/>
+                </a:solidFill>
+                <a:latin typeface="Lucida Console" panose="020B0609040504020204" pitchFamily="49" charset="0"/>
+              </a:rPr>
+              <a:t>=</a:t>
+            </a:r>
+            <a:r>
+              <a:rPr lang="en-US" sz="1050" dirty="0">
+                <a:solidFill>
+                  <a:prstClr val="black"/>
+                </a:solidFill>
+                <a:latin typeface="Lucida Console" panose="020B0609040504020204" pitchFamily="49" charset="0"/>
+              </a:rPr>
+              <a:t> </a:t>
+            </a:r>
+            <a:r>
+              <a:rPr lang="en-US" sz="1050" dirty="0">
+                <a:solidFill>
+                  <a:srgbClr val="0000FF"/>
+                </a:solidFill>
+                <a:latin typeface="Lucida Console" panose="020B0609040504020204" pitchFamily="49" charset="0"/>
+              </a:rPr>
+              <a:t>Get-Sum</a:t>
+            </a:r>
+            <a:r>
+              <a:rPr lang="en-US" sz="1050" dirty="0">
+                <a:solidFill>
+                  <a:prstClr val="black"/>
+                </a:solidFill>
+                <a:latin typeface="Lucida Console" panose="020B0609040504020204" pitchFamily="49" charset="0"/>
+              </a:rPr>
+              <a:t> </a:t>
+            </a:r>
+            <a:r>
+              <a:rPr lang="en-US" sz="1050" dirty="0">
+                <a:solidFill>
+                  <a:srgbClr val="000080"/>
+                </a:solidFill>
+                <a:latin typeface="Lucida Console" panose="020B0609040504020204" pitchFamily="49" charset="0"/>
+              </a:rPr>
+              <a:t>-Number</a:t>
+            </a:r>
+            <a:r>
+              <a:rPr lang="en-US" sz="1050" dirty="0">
+                <a:solidFill>
+                  <a:prstClr val="black"/>
+                </a:solidFill>
+                <a:latin typeface="Lucida Console" panose="020B0609040504020204" pitchFamily="49" charset="0"/>
+              </a:rPr>
+              <a:t> (</a:t>
+            </a:r>
+            <a:r>
+              <a:rPr lang="en-US" sz="1050" dirty="0">
+                <a:solidFill>
+                  <a:srgbClr val="800080"/>
+                </a:solidFill>
+                <a:latin typeface="Lucida Console" panose="020B0609040504020204" pitchFamily="49" charset="0"/>
+              </a:rPr>
+              <a:t>1</a:t>
+            </a:r>
+            <a:r>
+              <a:rPr lang="en-US" sz="1050" dirty="0">
+                <a:solidFill>
+                  <a:srgbClr val="A9A9A9"/>
+                </a:solidFill>
+                <a:latin typeface="Lucida Console" panose="020B0609040504020204" pitchFamily="49" charset="0"/>
+              </a:rPr>
+              <a:t>..</a:t>
+            </a:r>
+            <a:r>
+              <a:rPr lang="en-US" sz="1050" dirty="0">
+                <a:solidFill>
+                  <a:srgbClr val="800080"/>
+                </a:solidFill>
+                <a:latin typeface="Lucida Console" panose="020B0609040504020204" pitchFamily="49" charset="0"/>
+              </a:rPr>
+              <a:t>1000000</a:t>
+            </a:r>
+            <a:r>
+              <a:rPr lang="en-US" sz="1050" dirty="0">
+                <a:solidFill>
+                  <a:prstClr val="black"/>
+                </a:solidFill>
+                <a:latin typeface="Lucida Console" panose="020B0609040504020204" pitchFamily="49" charset="0"/>
+              </a:rPr>
+              <a:t>) </a:t>
+            </a:r>
+            <a:r>
+              <a:rPr lang="en-US" sz="1050" dirty="0">
+                <a:solidFill>
+                  <a:srgbClr val="000080"/>
+                </a:solidFill>
+                <a:latin typeface="Lucida Console" panose="020B0609040504020204" pitchFamily="49" charset="0"/>
+              </a:rPr>
+              <a:t>-Kind</a:t>
+            </a:r>
+            <a:r>
+              <a:rPr lang="en-US" sz="1050" dirty="0">
+                <a:solidFill>
+                  <a:prstClr val="black"/>
+                </a:solidFill>
+                <a:latin typeface="Lucida Console" panose="020B0609040504020204" pitchFamily="49" charset="0"/>
+              </a:rPr>
+              <a:t> </a:t>
+            </a:r>
+            <a:r>
+              <a:rPr lang="en-US" sz="1050" dirty="0">
+                <a:solidFill>
+                  <a:srgbClr val="FF4500"/>
+                </a:solidFill>
+                <a:latin typeface="Lucida Console" panose="020B0609040504020204" pitchFamily="49" charset="0"/>
+              </a:rPr>
+              <a:t>$_</a:t>
+            </a:r>
+            <a:endParaRPr lang="en-US" sz="1050" dirty="0">
+              <a:solidFill>
+                <a:prstClr val="black"/>
+              </a:solidFill>
+              <a:latin typeface="Lucida Console" panose="020B0609040504020204" pitchFamily="49" charset="0"/>
+            </a:endParaRPr>
+          </a:p>
+          <a:p>
+            <a:r>
+              <a:rPr lang="sv-SE" sz="1050" dirty="0">
+                <a:solidFill>
+                  <a:prstClr val="black"/>
+                </a:solidFill>
+                <a:latin typeface="Lucida Console" panose="020B0609040504020204" pitchFamily="49" charset="0"/>
+              </a:rPr>
+              <a:t>    </a:t>
+            </a:r>
+            <a:r>
+              <a:rPr lang="sv-SE" sz="1050" dirty="0">
+                <a:solidFill>
+                  <a:srgbClr val="FF4500"/>
+                </a:solidFill>
+                <a:latin typeface="Lucida Console" panose="020B0609040504020204" pitchFamily="49" charset="0"/>
+              </a:rPr>
+              <a:t>$e</a:t>
+            </a:r>
+            <a:r>
+              <a:rPr lang="sv-SE" sz="1050" dirty="0">
+                <a:solidFill>
+                  <a:prstClr val="black"/>
+                </a:solidFill>
+                <a:latin typeface="Lucida Console" panose="020B0609040504020204" pitchFamily="49" charset="0"/>
+              </a:rPr>
+              <a:t> </a:t>
+            </a:r>
+            <a:r>
+              <a:rPr lang="sv-SE" sz="1050" dirty="0">
+                <a:solidFill>
+                  <a:srgbClr val="A9A9A9"/>
+                </a:solidFill>
+                <a:latin typeface="Lucida Console" panose="020B0609040504020204" pitchFamily="49" charset="0"/>
+              </a:rPr>
+              <a:t>=</a:t>
+            </a:r>
+            <a:r>
+              <a:rPr lang="sv-SE" sz="1050" dirty="0">
+                <a:solidFill>
+                  <a:prstClr val="black"/>
+                </a:solidFill>
+                <a:latin typeface="Lucida Console" panose="020B0609040504020204" pitchFamily="49" charset="0"/>
+              </a:rPr>
+              <a:t> </a:t>
+            </a:r>
+            <a:r>
+              <a:rPr lang="sv-SE" sz="1050" dirty="0">
+                <a:solidFill>
+                  <a:srgbClr val="FF4500"/>
+                </a:solidFill>
+                <a:latin typeface="Lucida Console" panose="020B0609040504020204" pitchFamily="49" charset="0"/>
+              </a:rPr>
+              <a:t>$</a:t>
+            </a:r>
+            <a:r>
+              <a:rPr lang="sv-SE" sz="1050" dirty="0" err="1">
+                <a:solidFill>
+                  <a:srgbClr val="FF4500"/>
+                </a:solidFill>
+                <a:latin typeface="Lucida Console" panose="020B0609040504020204" pitchFamily="49" charset="0"/>
+              </a:rPr>
+              <a:t>sw</a:t>
+            </a:r>
+            <a:r>
+              <a:rPr lang="sv-SE" sz="1050" dirty="0" err="1">
+                <a:solidFill>
+                  <a:srgbClr val="A9A9A9"/>
+                </a:solidFill>
+                <a:latin typeface="Lucida Console" panose="020B0609040504020204" pitchFamily="49" charset="0"/>
+              </a:rPr>
+              <a:t>.</a:t>
+            </a:r>
+            <a:r>
+              <a:rPr lang="sv-SE" sz="1050" dirty="0" err="1">
+                <a:solidFill>
+                  <a:prstClr val="black"/>
+                </a:solidFill>
+                <a:latin typeface="Lucida Console" panose="020B0609040504020204" pitchFamily="49" charset="0"/>
+              </a:rPr>
+              <a:t>Elapsed</a:t>
+            </a:r>
+            <a:endParaRPr lang="sv-SE" sz="1050" dirty="0">
+              <a:solidFill>
+                <a:prstClr val="black"/>
+              </a:solidFill>
+              <a:latin typeface="Lucida Console" panose="020B0609040504020204" pitchFamily="49" charset="0"/>
+            </a:endParaRPr>
+          </a:p>
+          <a:p>
+            <a:r>
+              <a:rPr lang="en-US" sz="1050" dirty="0">
+                <a:solidFill>
+                  <a:prstClr val="black"/>
+                </a:solidFill>
+                <a:latin typeface="Lucida Console" panose="020B0609040504020204" pitchFamily="49" charset="0"/>
+              </a:rPr>
+              <a:t>    </a:t>
+            </a:r>
+            <a:r>
+              <a:rPr lang="en-US" sz="1050" dirty="0">
+                <a:solidFill>
+                  <a:srgbClr val="A9A9A9"/>
+                </a:solidFill>
+                <a:latin typeface="Lucida Console" panose="020B0609040504020204" pitchFamily="49" charset="0"/>
+              </a:rPr>
+              <a:t>[</a:t>
+            </a:r>
+            <a:r>
+              <a:rPr lang="en-US" sz="1050" dirty="0" err="1">
+                <a:solidFill>
+                  <a:srgbClr val="008080"/>
+                </a:solidFill>
+                <a:latin typeface="Lucida Console" panose="020B0609040504020204" pitchFamily="49" charset="0"/>
+              </a:rPr>
+              <a:t>pscustomobject</a:t>
+            </a:r>
+            <a:r>
+              <a:rPr lang="en-US" sz="1050" dirty="0">
+                <a:solidFill>
+                  <a:srgbClr val="A9A9A9"/>
+                </a:solidFill>
+                <a:latin typeface="Lucida Console" panose="020B0609040504020204" pitchFamily="49" charset="0"/>
+              </a:rPr>
+              <a:t>]</a:t>
+            </a:r>
+            <a:r>
+              <a:rPr lang="en-US" sz="1050" dirty="0">
+                <a:solidFill>
+                  <a:prstClr val="black"/>
+                </a:solidFill>
+                <a:latin typeface="Lucida Console" panose="020B0609040504020204" pitchFamily="49" charset="0"/>
+              </a:rPr>
+              <a:t> @{  Kind </a:t>
+            </a:r>
+            <a:r>
+              <a:rPr lang="en-US" sz="1050" dirty="0">
+                <a:solidFill>
+                  <a:srgbClr val="A9A9A9"/>
+                </a:solidFill>
+                <a:latin typeface="Lucida Console" panose="020B0609040504020204" pitchFamily="49" charset="0"/>
+              </a:rPr>
+              <a:t>=</a:t>
+            </a:r>
+            <a:r>
+              <a:rPr lang="en-US" sz="1050" dirty="0">
+                <a:solidFill>
+                  <a:prstClr val="black"/>
+                </a:solidFill>
+                <a:latin typeface="Lucida Console" panose="020B0609040504020204" pitchFamily="49" charset="0"/>
+              </a:rPr>
+              <a:t> </a:t>
+            </a:r>
+            <a:r>
+              <a:rPr lang="en-US" sz="1050" dirty="0">
+                <a:solidFill>
+                  <a:srgbClr val="FF4500"/>
+                </a:solidFill>
+                <a:latin typeface="Lucida Console" panose="020B0609040504020204" pitchFamily="49" charset="0"/>
+              </a:rPr>
+              <a:t>$_</a:t>
+            </a:r>
+            <a:r>
+              <a:rPr lang="en-US" sz="1050" dirty="0">
+                <a:solidFill>
+                  <a:prstClr val="black"/>
+                </a:solidFill>
+                <a:latin typeface="Lucida Console" panose="020B0609040504020204" pitchFamily="49" charset="0"/>
+              </a:rPr>
+              <a:t> ; Sum </a:t>
+            </a:r>
+            <a:r>
+              <a:rPr lang="en-US" sz="1050" dirty="0">
+                <a:solidFill>
+                  <a:srgbClr val="A9A9A9"/>
+                </a:solidFill>
+                <a:latin typeface="Lucida Console" panose="020B0609040504020204" pitchFamily="49" charset="0"/>
+              </a:rPr>
+              <a:t>=</a:t>
+            </a:r>
+            <a:r>
+              <a:rPr lang="en-US" sz="1050" dirty="0">
+                <a:solidFill>
+                  <a:prstClr val="black"/>
+                </a:solidFill>
+                <a:latin typeface="Lucida Console" panose="020B0609040504020204" pitchFamily="49" charset="0"/>
+              </a:rPr>
+              <a:t> </a:t>
+            </a:r>
+            <a:r>
+              <a:rPr lang="en-US" sz="1050" dirty="0">
+                <a:solidFill>
+                  <a:srgbClr val="FF4500"/>
+                </a:solidFill>
+                <a:latin typeface="Lucida Console" panose="020B0609040504020204" pitchFamily="49" charset="0"/>
+              </a:rPr>
+              <a:t>$sum</a:t>
+            </a:r>
+            <a:r>
+              <a:rPr lang="en-US" sz="1050" dirty="0">
+                <a:solidFill>
+                  <a:prstClr val="black"/>
+                </a:solidFill>
+                <a:latin typeface="Lucida Console" panose="020B0609040504020204" pitchFamily="49" charset="0"/>
+              </a:rPr>
+              <a:t>; Time </a:t>
+            </a:r>
+            <a:r>
+              <a:rPr lang="en-US" sz="1050" dirty="0">
+                <a:solidFill>
+                  <a:srgbClr val="A9A9A9"/>
+                </a:solidFill>
+                <a:latin typeface="Lucida Console" panose="020B0609040504020204" pitchFamily="49" charset="0"/>
+              </a:rPr>
+              <a:t>=</a:t>
+            </a:r>
+            <a:r>
+              <a:rPr lang="en-US" sz="1050" dirty="0">
+                <a:solidFill>
+                  <a:prstClr val="black"/>
+                </a:solidFill>
+                <a:latin typeface="Lucida Console" panose="020B0609040504020204" pitchFamily="49" charset="0"/>
+              </a:rPr>
+              <a:t> </a:t>
+            </a:r>
+            <a:r>
+              <a:rPr lang="en-US" sz="1050" dirty="0">
+                <a:solidFill>
+                  <a:srgbClr val="FF4500"/>
+                </a:solidFill>
+                <a:latin typeface="Lucida Console" panose="020B0609040504020204" pitchFamily="49" charset="0"/>
+              </a:rPr>
+              <a:t>$e</a:t>
+            </a:r>
+            <a:r>
+              <a:rPr lang="en-US" sz="1050" dirty="0">
+                <a:solidFill>
+                  <a:prstClr val="black"/>
+                </a:solidFill>
+                <a:latin typeface="Lucida Console" panose="020B0609040504020204" pitchFamily="49" charset="0"/>
+              </a:rPr>
+              <a:t>; </a:t>
+            </a:r>
+            <a:r>
+              <a:rPr lang="en-US" sz="1050" dirty="0" err="1">
+                <a:solidFill>
+                  <a:prstClr val="black"/>
+                </a:solidFill>
+                <a:latin typeface="Lucida Console" panose="020B0609040504020204" pitchFamily="49" charset="0"/>
+              </a:rPr>
+              <a:t>TimeMs</a:t>
+            </a:r>
+            <a:r>
+              <a:rPr lang="en-US" sz="1050" dirty="0">
+                <a:solidFill>
+                  <a:prstClr val="black"/>
+                </a:solidFill>
+                <a:latin typeface="Lucida Console" panose="020B0609040504020204" pitchFamily="49" charset="0"/>
+              </a:rPr>
+              <a:t> </a:t>
+            </a:r>
+            <a:r>
+              <a:rPr lang="en-US" sz="1050" dirty="0">
+                <a:solidFill>
+                  <a:srgbClr val="A9A9A9"/>
+                </a:solidFill>
+                <a:latin typeface="Lucida Console" panose="020B0609040504020204" pitchFamily="49" charset="0"/>
+              </a:rPr>
+              <a:t>=</a:t>
+            </a:r>
+            <a:r>
+              <a:rPr lang="en-US" sz="1050" dirty="0">
+                <a:solidFill>
+                  <a:prstClr val="black"/>
+                </a:solidFill>
+                <a:latin typeface="Lucida Console" panose="020B0609040504020204" pitchFamily="49" charset="0"/>
+              </a:rPr>
+              <a:t> </a:t>
+            </a:r>
+            <a:r>
+              <a:rPr lang="en-US" sz="1050" dirty="0">
+                <a:solidFill>
+                  <a:srgbClr val="FF4500"/>
+                </a:solidFill>
+                <a:latin typeface="Lucida Console" panose="020B0609040504020204" pitchFamily="49" charset="0"/>
+              </a:rPr>
+              <a:t>$</a:t>
+            </a:r>
+            <a:r>
+              <a:rPr lang="en-US" sz="1050" dirty="0" err="1">
+                <a:solidFill>
+                  <a:srgbClr val="FF4500"/>
+                </a:solidFill>
+                <a:latin typeface="Lucida Console" panose="020B0609040504020204" pitchFamily="49" charset="0"/>
+              </a:rPr>
+              <a:t>e</a:t>
+            </a:r>
+            <a:r>
+              <a:rPr lang="en-US" sz="1050" dirty="0" err="1">
+                <a:solidFill>
+                  <a:srgbClr val="A9A9A9"/>
+                </a:solidFill>
+                <a:latin typeface="Lucida Console" panose="020B0609040504020204" pitchFamily="49" charset="0"/>
+              </a:rPr>
+              <a:t>.</a:t>
+            </a:r>
+            <a:r>
+              <a:rPr lang="en-US" sz="1050" dirty="0" err="1">
+                <a:solidFill>
+                  <a:prstClr val="black"/>
+                </a:solidFill>
+                <a:latin typeface="Lucida Console" panose="020B0609040504020204" pitchFamily="49" charset="0"/>
+              </a:rPr>
+              <a:t>TotalMilliseconds</a:t>
+            </a:r>
+            <a:r>
+              <a:rPr lang="en-US" sz="1050" dirty="0">
+                <a:solidFill>
+                  <a:prstClr val="black"/>
+                </a:solidFill>
+                <a:latin typeface="Lucida Console" panose="020B0609040504020204" pitchFamily="49" charset="0"/>
+              </a:rPr>
+              <a:t> }</a:t>
+            </a:r>
+          </a:p>
+          <a:p>
+            <a:r>
+              <a:rPr lang="sv-SE" sz="1050" dirty="0">
+                <a:solidFill>
+                  <a:prstClr val="black"/>
+                </a:solidFill>
+                <a:latin typeface="Lucida Console" panose="020B0609040504020204" pitchFamily="49" charset="0"/>
+              </a:rPr>
+              <a:t>} </a:t>
+            </a:r>
           </a:p>
         </p:txBody>
       </p:sp>
     </p:spTree>
     <p:extLst>
       <p:ext uri="{BB962C8B-B14F-4D97-AF65-F5344CB8AC3E}">
-        <p14:creationId xmlns:p14="http://schemas.microsoft.com/office/powerpoint/2010/main" val="1788759479"/>
+        <p14:creationId xmlns:p14="http://schemas.microsoft.com/office/powerpoint/2010/main" val="1401421730"/>
       </p:ext>
     </p:extLst>
   </p:cSld>
@@ -8943,12 +11866,12 @@
   </p:clrMapOvr>
   <mc:AlternateContent xmlns:mc="http://schemas.openxmlformats.org/markup-compatibility/2006" xmlns:p14="http://schemas.microsoft.com/office/powerpoint/2010/main">
     <mc:Choice Requires="p14">
-      <p:transition spd="med" p14:dur="700">
-        <p:fade/>
+      <p:transition spd="slow" p14:dur="1300">
+        <p14:pan dir="u"/>
       </p:transition>
     </mc:Choice>
     <mc:Fallback xmlns="">
-      <p:transition spd="med">
+      <p:transition spd="slow">
         <p:fade/>
       </p:transition>
     </mc:Fallback>
@@ -8975,7 +11898,37 @@
       </p:grpSpPr>
       <p:sp>
         <p:nvSpPr>
-          <p:cNvPr id="2" name="Content Placeholder 1"/>
+          <p:cNvPr id="9218" name="Titel 1"/>
+          <p:cNvSpPr>
+            <a:spLocks noGrp="1"/>
+          </p:cNvSpPr>
+          <p:nvPr>
+            <p:ph type="title"/>
+          </p:nvPr>
+        </p:nvSpPr>
+        <p:spPr>
+          <a:xfrm>
+            <a:off x="0" y="908720"/>
+            <a:ext cx="9144000" cy="792088"/>
+          </a:xfrm>
+          <a:prstGeom prst="rect">
+            <a:avLst/>
+          </a:prstGeom>
+        </p:spPr>
+        <p:txBody>
+          <a:bodyPr/>
+          <a:lstStyle/>
+          <a:p>
+            <a:r>
+              <a:rPr lang="de-DE" dirty="0"/>
+              <a:t>IO / Filesystem</a:t>
+            </a:r>
+          </a:p>
+        </p:txBody>
+      </p:sp>
+      <p:sp>
+        <p:nvSpPr>
+          <p:cNvPr id="9219" name="Inhaltsplatzhalter 2"/>
           <p:cNvSpPr>
             <a:spLocks noGrp="1"/>
           </p:cNvSpPr>
@@ -8985,1025 +11938,80 @@
         </p:nvSpPr>
         <p:spPr/>
         <p:txBody>
-          <a:bodyPr>
-            <a:normAutofit lnSpcReduction="10000"/>
-          </a:bodyPr>
+          <a:bodyPr/>
           <a:lstStyle/>
           <a:p>
             <a:r>
-              <a:rPr lang="sv-SE" sz="1400" dirty="0"/>
-              <a:t> </a:t>
-            </a:r>
-            <a:r>
-              <a:rPr lang="sv-SE" sz="1400" dirty="0" err="1">
-                <a:solidFill>
-                  <a:srgbClr val="00008B"/>
-                </a:solidFill>
-                <a:latin typeface="Lucida Console" panose="020B0609040504020204" pitchFamily="49" charset="0"/>
-              </a:rPr>
-              <a:t>function</a:t>
-            </a:r>
-            <a:r>
-              <a:rPr lang="sv-SE" sz="1400" dirty="0">
-                <a:solidFill>
-                  <a:prstClr val="black"/>
-                </a:solidFill>
-                <a:latin typeface="Lucida Console" panose="020B0609040504020204" pitchFamily="49" charset="0"/>
-              </a:rPr>
-              <a:t> </a:t>
-            </a:r>
-            <a:r>
-              <a:rPr lang="sv-SE" sz="1400" dirty="0">
-                <a:solidFill>
-                  <a:srgbClr val="8A2BE2"/>
-                </a:solidFill>
-                <a:latin typeface="Lucida Console" panose="020B0609040504020204" pitchFamily="49" charset="0"/>
-              </a:rPr>
-              <a:t>Get-</a:t>
-            </a:r>
-            <a:r>
-              <a:rPr lang="sv-SE" sz="1400" dirty="0" err="1">
-                <a:solidFill>
-                  <a:srgbClr val="8A2BE2"/>
-                </a:solidFill>
-                <a:latin typeface="Lucida Console" panose="020B0609040504020204" pitchFamily="49" charset="0"/>
-              </a:rPr>
-              <a:t>Sum</a:t>
-            </a:r>
-            <a:r>
-              <a:rPr lang="sv-SE" sz="1400" dirty="0">
-                <a:solidFill>
-                  <a:prstClr val="black"/>
-                </a:solidFill>
-                <a:latin typeface="Lucida Console" panose="020B0609040504020204" pitchFamily="49" charset="0"/>
-              </a:rPr>
-              <a:t> {</a:t>
-            </a:r>
-          </a:p>
-          <a:p>
-            <a:r>
-              <a:rPr lang="sv-SE" sz="1400" dirty="0">
-                <a:solidFill>
-                  <a:prstClr val="black"/>
-                </a:solidFill>
-                <a:latin typeface="Lucida Console" panose="020B0609040504020204" pitchFamily="49" charset="0"/>
-              </a:rPr>
-              <a:t>    </a:t>
-            </a:r>
-            <a:r>
-              <a:rPr lang="sv-SE" sz="1400" dirty="0" err="1">
-                <a:solidFill>
-                  <a:srgbClr val="00008B"/>
-                </a:solidFill>
-                <a:latin typeface="Lucida Console" panose="020B0609040504020204" pitchFamily="49" charset="0"/>
-              </a:rPr>
-              <a:t>param</a:t>
-            </a:r>
-            <a:r>
-              <a:rPr lang="sv-SE" sz="1400" dirty="0">
-                <a:solidFill>
-                  <a:prstClr val="black"/>
-                </a:solidFill>
-                <a:latin typeface="Lucida Console" panose="020B0609040504020204" pitchFamily="49" charset="0"/>
-              </a:rPr>
-              <a:t>(</a:t>
-            </a:r>
-          </a:p>
-          <a:p>
-            <a:r>
-              <a:rPr lang="sv-SE" sz="1400" dirty="0">
-                <a:solidFill>
-                  <a:prstClr val="black"/>
-                </a:solidFill>
-                <a:latin typeface="Lucida Console" panose="020B0609040504020204" pitchFamily="49" charset="0"/>
-              </a:rPr>
-              <a:t>        </a:t>
-            </a:r>
-            <a:r>
-              <a:rPr lang="sv-SE" sz="1400" dirty="0">
-                <a:solidFill>
-                  <a:srgbClr val="A9A9A9"/>
-                </a:solidFill>
-                <a:latin typeface="Lucida Console" panose="020B0609040504020204" pitchFamily="49" charset="0"/>
-              </a:rPr>
-              <a:t>[</a:t>
-            </a:r>
-            <a:r>
-              <a:rPr lang="sv-SE" sz="1400" dirty="0">
-                <a:solidFill>
-                  <a:srgbClr val="00BFFF"/>
-                </a:solidFill>
-                <a:latin typeface="Lucida Console" panose="020B0609040504020204" pitchFamily="49" charset="0"/>
-              </a:rPr>
-              <a:t>Parameter</a:t>
-            </a:r>
-            <a:r>
-              <a:rPr lang="sv-SE" sz="1400" dirty="0">
-                <a:solidFill>
-                  <a:prstClr val="black"/>
-                </a:solidFill>
-                <a:latin typeface="Lucida Console" panose="020B0609040504020204" pitchFamily="49" charset="0"/>
-              </a:rPr>
-              <a:t>(</a:t>
-            </a:r>
-            <a:r>
-              <a:rPr lang="sv-SE" sz="1400" dirty="0" err="1">
-                <a:solidFill>
-                  <a:prstClr val="black"/>
-                </a:solidFill>
-                <a:latin typeface="Lucida Console" panose="020B0609040504020204" pitchFamily="49" charset="0"/>
-              </a:rPr>
-              <a:t>ValueFromPipelineByPropertyName</a:t>
-            </a:r>
-            <a:r>
-              <a:rPr lang="sv-SE" sz="1400" dirty="0">
-                <a:solidFill>
-                  <a:srgbClr val="A9A9A9"/>
-                </a:solidFill>
-                <a:latin typeface="Lucida Console" panose="020B0609040504020204" pitchFamily="49" charset="0"/>
-              </a:rPr>
-              <a:t>,</a:t>
-            </a:r>
-            <a:r>
-              <a:rPr lang="sv-SE" sz="1400" dirty="0">
-                <a:solidFill>
-                  <a:prstClr val="black"/>
-                </a:solidFill>
-                <a:latin typeface="Lucida Console" panose="020B0609040504020204" pitchFamily="49" charset="0"/>
-              </a:rPr>
-              <a:t> </a:t>
-            </a:r>
-            <a:r>
-              <a:rPr lang="sv-SE" sz="1400" dirty="0" err="1">
-                <a:solidFill>
-                  <a:prstClr val="black"/>
-                </a:solidFill>
-                <a:latin typeface="Lucida Console" panose="020B0609040504020204" pitchFamily="49" charset="0"/>
-              </a:rPr>
-              <a:t>ValueFromPipeline</a:t>
-            </a:r>
-            <a:r>
-              <a:rPr lang="sv-SE" sz="1400" dirty="0">
-                <a:solidFill>
-                  <a:prstClr val="black"/>
-                </a:solidFill>
-                <a:latin typeface="Lucida Console" panose="020B0609040504020204" pitchFamily="49" charset="0"/>
-              </a:rPr>
-              <a:t>)</a:t>
-            </a:r>
-            <a:r>
-              <a:rPr lang="sv-SE" sz="1400" dirty="0">
-                <a:solidFill>
-                  <a:srgbClr val="A9A9A9"/>
-                </a:solidFill>
-                <a:latin typeface="Lucida Console" panose="020B0609040504020204" pitchFamily="49" charset="0"/>
-              </a:rPr>
-              <a:t>]</a:t>
-            </a:r>
-            <a:endParaRPr lang="sv-SE" sz="1400" dirty="0">
-              <a:solidFill>
-                <a:prstClr val="black"/>
-              </a:solidFill>
-              <a:latin typeface="Lucida Console" panose="020B0609040504020204" pitchFamily="49" charset="0"/>
+              <a:rPr lang="de-DE" dirty="0" err="1">
+                <a:latin typeface="Consolas" panose="020B0609020204030204" pitchFamily="49" charset="0"/>
+              </a:rPr>
+              <a:t>Enumerating</a:t>
+            </a:r>
+            <a:r>
+              <a:rPr lang="de-DE" dirty="0">
+                <a:latin typeface="Consolas" panose="020B0609020204030204" pitchFamily="49" charset="0"/>
+              </a:rPr>
+              <a:t> </a:t>
+            </a:r>
+            <a:r>
+              <a:rPr lang="de-DE" dirty="0" err="1">
+                <a:latin typeface="Consolas" panose="020B0609020204030204" pitchFamily="49" charset="0"/>
+              </a:rPr>
+              <a:t>files</a:t>
+            </a:r>
+            <a:endParaRPr lang="de-DE" dirty="0">
+              <a:latin typeface="Consolas" panose="020B0609020204030204" pitchFamily="49" charset="0"/>
             </a:endParaRPr>
           </a:p>
           <a:p>
             <a:r>
-              <a:rPr lang="sv-SE" sz="1400" dirty="0">
-                <a:solidFill>
-                  <a:prstClr val="black"/>
-                </a:solidFill>
-                <a:latin typeface="Lucida Console" panose="020B0609040504020204" pitchFamily="49" charset="0"/>
-              </a:rPr>
-              <a:t>        </a:t>
-            </a:r>
-            <a:r>
-              <a:rPr lang="sv-SE" sz="1400" dirty="0">
-                <a:solidFill>
-                  <a:srgbClr val="A9A9A9"/>
-                </a:solidFill>
-                <a:latin typeface="Lucida Console" panose="020B0609040504020204" pitchFamily="49" charset="0"/>
-              </a:rPr>
-              <a:t>[</a:t>
-            </a:r>
-            <a:r>
-              <a:rPr lang="sv-SE" sz="1400" dirty="0" err="1">
-                <a:solidFill>
-                  <a:srgbClr val="008080"/>
-                </a:solidFill>
-                <a:latin typeface="Lucida Console" panose="020B0609040504020204" pitchFamily="49" charset="0"/>
-              </a:rPr>
-              <a:t>int</a:t>
-            </a:r>
-            <a:r>
-              <a:rPr lang="sv-SE" sz="1400" dirty="0">
-                <a:solidFill>
-                  <a:srgbClr val="A9A9A9"/>
-                </a:solidFill>
-                <a:latin typeface="Lucida Console" panose="020B0609040504020204" pitchFamily="49" charset="0"/>
-              </a:rPr>
-              <a:t>[]]</a:t>
-            </a:r>
-            <a:r>
-              <a:rPr lang="sv-SE" sz="1400" dirty="0">
-                <a:solidFill>
-                  <a:prstClr val="black"/>
-                </a:solidFill>
-                <a:latin typeface="Lucida Console" panose="020B0609040504020204" pitchFamily="49" charset="0"/>
-              </a:rPr>
-              <a:t> </a:t>
-            </a:r>
-            <a:r>
-              <a:rPr lang="sv-SE" sz="1400" dirty="0">
-                <a:solidFill>
-                  <a:srgbClr val="FF4500"/>
-                </a:solidFill>
-                <a:latin typeface="Lucida Console" panose="020B0609040504020204" pitchFamily="49" charset="0"/>
-              </a:rPr>
-              <a:t>$</a:t>
-            </a:r>
-            <a:r>
-              <a:rPr lang="sv-SE" sz="1400" dirty="0" err="1">
-                <a:solidFill>
-                  <a:srgbClr val="FF4500"/>
-                </a:solidFill>
-                <a:latin typeface="Lucida Console" panose="020B0609040504020204" pitchFamily="49" charset="0"/>
-              </a:rPr>
-              <a:t>Length</a:t>
-            </a:r>
-            <a:endParaRPr lang="sv-SE" sz="1400" dirty="0">
-              <a:solidFill>
-                <a:prstClr val="black"/>
-              </a:solidFill>
-              <a:latin typeface="Lucida Console" panose="020B0609040504020204" pitchFamily="49" charset="0"/>
+              <a:rPr lang="de-DE" dirty="0" err="1">
+                <a:latin typeface="Consolas" panose="020B0609020204030204" pitchFamily="49" charset="0"/>
+              </a:rPr>
+              <a:t>Downloading</a:t>
+            </a:r>
+            <a:r>
+              <a:rPr lang="de-DE" dirty="0">
+                <a:latin typeface="Consolas" panose="020B0609020204030204" pitchFamily="49" charset="0"/>
+              </a:rPr>
+              <a:t> </a:t>
+            </a:r>
+            <a:r>
+              <a:rPr lang="de-DE" dirty="0" err="1">
+                <a:latin typeface="Consolas" panose="020B0609020204030204" pitchFamily="49" charset="0"/>
+              </a:rPr>
+              <a:t>files</a:t>
+            </a:r>
+            <a:endParaRPr lang="de-DE" dirty="0">
+              <a:latin typeface="Consolas" panose="020B0609020204030204" pitchFamily="49" charset="0"/>
             </a:endParaRPr>
           </a:p>
           <a:p>
-            <a:r>
-              <a:rPr lang="sv-SE" sz="1400" dirty="0">
-                <a:solidFill>
-                  <a:prstClr val="black"/>
-                </a:solidFill>
-                <a:latin typeface="Lucida Console" panose="020B0609040504020204" pitchFamily="49" charset="0"/>
-              </a:rPr>
-              <a:t>    )</a:t>
-            </a:r>
-          </a:p>
-          <a:p>
-            <a:r>
-              <a:rPr lang="sv-SE" sz="1400" dirty="0">
-                <a:solidFill>
-                  <a:prstClr val="black"/>
-                </a:solidFill>
-                <a:latin typeface="Lucida Console" panose="020B0609040504020204" pitchFamily="49" charset="0"/>
-              </a:rPr>
-              <a:t>    </a:t>
-            </a:r>
-            <a:r>
-              <a:rPr lang="sv-SE" sz="1400" dirty="0" err="1">
-                <a:solidFill>
-                  <a:srgbClr val="00008B"/>
-                </a:solidFill>
-                <a:latin typeface="Lucida Console" panose="020B0609040504020204" pitchFamily="49" charset="0"/>
-              </a:rPr>
-              <a:t>begin</a:t>
-            </a:r>
-            <a:r>
-              <a:rPr lang="sv-SE" sz="1400" dirty="0">
-                <a:solidFill>
-                  <a:prstClr val="black"/>
-                </a:solidFill>
-                <a:latin typeface="Lucida Console" panose="020B0609040504020204" pitchFamily="49" charset="0"/>
-              </a:rPr>
-              <a:t> {</a:t>
-            </a:r>
-          </a:p>
-          <a:p>
-            <a:r>
-              <a:rPr lang="sv-SE" sz="1400" dirty="0">
-                <a:solidFill>
-                  <a:prstClr val="black"/>
-                </a:solidFill>
-                <a:latin typeface="Lucida Console" panose="020B0609040504020204" pitchFamily="49" charset="0"/>
-              </a:rPr>
-              <a:t>        </a:t>
-            </a:r>
-            <a:r>
-              <a:rPr lang="sv-SE" sz="1400" dirty="0">
-                <a:solidFill>
-                  <a:srgbClr val="FF4500"/>
-                </a:solidFill>
-                <a:latin typeface="Lucida Console" panose="020B0609040504020204" pitchFamily="49" charset="0"/>
-              </a:rPr>
-              <a:t>$</a:t>
-            </a:r>
-            <a:r>
-              <a:rPr lang="sv-SE" sz="1400" dirty="0" err="1">
-                <a:solidFill>
-                  <a:srgbClr val="FF4500"/>
-                </a:solidFill>
-                <a:latin typeface="Lucida Console" panose="020B0609040504020204" pitchFamily="49" charset="0"/>
-              </a:rPr>
-              <a:t>sum</a:t>
-            </a:r>
-            <a:r>
-              <a:rPr lang="sv-SE" sz="1400" dirty="0">
-                <a:solidFill>
-                  <a:prstClr val="black"/>
-                </a:solidFill>
-                <a:latin typeface="Lucida Console" panose="020B0609040504020204" pitchFamily="49" charset="0"/>
-              </a:rPr>
-              <a:t> </a:t>
-            </a:r>
-            <a:r>
-              <a:rPr lang="sv-SE" sz="1400" dirty="0">
-                <a:solidFill>
-                  <a:srgbClr val="A9A9A9"/>
-                </a:solidFill>
-                <a:latin typeface="Lucida Console" panose="020B0609040504020204" pitchFamily="49" charset="0"/>
-              </a:rPr>
-              <a:t>=</a:t>
-            </a:r>
-            <a:r>
-              <a:rPr lang="sv-SE" sz="1400" dirty="0">
-                <a:solidFill>
-                  <a:prstClr val="black"/>
-                </a:solidFill>
-                <a:latin typeface="Lucida Console" panose="020B0609040504020204" pitchFamily="49" charset="0"/>
-              </a:rPr>
-              <a:t> </a:t>
-            </a:r>
-            <a:r>
-              <a:rPr lang="sv-SE" sz="1400" dirty="0">
-                <a:solidFill>
-                  <a:srgbClr val="800080"/>
-                </a:solidFill>
-                <a:latin typeface="Lucida Console" panose="020B0609040504020204" pitchFamily="49" charset="0"/>
-              </a:rPr>
-              <a:t>0</a:t>
-            </a:r>
-            <a:endParaRPr lang="sv-SE" sz="1400" dirty="0">
-              <a:solidFill>
-                <a:prstClr val="black"/>
-              </a:solidFill>
-              <a:latin typeface="Lucida Console" panose="020B0609040504020204" pitchFamily="49" charset="0"/>
+            <a:pPr marL="0" indent="0">
+              <a:buNone/>
+            </a:pPr>
+            <a:endParaRPr lang="de-DE" dirty="0">
+              <a:latin typeface="Consolas" panose="020B0609020204030204" pitchFamily="49" charset="0"/>
             </a:endParaRPr>
           </a:p>
           <a:p>
-            <a:r>
-              <a:rPr lang="sv-SE" sz="1400" dirty="0">
-                <a:solidFill>
-                  <a:prstClr val="black"/>
-                </a:solidFill>
-                <a:latin typeface="Lucida Console" panose="020B0609040504020204" pitchFamily="49" charset="0"/>
-              </a:rPr>
-              <a:t>    }</a:t>
-            </a:r>
-          </a:p>
-          <a:p>
-            <a:r>
-              <a:rPr lang="sv-SE" sz="1400" dirty="0">
-                <a:solidFill>
-                  <a:prstClr val="black"/>
-                </a:solidFill>
-                <a:latin typeface="Lucida Console" panose="020B0609040504020204" pitchFamily="49" charset="0"/>
-              </a:rPr>
-              <a:t>    </a:t>
-            </a:r>
-            <a:r>
-              <a:rPr lang="sv-SE" sz="1400" dirty="0">
-                <a:solidFill>
-                  <a:srgbClr val="00008B"/>
-                </a:solidFill>
-                <a:latin typeface="Lucida Console" panose="020B0609040504020204" pitchFamily="49" charset="0"/>
-              </a:rPr>
-              <a:t>process</a:t>
-            </a:r>
-            <a:r>
-              <a:rPr lang="sv-SE" sz="1400" dirty="0">
-                <a:solidFill>
-                  <a:prstClr val="black"/>
-                </a:solidFill>
-                <a:latin typeface="Lucida Console" panose="020B0609040504020204" pitchFamily="49" charset="0"/>
-              </a:rPr>
-              <a:t> {        </a:t>
-            </a:r>
-          </a:p>
-          <a:p>
-            <a:r>
-              <a:rPr lang="sv-SE" sz="1400" dirty="0">
-                <a:solidFill>
-                  <a:prstClr val="black"/>
-                </a:solidFill>
-                <a:latin typeface="Lucida Console" panose="020B0609040504020204" pitchFamily="49" charset="0"/>
-              </a:rPr>
-              <a:t>        </a:t>
-            </a:r>
-            <a:r>
-              <a:rPr lang="sv-SE" sz="1400" dirty="0">
-                <a:solidFill>
-                  <a:srgbClr val="FF4500"/>
-                </a:solidFill>
-                <a:latin typeface="Lucida Console" panose="020B0609040504020204" pitchFamily="49" charset="0"/>
-              </a:rPr>
-              <a:t>$</a:t>
-            </a:r>
-            <a:r>
-              <a:rPr lang="sv-SE" sz="1400" dirty="0" err="1">
-                <a:solidFill>
-                  <a:srgbClr val="FF4500"/>
-                </a:solidFill>
-                <a:latin typeface="Lucida Console" panose="020B0609040504020204" pitchFamily="49" charset="0"/>
-              </a:rPr>
-              <a:t>Length</a:t>
-            </a:r>
-            <a:r>
-              <a:rPr lang="sv-SE" sz="1400" dirty="0">
-                <a:solidFill>
-                  <a:prstClr val="black"/>
-                </a:solidFill>
-                <a:latin typeface="Lucida Console" panose="020B0609040504020204" pitchFamily="49" charset="0"/>
-              </a:rPr>
-              <a:t> </a:t>
-            </a:r>
-            <a:r>
-              <a:rPr lang="sv-SE" sz="1400" dirty="0">
-                <a:solidFill>
-                  <a:srgbClr val="A9A9A9"/>
-                </a:solidFill>
-                <a:latin typeface="Lucida Console" panose="020B0609040504020204" pitchFamily="49" charset="0"/>
-              </a:rPr>
-              <a:t>|</a:t>
-            </a:r>
-            <a:r>
-              <a:rPr lang="sv-SE" sz="1400" dirty="0">
-                <a:solidFill>
-                  <a:prstClr val="black"/>
-                </a:solidFill>
-                <a:latin typeface="Lucida Console" panose="020B0609040504020204" pitchFamily="49" charset="0"/>
-              </a:rPr>
-              <a:t> </a:t>
-            </a:r>
-            <a:r>
-              <a:rPr lang="sv-SE" sz="1400" dirty="0" err="1">
-                <a:solidFill>
-                  <a:srgbClr val="0000FF"/>
-                </a:solidFill>
-                <a:latin typeface="Lucida Console" panose="020B0609040504020204" pitchFamily="49" charset="0"/>
-              </a:rPr>
-              <a:t>ForEach-Object</a:t>
-            </a:r>
-            <a:r>
-              <a:rPr lang="sv-SE" sz="1400" dirty="0">
-                <a:solidFill>
-                  <a:prstClr val="black"/>
-                </a:solidFill>
-                <a:latin typeface="Lucida Console" panose="020B0609040504020204" pitchFamily="49" charset="0"/>
-              </a:rPr>
-              <a:t> { </a:t>
-            </a:r>
-            <a:r>
-              <a:rPr lang="sv-SE" sz="1400" dirty="0">
-                <a:solidFill>
-                  <a:srgbClr val="FF4500"/>
-                </a:solidFill>
-                <a:latin typeface="Lucida Console" panose="020B0609040504020204" pitchFamily="49" charset="0"/>
-              </a:rPr>
-              <a:t>$</a:t>
-            </a:r>
-            <a:r>
-              <a:rPr lang="sv-SE" sz="1400" dirty="0" err="1">
-                <a:solidFill>
-                  <a:srgbClr val="FF4500"/>
-                </a:solidFill>
-                <a:latin typeface="Lucida Console" panose="020B0609040504020204" pitchFamily="49" charset="0"/>
-              </a:rPr>
-              <a:t>sum</a:t>
-            </a:r>
-            <a:r>
-              <a:rPr lang="sv-SE" sz="1400" dirty="0">
-                <a:solidFill>
-                  <a:prstClr val="black"/>
-                </a:solidFill>
-                <a:latin typeface="Lucida Console" panose="020B0609040504020204" pitchFamily="49" charset="0"/>
-              </a:rPr>
-              <a:t> </a:t>
-            </a:r>
-            <a:r>
-              <a:rPr lang="sv-SE" sz="1400" dirty="0">
-                <a:solidFill>
-                  <a:srgbClr val="A9A9A9"/>
-                </a:solidFill>
-                <a:latin typeface="Lucida Console" panose="020B0609040504020204" pitchFamily="49" charset="0"/>
-              </a:rPr>
-              <a:t>+=</a:t>
-            </a:r>
-            <a:r>
-              <a:rPr lang="sv-SE" sz="1400" dirty="0">
-                <a:solidFill>
-                  <a:prstClr val="black"/>
-                </a:solidFill>
-                <a:latin typeface="Lucida Console" panose="020B0609040504020204" pitchFamily="49" charset="0"/>
-              </a:rPr>
-              <a:t> </a:t>
-            </a:r>
-            <a:r>
-              <a:rPr lang="sv-SE" sz="1400" dirty="0">
-                <a:solidFill>
-                  <a:srgbClr val="FF4500"/>
-                </a:solidFill>
-                <a:latin typeface="Lucida Console" panose="020B0609040504020204" pitchFamily="49" charset="0"/>
-              </a:rPr>
-              <a:t>$_</a:t>
-            </a:r>
-            <a:r>
-              <a:rPr lang="sv-SE" sz="1400" dirty="0">
-                <a:solidFill>
-                  <a:prstClr val="black"/>
-                </a:solidFill>
-                <a:latin typeface="Lucida Console" panose="020B0609040504020204" pitchFamily="49" charset="0"/>
-              </a:rPr>
-              <a:t> }        </a:t>
-            </a:r>
-          </a:p>
-          <a:p>
-            <a:r>
-              <a:rPr lang="sv-SE" sz="1400" dirty="0">
-                <a:solidFill>
-                  <a:prstClr val="black"/>
-                </a:solidFill>
-                <a:latin typeface="Lucida Console" panose="020B0609040504020204" pitchFamily="49" charset="0"/>
-              </a:rPr>
-              <a:t>    }</a:t>
-            </a:r>
-          </a:p>
-          <a:p>
-            <a:r>
-              <a:rPr lang="sv-SE" sz="1400" dirty="0">
-                <a:solidFill>
-                  <a:prstClr val="black"/>
-                </a:solidFill>
-                <a:latin typeface="Lucida Console" panose="020B0609040504020204" pitchFamily="49" charset="0"/>
-              </a:rPr>
-              <a:t>    </a:t>
-            </a:r>
-            <a:r>
-              <a:rPr lang="sv-SE" sz="1400" dirty="0">
-                <a:solidFill>
-                  <a:srgbClr val="00008B"/>
-                </a:solidFill>
-                <a:latin typeface="Lucida Console" panose="020B0609040504020204" pitchFamily="49" charset="0"/>
-              </a:rPr>
-              <a:t>end</a:t>
-            </a:r>
-            <a:r>
-              <a:rPr lang="sv-SE" sz="1400" dirty="0">
-                <a:solidFill>
-                  <a:prstClr val="black"/>
-                </a:solidFill>
-                <a:latin typeface="Lucida Console" panose="020B0609040504020204" pitchFamily="49" charset="0"/>
-              </a:rPr>
-              <a:t> {</a:t>
-            </a:r>
-          </a:p>
-          <a:p>
-            <a:r>
-              <a:rPr lang="sv-SE" sz="1400" dirty="0">
-                <a:solidFill>
-                  <a:prstClr val="black"/>
-                </a:solidFill>
-                <a:latin typeface="Lucida Console" panose="020B0609040504020204" pitchFamily="49" charset="0"/>
-              </a:rPr>
-              <a:t>        </a:t>
-            </a:r>
-            <a:r>
-              <a:rPr lang="sv-SE" sz="1400" dirty="0">
-                <a:solidFill>
-                  <a:srgbClr val="FF4500"/>
-                </a:solidFill>
-                <a:latin typeface="Lucida Console" panose="020B0609040504020204" pitchFamily="49" charset="0"/>
-              </a:rPr>
-              <a:t>$</a:t>
-            </a:r>
-            <a:r>
-              <a:rPr lang="sv-SE" sz="1400" dirty="0" err="1">
-                <a:solidFill>
-                  <a:srgbClr val="FF4500"/>
-                </a:solidFill>
-                <a:latin typeface="Lucida Console" panose="020B0609040504020204" pitchFamily="49" charset="0"/>
-              </a:rPr>
-              <a:t>sum</a:t>
-            </a:r>
-            <a:endParaRPr lang="sv-SE" sz="1400" dirty="0">
-              <a:solidFill>
-                <a:prstClr val="black"/>
-              </a:solidFill>
-              <a:latin typeface="Lucida Console" panose="020B0609040504020204" pitchFamily="49" charset="0"/>
-            </a:endParaRPr>
-          </a:p>
-          <a:p>
-            <a:r>
-              <a:rPr lang="sv-SE" sz="1400" dirty="0">
-                <a:solidFill>
-                  <a:prstClr val="black"/>
-                </a:solidFill>
-                <a:latin typeface="Lucida Console" panose="020B0609040504020204" pitchFamily="49" charset="0"/>
-              </a:rPr>
-              <a:t>    }</a:t>
-            </a:r>
-          </a:p>
-          <a:p>
-            <a:r>
-              <a:rPr lang="sv-SE" sz="1400" dirty="0">
-                <a:solidFill>
-                  <a:prstClr val="black"/>
-                </a:solidFill>
-                <a:latin typeface="Lucida Console" panose="020B0609040504020204" pitchFamily="49" charset="0"/>
-              </a:rPr>
-              <a:t>}</a:t>
-            </a:r>
-          </a:p>
-          <a:p>
-            <a:endParaRPr lang="sv-SE" sz="1400" dirty="0">
-              <a:solidFill>
-                <a:prstClr val="black"/>
-              </a:solidFill>
-              <a:latin typeface="Lucida Console" panose="020B0609040504020204" pitchFamily="49" charset="0"/>
-            </a:endParaRPr>
-          </a:p>
-          <a:p>
-            <a:r>
-              <a:rPr lang="sv-SE" sz="1400" dirty="0">
-                <a:solidFill>
-                  <a:srgbClr val="FF4500"/>
-                </a:solidFill>
-                <a:latin typeface="Lucida Console" panose="020B0609040504020204" pitchFamily="49" charset="0"/>
-              </a:rPr>
-              <a:t>$</a:t>
-            </a:r>
-            <a:r>
-              <a:rPr lang="sv-SE" sz="1400" dirty="0" err="1">
-                <a:solidFill>
-                  <a:srgbClr val="FF4500"/>
-                </a:solidFill>
-                <a:latin typeface="Lucida Console" panose="020B0609040504020204" pitchFamily="49" charset="0"/>
-              </a:rPr>
-              <a:t>numbers</a:t>
-            </a:r>
-            <a:r>
-              <a:rPr lang="sv-SE" sz="1400" dirty="0">
-                <a:solidFill>
-                  <a:prstClr val="black"/>
-                </a:solidFill>
-                <a:latin typeface="Lucida Console" panose="020B0609040504020204" pitchFamily="49" charset="0"/>
-              </a:rPr>
-              <a:t> </a:t>
-            </a:r>
-            <a:r>
-              <a:rPr lang="sv-SE" sz="1400" dirty="0">
-                <a:solidFill>
-                  <a:srgbClr val="A9A9A9"/>
-                </a:solidFill>
-                <a:latin typeface="Lucida Console" panose="020B0609040504020204" pitchFamily="49" charset="0"/>
-              </a:rPr>
-              <a:t>=</a:t>
-            </a:r>
-            <a:r>
-              <a:rPr lang="sv-SE" sz="1400" dirty="0">
-                <a:solidFill>
-                  <a:prstClr val="black"/>
-                </a:solidFill>
-                <a:latin typeface="Lucida Console" panose="020B0609040504020204" pitchFamily="49" charset="0"/>
-              </a:rPr>
-              <a:t> </a:t>
-            </a:r>
-            <a:r>
-              <a:rPr lang="sv-SE" sz="1400" dirty="0">
-                <a:solidFill>
-                  <a:srgbClr val="800080"/>
-                </a:solidFill>
-                <a:latin typeface="Lucida Console" panose="020B0609040504020204" pitchFamily="49" charset="0"/>
-              </a:rPr>
-              <a:t>1</a:t>
-            </a:r>
-            <a:r>
-              <a:rPr lang="sv-SE" sz="1400" dirty="0">
-                <a:solidFill>
-                  <a:srgbClr val="A9A9A9"/>
-                </a:solidFill>
-                <a:latin typeface="Lucida Console" panose="020B0609040504020204" pitchFamily="49" charset="0"/>
-              </a:rPr>
-              <a:t>..</a:t>
-            </a:r>
-            <a:r>
-              <a:rPr lang="sv-SE" sz="1400" dirty="0">
-                <a:solidFill>
-                  <a:srgbClr val="800080"/>
-                </a:solidFill>
-                <a:latin typeface="Lucida Console" panose="020B0609040504020204" pitchFamily="49" charset="0"/>
-              </a:rPr>
-              <a:t>100000</a:t>
-            </a:r>
-            <a:endParaRPr lang="sv-SE" sz="1400" dirty="0">
-              <a:solidFill>
-                <a:prstClr val="black"/>
-              </a:solidFill>
-              <a:latin typeface="Lucida Console" panose="020B0609040504020204" pitchFamily="49" charset="0"/>
-            </a:endParaRPr>
-          </a:p>
-          <a:p>
-            <a:endParaRPr lang="sv-SE" sz="1400" dirty="0">
-              <a:solidFill>
-                <a:prstClr val="black"/>
-              </a:solidFill>
-              <a:latin typeface="Lucida Console" panose="020B0609040504020204" pitchFamily="49" charset="0"/>
-            </a:endParaRPr>
-          </a:p>
-          <a:p>
-            <a:r>
-              <a:rPr lang="sv-SE" sz="1400" dirty="0" err="1">
-                <a:solidFill>
-                  <a:srgbClr val="0000FF"/>
-                </a:solidFill>
-                <a:latin typeface="Lucida Console" panose="020B0609040504020204" pitchFamily="49" charset="0"/>
-              </a:rPr>
-              <a:t>Measure-Command</a:t>
-            </a:r>
-            <a:r>
-              <a:rPr lang="sv-SE" sz="1400" dirty="0">
-                <a:solidFill>
-                  <a:prstClr val="black"/>
-                </a:solidFill>
-                <a:latin typeface="Lucida Console" panose="020B0609040504020204" pitchFamily="49" charset="0"/>
-              </a:rPr>
-              <a:t> {</a:t>
-            </a:r>
-          </a:p>
-          <a:p>
-            <a:r>
-              <a:rPr lang="sv-SE" sz="1400" dirty="0">
-                <a:solidFill>
-                  <a:prstClr val="black"/>
-                </a:solidFill>
-                <a:latin typeface="Lucida Console" panose="020B0609040504020204" pitchFamily="49" charset="0"/>
-              </a:rPr>
-              <a:t>    </a:t>
-            </a:r>
-            <a:r>
-              <a:rPr lang="sv-SE" sz="1400" dirty="0">
-                <a:solidFill>
-                  <a:srgbClr val="FF4500"/>
-                </a:solidFill>
-                <a:latin typeface="Lucida Console" panose="020B0609040504020204" pitchFamily="49" charset="0"/>
-              </a:rPr>
-              <a:t>$</a:t>
-            </a:r>
-            <a:r>
-              <a:rPr lang="sv-SE" sz="1400" dirty="0" err="1">
-                <a:solidFill>
-                  <a:srgbClr val="FF4500"/>
-                </a:solidFill>
-                <a:latin typeface="Lucida Console" panose="020B0609040504020204" pitchFamily="49" charset="0"/>
-              </a:rPr>
-              <a:t>numbers</a:t>
-            </a:r>
-            <a:r>
-              <a:rPr lang="sv-SE" sz="1400" dirty="0">
-                <a:solidFill>
-                  <a:prstClr val="black"/>
-                </a:solidFill>
-                <a:latin typeface="Lucida Console" panose="020B0609040504020204" pitchFamily="49" charset="0"/>
-              </a:rPr>
-              <a:t> </a:t>
-            </a:r>
-            <a:r>
-              <a:rPr lang="sv-SE" sz="1400" dirty="0">
-                <a:solidFill>
-                  <a:srgbClr val="A9A9A9"/>
-                </a:solidFill>
-                <a:latin typeface="Lucida Console" panose="020B0609040504020204" pitchFamily="49" charset="0"/>
-              </a:rPr>
-              <a:t>|</a:t>
-            </a:r>
-            <a:r>
-              <a:rPr lang="sv-SE" sz="1400" dirty="0">
-                <a:solidFill>
-                  <a:prstClr val="black"/>
-                </a:solidFill>
-                <a:latin typeface="Lucida Console" panose="020B0609040504020204" pitchFamily="49" charset="0"/>
-              </a:rPr>
-              <a:t> </a:t>
-            </a:r>
-            <a:r>
-              <a:rPr lang="sv-SE" sz="1400" dirty="0">
-                <a:solidFill>
-                  <a:srgbClr val="0000FF"/>
-                </a:solidFill>
-                <a:latin typeface="Lucida Console" panose="020B0609040504020204" pitchFamily="49" charset="0"/>
-              </a:rPr>
-              <a:t>Get-</a:t>
-            </a:r>
-            <a:r>
-              <a:rPr lang="sv-SE" sz="1400" dirty="0" err="1">
-                <a:solidFill>
-                  <a:srgbClr val="0000FF"/>
-                </a:solidFill>
-                <a:latin typeface="Lucida Console" panose="020B0609040504020204" pitchFamily="49" charset="0"/>
-              </a:rPr>
-              <a:t>Sum</a:t>
-            </a:r>
-            <a:endParaRPr lang="sv-SE" sz="1400" dirty="0">
-              <a:solidFill>
-                <a:prstClr val="black"/>
-              </a:solidFill>
-              <a:latin typeface="Lucida Console" panose="020B0609040504020204" pitchFamily="49" charset="0"/>
-            </a:endParaRPr>
-          </a:p>
-          <a:p>
-            <a:r>
-              <a:rPr lang="sv-SE" sz="1400" dirty="0">
-                <a:solidFill>
-                  <a:prstClr val="black"/>
-                </a:solidFill>
-                <a:latin typeface="Lucida Console" panose="020B0609040504020204" pitchFamily="49" charset="0"/>
-              </a:rPr>
-              <a:t>}</a:t>
-            </a:r>
-          </a:p>
-          <a:p>
-            <a:endParaRPr lang="sv-SE" sz="1400" dirty="0">
-              <a:solidFill>
-                <a:prstClr val="black"/>
-              </a:solidFill>
-              <a:latin typeface="Lucida Console" panose="020B0609040504020204" pitchFamily="49" charset="0"/>
-            </a:endParaRPr>
-          </a:p>
-          <a:p>
-            <a:r>
-              <a:rPr lang="sv-SE" sz="1400" dirty="0" err="1">
-                <a:solidFill>
-                  <a:srgbClr val="0000FF"/>
-                </a:solidFill>
-                <a:latin typeface="Lucida Console" panose="020B0609040504020204" pitchFamily="49" charset="0"/>
-              </a:rPr>
-              <a:t>Measure-Command</a:t>
-            </a:r>
-            <a:r>
-              <a:rPr lang="sv-SE" sz="1400" dirty="0">
-                <a:solidFill>
-                  <a:prstClr val="black"/>
-                </a:solidFill>
-                <a:latin typeface="Lucida Console" panose="020B0609040504020204" pitchFamily="49" charset="0"/>
-              </a:rPr>
-              <a:t> {    </a:t>
-            </a:r>
-          </a:p>
-          <a:p>
-            <a:r>
-              <a:rPr lang="sv-SE" sz="1400" dirty="0">
-                <a:solidFill>
-                  <a:prstClr val="black"/>
-                </a:solidFill>
-                <a:latin typeface="Lucida Console" panose="020B0609040504020204" pitchFamily="49" charset="0"/>
-              </a:rPr>
-              <a:t>    </a:t>
-            </a:r>
-            <a:r>
-              <a:rPr lang="sv-SE" sz="1400" dirty="0">
-                <a:solidFill>
-                  <a:srgbClr val="0000FF"/>
-                </a:solidFill>
-                <a:latin typeface="Lucida Console" panose="020B0609040504020204" pitchFamily="49" charset="0"/>
-              </a:rPr>
-              <a:t>Get-</a:t>
-            </a:r>
-            <a:r>
-              <a:rPr lang="sv-SE" sz="1400" dirty="0" err="1">
-                <a:solidFill>
-                  <a:srgbClr val="0000FF"/>
-                </a:solidFill>
-                <a:latin typeface="Lucida Console" panose="020B0609040504020204" pitchFamily="49" charset="0"/>
-              </a:rPr>
-              <a:t>Sum</a:t>
-            </a:r>
-            <a:r>
-              <a:rPr lang="sv-SE" sz="1400" dirty="0">
-                <a:solidFill>
-                  <a:prstClr val="black"/>
-                </a:solidFill>
-                <a:latin typeface="Lucida Console" panose="020B0609040504020204" pitchFamily="49" charset="0"/>
-              </a:rPr>
-              <a:t> </a:t>
-            </a:r>
-            <a:r>
-              <a:rPr lang="sv-SE" sz="1400" dirty="0">
-                <a:solidFill>
-                  <a:srgbClr val="000080"/>
-                </a:solidFill>
-                <a:latin typeface="Lucida Console" panose="020B0609040504020204" pitchFamily="49" charset="0"/>
-              </a:rPr>
-              <a:t>-</a:t>
-            </a:r>
-            <a:r>
-              <a:rPr lang="sv-SE" sz="1400" dirty="0" err="1">
-                <a:solidFill>
-                  <a:srgbClr val="000080"/>
-                </a:solidFill>
-                <a:latin typeface="Lucida Console" panose="020B0609040504020204" pitchFamily="49" charset="0"/>
-              </a:rPr>
-              <a:t>Length</a:t>
-            </a:r>
-            <a:r>
-              <a:rPr lang="sv-SE" sz="1400" dirty="0">
-                <a:solidFill>
-                  <a:prstClr val="black"/>
-                </a:solidFill>
-                <a:latin typeface="Lucida Console" panose="020B0609040504020204" pitchFamily="49" charset="0"/>
-              </a:rPr>
-              <a:t> </a:t>
-            </a:r>
-            <a:r>
-              <a:rPr lang="sv-SE" sz="1400" dirty="0">
-                <a:solidFill>
-                  <a:srgbClr val="FF4500"/>
-                </a:solidFill>
-                <a:latin typeface="Lucida Console" panose="020B0609040504020204" pitchFamily="49" charset="0"/>
-              </a:rPr>
-              <a:t>$</a:t>
-            </a:r>
-            <a:r>
-              <a:rPr lang="sv-SE" sz="1400" dirty="0" err="1">
-                <a:solidFill>
-                  <a:srgbClr val="FF4500"/>
-                </a:solidFill>
-                <a:latin typeface="Lucida Console" panose="020B0609040504020204" pitchFamily="49" charset="0"/>
-              </a:rPr>
-              <a:t>numbers</a:t>
-            </a:r>
-            <a:endParaRPr lang="sv-SE" sz="1400" dirty="0">
-              <a:solidFill>
-                <a:prstClr val="black"/>
-              </a:solidFill>
-              <a:latin typeface="Lucida Console" panose="020B0609040504020204" pitchFamily="49" charset="0"/>
-            </a:endParaRPr>
-          </a:p>
-          <a:p>
-            <a:r>
-              <a:rPr lang="sv-SE" sz="1400" dirty="0">
-                <a:solidFill>
-                  <a:prstClr val="black"/>
-                </a:solidFill>
-                <a:latin typeface="Lucida Console" panose="020B0609040504020204" pitchFamily="49" charset="0"/>
-              </a:rPr>
-              <a:t>} </a:t>
-            </a:r>
-          </a:p>
-          <a:p>
-            <a:endParaRPr lang="en-US" dirty="0">
-              <a:solidFill>
-                <a:srgbClr val="FF0000"/>
-              </a:solidFill>
-              <a:latin typeface="Lucida Console" panose="020B0609040504020204" pitchFamily="49" charset="0"/>
-            </a:endParaRPr>
-          </a:p>
-          <a:p>
-            <a:endParaRPr lang="en-US" dirty="0">
-              <a:solidFill>
-                <a:srgbClr val="FF0000"/>
-              </a:solidFill>
-              <a:latin typeface="Lucida Console" panose="020B0609040504020204" pitchFamily="49" charset="0"/>
-            </a:endParaRPr>
-          </a:p>
-          <a:p>
-            <a:endParaRPr lang="en-US" dirty="0">
-              <a:solidFill>
-                <a:srgbClr val="FF0000"/>
-              </a:solidFill>
-              <a:latin typeface="Lucida Console" panose="020B0609040504020204" pitchFamily="49" charset="0"/>
-            </a:endParaRPr>
-          </a:p>
-          <a:p>
-            <a:endParaRPr lang="en-US" dirty="0">
-              <a:solidFill>
-                <a:srgbClr val="FF0000"/>
-              </a:solidFill>
-              <a:latin typeface="Lucida Console" panose="020B0609040504020204" pitchFamily="49" charset="0"/>
-            </a:endParaRPr>
-          </a:p>
-          <a:p>
-            <a:endParaRPr lang="en-US" dirty="0">
-              <a:solidFill>
-                <a:srgbClr val="FF0000"/>
-              </a:solidFill>
-              <a:latin typeface="Lucida Console" panose="020B0609040504020204" pitchFamily="49" charset="0"/>
-            </a:endParaRPr>
+            <a:pPr marL="0" indent="0">
+              <a:buNone/>
+            </a:pPr>
+            <a:endParaRPr lang="de-DE" dirty="0"/>
+          </a:p>
+          <a:p>
+            <a:pPr marL="0" indent="0">
+              <a:buNone/>
+            </a:pPr>
+            <a:endParaRPr lang="de-DE" dirty="0"/>
           </a:p>
         </p:txBody>
       </p:sp>
     </p:spTree>
     <p:extLst>
       <p:ext uri="{BB962C8B-B14F-4D97-AF65-F5344CB8AC3E}">
-        <p14:creationId xmlns:p14="http://schemas.microsoft.com/office/powerpoint/2010/main" val="1401421730"/>
+        <p14:creationId xmlns:p14="http://schemas.microsoft.com/office/powerpoint/2010/main" val="1788759479"/>
       </p:ext>
     </p:extLst>
   </p:cSld>
@@ -10012,12 +12020,12 @@
   </p:clrMapOvr>
   <mc:AlternateContent xmlns:mc="http://schemas.openxmlformats.org/markup-compatibility/2006" xmlns:p14="http://schemas.microsoft.com/office/powerpoint/2010/main">
     <mc:Choice Requires="p14">
-      <p:transition spd="slow" p14:dur="1300">
-        <p14:pan dir="u"/>
+      <p:transition spd="med" p14:dur="700">
+        <p:fade/>
       </p:transition>
     </mc:Choice>
     <mc:Fallback xmlns="">
-      <p:transition spd="slow">
+      <p:transition spd="med">
         <p:fade/>
       </p:transition>
     </mc:Fallback>

--- a/PSCONFEU_Perf2017.pptx
+++ b/PSCONFEU_Perf2017.pptx
@@ -4656,40 +4656,31 @@
               <a:t>[</a:t>
             </a:r>
             <a:r>
+              <a:rPr lang="sv-SE" sz="1400">
+                <a:solidFill>
+                  <a:srgbClr val="00BFFF"/>
+                </a:solidFill>
+                <a:latin typeface="Lucida Console" panose="020B0609040504020204" pitchFamily="49" charset="0"/>
+              </a:rPr>
+              <a:t>Parameter</a:t>
+            </a:r>
+            <a:r>
+              <a:rPr lang="sv-SE" sz="1400">
+                <a:solidFill>
+                  <a:prstClr val="black"/>
+                </a:solidFill>
+                <a:latin typeface="Lucida Console" panose="020B0609040504020204" pitchFamily="49" charset="0"/>
+              </a:rPr>
+              <a:t>(ValueFromPipeline</a:t>
+            </a:r>
+            <a:r>
               <a:rPr lang="sv-SE" sz="1400" dirty="0">
                 <a:solidFill>
-                  <a:srgbClr val="00BFFF"/>
-                </a:solidFill>
-                <a:latin typeface="Lucida Console" panose="020B0609040504020204" pitchFamily="49" charset="0"/>
-              </a:rPr>
-              <a:t>Alias</a:t>
-            </a:r>
-            <a:r>
-              <a:rPr lang="sv-SE" sz="1400" dirty="0">
-                <a:solidFill>
-                  <a:prstClr val="black"/>
-                </a:solidFill>
-                <a:latin typeface="Lucida Console" panose="020B0609040504020204" pitchFamily="49" charset="0"/>
-              </a:rPr>
-              <a:t>(”</a:t>
-            </a:r>
-            <a:r>
-              <a:rPr lang="sv-SE" sz="1400" dirty="0" err="1">
-                <a:solidFill>
-                  <a:prstClr val="black"/>
-                </a:solidFill>
-                <a:latin typeface="Lucida Console" panose="020B0609040504020204" pitchFamily="49" charset="0"/>
-              </a:rPr>
-              <a:t>Length</a:t>
-            </a:r>
-            <a:r>
-              <a:rPr lang="sv-SE" sz="1400" dirty="0">
-                <a:solidFill>
-                  <a:prstClr val="black"/>
-                </a:solidFill>
-                <a:latin typeface="Lucida Console" panose="020B0609040504020204" pitchFamily="49" charset="0"/>
-              </a:rPr>
-              <a:t>”)</a:t>
+                  <a:prstClr val="black"/>
+                </a:solidFill>
+                <a:latin typeface="Lucida Console" panose="020B0609040504020204" pitchFamily="49" charset="0"/>
+              </a:rPr>
+              <a:t>)</a:t>
             </a:r>
             <a:r>
               <a:rPr lang="sv-SE" sz="1400" dirty="0">
@@ -4727,13 +4718,22 @@
               <a:t>[</a:t>
             </a:r>
             <a:r>
+              <a:rPr lang="sv-SE" sz="1400" dirty="0" err="1">
+                <a:solidFill>
+                  <a:srgbClr val="008080"/>
+                </a:solidFill>
+                <a:latin typeface="Lucida Console" panose="020B0609040504020204" pitchFamily="49" charset="0"/>
+              </a:rPr>
+              <a:t>int</a:t>
+            </a:r>
+            <a:r>
               <a:rPr lang="sv-SE" sz="1400" dirty="0">
                 <a:solidFill>
-                  <a:srgbClr val="00BFFF"/>
-                </a:solidFill>
-                <a:latin typeface="Lucida Console" panose="020B0609040504020204" pitchFamily="49" charset="0"/>
-              </a:rPr>
-              <a:t>Parameter</a:t>
+                  <a:srgbClr val="A9A9A9"/>
+                </a:solidFill>
+                <a:latin typeface="Lucida Console" panose="020B0609040504020204" pitchFamily="49" charset="0"/>
+              </a:rPr>
+              <a:t>[]]</a:t>
             </a:r>
             <a:r>
               <a:rPr lang="sv-SE" sz="1400" dirty="0">
@@ -4742,61 +4742,25 @@
                 </a:solidFill>
                 <a:latin typeface="Lucida Console" panose="020B0609040504020204" pitchFamily="49" charset="0"/>
               </a:rPr>
-              <a:t>(</a:t>
+              <a:t> </a:t>
+            </a:r>
+            <a:r>
+              <a:rPr lang="sv-SE" sz="1400" dirty="0">
+                <a:solidFill>
+                  <a:srgbClr val="FF4500"/>
+                </a:solidFill>
+                <a:latin typeface="Lucida Console" panose="020B0609040504020204" pitchFamily="49" charset="0"/>
+              </a:rPr>
+              <a:t>$</a:t>
             </a:r>
             <a:r>
               <a:rPr lang="sv-SE" sz="1400" dirty="0" err="1">
                 <a:solidFill>
-                  <a:prstClr val="black"/>
-                </a:solidFill>
-                <a:latin typeface="Lucida Console" panose="020B0609040504020204" pitchFamily="49" charset="0"/>
-              </a:rPr>
-              <a:t>ValueFromPipelineByPropertyName</a:t>
-            </a:r>
-            <a:r>
-              <a:rPr lang="sv-SE" sz="1400" dirty="0">
-                <a:solidFill>
-                  <a:srgbClr val="A9A9A9"/>
-                </a:solidFill>
-                <a:latin typeface="Lucida Console" panose="020B0609040504020204" pitchFamily="49" charset="0"/>
-              </a:rPr>
-              <a:t>,</a:t>
-            </a:r>
-            <a:r>
-              <a:rPr lang="sv-SE" sz="1400" dirty="0">
-                <a:solidFill>
-                  <a:prstClr val="black"/>
-                </a:solidFill>
-                <a:latin typeface="Lucida Console" panose="020B0609040504020204" pitchFamily="49" charset="0"/>
-              </a:rPr>
-              <a:t> </a:t>
-            </a:r>
-            <a:r>
-              <a:rPr lang="sv-SE" sz="1400" dirty="0" err="1">
-                <a:solidFill>
-                  <a:prstClr val="black"/>
-                </a:solidFill>
-                <a:latin typeface="Lucida Console" panose="020B0609040504020204" pitchFamily="49" charset="0"/>
-              </a:rPr>
-              <a:t>ValueFromPipeline</a:t>
-            </a:r>
-            <a:r>
-              <a:rPr lang="sv-SE" sz="1400" dirty="0">
-                <a:solidFill>
-                  <a:prstClr val="black"/>
-                </a:solidFill>
-                <a:latin typeface="Lucida Console" panose="020B0609040504020204" pitchFamily="49" charset="0"/>
-              </a:rPr>
-              <a:t>)</a:t>
-            </a:r>
-            <a:r>
-              <a:rPr lang="sv-SE" sz="1400" dirty="0">
-                <a:solidFill>
-                  <a:srgbClr val="A9A9A9"/>
-                </a:solidFill>
-                <a:latin typeface="Lucida Console" panose="020B0609040504020204" pitchFamily="49" charset="0"/>
-              </a:rPr>
-              <a:t>]</a:t>
+                  <a:srgbClr val="FF4500"/>
+                </a:solidFill>
+                <a:latin typeface="Lucida Console" panose="020B0609040504020204" pitchFamily="49" charset="0"/>
+              </a:rPr>
+              <a:t>Number</a:t>
             </a:r>
             <a:endParaRPr lang="sv-SE" sz="1400" dirty="0">
               <a:solidFill>
@@ -4813,61 +4777,101 @@
                 </a:solidFill>
                 <a:latin typeface="Lucida Console" panose="020B0609040504020204" pitchFamily="49" charset="0"/>
               </a:rPr>
+              <a:t>    )</a:t>
+            </a:r>
+          </a:p>
+          <a:p>
+            <a:r>
+              <a:rPr lang="sv-SE" sz="1400" dirty="0">
+                <a:solidFill>
+                  <a:prstClr val="black"/>
+                </a:solidFill>
+                <a:latin typeface="Lucida Console" panose="020B0609040504020204" pitchFamily="49" charset="0"/>
+              </a:rPr>
+              <a:t>    </a:t>
+            </a:r>
+            <a:r>
+              <a:rPr lang="sv-SE" sz="1400" dirty="0" err="1">
+                <a:solidFill>
+                  <a:srgbClr val="00008B"/>
+                </a:solidFill>
+                <a:latin typeface="Lucida Console" panose="020B0609040504020204" pitchFamily="49" charset="0"/>
+              </a:rPr>
+              <a:t>begin</a:t>
+            </a:r>
+            <a:r>
+              <a:rPr lang="sv-SE" sz="1400" dirty="0">
+                <a:solidFill>
+                  <a:prstClr val="black"/>
+                </a:solidFill>
+                <a:latin typeface="Lucida Console" panose="020B0609040504020204" pitchFamily="49" charset="0"/>
+              </a:rPr>
+              <a:t> {</a:t>
+            </a:r>
+          </a:p>
+          <a:p>
+            <a:r>
+              <a:rPr lang="sv-SE" sz="1400" dirty="0">
+                <a:solidFill>
+                  <a:prstClr val="black"/>
+                </a:solidFill>
+                <a:latin typeface="Lucida Console" panose="020B0609040504020204" pitchFamily="49" charset="0"/>
+              </a:rPr>
               <a:t>        </a:t>
             </a:r>
             <a:r>
               <a:rPr lang="sv-SE" sz="1400" dirty="0">
                 <a:solidFill>
+                  <a:srgbClr val="FF4500"/>
+                </a:solidFill>
+                <a:latin typeface="Lucida Console" panose="020B0609040504020204" pitchFamily="49" charset="0"/>
+              </a:rPr>
+              <a:t>$</a:t>
+            </a:r>
+            <a:r>
+              <a:rPr lang="sv-SE" sz="1400" dirty="0" err="1">
+                <a:solidFill>
+                  <a:srgbClr val="FF4500"/>
+                </a:solidFill>
+                <a:latin typeface="Lucida Console" panose="020B0609040504020204" pitchFamily="49" charset="0"/>
+              </a:rPr>
+              <a:t>sum</a:t>
+            </a:r>
+            <a:r>
+              <a:rPr lang="sv-SE" sz="1400" dirty="0">
+                <a:solidFill>
+                  <a:prstClr val="black"/>
+                </a:solidFill>
+                <a:latin typeface="Lucida Console" panose="020B0609040504020204" pitchFamily="49" charset="0"/>
+              </a:rPr>
+              <a:t> </a:t>
+            </a:r>
+            <a:r>
+              <a:rPr lang="sv-SE" sz="1400" dirty="0">
+                <a:solidFill>
                   <a:srgbClr val="A9A9A9"/>
                 </a:solidFill>
                 <a:latin typeface="Lucida Console" panose="020B0609040504020204" pitchFamily="49" charset="0"/>
               </a:rPr>
-              <a:t>[</a:t>
-            </a:r>
-            <a:r>
-              <a:rPr lang="sv-SE" sz="1400" dirty="0" err="1">
-                <a:solidFill>
-                  <a:srgbClr val="008080"/>
-                </a:solidFill>
-                <a:latin typeface="Lucida Console" panose="020B0609040504020204" pitchFamily="49" charset="0"/>
-              </a:rPr>
-              <a:t>int</a:t>
+              <a:t>=</a:t>
             </a:r>
             <a:r>
               <a:rPr lang="sv-SE" sz="1400" dirty="0">
                 <a:solidFill>
-                  <a:srgbClr val="A9A9A9"/>
-                </a:solidFill>
-                <a:latin typeface="Lucida Console" panose="020B0609040504020204" pitchFamily="49" charset="0"/>
-              </a:rPr>
-              <a:t>[]]</a:t>
+                  <a:prstClr val="black"/>
+                </a:solidFill>
+                <a:latin typeface="Lucida Console" panose="020B0609040504020204" pitchFamily="49" charset="0"/>
+              </a:rPr>
+              <a:t> </a:t>
             </a:r>
             <a:r>
               <a:rPr lang="sv-SE" sz="1400" dirty="0">
                 <a:solidFill>
-                  <a:prstClr val="black"/>
-                </a:solidFill>
-                <a:latin typeface="Lucida Console" panose="020B0609040504020204" pitchFamily="49" charset="0"/>
-              </a:rPr>
-              <a:t> </a:t>
-            </a:r>
-            <a:r>
-              <a:rPr lang="sv-SE" sz="1400" dirty="0">
-                <a:solidFill>
-                  <a:srgbClr val="FF4500"/>
-                </a:solidFill>
-                <a:latin typeface="Lucida Console" panose="020B0609040504020204" pitchFamily="49" charset="0"/>
-              </a:rPr>
-              <a:t>$</a:t>
-            </a:r>
-            <a:r>
-              <a:rPr lang="sv-SE" sz="1400" dirty="0" err="1">
-                <a:solidFill>
-                  <a:srgbClr val="FF4500"/>
-                </a:solidFill>
-                <a:latin typeface="Lucida Console" panose="020B0609040504020204" pitchFamily="49" charset="0"/>
-              </a:rPr>
-              <a:t>Number</a:t>
+                  <a:srgbClr val="800080"/>
+                </a:solidFill>
+                <a:latin typeface="Lucida Console" panose="020B0609040504020204" pitchFamily="49" charset="0"/>
+              </a:rPr>
+              <a:t>0</a:t>
             </a:r>
             <a:endParaRPr lang="sv-SE" sz="1400" dirty="0">
               <a:solidFill>
@@ -4884,7 +4888,7 @@
                 </a:solidFill>
                 <a:latin typeface="Lucida Console" panose="020B0609040504020204" pitchFamily="49" charset="0"/>
               </a:rPr>
-              <a:t>    )</a:t>
+              <a:t>    }</a:t>
             </a:r>
           </a:p>
           <a:p>
@@ -4898,13 +4902,42 @@
               <a:t>    </a:t>
             </a:r>
             <a:r>
+              <a:rPr lang="sv-SE" sz="1400" dirty="0">
+                <a:solidFill>
+                  <a:srgbClr val="00008B"/>
+                </a:solidFill>
+                <a:latin typeface="Lucida Console" panose="020B0609040504020204" pitchFamily="49" charset="0"/>
+              </a:rPr>
+              <a:t>process</a:t>
+            </a:r>
+            <a:r>
+              <a:rPr lang="sv-SE" sz="1400" dirty="0">
+                <a:solidFill>
+                  <a:prstClr val="black"/>
+                </a:solidFill>
+                <a:latin typeface="Lucida Console" panose="020B0609040504020204" pitchFamily="49" charset="0"/>
+              </a:rPr>
+              <a:t> {</a:t>
+            </a:r>
+          </a:p>
+          <a:p>
+            <a:r>
+              <a:rPr lang="sv-SE" sz="1400" dirty="0">
+                <a:solidFill>
+                  <a:prstClr val="black"/>
+                </a:solidFill>
+                <a:latin typeface="Lucida Console" panose="020B0609040504020204" pitchFamily="49" charset="0"/>
+              </a:rPr>
+              <a:t>        </a:t>
+            </a:r>
+            <a:r>
               <a:rPr lang="sv-SE" sz="1400" dirty="0" err="1">
                 <a:solidFill>
                   <a:srgbClr val="00008B"/>
                 </a:solidFill>
                 <a:latin typeface="Lucida Console" panose="020B0609040504020204" pitchFamily="49" charset="0"/>
               </a:rPr>
-              <a:t>begin</a:t>
+              <a:t>foreach</a:t>
             </a:r>
             <a:r>
               <a:rPr lang="sv-SE" sz="1400" dirty="0">
@@ -4913,22 +4946,47 @@
                 </a:solidFill>
                 <a:latin typeface="Lucida Console" panose="020B0609040504020204" pitchFamily="49" charset="0"/>
               </a:rPr>
-              <a:t> {</a:t>
-            </a:r>
-          </a:p>
-          <a:p>
+              <a:t>(</a:t>
+            </a:r>
             <a:r>
               <a:rPr lang="sv-SE" sz="1400" dirty="0">
                 <a:solidFill>
-                  <a:prstClr val="black"/>
-                </a:solidFill>
-                <a:latin typeface="Lucida Console" panose="020B0609040504020204" pitchFamily="49" charset="0"/>
-              </a:rPr>
-              <a:t>        </a:t>
+                  <a:srgbClr val="FF4500"/>
+                </a:solidFill>
+                <a:latin typeface="Lucida Console" panose="020B0609040504020204" pitchFamily="49" charset="0"/>
+              </a:rPr>
+              <a:t>$i</a:t>
             </a:r>
             <a:r>
               <a:rPr lang="sv-SE" sz="1400" dirty="0">
                 <a:solidFill>
+                  <a:prstClr val="black"/>
+                </a:solidFill>
+                <a:latin typeface="Lucida Console" panose="020B0609040504020204" pitchFamily="49" charset="0"/>
+              </a:rPr>
+              <a:t> </a:t>
+            </a:r>
+            <a:r>
+              <a:rPr lang="sv-SE" sz="1400" dirty="0">
+                <a:solidFill>
+                  <a:srgbClr val="00008B"/>
+                </a:solidFill>
+                <a:latin typeface="Lucida Console" panose="020B0609040504020204" pitchFamily="49" charset="0"/>
+              </a:rPr>
+              <a:t>in</a:t>
+            </a:r>
+            <a:r>
+              <a:rPr lang="sv-SE" sz="1400" dirty="0">
+                <a:solidFill>
+                  <a:prstClr val="black"/>
+                </a:solidFill>
+                <a:latin typeface="Lucida Console" panose="020B0609040504020204" pitchFamily="49" charset="0"/>
+              </a:rPr>
+              <a:t> </a:t>
+            </a:r>
+            <a:r>
+              <a:rPr lang="sv-SE" sz="1400" dirty="0">
+                <a:solidFill>
                   <a:srgbClr val="FF4500"/>
                 </a:solidFill>
                 <a:latin typeface="Lucida Console" panose="020B0609040504020204" pitchFamily="49" charset="0"/>
@@ -4942,6 +5000,44 @@
                 </a:solidFill>
                 <a:latin typeface="Lucida Console" panose="020B0609040504020204" pitchFamily="49" charset="0"/>
               </a:rPr>
+              <a:t>Number</a:t>
+            </a:r>
+            <a:r>
+              <a:rPr lang="sv-SE" sz="1400" dirty="0">
+                <a:solidFill>
+                  <a:prstClr val="black"/>
+                </a:solidFill>
+                <a:latin typeface="Lucida Console" panose="020B0609040504020204" pitchFamily="49" charset="0"/>
+              </a:rPr>
+              <a:t>){</a:t>
+            </a:r>
+          </a:p>
+          <a:p>
+            <a:r>
+              <a:rPr lang="sv-SE" sz="1400" dirty="0">
+                <a:solidFill>
+                  <a:prstClr val="black"/>
+                </a:solidFill>
+                <a:latin typeface="Lucida Console" panose="020B0609040504020204" pitchFamily="49" charset="0"/>
+              </a:rPr>
+              <a:t>            </a:t>
+            </a:r>
+            <a:r>
+              <a:rPr lang="sv-SE" sz="1400" dirty="0">
+                <a:solidFill>
+                  <a:srgbClr val="FF4500"/>
+                </a:solidFill>
+                <a:latin typeface="Lucida Console" panose="020B0609040504020204" pitchFamily="49" charset="0"/>
+              </a:rPr>
+              <a:t>$</a:t>
+            </a:r>
+            <a:r>
+              <a:rPr lang="sv-SE" sz="1400" dirty="0" err="1">
+                <a:solidFill>
+                  <a:srgbClr val="FF4500"/>
+                </a:solidFill>
+                <a:latin typeface="Lucida Console" panose="020B0609040504020204" pitchFamily="49" charset="0"/>
+              </a:rPr>
               <a:t>sum</a:t>
             </a:r>
             <a:r>
@@ -4960,7 +5056,7 @@
                 </a:solidFill>
                 <a:latin typeface="Lucida Console" panose="020B0609040504020204" pitchFamily="49" charset="0"/>
               </a:rPr>
-              <a:t>=</a:t>
+              <a:t>+=</a:t>
             </a:r>
             <a:r>
               <a:rPr lang="sv-SE" sz="1400" dirty="0">
@@ -4974,11 +5070,11 @@
             <a:r>
               <a:rPr lang="sv-SE" sz="1400" dirty="0">
                 <a:solidFill>
-                  <a:srgbClr val="800080"/>
-                </a:solidFill>
-                <a:latin typeface="Lucida Console" panose="020B0609040504020204" pitchFamily="49" charset="0"/>
-              </a:rPr>
-              <a:t>0</a:t>
+                  <a:srgbClr val="FF4500"/>
+                </a:solidFill>
+                <a:latin typeface="Lucida Console" panose="020B0609040504020204" pitchFamily="49" charset="0"/>
+              </a:rPr>
+              <a:t>$i</a:t>
             </a:r>
             <a:endParaRPr lang="sv-SE" sz="1400" dirty="0">
               <a:solidFill>
@@ -4995,6 +5091,17 @@
                 </a:solidFill>
                 <a:latin typeface="Lucida Console" panose="020B0609040504020204" pitchFamily="49" charset="0"/>
               </a:rPr>
+              <a:t>        }</a:t>
+            </a:r>
+          </a:p>
+          <a:p>
+            <a:r>
+              <a:rPr lang="sv-SE" sz="1400" dirty="0">
+                <a:solidFill>
+                  <a:prstClr val="black"/>
+                </a:solidFill>
+                <a:latin typeface="Lucida Console" panose="020B0609040504020204" pitchFamily="49" charset="0"/>
+              </a:rPr>
               <a:t>    }</a:t>
             </a:r>
           </a:p>
@@ -5015,7 +5122,7 @@
                 </a:solidFill>
                 <a:latin typeface="Lucida Console" panose="020B0609040504020204" pitchFamily="49" charset="0"/>
               </a:rPr>
-              <a:t>process</a:t>
+              <a:t>end</a:t>
             </a:r>
             <a:r>
               <a:rPr lang="sv-SE" sz="1400" dirty="0">
@@ -5038,150 +5145,22 @@
               <a:t>        </a:t>
             </a:r>
             <a:r>
+              <a:rPr lang="sv-SE" sz="1400" dirty="0">
+                <a:solidFill>
+                  <a:srgbClr val="FF4500"/>
+                </a:solidFill>
+                <a:latin typeface="Lucida Console" panose="020B0609040504020204" pitchFamily="49" charset="0"/>
+              </a:rPr>
+              <a:t>$</a:t>
+            </a:r>
+            <a:r>
               <a:rPr lang="sv-SE" sz="1400" dirty="0" err="1">
                 <a:solidFill>
-                  <a:srgbClr val="00008B"/>
-                </a:solidFill>
-                <a:latin typeface="Lucida Console" panose="020B0609040504020204" pitchFamily="49" charset="0"/>
-              </a:rPr>
-              <a:t>foreach</a:t>
-            </a:r>
-            <a:r>
-              <a:rPr lang="sv-SE" sz="1400" dirty="0">
-                <a:solidFill>
-                  <a:prstClr val="black"/>
-                </a:solidFill>
-                <a:latin typeface="Lucida Console" panose="020B0609040504020204" pitchFamily="49" charset="0"/>
-              </a:rPr>
-              <a:t>(</a:t>
-            </a:r>
-            <a:r>
-              <a:rPr lang="sv-SE" sz="1400" dirty="0">
-                <a:solidFill>
                   <a:srgbClr val="FF4500"/>
                 </a:solidFill>
                 <a:latin typeface="Lucida Console" panose="020B0609040504020204" pitchFamily="49" charset="0"/>
               </a:rPr>
-              <a:t>$i</a:t>
-            </a:r>
-            <a:r>
-              <a:rPr lang="sv-SE" sz="1400" dirty="0">
-                <a:solidFill>
-                  <a:prstClr val="black"/>
-                </a:solidFill>
-                <a:latin typeface="Lucida Console" panose="020B0609040504020204" pitchFamily="49" charset="0"/>
-              </a:rPr>
-              <a:t> </a:t>
-            </a:r>
-            <a:r>
-              <a:rPr lang="sv-SE" sz="1400" dirty="0">
-                <a:solidFill>
-                  <a:srgbClr val="00008B"/>
-                </a:solidFill>
-                <a:latin typeface="Lucida Console" panose="020B0609040504020204" pitchFamily="49" charset="0"/>
-              </a:rPr>
-              <a:t>in</a:t>
-            </a:r>
-            <a:r>
-              <a:rPr lang="sv-SE" sz="1400" dirty="0">
-                <a:solidFill>
-                  <a:prstClr val="black"/>
-                </a:solidFill>
-                <a:latin typeface="Lucida Console" panose="020B0609040504020204" pitchFamily="49" charset="0"/>
-              </a:rPr>
-              <a:t> </a:t>
-            </a:r>
-            <a:r>
-              <a:rPr lang="sv-SE" sz="1400" dirty="0">
-                <a:solidFill>
-                  <a:srgbClr val="FF4500"/>
-                </a:solidFill>
-                <a:latin typeface="Lucida Console" panose="020B0609040504020204" pitchFamily="49" charset="0"/>
-              </a:rPr>
-              <a:t>$</a:t>
-            </a:r>
-            <a:r>
-              <a:rPr lang="sv-SE" sz="1400" dirty="0" err="1">
-                <a:solidFill>
-                  <a:srgbClr val="FF4500"/>
-                </a:solidFill>
-                <a:latin typeface="Lucida Console" panose="020B0609040504020204" pitchFamily="49" charset="0"/>
-              </a:rPr>
-              <a:t>Number</a:t>
-            </a:r>
-            <a:r>
-              <a:rPr lang="sv-SE" sz="1400" dirty="0">
-                <a:solidFill>
-                  <a:prstClr val="black"/>
-                </a:solidFill>
-                <a:latin typeface="Lucida Console" panose="020B0609040504020204" pitchFamily="49" charset="0"/>
-              </a:rPr>
-              <a:t>){</a:t>
-            </a:r>
-          </a:p>
-          <a:p>
-            <a:r>
-              <a:rPr lang="sv-SE" sz="1400" dirty="0">
-                <a:solidFill>
-                  <a:prstClr val="black"/>
-                </a:solidFill>
-                <a:latin typeface="Lucida Console" panose="020B0609040504020204" pitchFamily="49" charset="0"/>
-              </a:rPr>
-              <a:t>            </a:t>
-            </a:r>
-            <a:r>
-              <a:rPr lang="sv-SE" sz="1400" dirty="0">
-                <a:solidFill>
-                  <a:srgbClr val="FF4500"/>
-                </a:solidFill>
-                <a:latin typeface="Lucida Console" panose="020B0609040504020204" pitchFamily="49" charset="0"/>
-              </a:rPr>
-              <a:t>$</a:t>
-            </a:r>
-            <a:r>
-              <a:rPr lang="sv-SE" sz="1400" dirty="0" err="1">
-                <a:solidFill>
-                  <a:srgbClr val="FF4500"/>
-                </a:solidFill>
-                <a:latin typeface="Lucida Console" panose="020B0609040504020204" pitchFamily="49" charset="0"/>
-              </a:rPr>
               <a:t>sum</a:t>
-            </a:r>
-            <a:r>
-              <a:rPr lang="sv-SE" sz="1400" dirty="0">
-                <a:solidFill>
-                  <a:prstClr val="black"/>
-                </a:solidFill>
-                <a:latin typeface="Lucida Console" panose="020B0609040504020204" pitchFamily="49" charset="0"/>
-              </a:rPr>
-              <a:t> </a:t>
-            </a:r>
-            <a:r>
-              <a:rPr lang="sv-SE" sz="1400" dirty="0">
-                <a:solidFill>
-                  <a:srgbClr val="A9A9A9"/>
-                </a:solidFill>
-                <a:latin typeface="Lucida Console" panose="020B0609040504020204" pitchFamily="49" charset="0"/>
-              </a:rPr>
-              <a:t>+=</a:t>
-            </a:r>
-            <a:r>
-              <a:rPr lang="sv-SE" sz="1400" dirty="0">
-                <a:solidFill>
-                  <a:prstClr val="black"/>
-                </a:solidFill>
-                <a:latin typeface="Lucida Console" panose="020B0609040504020204" pitchFamily="49" charset="0"/>
-              </a:rPr>
-              <a:t> </a:t>
-            </a:r>
-            <a:r>
-              <a:rPr lang="sv-SE" sz="1400" dirty="0">
-                <a:solidFill>
-                  <a:srgbClr val="FF4500"/>
-                </a:solidFill>
-                <a:latin typeface="Lucida Console" panose="020B0609040504020204" pitchFamily="49" charset="0"/>
-              </a:rPr>
-              <a:t>$i</a:t>
             </a:r>
             <a:endParaRPr lang="sv-SE" sz="1400" dirty="0">
               <a:solidFill>
@@ -5198,7 +5177,7 @@
                 </a:solidFill>
                 <a:latin typeface="Lucida Console" panose="020B0609040504020204" pitchFamily="49" charset="0"/>
               </a:rPr>
-              <a:t>        }</a:t>
+              <a:t>    }</a:t>
             </a:r>
           </a:p>
           <a:p>
@@ -5209,66 +5188,10 @@
                 </a:solidFill>
                 <a:latin typeface="Lucida Console" panose="020B0609040504020204" pitchFamily="49" charset="0"/>
               </a:rPr>
-              <a:t>    }</a:t>
-            </a:r>
-          </a:p>
-          <a:p>
-            <a:r>
-              <a:rPr lang="sv-SE" sz="1400" dirty="0">
-                <a:solidFill>
-                  <a:prstClr val="black"/>
-                </a:solidFill>
-                <a:latin typeface="Lucida Console" panose="020B0609040504020204" pitchFamily="49" charset="0"/>
-              </a:rPr>
-              <a:t>    </a:t>
-            </a:r>
-            <a:r>
-              <a:rPr lang="sv-SE" sz="1400" dirty="0">
-                <a:solidFill>
-                  <a:srgbClr val="00008B"/>
-                </a:solidFill>
-                <a:latin typeface="Lucida Console" panose="020B0609040504020204" pitchFamily="49" charset="0"/>
-              </a:rPr>
-              <a:t>end</a:t>
-            </a:r>
-            <a:r>
-              <a:rPr lang="sv-SE" sz="1400" dirty="0">
-                <a:solidFill>
-                  <a:prstClr val="black"/>
-                </a:solidFill>
-                <a:latin typeface="Lucida Console" panose="020B0609040504020204" pitchFamily="49" charset="0"/>
-              </a:rPr>
-              <a:t> {</a:t>
-            </a:r>
-          </a:p>
-          <a:p>
-            <a:r>
-              <a:rPr lang="sv-SE" sz="1400" dirty="0">
-                <a:solidFill>
-                  <a:prstClr val="black"/>
-                </a:solidFill>
-                <a:latin typeface="Lucida Console" panose="020B0609040504020204" pitchFamily="49" charset="0"/>
-              </a:rPr>
-              <a:t>        </a:t>
-            </a:r>
-            <a:r>
-              <a:rPr lang="sv-SE" sz="1400" dirty="0">
-                <a:solidFill>
-                  <a:srgbClr val="FF4500"/>
-                </a:solidFill>
-                <a:latin typeface="Lucida Console" panose="020B0609040504020204" pitchFamily="49" charset="0"/>
-              </a:rPr>
-              <a:t>$</a:t>
-            </a:r>
-            <a:r>
-              <a:rPr lang="sv-SE" sz="1400" dirty="0" err="1">
-                <a:solidFill>
-                  <a:srgbClr val="FF4500"/>
-                </a:solidFill>
-                <a:latin typeface="Lucida Console" panose="020B0609040504020204" pitchFamily="49" charset="0"/>
-              </a:rPr>
-              <a:t>sum</a:t>
-            </a:r>
+              <a:t>}</a:t>
+            </a:r>
+          </a:p>
+          <a:p>
             <a:endParaRPr lang="sv-SE" sz="1400" dirty="0">
               <a:solidFill>
                 <a:prstClr val="black"/>
@@ -5280,14 +5203,21 @@
             <a:r>
               <a:rPr lang="sv-SE" sz="1400" dirty="0">
                 <a:solidFill>
-                  <a:prstClr val="black"/>
-                </a:solidFill>
-                <a:latin typeface="Lucida Console" panose="020B0609040504020204" pitchFamily="49" charset="0"/>
-              </a:rPr>
-              <a:t>    }</a:t>
-            </a:r>
-          </a:p>
-          <a:p>
+                  <a:srgbClr val="FF4500"/>
+                </a:solidFill>
+                <a:latin typeface="Lucida Console" panose="020B0609040504020204" pitchFamily="49" charset="0"/>
+              </a:rPr>
+              <a:t>$</a:t>
+            </a:r>
+            <a:r>
+              <a:rPr lang="sv-SE" sz="1400" dirty="0" err="1">
+                <a:solidFill>
+                  <a:srgbClr val="FF4500"/>
+                </a:solidFill>
+                <a:latin typeface="Lucida Console" panose="020B0609040504020204" pitchFamily="49" charset="0"/>
+              </a:rPr>
+              <a:t>numbers</a:t>
+            </a:r>
             <a:r>
               <a:rPr lang="sv-SE" sz="1400" dirty="0">
                 <a:solidFill>
@@ -5295,10 +5225,53 @@
                 </a:solidFill>
                 <a:latin typeface="Lucida Console" panose="020B0609040504020204" pitchFamily="49" charset="0"/>
               </a:rPr>
-              <a:t>}</a:t>
-            </a:r>
-          </a:p>
-          <a:p>
+              <a:t> </a:t>
+            </a:r>
+            <a:r>
+              <a:rPr lang="sv-SE" sz="1400" dirty="0">
+                <a:solidFill>
+                  <a:srgbClr val="A9A9A9"/>
+                </a:solidFill>
+                <a:latin typeface="Lucida Console" panose="020B0609040504020204" pitchFamily="49" charset="0"/>
+              </a:rPr>
+              <a:t>=</a:t>
+            </a:r>
+            <a:r>
+              <a:rPr lang="sv-SE" sz="1400" dirty="0">
+                <a:solidFill>
+                  <a:prstClr val="black"/>
+                </a:solidFill>
+                <a:latin typeface="Lucida Console" panose="020B0609040504020204" pitchFamily="49" charset="0"/>
+              </a:rPr>
+              <a:t> </a:t>
+            </a:r>
+            <a:r>
+              <a:rPr lang="sv-SE" sz="1400" dirty="0">
+                <a:solidFill>
+                  <a:srgbClr val="800080"/>
+                </a:solidFill>
+                <a:latin typeface="Lucida Console" panose="020B0609040504020204" pitchFamily="49" charset="0"/>
+              </a:rPr>
+              <a:t>1</a:t>
+            </a:r>
+            <a:r>
+              <a:rPr lang="sv-SE" sz="1400" dirty="0">
+                <a:solidFill>
+                  <a:srgbClr val="A9A9A9"/>
+                </a:solidFill>
+                <a:latin typeface="Lucida Console" panose="020B0609040504020204" pitchFamily="49" charset="0"/>
+              </a:rPr>
+              <a:t>..</a:t>
+            </a:r>
+            <a:r>
+              <a:rPr lang="sv-SE" sz="1400" dirty="0">
+                <a:solidFill>
+                  <a:srgbClr val="800080"/>
+                </a:solidFill>
+                <a:latin typeface="Lucida Console" panose="020B0609040504020204" pitchFamily="49" charset="0"/>
+              </a:rPr>
+              <a:t>100000</a:t>
+            </a:r>
             <a:endParaRPr lang="sv-SE" sz="1400" dirty="0">
               <a:solidFill>
                 <a:prstClr val="black"/>
@@ -5307,78 +5280,6 @@
             </a:endParaRPr>
           </a:p>
           <a:p>
-            <a:r>
-              <a:rPr lang="sv-SE" sz="1400" dirty="0">
-                <a:solidFill>
-                  <a:srgbClr val="FF4500"/>
-                </a:solidFill>
-                <a:latin typeface="Lucida Console" panose="020B0609040504020204" pitchFamily="49" charset="0"/>
-              </a:rPr>
-              <a:t>$</a:t>
-            </a:r>
-            <a:r>
-              <a:rPr lang="sv-SE" sz="1400" dirty="0" err="1">
-                <a:solidFill>
-                  <a:srgbClr val="FF4500"/>
-                </a:solidFill>
-                <a:latin typeface="Lucida Console" panose="020B0609040504020204" pitchFamily="49" charset="0"/>
-              </a:rPr>
-              <a:t>numbers</a:t>
-            </a:r>
-            <a:r>
-              <a:rPr lang="sv-SE" sz="1400" dirty="0">
-                <a:solidFill>
-                  <a:prstClr val="black"/>
-                </a:solidFill>
-                <a:latin typeface="Lucida Console" panose="020B0609040504020204" pitchFamily="49" charset="0"/>
-              </a:rPr>
-              <a:t> </a:t>
-            </a:r>
-            <a:r>
-              <a:rPr lang="sv-SE" sz="1400" dirty="0">
-                <a:solidFill>
-                  <a:srgbClr val="A9A9A9"/>
-                </a:solidFill>
-                <a:latin typeface="Lucida Console" panose="020B0609040504020204" pitchFamily="49" charset="0"/>
-              </a:rPr>
-              <a:t>=</a:t>
-            </a:r>
-            <a:r>
-              <a:rPr lang="sv-SE" sz="1400" dirty="0">
-                <a:solidFill>
-                  <a:prstClr val="black"/>
-                </a:solidFill>
-                <a:latin typeface="Lucida Console" panose="020B0609040504020204" pitchFamily="49" charset="0"/>
-              </a:rPr>
-              <a:t> </a:t>
-            </a:r>
-            <a:r>
-              <a:rPr lang="sv-SE" sz="1400" dirty="0">
-                <a:solidFill>
-                  <a:srgbClr val="800080"/>
-                </a:solidFill>
-                <a:latin typeface="Lucida Console" panose="020B0609040504020204" pitchFamily="49" charset="0"/>
-              </a:rPr>
-              <a:t>1</a:t>
-            </a:r>
-            <a:r>
-              <a:rPr lang="sv-SE" sz="1400" dirty="0">
-                <a:solidFill>
-                  <a:srgbClr val="A9A9A9"/>
-                </a:solidFill>
-                <a:latin typeface="Lucida Console" panose="020B0609040504020204" pitchFamily="49" charset="0"/>
-              </a:rPr>
-              <a:t>..</a:t>
-            </a:r>
-            <a:r>
-              <a:rPr lang="sv-SE" sz="1400" dirty="0">
-                <a:solidFill>
-                  <a:srgbClr val="800080"/>
-                </a:solidFill>
-                <a:latin typeface="Lucida Console" panose="020B0609040504020204" pitchFamily="49" charset="0"/>
-              </a:rPr>
-              <a:t>100000</a:t>
-            </a:r>
             <a:endParaRPr lang="sv-SE" sz="1400" dirty="0">
               <a:solidFill>
                 <a:prstClr val="black"/>
@@ -5387,6 +5288,98 @@
             </a:endParaRPr>
           </a:p>
           <a:p>
+            <a:r>
+              <a:rPr lang="sv-SE" sz="1400" dirty="0" err="1">
+                <a:solidFill>
+                  <a:srgbClr val="0000FF"/>
+                </a:solidFill>
+                <a:latin typeface="Lucida Console" panose="020B0609040504020204" pitchFamily="49" charset="0"/>
+              </a:rPr>
+              <a:t>Measure-Command</a:t>
+            </a:r>
+            <a:r>
+              <a:rPr lang="sv-SE" sz="1400" dirty="0">
+                <a:solidFill>
+                  <a:prstClr val="black"/>
+                </a:solidFill>
+                <a:latin typeface="Lucida Console" panose="020B0609040504020204" pitchFamily="49" charset="0"/>
+              </a:rPr>
+              <a:t> {</a:t>
+            </a:r>
+          </a:p>
+          <a:p>
+            <a:r>
+              <a:rPr lang="sv-SE" sz="1400" dirty="0">
+                <a:solidFill>
+                  <a:prstClr val="black"/>
+                </a:solidFill>
+                <a:latin typeface="Lucida Console" panose="020B0609040504020204" pitchFamily="49" charset="0"/>
+              </a:rPr>
+              <a:t>    </a:t>
+            </a:r>
+            <a:r>
+              <a:rPr lang="sv-SE" sz="1400" dirty="0">
+                <a:solidFill>
+                  <a:srgbClr val="FF4500"/>
+                </a:solidFill>
+                <a:latin typeface="Lucida Console" panose="020B0609040504020204" pitchFamily="49" charset="0"/>
+              </a:rPr>
+              <a:t>$</a:t>
+            </a:r>
+            <a:r>
+              <a:rPr lang="sv-SE" sz="1400" dirty="0" err="1">
+                <a:solidFill>
+                  <a:srgbClr val="FF4500"/>
+                </a:solidFill>
+                <a:latin typeface="Lucida Console" panose="020B0609040504020204" pitchFamily="49" charset="0"/>
+              </a:rPr>
+              <a:t>numbers</a:t>
+            </a:r>
+            <a:r>
+              <a:rPr lang="sv-SE" sz="1400" dirty="0">
+                <a:solidFill>
+                  <a:prstClr val="black"/>
+                </a:solidFill>
+                <a:latin typeface="Lucida Console" panose="020B0609040504020204" pitchFamily="49" charset="0"/>
+              </a:rPr>
+              <a:t> </a:t>
+            </a:r>
+            <a:r>
+              <a:rPr lang="sv-SE" sz="1400" dirty="0">
+                <a:solidFill>
+                  <a:srgbClr val="A9A9A9"/>
+                </a:solidFill>
+                <a:latin typeface="Lucida Console" panose="020B0609040504020204" pitchFamily="49" charset="0"/>
+              </a:rPr>
+              <a:t>|</a:t>
+            </a:r>
+            <a:r>
+              <a:rPr lang="sv-SE" sz="1400" dirty="0">
+                <a:solidFill>
+                  <a:prstClr val="black"/>
+                </a:solidFill>
+                <a:latin typeface="Lucida Console" panose="020B0609040504020204" pitchFamily="49" charset="0"/>
+              </a:rPr>
+              <a:t> </a:t>
+            </a:r>
+            <a:r>
+              <a:rPr lang="sv-SE" sz="1400" dirty="0">
+                <a:solidFill>
+                  <a:srgbClr val="0000FF"/>
+                </a:solidFill>
+                <a:latin typeface="Lucida Console" panose="020B0609040504020204" pitchFamily="49" charset="0"/>
+              </a:rPr>
+              <a:t>Get-</a:t>
+            </a:r>
+            <a:r>
+              <a:rPr lang="sv-SE" sz="1400" dirty="0" err="1">
+                <a:solidFill>
+                  <a:srgbClr val="0000FF"/>
+                </a:solidFill>
+                <a:latin typeface="Lucida Console" panose="020B0609040504020204" pitchFamily="49" charset="0"/>
+              </a:rPr>
+              <a:t>Sum</a:t>
+            </a:r>
             <a:endParaRPr lang="sv-SE" sz="1400" dirty="0">
               <a:solidFill>
                 <a:prstClr val="black"/>
@@ -5396,97 +5389,16 @@
           </a:p>
           <a:p>
             <a:r>
-              <a:rPr lang="sv-SE" sz="1400" dirty="0" err="1">
-                <a:solidFill>
-                  <a:srgbClr val="0000FF"/>
-                </a:solidFill>
-                <a:latin typeface="Lucida Console" panose="020B0609040504020204" pitchFamily="49" charset="0"/>
-              </a:rPr>
-              <a:t>Measure-Command</a:t>
-            </a:r>
-            <a:r>
               <a:rPr lang="sv-SE" sz="1400" dirty="0">
                 <a:solidFill>
                   <a:prstClr val="black"/>
                 </a:solidFill>
                 <a:latin typeface="Lucida Console" panose="020B0609040504020204" pitchFamily="49" charset="0"/>
               </a:rPr>
-              <a:t> {</a:t>
-            </a:r>
-          </a:p>
-          <a:p>
-            <a:r>
-              <a:rPr lang="sv-SE" sz="1400" dirty="0">
-                <a:solidFill>
-                  <a:prstClr val="black"/>
-                </a:solidFill>
-                <a:latin typeface="Lucida Console" panose="020B0609040504020204" pitchFamily="49" charset="0"/>
-              </a:rPr>
-              <a:t>    </a:t>
-            </a:r>
-            <a:r>
-              <a:rPr lang="sv-SE" sz="1400" dirty="0">
-                <a:solidFill>
-                  <a:srgbClr val="FF4500"/>
-                </a:solidFill>
-                <a:latin typeface="Lucida Console" panose="020B0609040504020204" pitchFamily="49" charset="0"/>
-              </a:rPr>
-              <a:t>$</a:t>
-            </a:r>
-            <a:r>
-              <a:rPr lang="sv-SE" sz="1400" dirty="0" err="1">
-                <a:solidFill>
-                  <a:srgbClr val="FF4500"/>
-                </a:solidFill>
-                <a:latin typeface="Lucida Console" panose="020B0609040504020204" pitchFamily="49" charset="0"/>
-              </a:rPr>
-              <a:t>numbers</a:t>
-            </a:r>
-            <a:r>
-              <a:rPr lang="sv-SE" sz="1400" dirty="0">
-                <a:solidFill>
-                  <a:prstClr val="black"/>
-                </a:solidFill>
-                <a:latin typeface="Lucida Console" panose="020B0609040504020204" pitchFamily="49" charset="0"/>
-              </a:rPr>
-              <a:t> </a:t>
-            </a:r>
-            <a:r>
-              <a:rPr lang="sv-SE" sz="1400" dirty="0">
-                <a:solidFill>
-                  <a:srgbClr val="A9A9A9"/>
-                </a:solidFill>
-                <a:latin typeface="Lucida Console" panose="020B0609040504020204" pitchFamily="49" charset="0"/>
-              </a:rPr>
-              <a:t>|</a:t>
-            </a:r>
-            <a:r>
-              <a:rPr lang="sv-SE" sz="1400" dirty="0">
-                <a:solidFill>
-                  <a:prstClr val="black"/>
-                </a:solidFill>
-                <a:latin typeface="Lucida Console" panose="020B0609040504020204" pitchFamily="49" charset="0"/>
-              </a:rPr>
-              <a:t> </a:t>
-            </a:r>
-            <a:r>
-              <a:rPr lang="sv-SE" sz="1400" dirty="0">
-                <a:solidFill>
-                  <a:srgbClr val="0000FF"/>
-                </a:solidFill>
-                <a:latin typeface="Lucida Console" panose="020B0609040504020204" pitchFamily="49" charset="0"/>
-              </a:rPr>
-              <a:t>Get-</a:t>
-            </a:r>
-            <a:r>
-              <a:rPr lang="sv-SE" sz="1400" dirty="0" err="1">
-                <a:solidFill>
-                  <a:srgbClr val="0000FF"/>
-                </a:solidFill>
-                <a:latin typeface="Lucida Console" panose="020B0609040504020204" pitchFamily="49" charset="0"/>
-              </a:rPr>
-              <a:t>Sum</a:t>
-            </a:r>
+              <a:t>}</a:t>
+            </a:r>
+          </a:p>
+          <a:p>
             <a:endParaRPr lang="sv-SE" sz="1400" dirty="0">
               <a:solidFill>
                 <a:prstClr val="black"/>
@@ -5496,24 +5408,43 @@
           </a:p>
           <a:p>
             <a:r>
+              <a:rPr lang="sv-SE" sz="1400" dirty="0" err="1">
+                <a:solidFill>
+                  <a:srgbClr val="0000FF"/>
+                </a:solidFill>
+                <a:latin typeface="Lucida Console" panose="020B0609040504020204" pitchFamily="49" charset="0"/>
+              </a:rPr>
+              <a:t>Measure-Command</a:t>
+            </a:r>
+            <a:r>
               <a:rPr lang="sv-SE" sz="1400" dirty="0">
                 <a:solidFill>
                   <a:prstClr val="black"/>
                 </a:solidFill>
                 <a:latin typeface="Lucida Console" panose="020B0609040504020204" pitchFamily="49" charset="0"/>
               </a:rPr>
-              <a:t>}</a:t>
-            </a:r>
-          </a:p>
-          <a:p>
-            <a:endParaRPr lang="sv-SE" sz="1400" dirty="0">
-              <a:solidFill>
-                <a:prstClr val="black"/>
-              </a:solidFill>
-              <a:latin typeface="Lucida Console" panose="020B0609040504020204" pitchFamily="49" charset="0"/>
-            </a:endParaRPr>
-          </a:p>
-          <a:p>
+              <a:t> {    </a:t>
+            </a:r>
+          </a:p>
+          <a:p>
+            <a:r>
+              <a:rPr lang="sv-SE" sz="1400" dirty="0">
+                <a:solidFill>
+                  <a:prstClr val="black"/>
+                </a:solidFill>
+                <a:latin typeface="Lucida Console" panose="020B0609040504020204" pitchFamily="49" charset="0"/>
+              </a:rPr>
+              <a:t>    </a:t>
+            </a:r>
+            <a:r>
+              <a:rPr lang="sv-SE" sz="1400" dirty="0">
+                <a:solidFill>
+                  <a:srgbClr val="0000FF"/>
+                </a:solidFill>
+                <a:latin typeface="Lucida Console" panose="020B0609040504020204" pitchFamily="49" charset="0"/>
+              </a:rPr>
+              <a:t>Get-</a:t>
+            </a:r>
             <a:r>
               <a:rPr lang="sv-SE" sz="1400" dirty="0" err="1">
                 <a:solidFill>
@@ -5521,7 +5452,7 @@
                 </a:solidFill>
                 <a:latin typeface="Lucida Console" panose="020B0609040504020204" pitchFamily="49" charset="0"/>
               </a:rPr>
-              <a:t>Measure-Command</a:t>
+              <a:t>Sum</a:t>
             </a:r>
             <a:r>
               <a:rPr lang="sv-SE" sz="1400" dirty="0">
@@ -5530,63 +5461,25 @@
                 </a:solidFill>
                 <a:latin typeface="Lucida Console" panose="020B0609040504020204" pitchFamily="49" charset="0"/>
               </a:rPr>
-              <a:t> {    </a:t>
-            </a:r>
-          </a:p>
-          <a:p>
+              <a:t> </a:t>
+            </a:r>
             <a:r>
               <a:rPr lang="sv-SE" sz="1400" dirty="0">
                 <a:solidFill>
-                  <a:prstClr val="black"/>
-                </a:solidFill>
-                <a:latin typeface="Lucida Console" panose="020B0609040504020204" pitchFamily="49" charset="0"/>
-              </a:rPr>
-              <a:t>    </a:t>
-            </a:r>
-            <a:r>
-              <a:rPr lang="sv-SE" sz="1400" dirty="0">
-                <a:solidFill>
-                  <a:srgbClr val="0000FF"/>
-                </a:solidFill>
-                <a:latin typeface="Lucida Console" panose="020B0609040504020204" pitchFamily="49" charset="0"/>
-              </a:rPr>
-              <a:t>Get-</a:t>
+                  <a:srgbClr val="000080"/>
+                </a:solidFill>
+                <a:latin typeface="Lucida Console" panose="020B0609040504020204" pitchFamily="49" charset="0"/>
+              </a:rPr>
+              <a:t>-</a:t>
             </a:r>
             <a:r>
               <a:rPr lang="sv-SE" sz="1400" dirty="0" err="1">
                 <a:solidFill>
-                  <a:srgbClr val="0000FF"/>
-                </a:solidFill>
-                <a:latin typeface="Lucida Console" panose="020B0609040504020204" pitchFamily="49" charset="0"/>
-              </a:rPr>
-              <a:t>Sum</a:t>
-            </a:r>
-            <a:r>
-              <a:rPr lang="sv-SE" sz="1400" dirty="0">
-                <a:solidFill>
-                  <a:prstClr val="black"/>
-                </a:solidFill>
-                <a:latin typeface="Lucida Console" panose="020B0609040504020204" pitchFamily="49" charset="0"/>
-              </a:rPr>
-              <a:t> </a:t>
-            </a:r>
-            <a:r>
-              <a:rPr lang="sv-SE" sz="1400" dirty="0">
-                <a:solidFill>
                   <a:srgbClr val="000080"/>
                 </a:solidFill>
                 <a:latin typeface="Lucida Console" panose="020B0609040504020204" pitchFamily="49" charset="0"/>
               </a:rPr>
-              <a:t>-</a:t>
-            </a:r>
-            <a:r>
-              <a:rPr lang="sv-SE" sz="1400" dirty="0" err="1">
-                <a:solidFill>
-                  <a:srgbClr val="000080"/>
-                </a:solidFill>
-                <a:latin typeface="Lucida Console" panose="020B0609040504020204" pitchFamily="49" charset="0"/>
-              </a:rPr>
-              <a:t>Length</a:t>
+              <a:t>Number</a:t>
             </a:r>
             <a:r>
               <a:rPr lang="sv-SE" sz="1400" dirty="0">
@@ -10544,7 +10437,7 @@
                 </a:solidFill>
                 <a:latin typeface="Lucida Console" panose="020B0609040504020204" pitchFamily="49" charset="0"/>
               </a:rPr>
-              <a:t>)  {  </a:t>
+              <a:t>)  { </a:t>
             </a:r>
             <a:r>
               <a:rPr lang="sv-SE" sz="1050" dirty="0">
@@ -10652,7 +10545,7 @@
                 </a:solidFill>
                 <a:latin typeface="Lucida Console" panose="020B0609040504020204" pitchFamily="49" charset="0"/>
               </a:rPr>
-              <a:t> }           ; </a:t>
+              <a:t> }            ; </a:t>
             </a:r>
             <a:r>
               <a:rPr lang="sv-SE" sz="1050" dirty="0">

--- a/PSCONFEU_Perf2017.pptx
+++ b/PSCONFEU_Perf2017.pptx
@@ -6,10 +6,10 @@
     <p:sldMasterId id="2147483809" r:id="rId2"/>
   </p:sldMasterIdLst>
   <p:notesMasterIdLst>
-    <p:notesMasterId r:id="rId18"/>
+    <p:notesMasterId r:id="rId19"/>
   </p:notesMasterIdLst>
   <p:handoutMasterIdLst>
-    <p:handoutMasterId r:id="rId19"/>
+    <p:handoutMasterId r:id="rId20"/>
   </p:handoutMasterIdLst>
   <p:sldIdLst>
     <p:sldId id="316" r:id="rId3"/>
@@ -20,13 +20,14 @@
     <p:sldId id="319" r:id="rId8"/>
     <p:sldId id="322" r:id="rId9"/>
     <p:sldId id="317" r:id="rId10"/>
-    <p:sldId id="323" r:id="rId11"/>
-    <p:sldId id="320" r:id="rId12"/>
-    <p:sldId id="318" r:id="rId13"/>
-    <p:sldId id="321" r:id="rId14"/>
-    <p:sldId id="313" r:id="rId15"/>
-    <p:sldId id="314" r:id="rId16"/>
-    <p:sldId id="312" r:id="rId17"/>
+    <p:sldId id="324" r:id="rId11"/>
+    <p:sldId id="323" r:id="rId12"/>
+    <p:sldId id="320" r:id="rId13"/>
+    <p:sldId id="318" r:id="rId14"/>
+    <p:sldId id="321" r:id="rId15"/>
+    <p:sldId id="313" r:id="rId16"/>
+    <p:sldId id="314" r:id="rId17"/>
+    <p:sldId id="312" r:id="rId18"/>
   </p:sldIdLst>
   <p:sldSz cx="9144000" cy="6858000" type="screen4x3"/>
   <p:notesSz cx="7099300" cy="10234613"/>
@@ -4441,7 +4442,7 @@
       </p:grpSpPr>
       <p:sp>
         <p:nvSpPr>
-          <p:cNvPr id="2" name="Titel 1"/>
+          <p:cNvPr id="9218" name="Titel 1"/>
           <p:cNvSpPr>
             <a:spLocks noGrp="1"/>
           </p:cNvSpPr>
@@ -4449,51 +4450,141 @@
             <p:ph type="title"/>
           </p:nvPr>
         </p:nvSpPr>
+        <p:spPr>
+          <a:xfrm>
+            <a:off x="0" y="908720"/>
+            <a:ext cx="9144000" cy="792088"/>
+          </a:xfrm>
+          <a:prstGeom prst="rect">
+            <a:avLst/>
+          </a:prstGeom>
+        </p:spPr>
+        <p:txBody>
+          <a:bodyPr/>
+          <a:lstStyle/>
+          <a:p>
+            <a:r>
+              <a:rPr lang="de-DE" dirty="0"/>
+              <a:t>IO / Filesystem</a:t>
+            </a:r>
+          </a:p>
+        </p:txBody>
+      </p:sp>
+      <p:sp>
+        <p:nvSpPr>
+          <p:cNvPr id="9219" name="Inhaltsplatzhalter 2"/>
+          <p:cNvSpPr>
+            <a:spLocks noGrp="1"/>
+          </p:cNvSpPr>
+          <p:nvPr>
+            <p:ph idx="1"/>
+          </p:nvPr>
+        </p:nvSpPr>
         <p:spPr/>
         <p:txBody>
           <a:bodyPr/>
           <a:lstStyle/>
           <a:p>
             <a:r>
-              <a:rPr lang="de-DE" dirty="0"/>
-              <a:t>Code</a:t>
-            </a:r>
-          </a:p>
-        </p:txBody>
-      </p:sp>
-      <p:sp>
-        <p:nvSpPr>
-          <p:cNvPr id="3" name="Textplatzhalter 2"/>
-          <p:cNvSpPr>
-            <a:spLocks noGrp="1"/>
-          </p:cNvSpPr>
-          <p:nvPr>
-            <p:ph type="body" sz="quarter" idx="10"/>
-          </p:nvPr>
-        </p:nvSpPr>
-        <p:spPr/>
-        <p:txBody>
-          <a:bodyPr>
-            <a:normAutofit/>
-          </a:bodyPr>
-          <a:lstStyle/>
-          <a:p>
-            <a:r>
-              <a:rPr lang="de-DE" dirty="0"/>
-              <a:t>Parameter </a:t>
-            </a:r>
-            <a:r>
-              <a:rPr lang="de-DE" dirty="0" err="1"/>
-              <a:t>binding</a:t>
-            </a:r>
-            <a:r>
-              <a:rPr lang="de-DE" dirty="0"/>
-              <a:t> in </a:t>
-            </a:r>
-            <a:r>
-              <a:rPr lang="de-DE" dirty="0" err="1"/>
-              <a:t>powershell</a:t>
-            </a:r>
+              <a:rPr lang="de-DE" dirty="0" err="1">
+                <a:latin typeface="Consolas" panose="020B0609020204030204" pitchFamily="49" charset="0"/>
+              </a:rPr>
+              <a:t>Enumerating</a:t>
+            </a:r>
+            <a:r>
+              <a:rPr lang="de-DE" dirty="0">
+                <a:latin typeface="Consolas" panose="020B0609020204030204" pitchFamily="49" charset="0"/>
+              </a:rPr>
+              <a:t> </a:t>
+            </a:r>
+            <a:r>
+              <a:rPr lang="de-DE" dirty="0" err="1">
+                <a:latin typeface="Consolas" panose="020B0609020204030204" pitchFamily="49" charset="0"/>
+              </a:rPr>
+              <a:t>files</a:t>
+            </a:r>
+            <a:endParaRPr lang="de-DE" dirty="0">
+              <a:latin typeface="Consolas" panose="020B0609020204030204" pitchFamily="49" charset="0"/>
+            </a:endParaRPr>
+          </a:p>
+          <a:p>
+            <a:pPr lvl="1"/>
+            <a:r>
+              <a:rPr lang="de-DE" dirty="0" err="1">
+                <a:latin typeface="Consolas" panose="020B0609020204030204" pitchFamily="49" charset="0"/>
+              </a:rPr>
+              <a:t>Get-ChildItem</a:t>
+            </a:r>
+            <a:endParaRPr lang="de-DE" dirty="0">
+              <a:latin typeface="Consolas" panose="020B0609020204030204" pitchFamily="49" charset="0"/>
+            </a:endParaRPr>
+          </a:p>
+          <a:p>
+            <a:pPr lvl="1"/>
+            <a:r>
+              <a:rPr lang="de-DE" dirty="0">
+                <a:latin typeface="Consolas" panose="020B0609020204030204" pitchFamily="49" charset="0"/>
+              </a:rPr>
+              <a:t>[</a:t>
+            </a:r>
+            <a:r>
+              <a:rPr lang="de-DE" dirty="0" err="1">
+                <a:latin typeface="Consolas" panose="020B0609020204030204" pitchFamily="49" charset="0"/>
+              </a:rPr>
+              <a:t>IO.Directory</a:t>
+            </a:r>
+            <a:r>
+              <a:rPr lang="de-DE" dirty="0">
+                <a:latin typeface="Consolas" panose="020B0609020204030204" pitchFamily="49" charset="0"/>
+              </a:rPr>
+              <a:t>]::</a:t>
+            </a:r>
+            <a:r>
+              <a:rPr lang="de-DE" dirty="0" err="1">
+                <a:latin typeface="Consolas" panose="020B0609020204030204" pitchFamily="49" charset="0"/>
+              </a:rPr>
+              <a:t>EnumerateFiles</a:t>
+            </a:r>
+            <a:endParaRPr lang="de-DE" dirty="0">
+              <a:latin typeface="Consolas" panose="020B0609020204030204" pitchFamily="49" charset="0"/>
+            </a:endParaRPr>
+          </a:p>
+          <a:p>
+            <a:pPr lvl="1"/>
+            <a:r>
+              <a:rPr lang="de-DE" dirty="0">
+                <a:latin typeface="Consolas" panose="020B0609020204030204" pitchFamily="49" charset="0"/>
+              </a:rPr>
+              <a:t>Native-</a:t>
+            </a:r>
+            <a:r>
+              <a:rPr lang="de-DE" dirty="0" err="1">
+                <a:latin typeface="Consolas" panose="020B0609020204030204" pitchFamily="49" charset="0"/>
+              </a:rPr>
+              <a:t>interop</a:t>
+            </a:r>
+            <a:endParaRPr lang="de-DE" dirty="0">
+              <a:latin typeface="Consolas" panose="020B0609020204030204" pitchFamily="49" charset="0"/>
+            </a:endParaRPr>
+          </a:p>
+          <a:p>
+            <a:pPr marL="0" indent="0">
+              <a:buNone/>
+            </a:pPr>
+            <a:endParaRPr lang="de-DE" dirty="0">
+              <a:latin typeface="Consolas" panose="020B0609020204030204" pitchFamily="49" charset="0"/>
+            </a:endParaRPr>
+          </a:p>
+          <a:p>
+            <a:pPr marL="0" indent="0">
+              <a:buNone/>
+            </a:pPr>
+            <a:endParaRPr lang="de-DE" dirty="0"/>
+          </a:p>
+          <a:p>
+            <a:pPr marL="0" indent="0">
+              <a:buNone/>
+            </a:pPr>
             <a:endParaRPr lang="de-DE" dirty="0"/>
           </a:p>
         </p:txBody>
@@ -4501,7 +4592,7 @@
     </p:spTree>
     <p:extLst>
       <p:ext uri="{BB962C8B-B14F-4D97-AF65-F5344CB8AC3E}">
-        <p14:creationId xmlns:p14="http://schemas.microsoft.com/office/powerpoint/2010/main" val="633328409"/>
+        <p14:creationId xmlns:p14="http://schemas.microsoft.com/office/powerpoint/2010/main" val="1788759479"/>
       </p:ext>
     </p:extLst>
   </p:cSld>
@@ -4542,6 +4633,107 @@
       </p:grpSpPr>
       <p:sp>
         <p:nvSpPr>
+          <p:cNvPr id="2" name="Titel 1"/>
+          <p:cNvSpPr>
+            <a:spLocks noGrp="1"/>
+          </p:cNvSpPr>
+          <p:nvPr>
+            <p:ph type="title"/>
+          </p:nvPr>
+        </p:nvSpPr>
+        <p:spPr/>
+        <p:txBody>
+          <a:bodyPr/>
+          <a:lstStyle/>
+          <a:p>
+            <a:r>
+              <a:rPr lang="de-DE" dirty="0"/>
+              <a:t>Demo</a:t>
+            </a:r>
+          </a:p>
+        </p:txBody>
+      </p:sp>
+      <p:sp>
+        <p:nvSpPr>
+          <p:cNvPr id="3" name="Textplatzhalter 2"/>
+          <p:cNvSpPr>
+            <a:spLocks noGrp="1"/>
+          </p:cNvSpPr>
+          <p:nvPr>
+            <p:ph type="body" sz="quarter" idx="10"/>
+          </p:nvPr>
+        </p:nvSpPr>
+        <p:spPr/>
+        <p:txBody>
+          <a:bodyPr>
+            <a:normAutofit/>
+          </a:bodyPr>
+          <a:lstStyle/>
+          <a:p>
+            <a:r>
+              <a:rPr lang="de-DE" dirty="0"/>
+              <a:t>File </a:t>
+            </a:r>
+            <a:r>
+              <a:rPr lang="de-DE" dirty="0" err="1"/>
+              <a:t>system</a:t>
+            </a:r>
+            <a:r>
+              <a:rPr lang="de-DE" dirty="0"/>
+              <a:t> </a:t>
+            </a:r>
+            <a:r>
+              <a:rPr lang="de-DE"/>
+              <a:t>iteration</a:t>
+            </a:r>
+            <a:endParaRPr lang="de-DE" dirty="0"/>
+          </a:p>
+        </p:txBody>
+      </p:sp>
+    </p:spTree>
+    <p:extLst>
+      <p:ext uri="{BB962C8B-B14F-4D97-AF65-F5344CB8AC3E}">
+        <p14:creationId xmlns:p14="http://schemas.microsoft.com/office/powerpoint/2010/main" val="633328409"/>
+      </p:ext>
+    </p:extLst>
+  </p:cSld>
+  <p:clrMapOvr>
+    <a:masterClrMapping/>
+  </p:clrMapOvr>
+  <mc:AlternateContent xmlns:mc="http://schemas.openxmlformats.org/markup-compatibility/2006" xmlns:p14="http://schemas.microsoft.com/office/powerpoint/2010/main">
+    <mc:Choice Requires="p14">
+      <p:transition spd="med" p14:dur="700">
+        <p:fade/>
+      </p:transition>
+    </mc:Choice>
+    <mc:Fallback xmlns="">
+      <p:transition spd="med">
+        <p:fade/>
+      </p:transition>
+    </mc:Fallback>
+  </mc:AlternateContent>
+</p:sld>
+</file>
+
+<file path=ppt/slides/slide12.xml><?xml version="1.0" encoding="utf-8"?>
+<p:sld xmlns:a="http://schemas.openxmlformats.org/drawingml/2006/main" xmlns:r="http://schemas.openxmlformats.org/officeDocument/2006/relationships" xmlns:p="http://schemas.openxmlformats.org/presentationml/2006/main">
+  <p:cSld>
+    <p:spTree>
+      <p:nvGrpSpPr>
+        <p:cNvPr id="1" name=""/>
+        <p:cNvGrpSpPr/>
+        <p:nvPr/>
+      </p:nvGrpSpPr>
+      <p:grpSpPr>
+        <a:xfrm>
+          <a:off x="0" y="0"/>
+          <a:ext cx="0" cy="0"/>
+          <a:chOff x="0" y="0"/>
+          <a:chExt cx="0" cy="0"/>
+        </a:xfrm>
+      </p:grpSpPr>
+      <p:sp>
+        <p:nvSpPr>
           <p:cNvPr id="2" name="Content Placeholder 1"/>
           <p:cNvSpPr>
             <a:spLocks noGrp="1"/>
@@ -4656,7 +4848,7 @@
               <a:t>[</a:t>
             </a:r>
             <a:r>
-              <a:rPr lang="sv-SE" sz="1400">
+              <a:rPr lang="sv-SE" sz="1400" dirty="0">
                 <a:solidFill>
                   <a:srgbClr val="00BFFF"/>
                 </a:solidFill>
@@ -4665,13 +4857,22 @@
               <a:t>Parameter</a:t>
             </a:r>
             <a:r>
-              <a:rPr lang="sv-SE" sz="1400">
-                <a:solidFill>
-                  <a:prstClr val="black"/>
-                </a:solidFill>
-                <a:latin typeface="Lucida Console" panose="020B0609040504020204" pitchFamily="49" charset="0"/>
-              </a:rPr>
-              <a:t>(ValueFromPipeline</a:t>
+              <a:rPr lang="sv-SE" sz="1400" dirty="0">
+                <a:solidFill>
+                  <a:prstClr val="black"/>
+                </a:solidFill>
+                <a:latin typeface="Lucida Console" panose="020B0609040504020204" pitchFamily="49" charset="0"/>
+              </a:rPr>
+              <a:t>(</a:t>
+            </a:r>
+            <a:r>
+              <a:rPr lang="sv-SE" sz="1400" dirty="0" err="1">
+                <a:solidFill>
+                  <a:prstClr val="black"/>
+                </a:solidFill>
+                <a:latin typeface="Lucida Console" panose="020B0609040504020204" pitchFamily="49" charset="0"/>
+              </a:rPr>
+              <a:t>ValueFromPipeline</a:t>
             </a:r>
             <a:r>
               <a:rPr lang="sv-SE" sz="1400" dirty="0">
@@ -5593,7 +5794,7 @@
 </p:sld>
 </file>
 
-<file path=ppt/slides/slide12.xml><?xml version="1.0" encoding="utf-8"?>
+<file path=ppt/slides/slide13.xml><?xml version="1.0" encoding="utf-8"?>
 <p:sld xmlns:a="http://schemas.openxmlformats.org/drawingml/2006/main" xmlns:r="http://schemas.openxmlformats.org/officeDocument/2006/relationships" xmlns:p="http://schemas.openxmlformats.org/presentationml/2006/main">
   <p:cSld>
     <p:spTree>
@@ -5880,298 +6081,6 @@
     <p:extLst>
       <p:ext uri="{BB962C8B-B14F-4D97-AF65-F5344CB8AC3E}">
         <p14:creationId xmlns:p14="http://schemas.microsoft.com/office/powerpoint/2010/main" val="697367777"/>
-      </p:ext>
-    </p:extLst>
-  </p:cSld>
-  <p:clrMapOvr>
-    <a:masterClrMapping/>
-  </p:clrMapOvr>
-  <mc:AlternateContent xmlns:mc="http://schemas.openxmlformats.org/markup-compatibility/2006" xmlns:p14="http://schemas.microsoft.com/office/powerpoint/2010/main">
-    <mc:Choice Requires="p14">
-      <p:transition spd="med" p14:dur="700">
-        <p:fade/>
-      </p:transition>
-    </mc:Choice>
-    <mc:Fallback xmlns="">
-      <p:transition spd="med">
-        <p:fade/>
-      </p:transition>
-    </mc:Fallback>
-  </mc:AlternateContent>
-</p:sld>
-</file>
-
-<file path=ppt/slides/slide13.xml><?xml version="1.0" encoding="utf-8"?>
-<p:sld xmlns:a="http://schemas.openxmlformats.org/drawingml/2006/main" xmlns:r="http://schemas.openxmlformats.org/officeDocument/2006/relationships" xmlns:p="http://schemas.openxmlformats.org/presentationml/2006/main">
-  <p:cSld>
-    <p:spTree>
-      <p:nvGrpSpPr>
-        <p:cNvPr id="1" name=""/>
-        <p:cNvGrpSpPr/>
-        <p:nvPr/>
-      </p:nvGrpSpPr>
-      <p:grpSpPr>
-        <a:xfrm>
-          <a:off x="0" y="0"/>
-          <a:ext cx="0" cy="0"/>
-          <a:chOff x="0" y="0"/>
-          <a:chExt cx="0" cy="0"/>
-        </a:xfrm>
-      </p:grpSpPr>
-      <p:sp>
-        <p:nvSpPr>
-          <p:cNvPr id="2" name="Inhaltsplatzhalter 1"/>
-          <p:cNvSpPr>
-            <a:spLocks noGrp="1"/>
-          </p:cNvSpPr>
-          <p:nvPr>
-            <p:ph idx="1"/>
-          </p:nvPr>
-        </p:nvSpPr>
-        <p:spPr/>
-        <p:txBody>
-          <a:bodyPr/>
-          <a:lstStyle/>
-          <a:p>
-            <a:r>
-              <a:rPr lang="de-DE" dirty="0" err="1"/>
-              <a:t>Now</a:t>
-            </a:r>
-            <a:r>
-              <a:rPr lang="de-DE" dirty="0"/>
-              <a:t>: 15 min break</a:t>
-            </a:r>
-          </a:p>
-          <a:p>
-            <a:endParaRPr lang="de-DE" dirty="0"/>
-          </a:p>
-          <a:p>
-            <a:r>
-              <a:rPr lang="de-DE" dirty="0"/>
-              <a:t>Grab a </a:t>
-            </a:r>
-            <a:r>
-              <a:rPr lang="de-DE" dirty="0" err="1"/>
-              <a:t>coffee</a:t>
-            </a:r>
-            <a:endParaRPr lang="de-DE" dirty="0"/>
-          </a:p>
-          <a:p>
-            <a:r>
-              <a:rPr lang="de-DE" dirty="0" err="1"/>
-              <a:t>Stay</a:t>
-            </a:r>
-            <a:r>
-              <a:rPr lang="de-DE" dirty="0"/>
-              <a:t> </a:t>
-            </a:r>
-            <a:r>
-              <a:rPr lang="de-DE" dirty="0" err="1"/>
-              <a:t>here</a:t>
-            </a:r>
-            <a:r>
-              <a:rPr lang="de-DE" dirty="0"/>
-              <a:t> </a:t>
-            </a:r>
-            <a:r>
-              <a:rPr lang="de-DE" dirty="0" err="1"/>
-              <a:t>to</a:t>
-            </a:r>
-            <a:r>
-              <a:rPr lang="de-DE" dirty="0"/>
-              <a:t> </a:t>
-            </a:r>
-            <a:r>
-              <a:rPr lang="de-DE" dirty="0" err="1"/>
-              <a:t>enjoy</a:t>
-            </a:r>
-            <a:r>
-              <a:rPr lang="de-DE" dirty="0"/>
-              <a:t> </a:t>
-            </a:r>
-            <a:r>
-              <a:rPr lang="de-DE" dirty="0" err="1"/>
-              <a:t>next</a:t>
-            </a:r>
-            <a:r>
-              <a:rPr lang="de-DE" dirty="0"/>
-              <a:t> </a:t>
-            </a:r>
-            <a:r>
-              <a:rPr lang="de-DE" dirty="0" err="1"/>
-              <a:t>presentation</a:t>
-            </a:r>
-            <a:endParaRPr lang="de-DE" dirty="0"/>
-          </a:p>
-          <a:p>
-            <a:r>
-              <a:rPr lang="de-DE" dirty="0"/>
-              <a:t>Change </a:t>
-            </a:r>
-            <a:r>
-              <a:rPr lang="de-DE" dirty="0" err="1"/>
-              <a:t>track</a:t>
-            </a:r>
-            <a:r>
-              <a:rPr lang="de-DE" dirty="0"/>
-              <a:t> </a:t>
-            </a:r>
-            <a:r>
-              <a:rPr lang="de-DE" dirty="0" err="1"/>
-              <a:t>and</a:t>
-            </a:r>
-            <a:r>
-              <a:rPr lang="de-DE" dirty="0"/>
-              <a:t> </a:t>
-            </a:r>
-            <a:r>
-              <a:rPr lang="de-DE" dirty="0" err="1"/>
-              <a:t>switch</a:t>
-            </a:r>
-            <a:r>
-              <a:rPr lang="de-DE" dirty="0"/>
-              <a:t> </a:t>
-            </a:r>
-            <a:r>
-              <a:rPr lang="de-DE" dirty="0" err="1"/>
-              <a:t>to</a:t>
-            </a:r>
-            <a:r>
-              <a:rPr lang="de-DE" dirty="0"/>
-              <a:t> </a:t>
-            </a:r>
-            <a:r>
-              <a:rPr lang="de-DE" dirty="0" err="1"/>
-              <a:t>another</a:t>
-            </a:r>
-            <a:r>
-              <a:rPr lang="de-DE" dirty="0"/>
-              <a:t> </a:t>
-            </a:r>
-            <a:r>
-              <a:rPr lang="de-DE" dirty="0" err="1"/>
-              <a:t>room</a:t>
-            </a:r>
-            <a:endParaRPr lang="de-DE" dirty="0"/>
-          </a:p>
-          <a:p>
-            <a:endParaRPr lang="de-DE" dirty="0"/>
-          </a:p>
-          <a:p>
-            <a:r>
-              <a:rPr lang="de-DE" dirty="0" err="1"/>
-              <a:t>Ask</a:t>
-            </a:r>
-            <a:r>
-              <a:rPr lang="de-DE" dirty="0"/>
-              <a:t> </a:t>
-            </a:r>
-            <a:r>
-              <a:rPr lang="de-DE" dirty="0" err="1"/>
-              <a:t>me</a:t>
-            </a:r>
-            <a:r>
-              <a:rPr lang="de-DE" dirty="0"/>
-              <a:t> </a:t>
-            </a:r>
-            <a:r>
-              <a:rPr lang="de-DE" dirty="0" err="1"/>
-              <a:t>questions</a:t>
-            </a:r>
-            <a:r>
-              <a:rPr lang="de-DE" dirty="0"/>
-              <a:t> </a:t>
-            </a:r>
-            <a:r>
-              <a:rPr lang="de-DE" dirty="0" err="1"/>
-              <a:t>or</a:t>
-            </a:r>
-            <a:r>
-              <a:rPr lang="de-DE" dirty="0"/>
-              <a:t> </a:t>
-            </a:r>
-            <a:r>
-              <a:rPr lang="de-DE" dirty="0" err="1"/>
-              <a:t>meet</a:t>
-            </a:r>
-            <a:r>
-              <a:rPr lang="de-DE" dirty="0"/>
-              <a:t> </a:t>
-            </a:r>
-            <a:r>
-              <a:rPr lang="de-DE" dirty="0" err="1"/>
-              <a:t>me</a:t>
-            </a:r>
-            <a:r>
-              <a:rPr lang="de-DE" dirty="0"/>
-              <a:t> in a </a:t>
-            </a:r>
-            <a:r>
-              <a:rPr lang="de-DE" dirty="0" err="1"/>
-              <a:t>breakout</a:t>
-            </a:r>
-            <a:r>
-              <a:rPr lang="de-DE" dirty="0"/>
-              <a:t> </a:t>
-            </a:r>
-            <a:r>
-              <a:rPr lang="de-DE" dirty="0" err="1"/>
-              <a:t>session</a:t>
-            </a:r>
-            <a:r>
-              <a:rPr lang="de-DE" dirty="0"/>
-              <a:t> </a:t>
-            </a:r>
-            <a:r>
-              <a:rPr lang="de-DE" dirty="0" err="1"/>
-              <a:t>room</a:t>
-            </a:r>
-            <a:r>
-              <a:rPr lang="de-DE" dirty="0"/>
-              <a:t> </a:t>
-            </a:r>
-            <a:r>
-              <a:rPr lang="de-DE" dirty="0" err="1"/>
-              <a:t>afterwards</a:t>
-            </a:r>
-            <a:endParaRPr lang="de-DE" dirty="0"/>
-          </a:p>
-        </p:txBody>
-      </p:sp>
-      <p:sp>
-        <p:nvSpPr>
-          <p:cNvPr id="3" name="Titel 2"/>
-          <p:cNvSpPr>
-            <a:spLocks noGrp="1"/>
-          </p:cNvSpPr>
-          <p:nvPr>
-            <p:ph type="title"/>
-          </p:nvPr>
-        </p:nvSpPr>
-        <p:spPr/>
-        <p:txBody>
-          <a:bodyPr/>
-          <a:lstStyle/>
-          <a:p>
-            <a:r>
-              <a:rPr lang="de-DE" dirty="0"/>
-              <a:t>Next </a:t>
-            </a:r>
-            <a:r>
-              <a:rPr lang="de-DE" dirty="0" err="1"/>
-              <a:t>Steps</a:t>
-            </a:r>
-            <a:r>
-              <a:rPr lang="de-DE" dirty="0"/>
-              <a:t>...</a:t>
-            </a:r>
-          </a:p>
-        </p:txBody>
-      </p:sp>
-    </p:spTree>
-    <p:extLst>
-      <p:ext uri="{BB962C8B-B14F-4D97-AF65-F5344CB8AC3E}">
-        <p14:creationId xmlns:p14="http://schemas.microsoft.com/office/powerpoint/2010/main" val="3397310615"/>
       </p:ext>
     </p:extLst>
   </p:cSld>
@@ -6212,6 +6121,298 @@
       </p:grpSpPr>
       <p:sp>
         <p:nvSpPr>
+          <p:cNvPr id="2" name="Inhaltsplatzhalter 1"/>
+          <p:cNvSpPr>
+            <a:spLocks noGrp="1"/>
+          </p:cNvSpPr>
+          <p:nvPr>
+            <p:ph idx="1"/>
+          </p:nvPr>
+        </p:nvSpPr>
+        <p:spPr/>
+        <p:txBody>
+          <a:bodyPr/>
+          <a:lstStyle/>
+          <a:p>
+            <a:r>
+              <a:rPr lang="de-DE" dirty="0" err="1"/>
+              <a:t>Now</a:t>
+            </a:r>
+            <a:r>
+              <a:rPr lang="de-DE" dirty="0"/>
+              <a:t>: 15 min break</a:t>
+            </a:r>
+          </a:p>
+          <a:p>
+            <a:endParaRPr lang="de-DE" dirty="0"/>
+          </a:p>
+          <a:p>
+            <a:r>
+              <a:rPr lang="de-DE" dirty="0"/>
+              <a:t>Grab a </a:t>
+            </a:r>
+            <a:r>
+              <a:rPr lang="de-DE" dirty="0" err="1"/>
+              <a:t>coffee</a:t>
+            </a:r>
+            <a:endParaRPr lang="de-DE" dirty="0"/>
+          </a:p>
+          <a:p>
+            <a:r>
+              <a:rPr lang="de-DE" dirty="0" err="1"/>
+              <a:t>Stay</a:t>
+            </a:r>
+            <a:r>
+              <a:rPr lang="de-DE" dirty="0"/>
+              <a:t> </a:t>
+            </a:r>
+            <a:r>
+              <a:rPr lang="de-DE" dirty="0" err="1"/>
+              <a:t>here</a:t>
+            </a:r>
+            <a:r>
+              <a:rPr lang="de-DE" dirty="0"/>
+              <a:t> </a:t>
+            </a:r>
+            <a:r>
+              <a:rPr lang="de-DE" dirty="0" err="1"/>
+              <a:t>to</a:t>
+            </a:r>
+            <a:r>
+              <a:rPr lang="de-DE" dirty="0"/>
+              <a:t> </a:t>
+            </a:r>
+            <a:r>
+              <a:rPr lang="de-DE" dirty="0" err="1"/>
+              <a:t>enjoy</a:t>
+            </a:r>
+            <a:r>
+              <a:rPr lang="de-DE" dirty="0"/>
+              <a:t> </a:t>
+            </a:r>
+            <a:r>
+              <a:rPr lang="de-DE" dirty="0" err="1"/>
+              <a:t>next</a:t>
+            </a:r>
+            <a:r>
+              <a:rPr lang="de-DE" dirty="0"/>
+              <a:t> </a:t>
+            </a:r>
+            <a:r>
+              <a:rPr lang="de-DE" dirty="0" err="1"/>
+              <a:t>presentation</a:t>
+            </a:r>
+            <a:endParaRPr lang="de-DE" dirty="0"/>
+          </a:p>
+          <a:p>
+            <a:r>
+              <a:rPr lang="de-DE" dirty="0"/>
+              <a:t>Change </a:t>
+            </a:r>
+            <a:r>
+              <a:rPr lang="de-DE" dirty="0" err="1"/>
+              <a:t>track</a:t>
+            </a:r>
+            <a:r>
+              <a:rPr lang="de-DE" dirty="0"/>
+              <a:t> </a:t>
+            </a:r>
+            <a:r>
+              <a:rPr lang="de-DE" dirty="0" err="1"/>
+              <a:t>and</a:t>
+            </a:r>
+            <a:r>
+              <a:rPr lang="de-DE" dirty="0"/>
+              <a:t> </a:t>
+            </a:r>
+            <a:r>
+              <a:rPr lang="de-DE" dirty="0" err="1"/>
+              <a:t>switch</a:t>
+            </a:r>
+            <a:r>
+              <a:rPr lang="de-DE" dirty="0"/>
+              <a:t> </a:t>
+            </a:r>
+            <a:r>
+              <a:rPr lang="de-DE" dirty="0" err="1"/>
+              <a:t>to</a:t>
+            </a:r>
+            <a:r>
+              <a:rPr lang="de-DE" dirty="0"/>
+              <a:t> </a:t>
+            </a:r>
+            <a:r>
+              <a:rPr lang="de-DE" dirty="0" err="1"/>
+              <a:t>another</a:t>
+            </a:r>
+            <a:r>
+              <a:rPr lang="de-DE" dirty="0"/>
+              <a:t> </a:t>
+            </a:r>
+            <a:r>
+              <a:rPr lang="de-DE" dirty="0" err="1"/>
+              <a:t>room</a:t>
+            </a:r>
+            <a:endParaRPr lang="de-DE" dirty="0"/>
+          </a:p>
+          <a:p>
+            <a:endParaRPr lang="de-DE" dirty="0"/>
+          </a:p>
+          <a:p>
+            <a:r>
+              <a:rPr lang="de-DE" dirty="0" err="1"/>
+              <a:t>Ask</a:t>
+            </a:r>
+            <a:r>
+              <a:rPr lang="de-DE" dirty="0"/>
+              <a:t> </a:t>
+            </a:r>
+            <a:r>
+              <a:rPr lang="de-DE" dirty="0" err="1"/>
+              <a:t>me</a:t>
+            </a:r>
+            <a:r>
+              <a:rPr lang="de-DE" dirty="0"/>
+              <a:t> </a:t>
+            </a:r>
+            <a:r>
+              <a:rPr lang="de-DE" dirty="0" err="1"/>
+              <a:t>questions</a:t>
+            </a:r>
+            <a:r>
+              <a:rPr lang="de-DE" dirty="0"/>
+              <a:t> </a:t>
+            </a:r>
+            <a:r>
+              <a:rPr lang="de-DE" dirty="0" err="1"/>
+              <a:t>or</a:t>
+            </a:r>
+            <a:r>
+              <a:rPr lang="de-DE" dirty="0"/>
+              <a:t> </a:t>
+            </a:r>
+            <a:r>
+              <a:rPr lang="de-DE" dirty="0" err="1"/>
+              <a:t>meet</a:t>
+            </a:r>
+            <a:r>
+              <a:rPr lang="de-DE" dirty="0"/>
+              <a:t> </a:t>
+            </a:r>
+            <a:r>
+              <a:rPr lang="de-DE" dirty="0" err="1"/>
+              <a:t>me</a:t>
+            </a:r>
+            <a:r>
+              <a:rPr lang="de-DE" dirty="0"/>
+              <a:t> in a </a:t>
+            </a:r>
+            <a:r>
+              <a:rPr lang="de-DE" dirty="0" err="1"/>
+              <a:t>breakout</a:t>
+            </a:r>
+            <a:r>
+              <a:rPr lang="de-DE" dirty="0"/>
+              <a:t> </a:t>
+            </a:r>
+            <a:r>
+              <a:rPr lang="de-DE" dirty="0" err="1"/>
+              <a:t>session</a:t>
+            </a:r>
+            <a:r>
+              <a:rPr lang="de-DE" dirty="0"/>
+              <a:t> </a:t>
+            </a:r>
+            <a:r>
+              <a:rPr lang="de-DE" dirty="0" err="1"/>
+              <a:t>room</a:t>
+            </a:r>
+            <a:r>
+              <a:rPr lang="de-DE" dirty="0"/>
+              <a:t> </a:t>
+            </a:r>
+            <a:r>
+              <a:rPr lang="de-DE" dirty="0" err="1"/>
+              <a:t>afterwards</a:t>
+            </a:r>
+            <a:endParaRPr lang="de-DE" dirty="0"/>
+          </a:p>
+        </p:txBody>
+      </p:sp>
+      <p:sp>
+        <p:nvSpPr>
+          <p:cNvPr id="3" name="Titel 2"/>
+          <p:cNvSpPr>
+            <a:spLocks noGrp="1"/>
+          </p:cNvSpPr>
+          <p:nvPr>
+            <p:ph type="title"/>
+          </p:nvPr>
+        </p:nvSpPr>
+        <p:spPr/>
+        <p:txBody>
+          <a:bodyPr/>
+          <a:lstStyle/>
+          <a:p>
+            <a:r>
+              <a:rPr lang="de-DE" dirty="0"/>
+              <a:t>Next </a:t>
+            </a:r>
+            <a:r>
+              <a:rPr lang="de-DE" dirty="0" err="1"/>
+              <a:t>Steps</a:t>
+            </a:r>
+            <a:r>
+              <a:rPr lang="de-DE" dirty="0"/>
+              <a:t>...</a:t>
+            </a:r>
+          </a:p>
+        </p:txBody>
+      </p:sp>
+    </p:spTree>
+    <p:extLst>
+      <p:ext uri="{BB962C8B-B14F-4D97-AF65-F5344CB8AC3E}">
+        <p14:creationId xmlns:p14="http://schemas.microsoft.com/office/powerpoint/2010/main" val="3397310615"/>
+      </p:ext>
+    </p:extLst>
+  </p:cSld>
+  <p:clrMapOvr>
+    <a:masterClrMapping/>
+  </p:clrMapOvr>
+  <mc:AlternateContent xmlns:mc="http://schemas.openxmlformats.org/markup-compatibility/2006" xmlns:p14="http://schemas.microsoft.com/office/powerpoint/2010/main">
+    <mc:Choice Requires="p14">
+      <p:transition spd="med" p14:dur="700">
+        <p:fade/>
+      </p:transition>
+    </mc:Choice>
+    <mc:Fallback xmlns="">
+      <p:transition spd="med">
+        <p:fade/>
+      </p:transition>
+    </mc:Fallback>
+  </mc:AlternateContent>
+</p:sld>
+</file>
+
+<file path=ppt/slides/slide15.xml><?xml version="1.0" encoding="utf-8"?>
+<p:sld xmlns:a="http://schemas.openxmlformats.org/drawingml/2006/main" xmlns:r="http://schemas.openxmlformats.org/officeDocument/2006/relationships" xmlns:p="http://schemas.openxmlformats.org/presentationml/2006/main">
+  <p:cSld>
+    <p:spTree>
+      <p:nvGrpSpPr>
+        <p:cNvPr id="1" name=""/>
+        <p:cNvGrpSpPr/>
+        <p:nvPr/>
+      </p:nvGrpSpPr>
+      <p:grpSpPr>
+        <a:xfrm>
+          <a:off x="0" y="0"/>
+          <a:ext cx="0" cy="0"/>
+          <a:chOff x="0" y="0"/>
+          <a:chExt cx="0" cy="0"/>
+        </a:xfrm>
+      </p:grpSpPr>
+      <p:sp>
+        <p:nvSpPr>
           <p:cNvPr id="2" name="Titel 1"/>
           <p:cNvSpPr>
             <a:spLocks noGrp="1"/>
@@ -6280,7 +6481,7 @@
 </p:sld>
 </file>
 
-<file path=ppt/slides/slide15.xml><?xml version="1.0" encoding="utf-8"?>
+<file path=ppt/slides/slide16.xml><?xml version="1.0" encoding="utf-8"?>
 <p:sld xmlns:a="http://schemas.openxmlformats.org/drawingml/2006/main" xmlns:r="http://schemas.openxmlformats.org/officeDocument/2006/relationships" xmlns:p="http://schemas.openxmlformats.org/presentationml/2006/main">
   <p:cSld>
     <p:spTree>
@@ -11791,7 +11992,7 @@
       </p:grpSpPr>
       <p:sp>
         <p:nvSpPr>
-          <p:cNvPr id="9218" name="Titel 1"/>
+          <p:cNvPr id="2" name="Titel 1"/>
           <p:cNvSpPr>
             <a:spLocks noGrp="1"/>
           </p:cNvSpPr>
@@ -11799,112 +12000,46 @@
             <p:ph type="title"/>
           </p:nvPr>
         </p:nvSpPr>
-        <p:spPr>
-          <a:xfrm>
-            <a:off x="0" y="908720"/>
-            <a:ext cx="9144000" cy="792088"/>
-          </a:xfrm>
-          <a:prstGeom prst="rect">
-            <a:avLst/>
-          </a:prstGeom>
-        </p:spPr>
+        <p:spPr/>
         <p:txBody>
           <a:bodyPr/>
           <a:lstStyle/>
           <a:p>
             <a:r>
               <a:rPr lang="de-DE" dirty="0"/>
-              <a:t>IO / Filesystem</a:t>
+              <a:t>Demo</a:t>
             </a:r>
           </a:p>
         </p:txBody>
       </p:sp>
       <p:sp>
         <p:nvSpPr>
-          <p:cNvPr id="9219" name="Inhaltsplatzhalter 2"/>
+          <p:cNvPr id="3" name="Textplatzhalter 2"/>
           <p:cNvSpPr>
             <a:spLocks noGrp="1"/>
           </p:cNvSpPr>
           <p:nvPr>
-            <p:ph idx="1"/>
+            <p:ph type="body" sz="quarter" idx="10"/>
           </p:nvPr>
         </p:nvSpPr>
         <p:spPr/>
         <p:txBody>
-          <a:bodyPr/>
+          <a:bodyPr>
+            <a:normAutofit/>
+          </a:bodyPr>
           <a:lstStyle/>
           <a:p>
             <a:r>
-              <a:rPr lang="de-DE" dirty="0" err="1">
-                <a:latin typeface="Consolas" panose="020B0609020204030204" pitchFamily="49" charset="0"/>
-              </a:rPr>
-              <a:t>Enumerating</a:t>
-            </a:r>
-            <a:r>
-              <a:rPr lang="de-DE" dirty="0">
-                <a:latin typeface="Consolas" panose="020B0609020204030204" pitchFamily="49" charset="0"/>
-              </a:rPr>
-              <a:t> </a:t>
-            </a:r>
-            <a:r>
-              <a:rPr lang="de-DE" dirty="0" err="1">
-                <a:latin typeface="Consolas" panose="020B0609020204030204" pitchFamily="49" charset="0"/>
-              </a:rPr>
-              <a:t>files</a:t>
-            </a:r>
-            <a:endParaRPr lang="de-DE" dirty="0">
-              <a:latin typeface="Consolas" panose="020B0609020204030204" pitchFamily="49" charset="0"/>
-            </a:endParaRPr>
-          </a:p>
-          <a:p>
-            <a:r>
-              <a:rPr lang="de-DE" dirty="0" err="1">
-                <a:latin typeface="Consolas" panose="020B0609020204030204" pitchFamily="49" charset="0"/>
-              </a:rPr>
-              <a:t>Downloading</a:t>
-            </a:r>
-            <a:r>
-              <a:rPr lang="de-DE" dirty="0">
-                <a:latin typeface="Consolas" panose="020B0609020204030204" pitchFamily="49" charset="0"/>
-              </a:rPr>
-              <a:t> </a:t>
-            </a:r>
-            <a:r>
-              <a:rPr lang="de-DE" dirty="0" err="1">
-                <a:latin typeface="Consolas" panose="020B0609020204030204" pitchFamily="49" charset="0"/>
-              </a:rPr>
-              <a:t>files</a:t>
-            </a:r>
-            <a:endParaRPr lang="de-DE" dirty="0">
-              <a:latin typeface="Consolas" panose="020B0609020204030204" pitchFamily="49" charset="0"/>
-            </a:endParaRPr>
-          </a:p>
-          <a:p>
-            <a:pPr marL="0" indent="0">
-              <a:buNone/>
-            </a:pPr>
-            <a:endParaRPr lang="de-DE" dirty="0">
-              <a:latin typeface="Consolas" panose="020B0609020204030204" pitchFamily="49" charset="0"/>
-            </a:endParaRPr>
-          </a:p>
-          <a:p>
-            <a:pPr marL="0" indent="0">
-              <a:buNone/>
-            </a:pPr>
-            <a:endParaRPr lang="de-DE" dirty="0"/>
-          </a:p>
-          <a:p>
-            <a:pPr marL="0" indent="0">
-              <a:buNone/>
-            </a:pPr>
-            <a:endParaRPr lang="de-DE" dirty="0"/>
+              <a:rPr lang="de-DE" dirty="0"/>
+              <a:t>Looping</a:t>
+            </a:r>
           </a:p>
         </p:txBody>
       </p:sp>
     </p:spTree>
     <p:extLst>
       <p:ext uri="{BB962C8B-B14F-4D97-AF65-F5344CB8AC3E}">
-        <p14:creationId xmlns:p14="http://schemas.microsoft.com/office/powerpoint/2010/main" val="1788759479"/>
+        <p14:creationId xmlns:p14="http://schemas.microsoft.com/office/powerpoint/2010/main" val="534190320"/>
       </p:ext>
     </p:extLst>
   </p:cSld>

--- a/PSCONFEU_Perf2017.pptx
+++ b/PSCONFEU_Perf2017.pptx
@@ -6,10 +6,10 @@
     <p:sldMasterId id="2147483809" r:id="rId2"/>
   </p:sldMasterIdLst>
   <p:notesMasterIdLst>
-    <p:notesMasterId r:id="rId19"/>
+    <p:notesMasterId r:id="rId18"/>
   </p:notesMasterIdLst>
   <p:handoutMasterIdLst>
-    <p:handoutMasterId r:id="rId20"/>
+    <p:handoutMasterId r:id="rId19"/>
   </p:handoutMasterIdLst>
   <p:sldIdLst>
     <p:sldId id="316" r:id="rId3"/>
@@ -23,11 +23,10 @@
     <p:sldId id="324" r:id="rId11"/>
     <p:sldId id="323" r:id="rId12"/>
     <p:sldId id="320" r:id="rId13"/>
-    <p:sldId id="318" r:id="rId14"/>
-    <p:sldId id="321" r:id="rId15"/>
-    <p:sldId id="313" r:id="rId16"/>
-    <p:sldId id="314" r:id="rId17"/>
-    <p:sldId id="312" r:id="rId18"/>
+    <p:sldId id="321" r:id="rId14"/>
+    <p:sldId id="313" r:id="rId15"/>
+    <p:sldId id="314" r:id="rId16"/>
+    <p:sldId id="312" r:id="rId17"/>
   </p:sldIdLst>
   <p:sldSz cx="9144000" cy="6858000" type="screen4x3"/>
   <p:notesSz cx="7099300" cy="10234613"/>
@@ -1307,6 +1306,134 @@
     <p:extLst>
       <p:ext uri="{BB962C8B-B14F-4D97-AF65-F5344CB8AC3E}">
         <p14:creationId xmlns:p14="http://schemas.microsoft.com/office/powerpoint/2010/main" val="3132098537"/>
+      </p:ext>
+    </p:extLst>
+  </p:cSld>
+  <p:clrMapOvr>
+    <a:masterClrMapping/>
+  </p:clrMapOvr>
+</p:notes>
+</file>
+
+<file path=ppt/notesSlides/notesSlide3.xml><?xml version="1.0" encoding="utf-8"?>
+<p:notes xmlns:a="http://schemas.openxmlformats.org/drawingml/2006/main" xmlns:r="http://schemas.openxmlformats.org/officeDocument/2006/relationships" xmlns:p="http://schemas.openxmlformats.org/presentationml/2006/main">
+  <p:cSld>
+    <p:spTree>
+      <p:nvGrpSpPr>
+        <p:cNvPr id="1" name=""/>
+        <p:cNvGrpSpPr/>
+        <p:nvPr/>
+      </p:nvGrpSpPr>
+      <p:grpSpPr>
+        <a:xfrm>
+          <a:off x="0" y="0"/>
+          <a:ext cx="0" cy="0"/>
+          <a:chOff x="0" y="0"/>
+          <a:chExt cx="0" cy="0"/>
+        </a:xfrm>
+      </p:grpSpPr>
+      <p:sp>
+        <p:nvSpPr>
+          <p:cNvPr id="2" name="Platshållare för bildobjekt 1"/>
+          <p:cNvSpPr>
+            <a:spLocks noGrp="1" noRot="1" noChangeAspect="1"/>
+          </p:cNvSpPr>
+          <p:nvPr>
+            <p:ph type="sldImg"/>
+          </p:nvPr>
+        </p:nvSpPr>
+        <p:spPr/>
+      </p:sp>
+      <p:sp>
+        <p:nvSpPr>
+          <p:cNvPr id="3" name="Platshållare för anteckningar 2"/>
+          <p:cNvSpPr>
+            <a:spLocks noGrp="1"/>
+          </p:cNvSpPr>
+          <p:nvPr>
+            <p:ph type="body" idx="1"/>
+          </p:nvPr>
+        </p:nvSpPr>
+        <p:spPr/>
+        <p:txBody>
+          <a:bodyPr/>
+          <a:lstStyle/>
+          <a:p>
+            <a:r>
+              <a:rPr lang="en-US" dirty="0"/>
+              <a:t>ObjectCreation.ps1</a:t>
+            </a:r>
+          </a:p>
+          <a:p>
+            <a:endParaRPr lang="en-US" dirty="0"/>
+          </a:p>
+          <a:p>
+            <a:r>
+              <a:rPr lang="en-US" dirty="0"/>
+              <a:t>ObjectCreation.psm1</a:t>
+            </a:r>
+          </a:p>
+          <a:p>
+            <a:r>
+              <a:rPr lang="en-US" dirty="0" err="1"/>
+              <a:t>Src</a:t>
+            </a:r>
+            <a:r>
+              <a:rPr lang="en-US" dirty="0"/>
+              <a:t>/</a:t>
+            </a:r>
+            <a:r>
+              <a:rPr lang="en-US" dirty="0" err="1"/>
+              <a:t>cs</a:t>
+            </a:r>
+            <a:r>
+              <a:rPr lang="en-US" dirty="0"/>
+              <a:t>/</a:t>
+            </a:r>
+            <a:r>
+              <a:rPr lang="en-US" err="1"/>
+              <a:t>DotnetPerson</a:t>
+            </a:r>
+            <a:r>
+              <a:rPr lang="en-US"/>
+              <a:t>.cs</a:t>
+            </a:r>
+          </a:p>
+        </p:txBody>
+      </p:sp>
+      <p:sp>
+        <p:nvSpPr>
+          <p:cNvPr id="4" name="Platshållare för bildnummer 3"/>
+          <p:cNvSpPr>
+            <a:spLocks noGrp="1"/>
+          </p:cNvSpPr>
+          <p:nvPr>
+            <p:ph type="sldNum" sz="quarter" idx="10"/>
+          </p:nvPr>
+        </p:nvSpPr>
+        <p:spPr/>
+        <p:txBody>
+          <a:bodyPr/>
+          <a:lstStyle/>
+          <a:p>
+            <a:pPr>
+              <a:defRPr/>
+            </a:pPr>
+            <a:fld id="{0C6D6275-D5B4-459A-B2A3-212CA60D2300}" type="slidenum">
+              <a:rPr lang="de-DE" smtClean="0"/>
+              <a:pPr>
+                <a:defRPr/>
+              </a:pPr>
+              <a:t>5</a:t>
+            </a:fld>
+            <a:endParaRPr lang="de-DE"/>
+          </a:p>
+        </p:txBody>
+      </p:sp>
+    </p:spTree>
+    <p:extLst>
+      <p:ext uri="{BB962C8B-B14F-4D97-AF65-F5344CB8AC3E}">
+        <p14:creationId xmlns:p14="http://schemas.microsoft.com/office/powerpoint/2010/main" val="2980991662"/>
       </p:ext>
     </p:extLst>
   </p:cSld>
@@ -4683,7 +4810,7 @@
               <a:t> </a:t>
             </a:r>
             <a:r>
-              <a:rPr lang="de-DE"/>
+              <a:rPr lang="de-DE" dirty="0" err="1"/>
               <a:t>iteration</a:t>
             </a:r>
             <a:endParaRPr lang="de-DE" dirty="0"/>
@@ -4734,7 +4861,37 @@
       </p:grpSpPr>
       <p:sp>
         <p:nvSpPr>
-          <p:cNvPr id="2" name="Content Placeholder 1"/>
+          <p:cNvPr id="2" name="Titel 1"/>
+          <p:cNvSpPr>
+            <a:spLocks noGrp="1"/>
+          </p:cNvSpPr>
+          <p:nvPr>
+            <p:ph type="title"/>
+          </p:nvPr>
+        </p:nvSpPr>
+        <p:spPr>
+          <a:xfrm>
+            <a:off x="0" y="908720"/>
+            <a:ext cx="9144000" cy="792088"/>
+          </a:xfrm>
+          <a:prstGeom prst="rect">
+            <a:avLst/>
+          </a:prstGeom>
+        </p:spPr>
+        <p:txBody>
+          <a:bodyPr/>
+          <a:lstStyle/>
+          <a:p>
+            <a:r>
+              <a:rPr lang="de-DE" dirty="0"/>
+              <a:t>Summary</a:t>
+            </a:r>
+          </a:p>
+        </p:txBody>
+      </p:sp>
+      <p:sp>
+        <p:nvSpPr>
+          <p:cNvPr id="3" name="Inhaltsplatzhalter 2"/>
           <p:cNvSpPr>
             <a:spLocks noGrp="1"/>
           </p:cNvSpPr>
@@ -4744,1035 +4901,234 @@
         </p:nvSpPr>
         <p:spPr/>
         <p:txBody>
-          <a:bodyPr>
-            <a:normAutofit fontScale="92500" lnSpcReduction="10000"/>
-          </a:bodyPr>
+          <a:bodyPr/>
           <a:lstStyle/>
           <a:p>
-            <a:r>
-              <a:rPr lang="sv-SE" sz="1400" dirty="0"/>
-              <a:t> </a:t>
-            </a:r>
-            <a:r>
-              <a:rPr lang="sv-SE" sz="1400" dirty="0" err="1">
-                <a:solidFill>
-                  <a:srgbClr val="00008B"/>
-                </a:solidFill>
-                <a:latin typeface="Lucida Console" panose="020B0609040504020204" pitchFamily="49" charset="0"/>
-              </a:rPr>
-              <a:t>function</a:t>
-            </a:r>
-            <a:r>
-              <a:rPr lang="sv-SE" sz="1400" dirty="0">
-                <a:solidFill>
-                  <a:prstClr val="black"/>
-                </a:solidFill>
-                <a:latin typeface="Lucida Console" panose="020B0609040504020204" pitchFamily="49" charset="0"/>
-              </a:rPr>
-              <a:t> </a:t>
-            </a:r>
-            <a:r>
-              <a:rPr lang="sv-SE" sz="1400" dirty="0">
-                <a:solidFill>
-                  <a:srgbClr val="8A2BE2"/>
-                </a:solidFill>
-                <a:latin typeface="Lucida Console" panose="020B0609040504020204" pitchFamily="49" charset="0"/>
-              </a:rPr>
-              <a:t>Get-</a:t>
-            </a:r>
-            <a:r>
-              <a:rPr lang="sv-SE" sz="1400" dirty="0" err="1">
-                <a:solidFill>
-                  <a:srgbClr val="8A2BE2"/>
-                </a:solidFill>
-                <a:latin typeface="Lucida Console" panose="020B0609040504020204" pitchFamily="49" charset="0"/>
-              </a:rPr>
-              <a:t>Sum</a:t>
-            </a:r>
-            <a:r>
-              <a:rPr lang="sv-SE" sz="1400" dirty="0">
-                <a:solidFill>
-                  <a:prstClr val="black"/>
-                </a:solidFill>
-                <a:latin typeface="Lucida Console" panose="020B0609040504020204" pitchFamily="49" charset="0"/>
-              </a:rPr>
-              <a:t> {</a:t>
-            </a:r>
-          </a:p>
-          <a:p>
-            <a:r>
-              <a:rPr lang="sv-SE" sz="1400" dirty="0">
-                <a:solidFill>
-                  <a:prstClr val="black"/>
-                </a:solidFill>
-                <a:latin typeface="Lucida Console" panose="020B0609040504020204" pitchFamily="49" charset="0"/>
-              </a:rPr>
-              <a:t>    </a:t>
-            </a:r>
-            <a:r>
-              <a:rPr lang="sv-SE" sz="1400" dirty="0" err="1">
-                <a:solidFill>
-                  <a:srgbClr val="00008B"/>
-                </a:solidFill>
-                <a:latin typeface="Lucida Console" panose="020B0609040504020204" pitchFamily="49" charset="0"/>
-              </a:rPr>
-              <a:t>param</a:t>
-            </a:r>
-            <a:r>
-              <a:rPr lang="sv-SE" sz="1400" dirty="0">
-                <a:solidFill>
-                  <a:prstClr val="black"/>
-                </a:solidFill>
-                <a:latin typeface="Lucida Console" panose="020B0609040504020204" pitchFamily="49" charset="0"/>
-              </a:rPr>
-              <a:t>(</a:t>
-            </a:r>
-          </a:p>
-          <a:p>
-            <a:r>
-              <a:rPr lang="sv-SE" sz="1400" dirty="0">
-                <a:solidFill>
-                  <a:prstClr val="black"/>
-                </a:solidFill>
-                <a:latin typeface="Lucida Console" panose="020B0609040504020204" pitchFamily="49" charset="0"/>
-              </a:rPr>
-              <a:t>        </a:t>
-            </a:r>
-            <a:r>
-              <a:rPr lang="sv-SE" sz="1400" dirty="0">
-                <a:solidFill>
-                  <a:srgbClr val="A9A9A9"/>
-                </a:solidFill>
-                <a:latin typeface="Lucida Console" panose="020B0609040504020204" pitchFamily="49" charset="0"/>
-              </a:rPr>
-              <a:t>[</a:t>
-            </a:r>
-            <a:r>
-              <a:rPr lang="sv-SE" sz="1400" dirty="0">
-                <a:solidFill>
-                  <a:srgbClr val="00BFFF"/>
-                </a:solidFill>
-                <a:latin typeface="Lucida Console" panose="020B0609040504020204" pitchFamily="49" charset="0"/>
-              </a:rPr>
-              <a:t>Parameter</a:t>
-            </a:r>
-            <a:r>
-              <a:rPr lang="sv-SE" sz="1400" dirty="0">
-                <a:solidFill>
-                  <a:prstClr val="black"/>
-                </a:solidFill>
-                <a:latin typeface="Lucida Console" panose="020B0609040504020204" pitchFamily="49" charset="0"/>
-              </a:rPr>
-              <a:t>(</a:t>
-            </a:r>
-            <a:r>
-              <a:rPr lang="sv-SE" sz="1400" dirty="0" err="1">
-                <a:solidFill>
-                  <a:prstClr val="black"/>
-                </a:solidFill>
-                <a:latin typeface="Lucida Console" panose="020B0609040504020204" pitchFamily="49" charset="0"/>
-              </a:rPr>
-              <a:t>ValueFromPipeline</a:t>
-            </a:r>
-            <a:r>
-              <a:rPr lang="sv-SE" sz="1400" dirty="0">
-                <a:solidFill>
-                  <a:prstClr val="black"/>
-                </a:solidFill>
-                <a:latin typeface="Lucida Console" panose="020B0609040504020204" pitchFamily="49" charset="0"/>
-              </a:rPr>
-              <a:t>)</a:t>
-            </a:r>
-            <a:r>
-              <a:rPr lang="sv-SE" sz="1400" dirty="0">
-                <a:solidFill>
-                  <a:srgbClr val="A9A9A9"/>
-                </a:solidFill>
-                <a:latin typeface="Lucida Console" panose="020B0609040504020204" pitchFamily="49" charset="0"/>
-              </a:rPr>
-              <a:t>]</a:t>
-            </a:r>
-            <a:endParaRPr lang="sv-SE" sz="1400" dirty="0">
-              <a:solidFill>
-                <a:prstClr val="black"/>
-              </a:solidFill>
-              <a:latin typeface="Lucida Console" panose="020B0609040504020204" pitchFamily="49" charset="0"/>
-            </a:endParaRPr>
-          </a:p>
-          <a:p>
-            <a:r>
-              <a:rPr lang="sv-SE" sz="1400" dirty="0">
-                <a:solidFill>
-                  <a:prstClr val="black"/>
-                </a:solidFill>
-                <a:latin typeface="Lucida Console" panose="020B0609040504020204" pitchFamily="49" charset="0"/>
-              </a:rPr>
-              <a:t>        </a:t>
-            </a:r>
-            <a:r>
-              <a:rPr lang="sv-SE" sz="1400" dirty="0">
-                <a:solidFill>
-                  <a:srgbClr val="A9A9A9"/>
-                </a:solidFill>
-                <a:latin typeface="Lucida Console" panose="020B0609040504020204" pitchFamily="49" charset="0"/>
-              </a:rPr>
-              <a:t>[</a:t>
-            </a:r>
-            <a:r>
-              <a:rPr lang="sv-SE" sz="1400" dirty="0" err="1">
-                <a:solidFill>
-                  <a:srgbClr val="008080"/>
-                </a:solidFill>
-                <a:latin typeface="Lucida Console" panose="020B0609040504020204" pitchFamily="49" charset="0"/>
-              </a:rPr>
-              <a:t>int</a:t>
-            </a:r>
-            <a:r>
-              <a:rPr lang="sv-SE" sz="1400" dirty="0">
-                <a:solidFill>
-                  <a:srgbClr val="A9A9A9"/>
-                </a:solidFill>
-                <a:latin typeface="Lucida Console" panose="020B0609040504020204" pitchFamily="49" charset="0"/>
-              </a:rPr>
-              <a:t>[]]</a:t>
-            </a:r>
-            <a:r>
-              <a:rPr lang="sv-SE" sz="1400" dirty="0">
-                <a:solidFill>
-                  <a:prstClr val="black"/>
-                </a:solidFill>
-                <a:latin typeface="Lucida Console" panose="020B0609040504020204" pitchFamily="49" charset="0"/>
-              </a:rPr>
-              <a:t> </a:t>
-            </a:r>
-            <a:r>
-              <a:rPr lang="sv-SE" sz="1400" dirty="0">
-                <a:solidFill>
-                  <a:srgbClr val="FF4500"/>
-                </a:solidFill>
-                <a:latin typeface="Lucida Console" panose="020B0609040504020204" pitchFamily="49" charset="0"/>
-              </a:rPr>
-              <a:t>$</a:t>
-            </a:r>
-            <a:r>
-              <a:rPr lang="sv-SE" sz="1400" dirty="0" err="1">
-                <a:solidFill>
-                  <a:srgbClr val="FF4500"/>
-                </a:solidFill>
-                <a:latin typeface="Lucida Console" panose="020B0609040504020204" pitchFamily="49" charset="0"/>
-              </a:rPr>
-              <a:t>Number</a:t>
-            </a:r>
-            <a:endParaRPr lang="sv-SE" sz="1400" dirty="0">
-              <a:solidFill>
-                <a:prstClr val="black"/>
-              </a:solidFill>
-              <a:latin typeface="Lucida Console" panose="020B0609040504020204" pitchFamily="49" charset="0"/>
-            </a:endParaRPr>
-          </a:p>
-          <a:p>
-            <a:r>
-              <a:rPr lang="sv-SE" sz="1400" dirty="0">
-                <a:solidFill>
-                  <a:prstClr val="black"/>
-                </a:solidFill>
-                <a:latin typeface="Lucida Console" panose="020B0609040504020204" pitchFamily="49" charset="0"/>
-              </a:rPr>
-              <a:t>    )</a:t>
-            </a:r>
-          </a:p>
-          <a:p>
-            <a:r>
-              <a:rPr lang="sv-SE" sz="1400" dirty="0">
-                <a:solidFill>
-                  <a:prstClr val="black"/>
-                </a:solidFill>
-                <a:latin typeface="Lucida Console" panose="020B0609040504020204" pitchFamily="49" charset="0"/>
-              </a:rPr>
-              <a:t>    </a:t>
-            </a:r>
-            <a:r>
-              <a:rPr lang="sv-SE" sz="1400" dirty="0" err="1">
-                <a:solidFill>
-                  <a:srgbClr val="00008B"/>
-                </a:solidFill>
-                <a:latin typeface="Lucida Console" panose="020B0609040504020204" pitchFamily="49" charset="0"/>
-              </a:rPr>
-              <a:t>begin</a:t>
-            </a:r>
-            <a:r>
-              <a:rPr lang="sv-SE" sz="1400" dirty="0">
-                <a:solidFill>
-                  <a:prstClr val="black"/>
-                </a:solidFill>
-                <a:latin typeface="Lucida Console" panose="020B0609040504020204" pitchFamily="49" charset="0"/>
-              </a:rPr>
-              <a:t> {</a:t>
-            </a:r>
-          </a:p>
-          <a:p>
-            <a:r>
-              <a:rPr lang="sv-SE" sz="1400" dirty="0">
-                <a:solidFill>
-                  <a:prstClr val="black"/>
-                </a:solidFill>
-                <a:latin typeface="Lucida Console" panose="020B0609040504020204" pitchFamily="49" charset="0"/>
-              </a:rPr>
-              <a:t>        </a:t>
-            </a:r>
-            <a:r>
-              <a:rPr lang="sv-SE" sz="1400" dirty="0">
-                <a:solidFill>
-                  <a:srgbClr val="FF4500"/>
-                </a:solidFill>
-                <a:latin typeface="Lucida Console" panose="020B0609040504020204" pitchFamily="49" charset="0"/>
-              </a:rPr>
-              <a:t>$</a:t>
-            </a:r>
-            <a:r>
-              <a:rPr lang="sv-SE" sz="1400" dirty="0" err="1">
-                <a:solidFill>
-                  <a:srgbClr val="FF4500"/>
-                </a:solidFill>
-                <a:latin typeface="Lucida Console" panose="020B0609040504020204" pitchFamily="49" charset="0"/>
-              </a:rPr>
-              <a:t>sum</a:t>
-            </a:r>
-            <a:r>
-              <a:rPr lang="sv-SE" sz="1400" dirty="0">
-                <a:solidFill>
-                  <a:prstClr val="black"/>
-                </a:solidFill>
-                <a:latin typeface="Lucida Console" panose="020B0609040504020204" pitchFamily="49" charset="0"/>
-              </a:rPr>
-              <a:t> </a:t>
-            </a:r>
-            <a:r>
-              <a:rPr lang="sv-SE" sz="1400" dirty="0">
-                <a:solidFill>
-                  <a:srgbClr val="A9A9A9"/>
-                </a:solidFill>
-                <a:latin typeface="Lucida Console" panose="020B0609040504020204" pitchFamily="49" charset="0"/>
-              </a:rPr>
-              <a:t>=</a:t>
-            </a:r>
-            <a:r>
-              <a:rPr lang="sv-SE" sz="1400" dirty="0">
-                <a:solidFill>
-                  <a:prstClr val="black"/>
-                </a:solidFill>
-                <a:latin typeface="Lucida Console" panose="020B0609040504020204" pitchFamily="49" charset="0"/>
-              </a:rPr>
-              <a:t> </a:t>
-            </a:r>
-            <a:r>
-              <a:rPr lang="sv-SE" sz="1400" dirty="0">
-                <a:solidFill>
-                  <a:srgbClr val="800080"/>
-                </a:solidFill>
-                <a:latin typeface="Lucida Console" panose="020B0609040504020204" pitchFamily="49" charset="0"/>
-              </a:rPr>
-              <a:t>0</a:t>
-            </a:r>
-            <a:endParaRPr lang="sv-SE" sz="1400" dirty="0">
-              <a:solidFill>
-                <a:prstClr val="black"/>
-              </a:solidFill>
-              <a:latin typeface="Lucida Console" panose="020B0609040504020204" pitchFamily="49" charset="0"/>
-            </a:endParaRPr>
-          </a:p>
-          <a:p>
-            <a:r>
-              <a:rPr lang="sv-SE" sz="1400" dirty="0">
-                <a:solidFill>
-                  <a:prstClr val="black"/>
-                </a:solidFill>
-                <a:latin typeface="Lucida Console" panose="020B0609040504020204" pitchFamily="49" charset="0"/>
-              </a:rPr>
-              <a:t>    }</a:t>
-            </a:r>
-          </a:p>
-          <a:p>
-            <a:r>
-              <a:rPr lang="sv-SE" sz="1400" dirty="0">
-                <a:solidFill>
-                  <a:prstClr val="black"/>
-                </a:solidFill>
-                <a:latin typeface="Lucida Console" panose="020B0609040504020204" pitchFamily="49" charset="0"/>
-              </a:rPr>
-              <a:t>    </a:t>
-            </a:r>
-            <a:r>
-              <a:rPr lang="sv-SE" sz="1400" dirty="0">
-                <a:solidFill>
-                  <a:srgbClr val="00008B"/>
-                </a:solidFill>
-                <a:latin typeface="Lucida Console" panose="020B0609040504020204" pitchFamily="49" charset="0"/>
-              </a:rPr>
-              <a:t>process</a:t>
-            </a:r>
-            <a:r>
-              <a:rPr lang="sv-SE" sz="1400" dirty="0">
-                <a:solidFill>
-                  <a:prstClr val="black"/>
-                </a:solidFill>
-                <a:latin typeface="Lucida Console" panose="020B0609040504020204" pitchFamily="49" charset="0"/>
-              </a:rPr>
-              <a:t> {</a:t>
-            </a:r>
-          </a:p>
-          <a:p>
-            <a:r>
-              <a:rPr lang="sv-SE" sz="1400" dirty="0">
-                <a:solidFill>
-                  <a:prstClr val="black"/>
-                </a:solidFill>
-                <a:latin typeface="Lucida Console" panose="020B0609040504020204" pitchFamily="49" charset="0"/>
-              </a:rPr>
-              <a:t>        </a:t>
-            </a:r>
-            <a:r>
-              <a:rPr lang="sv-SE" sz="1400" dirty="0" err="1">
-                <a:solidFill>
-                  <a:srgbClr val="00008B"/>
-                </a:solidFill>
-                <a:latin typeface="Lucida Console" panose="020B0609040504020204" pitchFamily="49" charset="0"/>
-              </a:rPr>
-              <a:t>foreach</a:t>
-            </a:r>
-            <a:r>
-              <a:rPr lang="sv-SE" sz="1400" dirty="0">
-                <a:solidFill>
-                  <a:prstClr val="black"/>
-                </a:solidFill>
-                <a:latin typeface="Lucida Console" panose="020B0609040504020204" pitchFamily="49" charset="0"/>
-              </a:rPr>
-              <a:t>(</a:t>
-            </a:r>
-            <a:r>
-              <a:rPr lang="sv-SE" sz="1400" dirty="0">
-                <a:solidFill>
-                  <a:srgbClr val="FF4500"/>
-                </a:solidFill>
-                <a:latin typeface="Lucida Console" panose="020B0609040504020204" pitchFamily="49" charset="0"/>
-              </a:rPr>
-              <a:t>$i</a:t>
-            </a:r>
-            <a:r>
-              <a:rPr lang="sv-SE" sz="1400" dirty="0">
-                <a:solidFill>
-                  <a:prstClr val="black"/>
-                </a:solidFill>
-                <a:latin typeface="Lucida Console" panose="020B0609040504020204" pitchFamily="49" charset="0"/>
-              </a:rPr>
-              <a:t> </a:t>
-            </a:r>
-            <a:r>
-              <a:rPr lang="sv-SE" sz="1400" dirty="0">
-                <a:solidFill>
-                  <a:srgbClr val="00008B"/>
-                </a:solidFill>
-                <a:latin typeface="Lucida Console" panose="020B0609040504020204" pitchFamily="49" charset="0"/>
-              </a:rPr>
-              <a:t>in</a:t>
-            </a:r>
-            <a:r>
-              <a:rPr lang="sv-SE" sz="1400" dirty="0">
-                <a:solidFill>
-                  <a:prstClr val="black"/>
-                </a:solidFill>
-                <a:latin typeface="Lucida Console" panose="020B0609040504020204" pitchFamily="49" charset="0"/>
-              </a:rPr>
-              <a:t> </a:t>
-            </a:r>
-            <a:r>
-              <a:rPr lang="sv-SE" sz="1400" dirty="0">
-                <a:solidFill>
-                  <a:srgbClr val="FF4500"/>
-                </a:solidFill>
-                <a:latin typeface="Lucida Console" panose="020B0609040504020204" pitchFamily="49" charset="0"/>
-              </a:rPr>
-              <a:t>$</a:t>
-            </a:r>
-            <a:r>
-              <a:rPr lang="sv-SE" sz="1400" dirty="0" err="1">
-                <a:solidFill>
-                  <a:srgbClr val="FF4500"/>
-                </a:solidFill>
-                <a:latin typeface="Lucida Console" panose="020B0609040504020204" pitchFamily="49" charset="0"/>
-              </a:rPr>
-              <a:t>Number</a:t>
-            </a:r>
-            <a:r>
-              <a:rPr lang="sv-SE" sz="1400" dirty="0">
-                <a:solidFill>
-                  <a:prstClr val="black"/>
-                </a:solidFill>
-                <a:latin typeface="Lucida Console" panose="020B0609040504020204" pitchFamily="49" charset="0"/>
-              </a:rPr>
-              <a:t>){</a:t>
-            </a:r>
-          </a:p>
-          <a:p>
-            <a:r>
-              <a:rPr lang="sv-SE" sz="1400" dirty="0">
-                <a:solidFill>
-                  <a:prstClr val="black"/>
-                </a:solidFill>
-                <a:latin typeface="Lucida Console" panose="020B0609040504020204" pitchFamily="49" charset="0"/>
-              </a:rPr>
-              <a:t>            </a:t>
-            </a:r>
-            <a:r>
-              <a:rPr lang="sv-SE" sz="1400" dirty="0">
-                <a:solidFill>
-                  <a:srgbClr val="FF4500"/>
-                </a:solidFill>
-                <a:latin typeface="Lucida Console" panose="020B0609040504020204" pitchFamily="49" charset="0"/>
-              </a:rPr>
-              <a:t>$</a:t>
-            </a:r>
-            <a:r>
-              <a:rPr lang="sv-SE" sz="1400" dirty="0" err="1">
-                <a:solidFill>
-                  <a:srgbClr val="FF4500"/>
-                </a:solidFill>
-                <a:latin typeface="Lucida Console" panose="020B0609040504020204" pitchFamily="49" charset="0"/>
-              </a:rPr>
-              <a:t>sum</a:t>
-            </a:r>
-            <a:r>
-              <a:rPr lang="sv-SE" sz="1400" dirty="0">
-                <a:solidFill>
-                  <a:prstClr val="black"/>
-                </a:solidFill>
-                <a:latin typeface="Lucida Console" panose="020B0609040504020204" pitchFamily="49" charset="0"/>
-              </a:rPr>
-              <a:t> </a:t>
-            </a:r>
-            <a:r>
-              <a:rPr lang="sv-SE" sz="1400" dirty="0">
-                <a:solidFill>
-                  <a:srgbClr val="A9A9A9"/>
-                </a:solidFill>
-                <a:latin typeface="Lucida Console" panose="020B0609040504020204" pitchFamily="49" charset="0"/>
-              </a:rPr>
-              <a:t>+=</a:t>
-            </a:r>
-            <a:r>
-              <a:rPr lang="sv-SE" sz="1400" dirty="0">
-                <a:solidFill>
-                  <a:prstClr val="black"/>
-                </a:solidFill>
-                <a:latin typeface="Lucida Console" panose="020B0609040504020204" pitchFamily="49" charset="0"/>
-              </a:rPr>
-              <a:t> </a:t>
-            </a:r>
-            <a:r>
-              <a:rPr lang="sv-SE" sz="1400" dirty="0">
-                <a:solidFill>
-                  <a:srgbClr val="FF4500"/>
-                </a:solidFill>
-                <a:latin typeface="Lucida Console" panose="020B0609040504020204" pitchFamily="49" charset="0"/>
-              </a:rPr>
-              <a:t>$i</a:t>
-            </a:r>
-            <a:endParaRPr lang="sv-SE" sz="1400" dirty="0">
-              <a:solidFill>
-                <a:prstClr val="black"/>
-              </a:solidFill>
-              <a:latin typeface="Lucida Console" panose="020B0609040504020204" pitchFamily="49" charset="0"/>
-            </a:endParaRPr>
-          </a:p>
-          <a:p>
-            <a:r>
-              <a:rPr lang="sv-SE" sz="1400" dirty="0">
-                <a:solidFill>
-                  <a:prstClr val="black"/>
-                </a:solidFill>
-                <a:latin typeface="Lucida Console" panose="020B0609040504020204" pitchFamily="49" charset="0"/>
-              </a:rPr>
-              <a:t>        }</a:t>
-            </a:r>
-          </a:p>
-          <a:p>
-            <a:r>
-              <a:rPr lang="sv-SE" sz="1400" dirty="0">
-                <a:solidFill>
-                  <a:prstClr val="black"/>
-                </a:solidFill>
-                <a:latin typeface="Lucida Console" panose="020B0609040504020204" pitchFamily="49" charset="0"/>
-              </a:rPr>
-              <a:t>    }</a:t>
-            </a:r>
-          </a:p>
-          <a:p>
-            <a:r>
-              <a:rPr lang="sv-SE" sz="1400" dirty="0">
-                <a:solidFill>
-                  <a:prstClr val="black"/>
-                </a:solidFill>
-                <a:latin typeface="Lucida Console" panose="020B0609040504020204" pitchFamily="49" charset="0"/>
-              </a:rPr>
-              <a:t>    </a:t>
-            </a:r>
-            <a:r>
-              <a:rPr lang="sv-SE" sz="1400" dirty="0">
-                <a:solidFill>
-                  <a:srgbClr val="00008B"/>
-                </a:solidFill>
-                <a:latin typeface="Lucida Console" panose="020B0609040504020204" pitchFamily="49" charset="0"/>
-              </a:rPr>
-              <a:t>end</a:t>
-            </a:r>
-            <a:r>
-              <a:rPr lang="sv-SE" sz="1400" dirty="0">
-                <a:solidFill>
-                  <a:prstClr val="black"/>
-                </a:solidFill>
-                <a:latin typeface="Lucida Console" panose="020B0609040504020204" pitchFamily="49" charset="0"/>
-              </a:rPr>
-              <a:t> {</a:t>
-            </a:r>
-          </a:p>
-          <a:p>
-            <a:r>
-              <a:rPr lang="sv-SE" sz="1400" dirty="0">
-                <a:solidFill>
-                  <a:prstClr val="black"/>
-                </a:solidFill>
-                <a:latin typeface="Lucida Console" panose="020B0609040504020204" pitchFamily="49" charset="0"/>
-              </a:rPr>
-              <a:t>        </a:t>
-            </a:r>
-            <a:r>
-              <a:rPr lang="sv-SE" sz="1400" dirty="0">
-                <a:solidFill>
-                  <a:srgbClr val="FF4500"/>
-                </a:solidFill>
-                <a:latin typeface="Lucida Console" panose="020B0609040504020204" pitchFamily="49" charset="0"/>
-              </a:rPr>
-              <a:t>$</a:t>
-            </a:r>
-            <a:r>
-              <a:rPr lang="sv-SE" sz="1400" dirty="0" err="1">
-                <a:solidFill>
-                  <a:srgbClr val="FF4500"/>
-                </a:solidFill>
-                <a:latin typeface="Lucida Console" panose="020B0609040504020204" pitchFamily="49" charset="0"/>
-              </a:rPr>
-              <a:t>sum</a:t>
-            </a:r>
-            <a:endParaRPr lang="sv-SE" sz="1400" dirty="0">
-              <a:solidFill>
-                <a:prstClr val="black"/>
-              </a:solidFill>
-              <a:latin typeface="Lucida Console" panose="020B0609040504020204" pitchFamily="49" charset="0"/>
-            </a:endParaRPr>
-          </a:p>
-          <a:p>
-            <a:r>
-              <a:rPr lang="sv-SE" sz="1400" dirty="0">
-                <a:solidFill>
-                  <a:prstClr val="black"/>
-                </a:solidFill>
-                <a:latin typeface="Lucida Console" panose="020B0609040504020204" pitchFamily="49" charset="0"/>
-              </a:rPr>
-              <a:t>    }</a:t>
-            </a:r>
-          </a:p>
-          <a:p>
-            <a:r>
-              <a:rPr lang="sv-SE" sz="1400" dirty="0">
-                <a:solidFill>
-                  <a:prstClr val="black"/>
-                </a:solidFill>
-                <a:latin typeface="Lucida Console" panose="020B0609040504020204" pitchFamily="49" charset="0"/>
-              </a:rPr>
-              <a:t>}</a:t>
-            </a:r>
-          </a:p>
-          <a:p>
-            <a:endParaRPr lang="sv-SE" sz="1400" dirty="0">
-              <a:solidFill>
-                <a:prstClr val="black"/>
-              </a:solidFill>
-              <a:latin typeface="Lucida Console" panose="020B0609040504020204" pitchFamily="49" charset="0"/>
-            </a:endParaRPr>
-          </a:p>
-          <a:p>
-            <a:r>
-              <a:rPr lang="sv-SE" sz="1400" dirty="0">
-                <a:solidFill>
-                  <a:srgbClr val="FF4500"/>
-                </a:solidFill>
-                <a:latin typeface="Lucida Console" panose="020B0609040504020204" pitchFamily="49" charset="0"/>
-              </a:rPr>
-              <a:t>$</a:t>
-            </a:r>
-            <a:r>
-              <a:rPr lang="sv-SE" sz="1400" dirty="0" err="1">
-                <a:solidFill>
-                  <a:srgbClr val="FF4500"/>
-                </a:solidFill>
-                <a:latin typeface="Lucida Console" panose="020B0609040504020204" pitchFamily="49" charset="0"/>
-              </a:rPr>
-              <a:t>numbers</a:t>
-            </a:r>
-            <a:r>
-              <a:rPr lang="sv-SE" sz="1400" dirty="0">
-                <a:solidFill>
-                  <a:prstClr val="black"/>
-                </a:solidFill>
-                <a:latin typeface="Lucida Console" panose="020B0609040504020204" pitchFamily="49" charset="0"/>
-              </a:rPr>
-              <a:t> </a:t>
-            </a:r>
-            <a:r>
-              <a:rPr lang="sv-SE" sz="1400" dirty="0">
-                <a:solidFill>
-                  <a:srgbClr val="A9A9A9"/>
-                </a:solidFill>
-                <a:latin typeface="Lucida Console" panose="020B0609040504020204" pitchFamily="49" charset="0"/>
-              </a:rPr>
-              <a:t>=</a:t>
-            </a:r>
-            <a:r>
-              <a:rPr lang="sv-SE" sz="1400" dirty="0">
-                <a:solidFill>
-                  <a:prstClr val="black"/>
-                </a:solidFill>
-                <a:latin typeface="Lucida Console" panose="020B0609040504020204" pitchFamily="49" charset="0"/>
-              </a:rPr>
-              <a:t> </a:t>
-            </a:r>
-            <a:r>
-              <a:rPr lang="sv-SE" sz="1400" dirty="0">
-                <a:solidFill>
-                  <a:srgbClr val="800080"/>
-                </a:solidFill>
-                <a:latin typeface="Lucida Console" panose="020B0609040504020204" pitchFamily="49" charset="0"/>
-              </a:rPr>
-              <a:t>1</a:t>
-            </a:r>
-            <a:r>
-              <a:rPr lang="sv-SE" sz="1400" dirty="0">
-                <a:solidFill>
-                  <a:srgbClr val="A9A9A9"/>
-                </a:solidFill>
-                <a:latin typeface="Lucida Console" panose="020B0609040504020204" pitchFamily="49" charset="0"/>
-              </a:rPr>
-              <a:t>..</a:t>
-            </a:r>
-            <a:r>
-              <a:rPr lang="sv-SE" sz="1400" dirty="0">
-                <a:solidFill>
-                  <a:srgbClr val="800080"/>
-                </a:solidFill>
-                <a:latin typeface="Lucida Console" panose="020B0609040504020204" pitchFamily="49" charset="0"/>
-              </a:rPr>
-              <a:t>100000</a:t>
-            </a:r>
-            <a:endParaRPr lang="sv-SE" sz="1400" dirty="0">
-              <a:solidFill>
-                <a:prstClr val="black"/>
-              </a:solidFill>
-              <a:latin typeface="Lucida Console" panose="020B0609040504020204" pitchFamily="49" charset="0"/>
-            </a:endParaRPr>
-          </a:p>
-          <a:p>
-            <a:endParaRPr lang="sv-SE" sz="1400" dirty="0">
-              <a:solidFill>
-                <a:prstClr val="black"/>
-              </a:solidFill>
-              <a:latin typeface="Lucida Console" panose="020B0609040504020204" pitchFamily="49" charset="0"/>
-            </a:endParaRPr>
-          </a:p>
-          <a:p>
-            <a:r>
-              <a:rPr lang="sv-SE" sz="1400" dirty="0" err="1">
-                <a:solidFill>
-                  <a:srgbClr val="0000FF"/>
-                </a:solidFill>
-                <a:latin typeface="Lucida Console" panose="020B0609040504020204" pitchFamily="49" charset="0"/>
-              </a:rPr>
-              <a:t>Measure-Command</a:t>
-            </a:r>
-            <a:r>
-              <a:rPr lang="sv-SE" sz="1400" dirty="0">
-                <a:solidFill>
-                  <a:prstClr val="black"/>
-                </a:solidFill>
-                <a:latin typeface="Lucida Console" panose="020B0609040504020204" pitchFamily="49" charset="0"/>
-              </a:rPr>
-              <a:t> {</a:t>
-            </a:r>
-          </a:p>
-          <a:p>
-            <a:r>
-              <a:rPr lang="sv-SE" sz="1400" dirty="0">
-                <a:solidFill>
-                  <a:prstClr val="black"/>
-                </a:solidFill>
-                <a:latin typeface="Lucida Console" panose="020B0609040504020204" pitchFamily="49" charset="0"/>
-              </a:rPr>
-              <a:t>    </a:t>
-            </a:r>
-            <a:r>
-              <a:rPr lang="sv-SE" sz="1400" dirty="0">
-                <a:solidFill>
-                  <a:srgbClr val="FF4500"/>
-                </a:solidFill>
-                <a:latin typeface="Lucida Console" panose="020B0609040504020204" pitchFamily="49" charset="0"/>
-              </a:rPr>
-              <a:t>$</a:t>
-            </a:r>
-            <a:r>
-              <a:rPr lang="sv-SE" sz="1400" dirty="0" err="1">
-                <a:solidFill>
-                  <a:srgbClr val="FF4500"/>
-                </a:solidFill>
-                <a:latin typeface="Lucida Console" panose="020B0609040504020204" pitchFamily="49" charset="0"/>
-              </a:rPr>
-              <a:t>numbers</a:t>
-            </a:r>
-            <a:r>
-              <a:rPr lang="sv-SE" sz="1400" dirty="0">
-                <a:solidFill>
-                  <a:prstClr val="black"/>
-                </a:solidFill>
-                <a:latin typeface="Lucida Console" panose="020B0609040504020204" pitchFamily="49" charset="0"/>
-              </a:rPr>
-              <a:t> </a:t>
-            </a:r>
-            <a:r>
-              <a:rPr lang="sv-SE" sz="1400" dirty="0">
-                <a:solidFill>
-                  <a:srgbClr val="A9A9A9"/>
-                </a:solidFill>
-                <a:latin typeface="Lucida Console" panose="020B0609040504020204" pitchFamily="49" charset="0"/>
-              </a:rPr>
-              <a:t>|</a:t>
-            </a:r>
-            <a:r>
-              <a:rPr lang="sv-SE" sz="1400" dirty="0">
-                <a:solidFill>
-                  <a:prstClr val="black"/>
-                </a:solidFill>
-                <a:latin typeface="Lucida Console" panose="020B0609040504020204" pitchFamily="49" charset="0"/>
-              </a:rPr>
-              <a:t> </a:t>
-            </a:r>
-            <a:r>
-              <a:rPr lang="sv-SE" sz="1400" dirty="0">
-                <a:solidFill>
-                  <a:srgbClr val="0000FF"/>
-                </a:solidFill>
-                <a:latin typeface="Lucida Console" panose="020B0609040504020204" pitchFamily="49" charset="0"/>
-              </a:rPr>
-              <a:t>Get-</a:t>
-            </a:r>
-            <a:r>
-              <a:rPr lang="sv-SE" sz="1400" dirty="0" err="1">
-                <a:solidFill>
-                  <a:srgbClr val="0000FF"/>
-                </a:solidFill>
-                <a:latin typeface="Lucida Console" panose="020B0609040504020204" pitchFamily="49" charset="0"/>
-              </a:rPr>
-              <a:t>Sum</a:t>
-            </a:r>
-            <a:endParaRPr lang="sv-SE" sz="1400" dirty="0">
-              <a:solidFill>
-                <a:prstClr val="black"/>
-              </a:solidFill>
-              <a:latin typeface="Lucida Console" panose="020B0609040504020204" pitchFamily="49" charset="0"/>
-            </a:endParaRPr>
-          </a:p>
-          <a:p>
-            <a:r>
-              <a:rPr lang="sv-SE" sz="1400" dirty="0">
-                <a:solidFill>
-                  <a:prstClr val="black"/>
-                </a:solidFill>
-                <a:latin typeface="Lucida Console" panose="020B0609040504020204" pitchFamily="49" charset="0"/>
-              </a:rPr>
-              <a:t>}</a:t>
-            </a:r>
-          </a:p>
-          <a:p>
-            <a:endParaRPr lang="sv-SE" sz="1400" dirty="0">
-              <a:solidFill>
-                <a:prstClr val="black"/>
-              </a:solidFill>
-              <a:latin typeface="Lucida Console" panose="020B0609040504020204" pitchFamily="49" charset="0"/>
-            </a:endParaRPr>
-          </a:p>
-          <a:p>
-            <a:r>
-              <a:rPr lang="sv-SE" sz="1400" dirty="0" err="1">
-                <a:solidFill>
-                  <a:srgbClr val="0000FF"/>
-                </a:solidFill>
-                <a:latin typeface="Lucida Console" panose="020B0609040504020204" pitchFamily="49" charset="0"/>
-              </a:rPr>
-              <a:t>Measure-Command</a:t>
-            </a:r>
-            <a:r>
-              <a:rPr lang="sv-SE" sz="1400" dirty="0">
-                <a:solidFill>
-                  <a:prstClr val="black"/>
-                </a:solidFill>
-                <a:latin typeface="Lucida Console" panose="020B0609040504020204" pitchFamily="49" charset="0"/>
-              </a:rPr>
-              <a:t> {    </a:t>
-            </a:r>
-          </a:p>
-          <a:p>
-            <a:r>
-              <a:rPr lang="sv-SE" sz="1400" dirty="0">
-                <a:solidFill>
-                  <a:prstClr val="black"/>
-                </a:solidFill>
-                <a:latin typeface="Lucida Console" panose="020B0609040504020204" pitchFamily="49" charset="0"/>
-              </a:rPr>
-              <a:t>    </a:t>
-            </a:r>
-            <a:r>
-              <a:rPr lang="sv-SE" sz="1400" dirty="0">
-                <a:solidFill>
-                  <a:srgbClr val="0000FF"/>
-                </a:solidFill>
-                <a:latin typeface="Lucida Console" panose="020B0609040504020204" pitchFamily="49" charset="0"/>
-              </a:rPr>
-              <a:t>Get-</a:t>
-            </a:r>
-            <a:r>
-              <a:rPr lang="sv-SE" sz="1400" dirty="0" err="1">
-                <a:solidFill>
-                  <a:srgbClr val="0000FF"/>
-                </a:solidFill>
-                <a:latin typeface="Lucida Console" panose="020B0609040504020204" pitchFamily="49" charset="0"/>
-              </a:rPr>
-              <a:t>Sum</a:t>
-            </a:r>
-            <a:r>
-              <a:rPr lang="sv-SE" sz="1400" dirty="0">
-                <a:solidFill>
-                  <a:prstClr val="black"/>
-                </a:solidFill>
-                <a:latin typeface="Lucida Console" panose="020B0609040504020204" pitchFamily="49" charset="0"/>
-              </a:rPr>
-              <a:t> </a:t>
-            </a:r>
-            <a:r>
-              <a:rPr lang="sv-SE" sz="1400" dirty="0">
-                <a:solidFill>
-                  <a:srgbClr val="000080"/>
-                </a:solidFill>
-                <a:latin typeface="Lucida Console" panose="020B0609040504020204" pitchFamily="49" charset="0"/>
-              </a:rPr>
-              <a:t>-</a:t>
-            </a:r>
-            <a:r>
-              <a:rPr lang="sv-SE" sz="1400" dirty="0" err="1">
-                <a:solidFill>
-                  <a:srgbClr val="000080"/>
-                </a:solidFill>
-                <a:latin typeface="Lucida Console" panose="020B0609040504020204" pitchFamily="49" charset="0"/>
-              </a:rPr>
-              <a:t>Number</a:t>
-            </a:r>
-            <a:r>
-              <a:rPr lang="sv-SE" sz="1400" dirty="0">
-                <a:solidFill>
-                  <a:prstClr val="black"/>
-                </a:solidFill>
-                <a:latin typeface="Lucida Console" panose="020B0609040504020204" pitchFamily="49" charset="0"/>
-              </a:rPr>
-              <a:t> </a:t>
-            </a:r>
-            <a:r>
-              <a:rPr lang="sv-SE" sz="1400" dirty="0">
-                <a:solidFill>
-                  <a:srgbClr val="FF4500"/>
-                </a:solidFill>
-                <a:latin typeface="Lucida Console" panose="020B0609040504020204" pitchFamily="49" charset="0"/>
-              </a:rPr>
-              <a:t>$</a:t>
-            </a:r>
-            <a:r>
-              <a:rPr lang="sv-SE" sz="1400" dirty="0" err="1">
-                <a:solidFill>
-                  <a:srgbClr val="FF4500"/>
-                </a:solidFill>
-                <a:latin typeface="Lucida Console" panose="020B0609040504020204" pitchFamily="49" charset="0"/>
-              </a:rPr>
-              <a:t>numbers</a:t>
-            </a:r>
-            <a:endParaRPr lang="sv-SE" sz="1400" dirty="0">
-              <a:solidFill>
-                <a:prstClr val="black"/>
-              </a:solidFill>
-              <a:latin typeface="Lucida Console" panose="020B0609040504020204" pitchFamily="49" charset="0"/>
-            </a:endParaRPr>
-          </a:p>
-          <a:p>
-            <a:r>
-              <a:rPr lang="sv-SE" sz="1400" dirty="0">
-                <a:solidFill>
-                  <a:prstClr val="black"/>
-                </a:solidFill>
-                <a:latin typeface="Lucida Console" panose="020B0609040504020204" pitchFamily="49" charset="0"/>
-              </a:rPr>
-              <a:t>} </a:t>
-            </a:r>
-          </a:p>
-          <a:p>
-            <a:endParaRPr lang="en-US" dirty="0">
-              <a:solidFill>
-                <a:srgbClr val="FF0000"/>
-              </a:solidFill>
-              <a:latin typeface="Lucida Console" panose="020B0609040504020204" pitchFamily="49" charset="0"/>
-            </a:endParaRPr>
-          </a:p>
-          <a:p>
-            <a:endParaRPr lang="en-US" dirty="0">
-              <a:solidFill>
-                <a:srgbClr val="FF0000"/>
-              </a:solidFill>
-              <a:latin typeface="Lucida Console" panose="020B0609040504020204" pitchFamily="49" charset="0"/>
-            </a:endParaRPr>
-          </a:p>
-          <a:p>
-            <a:endParaRPr lang="en-US" dirty="0">
-              <a:solidFill>
-                <a:srgbClr val="FF0000"/>
-              </a:solidFill>
-              <a:latin typeface="Lucida Console" panose="020B0609040504020204" pitchFamily="49" charset="0"/>
-            </a:endParaRPr>
-          </a:p>
-          <a:p>
-            <a:endParaRPr lang="en-US" dirty="0">
-              <a:solidFill>
-                <a:srgbClr val="FF0000"/>
-              </a:solidFill>
-              <a:latin typeface="Lucida Console" panose="020B0609040504020204" pitchFamily="49" charset="0"/>
-            </a:endParaRPr>
-          </a:p>
-          <a:p>
-            <a:endParaRPr lang="en-US" dirty="0">
-              <a:solidFill>
-                <a:srgbClr val="FF0000"/>
-              </a:solidFill>
-              <a:latin typeface="Lucida Console" panose="020B0609040504020204" pitchFamily="49" charset="0"/>
-            </a:endParaRPr>
+            <a:pPr>
+              <a:lnSpc>
+                <a:spcPct val="150000"/>
+              </a:lnSpc>
+            </a:pPr>
+            <a:r>
+              <a:rPr lang="de-DE" dirty="0" err="1"/>
+              <a:t>Make</a:t>
+            </a:r>
+            <a:r>
+              <a:rPr lang="de-DE" dirty="0"/>
+              <a:t> </a:t>
+            </a:r>
+            <a:r>
+              <a:rPr lang="de-DE" dirty="0" err="1"/>
+              <a:t>sure</a:t>
+            </a:r>
+            <a:r>
+              <a:rPr lang="de-DE" dirty="0"/>
+              <a:t> </a:t>
+            </a:r>
+            <a:r>
+              <a:rPr lang="de-DE" dirty="0" err="1"/>
+              <a:t>your</a:t>
+            </a:r>
+            <a:r>
+              <a:rPr lang="de-DE" dirty="0"/>
+              <a:t> </a:t>
+            </a:r>
+            <a:r>
+              <a:rPr lang="de-DE" dirty="0" err="1"/>
+              <a:t>functions</a:t>
+            </a:r>
+            <a:r>
+              <a:rPr lang="de-DE" dirty="0"/>
+              <a:t>/</a:t>
+            </a:r>
+            <a:r>
+              <a:rPr lang="de-DE" dirty="0" err="1"/>
+              <a:t>cmdlets</a:t>
+            </a:r>
+            <a:r>
+              <a:rPr lang="de-DE" dirty="0"/>
+              <a:t> </a:t>
+            </a:r>
+            <a:r>
+              <a:rPr lang="de-DE" dirty="0" err="1"/>
+              <a:t>provides</a:t>
+            </a:r>
+            <a:r>
+              <a:rPr lang="de-DE" dirty="0"/>
+              <a:t> </a:t>
+            </a:r>
+            <a:r>
+              <a:rPr lang="de-DE" dirty="0" err="1"/>
+              <a:t>array</a:t>
+            </a:r>
+            <a:r>
+              <a:rPr lang="de-DE" dirty="0"/>
+              <a:t> </a:t>
+            </a:r>
+            <a:r>
+              <a:rPr lang="de-DE" dirty="0" err="1"/>
+              <a:t>input</a:t>
+            </a:r>
+            <a:endParaRPr lang="de-DE" dirty="0"/>
+          </a:p>
+          <a:p>
+            <a:pPr>
+              <a:lnSpc>
+                <a:spcPct val="150000"/>
+              </a:lnSpc>
+            </a:pPr>
+            <a:r>
+              <a:rPr lang="de-DE" dirty="0" err="1"/>
+              <a:t>Avoid</a:t>
+            </a:r>
+            <a:r>
+              <a:rPr lang="de-DE" dirty="0"/>
+              <a:t> </a:t>
+            </a:r>
+            <a:r>
+              <a:rPr lang="de-DE" dirty="0" err="1"/>
+              <a:t>the</a:t>
+            </a:r>
+            <a:r>
+              <a:rPr lang="de-DE" dirty="0"/>
+              <a:t> </a:t>
+            </a:r>
+            <a:r>
+              <a:rPr lang="de-DE" dirty="0" err="1"/>
+              <a:t>pipeline</a:t>
+            </a:r>
+            <a:r>
+              <a:rPr lang="de-DE" dirty="0"/>
+              <a:t> </a:t>
+            </a:r>
+            <a:r>
+              <a:rPr lang="de-DE" dirty="0" err="1"/>
+              <a:t>where</a:t>
+            </a:r>
+            <a:r>
+              <a:rPr lang="de-DE" dirty="0"/>
+              <a:t> </a:t>
+            </a:r>
+            <a:r>
+              <a:rPr lang="de-DE" dirty="0" err="1"/>
+              <a:t>performance</a:t>
+            </a:r>
+            <a:r>
+              <a:rPr lang="de-DE" dirty="0"/>
+              <a:t> </a:t>
+            </a:r>
+            <a:r>
+              <a:rPr lang="de-DE" dirty="0" err="1"/>
+              <a:t>is</a:t>
+            </a:r>
+            <a:r>
+              <a:rPr lang="de-DE" dirty="0"/>
+              <a:t> </a:t>
+            </a:r>
+            <a:r>
+              <a:rPr lang="de-DE" dirty="0" err="1"/>
+              <a:t>important</a:t>
+            </a:r>
+            <a:endParaRPr lang="de-DE" dirty="0"/>
+          </a:p>
+          <a:p>
+            <a:pPr lvl="1">
+              <a:lnSpc>
+                <a:spcPct val="150000"/>
+              </a:lnSpc>
+            </a:pPr>
+            <a:r>
+              <a:rPr lang="de-DE" dirty="0" err="1"/>
+              <a:t>Prefer</a:t>
+            </a:r>
+            <a:r>
+              <a:rPr lang="de-DE" dirty="0"/>
+              <a:t> </a:t>
+            </a:r>
+            <a:r>
+              <a:rPr lang="de-DE" dirty="0" err="1"/>
+              <a:t>looping</a:t>
+            </a:r>
+            <a:r>
+              <a:rPr lang="de-DE" dirty="0"/>
+              <a:t> / </a:t>
+            </a:r>
+            <a:r>
+              <a:rPr lang="de-DE" dirty="0" err="1"/>
+              <a:t>magic</a:t>
+            </a:r>
+            <a:r>
+              <a:rPr lang="de-DE" dirty="0"/>
+              <a:t> </a:t>
+            </a:r>
+            <a:r>
+              <a:rPr lang="de-DE" dirty="0" err="1"/>
+              <a:t>methods</a:t>
+            </a:r>
+            <a:endParaRPr lang="de-DE" dirty="0"/>
+          </a:p>
+          <a:p>
+            <a:pPr>
+              <a:lnSpc>
+                <a:spcPct val="150000"/>
+              </a:lnSpc>
+            </a:pPr>
+            <a:r>
+              <a:rPr lang="de-DE" dirty="0"/>
+              <a:t>Drop down </a:t>
+            </a:r>
+            <a:r>
+              <a:rPr lang="de-DE" dirty="0" err="1"/>
+              <a:t>to</a:t>
+            </a:r>
+            <a:r>
+              <a:rPr lang="de-DE" dirty="0"/>
+              <a:t> .NET </a:t>
+            </a:r>
+            <a:r>
+              <a:rPr lang="de-DE" dirty="0" err="1"/>
+              <a:t>when</a:t>
+            </a:r>
+            <a:r>
+              <a:rPr lang="de-DE" dirty="0"/>
+              <a:t> </a:t>
+            </a:r>
+            <a:r>
+              <a:rPr lang="de-DE" dirty="0" err="1"/>
+              <a:t>you</a:t>
+            </a:r>
+            <a:r>
+              <a:rPr lang="de-DE" dirty="0"/>
+              <a:t> </a:t>
+            </a:r>
+            <a:r>
+              <a:rPr lang="de-DE" dirty="0" err="1"/>
+              <a:t>have</a:t>
+            </a:r>
+            <a:r>
+              <a:rPr lang="de-DE" dirty="0"/>
+              <a:t> </a:t>
+            </a:r>
+            <a:r>
+              <a:rPr lang="de-DE" dirty="0" err="1"/>
+              <a:t>to</a:t>
+            </a:r>
+            <a:endParaRPr lang="de-DE" dirty="0"/>
+          </a:p>
+          <a:p>
+            <a:pPr>
+              <a:lnSpc>
+                <a:spcPct val="150000"/>
+              </a:lnSpc>
+            </a:pPr>
+            <a:endParaRPr lang="de-DE" dirty="0"/>
           </a:p>
         </p:txBody>
       </p:sp>
     </p:spTree>
     <p:extLst>
       <p:ext uri="{BB962C8B-B14F-4D97-AF65-F5344CB8AC3E}">
-        <p14:creationId xmlns:p14="http://schemas.microsoft.com/office/powerpoint/2010/main" val="1348754497"/>
+        <p14:creationId xmlns:p14="http://schemas.microsoft.com/office/powerpoint/2010/main" val="697367777"/>
       </p:ext>
     </p:extLst>
   </p:cSld>
@@ -5781,12 +5137,12 @@
   </p:clrMapOvr>
   <mc:AlternateContent xmlns:mc="http://schemas.openxmlformats.org/markup-compatibility/2006" xmlns:p14="http://schemas.microsoft.com/office/powerpoint/2010/main">
     <mc:Choice Requires="p14">
-      <p:transition spd="slow" p14:dur="1300">
-        <p14:pan dir="u"/>
+      <p:transition spd="med" p14:dur="700">
+        <p:fade/>
       </p:transition>
     </mc:Choice>
     <mc:Fallback xmlns="">
-      <p:transition spd="slow">
+      <p:transition spd="med">
         <p:fade/>
       </p:transition>
     </mc:Fallback>
@@ -5813,37 +5169,7 @@
       </p:grpSpPr>
       <p:sp>
         <p:nvSpPr>
-          <p:cNvPr id="2" name="Titel 1"/>
-          <p:cNvSpPr>
-            <a:spLocks noGrp="1"/>
-          </p:cNvSpPr>
-          <p:nvPr>
-            <p:ph type="title"/>
-          </p:nvPr>
-        </p:nvSpPr>
-        <p:spPr>
-          <a:xfrm>
-            <a:off x="0" y="908720"/>
-            <a:ext cx="9144000" cy="792088"/>
-          </a:xfrm>
-          <a:prstGeom prst="rect">
-            <a:avLst/>
-          </a:prstGeom>
-        </p:spPr>
-        <p:txBody>
-          <a:bodyPr/>
-          <a:lstStyle/>
-          <a:p>
-            <a:r>
-              <a:rPr lang="de-DE" dirty="0"/>
-              <a:t>Summary</a:t>
-            </a:r>
-          </a:p>
-        </p:txBody>
-      </p:sp>
-      <p:sp>
-        <p:nvSpPr>
-          <p:cNvPr id="3" name="Inhaltsplatzhalter 2"/>
+          <p:cNvPr id="2" name="Inhaltsplatzhalter 1"/>
           <p:cNvSpPr>
             <a:spLocks noGrp="1"/>
           </p:cNvSpPr>
@@ -5856,30 +5182,33 @@
           <a:bodyPr/>
           <a:lstStyle/>
           <a:p>
-            <a:pPr>
-              <a:lnSpc>
-                <a:spcPct val="150000"/>
-              </a:lnSpc>
-            </a:pPr>
             <a:r>
               <a:rPr lang="de-DE" dirty="0" err="1"/>
-              <a:t>Make</a:t>
-            </a:r>
-            <a:r>
-              <a:rPr lang="de-DE" dirty="0"/>
-              <a:t> </a:t>
+              <a:t>Now</a:t>
+            </a:r>
+            <a:r>
+              <a:rPr lang="de-DE" dirty="0"/>
+              <a:t>: 15 min break</a:t>
+            </a:r>
+          </a:p>
+          <a:p>
+            <a:endParaRPr lang="de-DE" dirty="0"/>
+          </a:p>
+          <a:p>
+            <a:r>
+              <a:rPr lang="de-DE" dirty="0"/>
+              <a:t>Grab a </a:t>
             </a:r>
             <a:r>
               <a:rPr lang="de-DE" dirty="0" err="1"/>
-              <a:t>sure</a:t>
-            </a:r>
-            <a:r>
-              <a:rPr lang="de-DE" dirty="0"/>
-              <a:t> </a:t>
-            </a:r>
+              <a:t>coffee</a:t>
+            </a:r>
+            <a:endParaRPr lang="de-DE" dirty="0"/>
+          </a:p>
+          <a:p>
             <a:r>
               <a:rPr lang="de-DE" dirty="0" err="1"/>
-              <a:t>your</a:t>
+              <a:t>Stay</a:t>
             </a:r>
             <a:r>
               <a:rPr lang="de-DE" dirty="0"/>
@@ -5887,147 +5216,11 @@
             </a:r>
             <a:r>
               <a:rPr lang="de-DE" dirty="0" err="1"/>
-              <a:t>functions</a:t>
-            </a:r>
-            <a:r>
-              <a:rPr lang="de-DE" dirty="0"/>
-              <a:t>/</a:t>
-            </a:r>
-            <a:r>
-              <a:rPr lang="de-DE" dirty="0" err="1"/>
-              <a:t>cmdlets</a:t>
-            </a:r>
-            <a:r>
-              <a:rPr lang="de-DE" dirty="0"/>
-              <a:t> </a:t>
-            </a:r>
-            <a:r>
-              <a:rPr lang="de-DE" dirty="0" err="1"/>
-              <a:t>provides</a:t>
-            </a:r>
-            <a:r>
-              <a:rPr lang="de-DE" dirty="0"/>
-              <a:t> </a:t>
-            </a:r>
-            <a:r>
-              <a:rPr lang="de-DE" dirty="0" err="1"/>
-              <a:t>array</a:t>
-            </a:r>
-            <a:r>
-              <a:rPr lang="de-DE" dirty="0"/>
-              <a:t> </a:t>
-            </a:r>
-            <a:r>
-              <a:rPr lang="de-DE" dirty="0" err="1"/>
-              <a:t>input</a:t>
-            </a:r>
-            <a:endParaRPr lang="de-DE" dirty="0"/>
-          </a:p>
-          <a:p>
-            <a:pPr>
-              <a:lnSpc>
-                <a:spcPct val="150000"/>
-              </a:lnSpc>
-            </a:pPr>
-            <a:r>
-              <a:rPr lang="de-DE" dirty="0" err="1"/>
-              <a:t>Avoid</a:t>
-            </a:r>
-            <a:r>
-              <a:rPr lang="de-DE" dirty="0"/>
-              <a:t> </a:t>
-            </a:r>
-            <a:r>
-              <a:rPr lang="de-DE" dirty="0" err="1"/>
-              <a:t>the</a:t>
-            </a:r>
-            <a:r>
-              <a:rPr lang="de-DE" dirty="0"/>
-              <a:t> </a:t>
-            </a:r>
-            <a:r>
-              <a:rPr lang="de-DE" dirty="0" err="1"/>
-              <a:t>pipeline</a:t>
-            </a:r>
-            <a:r>
-              <a:rPr lang="de-DE" dirty="0"/>
-              <a:t> </a:t>
-            </a:r>
-            <a:r>
-              <a:rPr lang="de-DE" dirty="0" err="1"/>
-              <a:t>where</a:t>
-            </a:r>
-            <a:r>
-              <a:rPr lang="de-DE" dirty="0"/>
-              <a:t> </a:t>
-            </a:r>
-            <a:r>
-              <a:rPr lang="de-DE" dirty="0" err="1"/>
-              <a:t>performance</a:t>
-            </a:r>
-            <a:r>
-              <a:rPr lang="de-DE" dirty="0"/>
-              <a:t> </a:t>
-            </a:r>
-            <a:r>
-              <a:rPr lang="de-DE" dirty="0" err="1"/>
-              <a:t>is</a:t>
-            </a:r>
-            <a:r>
-              <a:rPr lang="de-DE" dirty="0"/>
-              <a:t> </a:t>
-            </a:r>
-            <a:r>
-              <a:rPr lang="de-DE" dirty="0" err="1"/>
-              <a:t>important</a:t>
-            </a:r>
-            <a:endParaRPr lang="de-DE" dirty="0"/>
-          </a:p>
-          <a:p>
-            <a:pPr lvl="1">
-              <a:lnSpc>
-                <a:spcPct val="150000"/>
-              </a:lnSpc>
-            </a:pPr>
-            <a:r>
-              <a:rPr lang="de-DE" dirty="0" err="1"/>
-              <a:t>Prefer</a:t>
-            </a:r>
-            <a:r>
-              <a:rPr lang="de-DE" dirty="0"/>
-              <a:t> </a:t>
-            </a:r>
-            <a:r>
-              <a:rPr lang="de-DE" dirty="0" err="1"/>
-              <a:t>looping</a:t>
-            </a:r>
-            <a:r>
-              <a:rPr lang="de-DE" dirty="0"/>
-              <a:t> / </a:t>
-            </a:r>
-            <a:r>
-              <a:rPr lang="de-DE" dirty="0" err="1"/>
-              <a:t>magic</a:t>
-            </a:r>
-            <a:r>
-              <a:rPr lang="de-DE" dirty="0"/>
-              <a:t> </a:t>
-            </a:r>
-            <a:r>
-              <a:rPr lang="de-DE" dirty="0" err="1"/>
-              <a:t>methods</a:t>
-            </a:r>
-            <a:endParaRPr lang="de-DE" dirty="0"/>
-          </a:p>
-          <a:p>
-            <a:pPr>
-              <a:lnSpc>
-                <a:spcPct val="150000"/>
-              </a:lnSpc>
-            </a:pPr>
-            <a:r>
-              <a:rPr lang="de-DE" dirty="0"/>
-              <a:t>Drop down </a:t>
+              <a:t>here</a:t>
+            </a:r>
+            <a:r>
+              <a:rPr lang="de-DE" dirty="0"/>
+              <a:t> </a:t>
             </a:r>
             <a:r>
               <a:rPr lang="de-DE" dirty="0" err="1"/>
@@ -6035,11 +5228,11 @@
             </a:r>
             <a:r>
               <a:rPr lang="de-DE" dirty="0"/>
-              <a:t> .NET </a:t>
+              <a:t> </a:t>
             </a:r>
             <a:r>
               <a:rPr lang="de-DE" dirty="0" err="1"/>
-              <a:t>when</a:t>
+              <a:t>enjoy</a:t>
             </a:r>
             <a:r>
               <a:rPr lang="de-DE" dirty="0"/>
@@ -6047,7 +5240,7 @@
             </a:r>
             <a:r>
               <a:rPr lang="de-DE" dirty="0" err="1"/>
-              <a:t>you</a:t>
+              <a:t>next</a:t>
             </a:r>
             <a:r>
               <a:rPr lang="de-DE" dirty="0"/>
@@ -6055,7 +5248,34 @@
             </a:r>
             <a:r>
               <a:rPr lang="de-DE" dirty="0" err="1"/>
-              <a:t>have</a:t>
+              <a:t>presentation</a:t>
+            </a:r>
+            <a:endParaRPr lang="de-DE" dirty="0"/>
+          </a:p>
+          <a:p>
+            <a:r>
+              <a:rPr lang="de-DE" dirty="0"/>
+              <a:t>Change </a:t>
+            </a:r>
+            <a:r>
+              <a:rPr lang="de-DE" dirty="0" err="1"/>
+              <a:t>track</a:t>
+            </a:r>
+            <a:r>
+              <a:rPr lang="de-DE" dirty="0"/>
+              <a:t> </a:t>
+            </a:r>
+            <a:r>
+              <a:rPr lang="de-DE" dirty="0" err="1"/>
+              <a:t>and</a:t>
+            </a:r>
+            <a:r>
+              <a:rPr lang="de-DE" dirty="0"/>
+              <a:t> </a:t>
+            </a:r>
+            <a:r>
+              <a:rPr lang="de-DE" dirty="0" err="1"/>
+              <a:t>switch</a:t>
             </a:r>
             <a:r>
               <a:rPr lang="de-DE" dirty="0"/>
@@ -6065,22 +5285,142 @@
               <a:rPr lang="de-DE" dirty="0" err="1"/>
               <a:t>to</a:t>
             </a:r>
+            <a:r>
+              <a:rPr lang="de-DE" dirty="0"/>
+              <a:t> </a:t>
+            </a:r>
+            <a:r>
+              <a:rPr lang="de-DE" dirty="0" err="1"/>
+              <a:t>another</a:t>
+            </a:r>
+            <a:r>
+              <a:rPr lang="de-DE" dirty="0"/>
+              <a:t> </a:t>
+            </a:r>
+            <a:r>
+              <a:rPr lang="de-DE" dirty="0" err="1"/>
+              <a:t>room</a:t>
+            </a:r>
             <a:endParaRPr lang="de-DE" dirty="0"/>
           </a:p>
           <a:p>
-            <a:pPr>
-              <a:lnSpc>
-                <a:spcPct val="150000"/>
-              </a:lnSpc>
-            </a:pPr>
             <a:endParaRPr lang="de-DE" dirty="0"/>
+          </a:p>
+          <a:p>
+            <a:r>
+              <a:rPr lang="de-DE" dirty="0" err="1"/>
+              <a:t>Ask</a:t>
+            </a:r>
+            <a:r>
+              <a:rPr lang="de-DE" dirty="0"/>
+              <a:t> </a:t>
+            </a:r>
+            <a:r>
+              <a:rPr lang="de-DE" dirty="0" err="1"/>
+              <a:t>me</a:t>
+            </a:r>
+            <a:r>
+              <a:rPr lang="de-DE" dirty="0"/>
+              <a:t> </a:t>
+            </a:r>
+            <a:r>
+              <a:rPr lang="de-DE" dirty="0" err="1"/>
+              <a:t>questions</a:t>
+            </a:r>
+            <a:r>
+              <a:rPr lang="de-DE" dirty="0"/>
+              <a:t> </a:t>
+            </a:r>
+            <a:r>
+              <a:rPr lang="de-DE" dirty="0" err="1"/>
+              <a:t>or</a:t>
+            </a:r>
+            <a:r>
+              <a:rPr lang="de-DE" dirty="0"/>
+              <a:t> </a:t>
+            </a:r>
+            <a:r>
+              <a:rPr lang="de-DE" dirty="0" err="1"/>
+              <a:t>meet</a:t>
+            </a:r>
+            <a:r>
+              <a:rPr lang="de-DE" dirty="0"/>
+              <a:t> </a:t>
+            </a:r>
+            <a:r>
+              <a:rPr lang="de-DE" dirty="0" err="1"/>
+              <a:t>me</a:t>
+            </a:r>
+            <a:r>
+              <a:rPr lang="de-DE" dirty="0"/>
+              <a:t> in a </a:t>
+            </a:r>
+            <a:r>
+              <a:rPr lang="de-DE" dirty="0" err="1"/>
+              <a:t>breakout</a:t>
+            </a:r>
+            <a:r>
+              <a:rPr lang="de-DE" dirty="0"/>
+              <a:t> </a:t>
+            </a:r>
+            <a:r>
+              <a:rPr lang="de-DE" dirty="0" err="1"/>
+              <a:t>session</a:t>
+            </a:r>
+            <a:r>
+              <a:rPr lang="de-DE" dirty="0"/>
+              <a:t> </a:t>
+            </a:r>
+            <a:r>
+              <a:rPr lang="de-DE" dirty="0" err="1"/>
+              <a:t>room</a:t>
+            </a:r>
+            <a:r>
+              <a:rPr lang="de-DE" dirty="0"/>
+              <a:t> </a:t>
+            </a:r>
+            <a:r>
+              <a:rPr lang="de-DE" dirty="0" err="1"/>
+              <a:t>afterwards</a:t>
+            </a:r>
+            <a:endParaRPr lang="de-DE" dirty="0"/>
+          </a:p>
+        </p:txBody>
+      </p:sp>
+      <p:sp>
+        <p:nvSpPr>
+          <p:cNvPr id="3" name="Titel 2"/>
+          <p:cNvSpPr>
+            <a:spLocks noGrp="1"/>
+          </p:cNvSpPr>
+          <p:nvPr>
+            <p:ph type="title"/>
+          </p:nvPr>
+        </p:nvSpPr>
+        <p:spPr/>
+        <p:txBody>
+          <a:bodyPr/>
+          <a:lstStyle/>
+          <a:p>
+            <a:r>
+              <a:rPr lang="de-DE" dirty="0"/>
+              <a:t>Next </a:t>
+            </a:r>
+            <a:r>
+              <a:rPr lang="de-DE" dirty="0" err="1"/>
+              <a:t>Steps</a:t>
+            </a:r>
+            <a:r>
+              <a:rPr lang="de-DE" dirty="0"/>
+              <a:t>...</a:t>
+            </a:r>
           </a:p>
         </p:txBody>
       </p:sp>
     </p:spTree>
     <p:extLst>
       <p:ext uri="{BB962C8B-B14F-4D97-AF65-F5344CB8AC3E}">
-        <p14:creationId xmlns:p14="http://schemas.microsoft.com/office/powerpoint/2010/main" val="697367777"/>
+        <p14:creationId xmlns:p14="http://schemas.microsoft.com/office/powerpoint/2010/main" val="3397310615"/>
       </p:ext>
     </p:extLst>
   </p:cSld>
@@ -6121,298 +5461,6 @@
       </p:grpSpPr>
       <p:sp>
         <p:nvSpPr>
-          <p:cNvPr id="2" name="Inhaltsplatzhalter 1"/>
-          <p:cNvSpPr>
-            <a:spLocks noGrp="1"/>
-          </p:cNvSpPr>
-          <p:nvPr>
-            <p:ph idx="1"/>
-          </p:nvPr>
-        </p:nvSpPr>
-        <p:spPr/>
-        <p:txBody>
-          <a:bodyPr/>
-          <a:lstStyle/>
-          <a:p>
-            <a:r>
-              <a:rPr lang="de-DE" dirty="0" err="1"/>
-              <a:t>Now</a:t>
-            </a:r>
-            <a:r>
-              <a:rPr lang="de-DE" dirty="0"/>
-              <a:t>: 15 min break</a:t>
-            </a:r>
-          </a:p>
-          <a:p>
-            <a:endParaRPr lang="de-DE" dirty="0"/>
-          </a:p>
-          <a:p>
-            <a:r>
-              <a:rPr lang="de-DE" dirty="0"/>
-              <a:t>Grab a </a:t>
-            </a:r>
-            <a:r>
-              <a:rPr lang="de-DE" dirty="0" err="1"/>
-              <a:t>coffee</a:t>
-            </a:r>
-            <a:endParaRPr lang="de-DE" dirty="0"/>
-          </a:p>
-          <a:p>
-            <a:r>
-              <a:rPr lang="de-DE" dirty="0" err="1"/>
-              <a:t>Stay</a:t>
-            </a:r>
-            <a:r>
-              <a:rPr lang="de-DE" dirty="0"/>
-              <a:t> </a:t>
-            </a:r>
-            <a:r>
-              <a:rPr lang="de-DE" dirty="0" err="1"/>
-              <a:t>here</a:t>
-            </a:r>
-            <a:r>
-              <a:rPr lang="de-DE" dirty="0"/>
-              <a:t> </a:t>
-            </a:r>
-            <a:r>
-              <a:rPr lang="de-DE" dirty="0" err="1"/>
-              <a:t>to</a:t>
-            </a:r>
-            <a:r>
-              <a:rPr lang="de-DE" dirty="0"/>
-              <a:t> </a:t>
-            </a:r>
-            <a:r>
-              <a:rPr lang="de-DE" dirty="0" err="1"/>
-              <a:t>enjoy</a:t>
-            </a:r>
-            <a:r>
-              <a:rPr lang="de-DE" dirty="0"/>
-              <a:t> </a:t>
-            </a:r>
-            <a:r>
-              <a:rPr lang="de-DE" dirty="0" err="1"/>
-              <a:t>next</a:t>
-            </a:r>
-            <a:r>
-              <a:rPr lang="de-DE" dirty="0"/>
-              <a:t> </a:t>
-            </a:r>
-            <a:r>
-              <a:rPr lang="de-DE" dirty="0" err="1"/>
-              <a:t>presentation</a:t>
-            </a:r>
-            <a:endParaRPr lang="de-DE" dirty="0"/>
-          </a:p>
-          <a:p>
-            <a:r>
-              <a:rPr lang="de-DE" dirty="0"/>
-              <a:t>Change </a:t>
-            </a:r>
-            <a:r>
-              <a:rPr lang="de-DE" dirty="0" err="1"/>
-              <a:t>track</a:t>
-            </a:r>
-            <a:r>
-              <a:rPr lang="de-DE" dirty="0"/>
-              <a:t> </a:t>
-            </a:r>
-            <a:r>
-              <a:rPr lang="de-DE" dirty="0" err="1"/>
-              <a:t>and</a:t>
-            </a:r>
-            <a:r>
-              <a:rPr lang="de-DE" dirty="0"/>
-              <a:t> </a:t>
-            </a:r>
-            <a:r>
-              <a:rPr lang="de-DE" dirty="0" err="1"/>
-              <a:t>switch</a:t>
-            </a:r>
-            <a:r>
-              <a:rPr lang="de-DE" dirty="0"/>
-              <a:t> </a:t>
-            </a:r>
-            <a:r>
-              <a:rPr lang="de-DE" dirty="0" err="1"/>
-              <a:t>to</a:t>
-            </a:r>
-            <a:r>
-              <a:rPr lang="de-DE" dirty="0"/>
-              <a:t> </a:t>
-            </a:r>
-            <a:r>
-              <a:rPr lang="de-DE" dirty="0" err="1"/>
-              <a:t>another</a:t>
-            </a:r>
-            <a:r>
-              <a:rPr lang="de-DE" dirty="0"/>
-              <a:t> </a:t>
-            </a:r>
-            <a:r>
-              <a:rPr lang="de-DE" dirty="0" err="1"/>
-              <a:t>room</a:t>
-            </a:r>
-            <a:endParaRPr lang="de-DE" dirty="0"/>
-          </a:p>
-          <a:p>
-            <a:endParaRPr lang="de-DE" dirty="0"/>
-          </a:p>
-          <a:p>
-            <a:r>
-              <a:rPr lang="de-DE" dirty="0" err="1"/>
-              <a:t>Ask</a:t>
-            </a:r>
-            <a:r>
-              <a:rPr lang="de-DE" dirty="0"/>
-              <a:t> </a:t>
-            </a:r>
-            <a:r>
-              <a:rPr lang="de-DE" dirty="0" err="1"/>
-              <a:t>me</a:t>
-            </a:r>
-            <a:r>
-              <a:rPr lang="de-DE" dirty="0"/>
-              <a:t> </a:t>
-            </a:r>
-            <a:r>
-              <a:rPr lang="de-DE" dirty="0" err="1"/>
-              <a:t>questions</a:t>
-            </a:r>
-            <a:r>
-              <a:rPr lang="de-DE" dirty="0"/>
-              <a:t> </a:t>
-            </a:r>
-            <a:r>
-              <a:rPr lang="de-DE" dirty="0" err="1"/>
-              <a:t>or</a:t>
-            </a:r>
-            <a:r>
-              <a:rPr lang="de-DE" dirty="0"/>
-              <a:t> </a:t>
-            </a:r>
-            <a:r>
-              <a:rPr lang="de-DE" dirty="0" err="1"/>
-              <a:t>meet</a:t>
-            </a:r>
-            <a:r>
-              <a:rPr lang="de-DE" dirty="0"/>
-              <a:t> </a:t>
-            </a:r>
-            <a:r>
-              <a:rPr lang="de-DE" dirty="0" err="1"/>
-              <a:t>me</a:t>
-            </a:r>
-            <a:r>
-              <a:rPr lang="de-DE" dirty="0"/>
-              <a:t> in a </a:t>
-            </a:r>
-            <a:r>
-              <a:rPr lang="de-DE" dirty="0" err="1"/>
-              <a:t>breakout</a:t>
-            </a:r>
-            <a:r>
-              <a:rPr lang="de-DE" dirty="0"/>
-              <a:t> </a:t>
-            </a:r>
-            <a:r>
-              <a:rPr lang="de-DE" dirty="0" err="1"/>
-              <a:t>session</a:t>
-            </a:r>
-            <a:r>
-              <a:rPr lang="de-DE" dirty="0"/>
-              <a:t> </a:t>
-            </a:r>
-            <a:r>
-              <a:rPr lang="de-DE" dirty="0" err="1"/>
-              <a:t>room</a:t>
-            </a:r>
-            <a:r>
-              <a:rPr lang="de-DE" dirty="0"/>
-              <a:t> </a:t>
-            </a:r>
-            <a:r>
-              <a:rPr lang="de-DE" dirty="0" err="1"/>
-              <a:t>afterwards</a:t>
-            </a:r>
-            <a:endParaRPr lang="de-DE" dirty="0"/>
-          </a:p>
-        </p:txBody>
-      </p:sp>
-      <p:sp>
-        <p:nvSpPr>
-          <p:cNvPr id="3" name="Titel 2"/>
-          <p:cNvSpPr>
-            <a:spLocks noGrp="1"/>
-          </p:cNvSpPr>
-          <p:nvPr>
-            <p:ph type="title"/>
-          </p:nvPr>
-        </p:nvSpPr>
-        <p:spPr/>
-        <p:txBody>
-          <a:bodyPr/>
-          <a:lstStyle/>
-          <a:p>
-            <a:r>
-              <a:rPr lang="de-DE" dirty="0"/>
-              <a:t>Next </a:t>
-            </a:r>
-            <a:r>
-              <a:rPr lang="de-DE" dirty="0" err="1"/>
-              <a:t>Steps</a:t>
-            </a:r>
-            <a:r>
-              <a:rPr lang="de-DE" dirty="0"/>
-              <a:t>...</a:t>
-            </a:r>
-          </a:p>
-        </p:txBody>
-      </p:sp>
-    </p:spTree>
-    <p:extLst>
-      <p:ext uri="{BB962C8B-B14F-4D97-AF65-F5344CB8AC3E}">
-        <p14:creationId xmlns:p14="http://schemas.microsoft.com/office/powerpoint/2010/main" val="3397310615"/>
-      </p:ext>
-    </p:extLst>
-  </p:cSld>
-  <p:clrMapOvr>
-    <a:masterClrMapping/>
-  </p:clrMapOvr>
-  <mc:AlternateContent xmlns:mc="http://schemas.openxmlformats.org/markup-compatibility/2006" xmlns:p14="http://schemas.microsoft.com/office/powerpoint/2010/main">
-    <mc:Choice Requires="p14">
-      <p:transition spd="med" p14:dur="700">
-        <p:fade/>
-      </p:transition>
-    </mc:Choice>
-    <mc:Fallback xmlns="">
-      <p:transition spd="med">
-        <p:fade/>
-      </p:transition>
-    </mc:Fallback>
-  </mc:AlternateContent>
-</p:sld>
-</file>
-
-<file path=ppt/slides/slide15.xml><?xml version="1.0" encoding="utf-8"?>
-<p:sld xmlns:a="http://schemas.openxmlformats.org/drawingml/2006/main" xmlns:r="http://schemas.openxmlformats.org/officeDocument/2006/relationships" xmlns:p="http://schemas.openxmlformats.org/presentationml/2006/main">
-  <p:cSld>
-    <p:spTree>
-      <p:nvGrpSpPr>
-        <p:cNvPr id="1" name=""/>
-        <p:cNvGrpSpPr/>
-        <p:nvPr/>
-      </p:nvGrpSpPr>
-      <p:grpSpPr>
-        <a:xfrm>
-          <a:off x="0" y="0"/>
-          <a:ext cx="0" cy="0"/>
-          <a:chOff x="0" y="0"/>
-          <a:chExt cx="0" cy="0"/>
-        </a:xfrm>
-      </p:grpSpPr>
-      <p:sp>
-        <p:nvSpPr>
           <p:cNvPr id="2" name="Titel 1"/>
           <p:cNvSpPr>
             <a:spLocks noGrp="1"/>
@@ -6481,7 +5529,7 @@
 </p:sld>
 </file>
 
-<file path=ppt/slides/slide16.xml><?xml version="1.0" encoding="utf-8"?>
+<file path=ppt/slides/slide15.xml><?xml version="1.0" encoding="utf-8"?>
 <p:sld xmlns:a="http://schemas.openxmlformats.org/drawingml/2006/main" xmlns:r="http://schemas.openxmlformats.org/officeDocument/2006/relationships" xmlns:p="http://schemas.openxmlformats.org/presentationml/2006/main">
   <p:cSld>
     <p:spTree>

--- a/PSCONFEU_Perf2017.pptx
+++ b/PSCONFEU_Perf2017.pptx
@@ -6,10 +6,10 @@
     <p:sldMasterId id="2147483809" r:id="rId2"/>
   </p:sldMasterIdLst>
   <p:notesMasterIdLst>
-    <p:notesMasterId r:id="rId18"/>
+    <p:notesMasterId r:id="rId21"/>
   </p:notesMasterIdLst>
   <p:handoutMasterIdLst>
-    <p:handoutMasterId r:id="rId19"/>
+    <p:handoutMasterId r:id="rId22"/>
   </p:handoutMasterIdLst>
   <p:sldIdLst>
     <p:sldId id="316" r:id="rId3"/>
@@ -23,10 +23,13 @@
     <p:sldId id="324" r:id="rId11"/>
     <p:sldId id="323" r:id="rId12"/>
     <p:sldId id="320" r:id="rId13"/>
-    <p:sldId id="321" r:id="rId14"/>
-    <p:sldId id="313" r:id="rId15"/>
-    <p:sldId id="314" r:id="rId16"/>
-    <p:sldId id="312" r:id="rId17"/>
+    <p:sldId id="325" r:id="rId14"/>
+    <p:sldId id="326" r:id="rId15"/>
+    <p:sldId id="327" r:id="rId16"/>
+    <p:sldId id="321" r:id="rId17"/>
+    <p:sldId id="313" r:id="rId18"/>
+    <p:sldId id="314" r:id="rId19"/>
+    <p:sldId id="312" r:id="rId20"/>
   </p:sldIdLst>
   <p:sldSz cx="9144000" cy="6858000" type="screen4x3"/>
   <p:notesSz cx="7099300" cy="10234613"/>
@@ -1205,6 +1208,636 @@
 </p:notes>
 </file>
 
+<file path=ppt/notesSlides/notesSlide10.xml><?xml version="1.0" encoding="utf-8"?>
+<p:notes xmlns:a="http://schemas.openxmlformats.org/drawingml/2006/main" xmlns:r="http://schemas.openxmlformats.org/officeDocument/2006/relationships" xmlns:p="http://schemas.openxmlformats.org/presentationml/2006/main">
+  <p:cSld>
+    <p:spTree>
+      <p:nvGrpSpPr>
+        <p:cNvPr id="1" name=""/>
+        <p:cNvGrpSpPr/>
+        <p:nvPr/>
+      </p:nvGrpSpPr>
+      <p:grpSpPr>
+        <a:xfrm>
+          <a:off x="0" y="0"/>
+          <a:ext cx="0" cy="0"/>
+          <a:chOff x="0" y="0"/>
+          <a:chExt cx="0" cy="0"/>
+        </a:xfrm>
+      </p:grpSpPr>
+      <p:sp>
+        <p:nvSpPr>
+          <p:cNvPr id="2" name="Platshållare för bildobjekt 1"/>
+          <p:cNvSpPr>
+            <a:spLocks noGrp="1" noRot="1" noChangeAspect="1"/>
+          </p:cNvSpPr>
+          <p:nvPr>
+            <p:ph type="sldImg"/>
+          </p:nvPr>
+        </p:nvSpPr>
+        <p:spPr/>
+      </p:sp>
+      <p:sp>
+        <p:nvSpPr>
+          <p:cNvPr id="3" name="Platshållare för anteckningar 2"/>
+          <p:cNvSpPr>
+            <a:spLocks noGrp="1"/>
+          </p:cNvSpPr>
+          <p:nvPr>
+            <p:ph type="body" idx="1"/>
+          </p:nvPr>
+        </p:nvSpPr>
+        <p:spPr/>
+        <p:txBody>
+          <a:bodyPr/>
+          <a:lstStyle/>
+          <a:p>
+            <a:endParaRPr lang="en-US"/>
+          </a:p>
+        </p:txBody>
+      </p:sp>
+      <p:sp>
+        <p:nvSpPr>
+          <p:cNvPr id="4" name="Platshållare för bildnummer 3"/>
+          <p:cNvSpPr>
+            <a:spLocks noGrp="1"/>
+          </p:cNvSpPr>
+          <p:nvPr>
+            <p:ph type="sldNum" sz="quarter" idx="10"/>
+          </p:nvPr>
+        </p:nvSpPr>
+        <p:spPr/>
+        <p:txBody>
+          <a:bodyPr/>
+          <a:lstStyle/>
+          <a:p>
+            <a:pPr>
+              <a:defRPr/>
+            </a:pPr>
+            <a:fld id="{0C6D6275-D5B4-459A-B2A3-212CA60D2300}" type="slidenum">
+              <a:rPr lang="de-DE" smtClean="0"/>
+              <a:pPr>
+                <a:defRPr/>
+              </a:pPr>
+              <a:t>10</a:t>
+            </a:fld>
+            <a:endParaRPr lang="de-DE"/>
+          </a:p>
+        </p:txBody>
+      </p:sp>
+    </p:spTree>
+    <p:extLst>
+      <p:ext uri="{BB962C8B-B14F-4D97-AF65-F5344CB8AC3E}">
+        <p14:creationId xmlns:p14="http://schemas.microsoft.com/office/powerpoint/2010/main" val="2736677066"/>
+      </p:ext>
+    </p:extLst>
+  </p:cSld>
+  <p:clrMapOvr>
+    <a:masterClrMapping/>
+  </p:clrMapOvr>
+</p:notes>
+</file>
+
+<file path=ppt/notesSlides/notesSlide11.xml><?xml version="1.0" encoding="utf-8"?>
+<p:notes xmlns:a="http://schemas.openxmlformats.org/drawingml/2006/main" xmlns:r="http://schemas.openxmlformats.org/officeDocument/2006/relationships" xmlns:p="http://schemas.openxmlformats.org/presentationml/2006/main">
+  <p:cSld>
+    <p:spTree>
+      <p:nvGrpSpPr>
+        <p:cNvPr id="1" name=""/>
+        <p:cNvGrpSpPr/>
+        <p:nvPr/>
+      </p:nvGrpSpPr>
+      <p:grpSpPr>
+        <a:xfrm>
+          <a:off x="0" y="0"/>
+          <a:ext cx="0" cy="0"/>
+          <a:chOff x="0" y="0"/>
+          <a:chExt cx="0" cy="0"/>
+        </a:xfrm>
+      </p:grpSpPr>
+      <p:sp>
+        <p:nvSpPr>
+          <p:cNvPr id="2" name="Platshållare för bildobjekt 1"/>
+          <p:cNvSpPr>
+            <a:spLocks noGrp="1" noRot="1" noChangeAspect="1"/>
+          </p:cNvSpPr>
+          <p:nvPr>
+            <p:ph type="sldImg"/>
+          </p:nvPr>
+        </p:nvSpPr>
+        <p:spPr/>
+      </p:sp>
+      <p:sp>
+        <p:nvSpPr>
+          <p:cNvPr id="3" name="Platshållare för anteckningar 2"/>
+          <p:cNvSpPr>
+            <a:spLocks noGrp="1"/>
+          </p:cNvSpPr>
+          <p:nvPr>
+            <p:ph type="body" idx="1"/>
+          </p:nvPr>
+        </p:nvSpPr>
+        <p:spPr/>
+        <p:txBody>
+          <a:bodyPr/>
+          <a:lstStyle/>
+          <a:p>
+            <a:endParaRPr lang="en-US"/>
+          </a:p>
+        </p:txBody>
+      </p:sp>
+      <p:sp>
+        <p:nvSpPr>
+          <p:cNvPr id="4" name="Platshållare för bildnummer 3"/>
+          <p:cNvSpPr>
+            <a:spLocks noGrp="1"/>
+          </p:cNvSpPr>
+          <p:nvPr>
+            <p:ph type="sldNum" sz="quarter" idx="10"/>
+          </p:nvPr>
+        </p:nvSpPr>
+        <p:spPr/>
+        <p:txBody>
+          <a:bodyPr/>
+          <a:lstStyle/>
+          <a:p>
+            <a:pPr>
+              <a:defRPr/>
+            </a:pPr>
+            <a:fld id="{0C6D6275-D5B4-459A-B2A3-212CA60D2300}" type="slidenum">
+              <a:rPr lang="de-DE" smtClean="0"/>
+              <a:pPr>
+                <a:defRPr/>
+              </a:pPr>
+              <a:t>11</a:t>
+            </a:fld>
+            <a:endParaRPr lang="de-DE"/>
+          </a:p>
+        </p:txBody>
+      </p:sp>
+    </p:spTree>
+    <p:extLst>
+      <p:ext uri="{BB962C8B-B14F-4D97-AF65-F5344CB8AC3E}">
+        <p14:creationId xmlns:p14="http://schemas.microsoft.com/office/powerpoint/2010/main" val="2704121847"/>
+      </p:ext>
+    </p:extLst>
+  </p:cSld>
+  <p:clrMapOvr>
+    <a:masterClrMapping/>
+  </p:clrMapOvr>
+</p:notes>
+</file>
+
+<file path=ppt/notesSlides/notesSlide12.xml><?xml version="1.0" encoding="utf-8"?>
+<p:notes xmlns:a="http://schemas.openxmlformats.org/drawingml/2006/main" xmlns:r="http://schemas.openxmlformats.org/officeDocument/2006/relationships" xmlns:p="http://schemas.openxmlformats.org/presentationml/2006/main">
+  <p:cSld>
+    <p:spTree>
+      <p:nvGrpSpPr>
+        <p:cNvPr id="1" name=""/>
+        <p:cNvGrpSpPr/>
+        <p:nvPr/>
+      </p:nvGrpSpPr>
+      <p:grpSpPr>
+        <a:xfrm>
+          <a:off x="0" y="0"/>
+          <a:ext cx="0" cy="0"/>
+          <a:chOff x="0" y="0"/>
+          <a:chExt cx="0" cy="0"/>
+        </a:xfrm>
+      </p:grpSpPr>
+      <p:sp>
+        <p:nvSpPr>
+          <p:cNvPr id="2" name="Platshållare för bildobjekt 1"/>
+          <p:cNvSpPr>
+            <a:spLocks noGrp="1" noRot="1" noChangeAspect="1"/>
+          </p:cNvSpPr>
+          <p:nvPr>
+            <p:ph type="sldImg"/>
+          </p:nvPr>
+        </p:nvSpPr>
+        <p:spPr/>
+      </p:sp>
+      <p:sp>
+        <p:nvSpPr>
+          <p:cNvPr id="3" name="Platshållare för anteckningar 2"/>
+          <p:cNvSpPr>
+            <a:spLocks noGrp="1"/>
+          </p:cNvSpPr>
+          <p:nvPr>
+            <p:ph type="body" idx="1"/>
+          </p:nvPr>
+        </p:nvSpPr>
+        <p:spPr/>
+        <p:txBody>
+          <a:bodyPr/>
+          <a:lstStyle/>
+          <a:p>
+            <a:endParaRPr lang="en-US"/>
+          </a:p>
+        </p:txBody>
+      </p:sp>
+      <p:sp>
+        <p:nvSpPr>
+          <p:cNvPr id="4" name="Platshållare för bildnummer 3"/>
+          <p:cNvSpPr>
+            <a:spLocks noGrp="1"/>
+          </p:cNvSpPr>
+          <p:nvPr>
+            <p:ph type="sldNum" sz="quarter" idx="10"/>
+          </p:nvPr>
+        </p:nvSpPr>
+        <p:spPr/>
+        <p:txBody>
+          <a:bodyPr/>
+          <a:lstStyle/>
+          <a:p>
+            <a:pPr>
+              <a:defRPr/>
+            </a:pPr>
+            <a:fld id="{0C6D6275-D5B4-459A-B2A3-212CA60D2300}" type="slidenum">
+              <a:rPr lang="de-DE" smtClean="0"/>
+              <a:pPr>
+                <a:defRPr/>
+              </a:pPr>
+              <a:t>13</a:t>
+            </a:fld>
+            <a:endParaRPr lang="de-DE"/>
+          </a:p>
+        </p:txBody>
+      </p:sp>
+    </p:spTree>
+    <p:extLst>
+      <p:ext uri="{BB962C8B-B14F-4D97-AF65-F5344CB8AC3E}">
+        <p14:creationId xmlns:p14="http://schemas.microsoft.com/office/powerpoint/2010/main" val="2712834436"/>
+      </p:ext>
+    </p:extLst>
+  </p:cSld>
+  <p:clrMapOvr>
+    <a:masterClrMapping/>
+  </p:clrMapOvr>
+</p:notes>
+</file>
+
+<file path=ppt/notesSlides/notesSlide13.xml><?xml version="1.0" encoding="utf-8"?>
+<p:notes xmlns:a="http://schemas.openxmlformats.org/drawingml/2006/main" xmlns:r="http://schemas.openxmlformats.org/officeDocument/2006/relationships" xmlns:p="http://schemas.openxmlformats.org/presentationml/2006/main">
+  <p:cSld>
+    <p:spTree>
+      <p:nvGrpSpPr>
+        <p:cNvPr id="1" name=""/>
+        <p:cNvGrpSpPr/>
+        <p:nvPr/>
+      </p:nvGrpSpPr>
+      <p:grpSpPr>
+        <a:xfrm>
+          <a:off x="0" y="0"/>
+          <a:ext cx="0" cy="0"/>
+          <a:chOff x="0" y="0"/>
+          <a:chExt cx="0" cy="0"/>
+        </a:xfrm>
+      </p:grpSpPr>
+      <p:sp>
+        <p:nvSpPr>
+          <p:cNvPr id="2" name="Platshållare för bildobjekt 1"/>
+          <p:cNvSpPr>
+            <a:spLocks noGrp="1" noRot="1" noChangeAspect="1"/>
+          </p:cNvSpPr>
+          <p:nvPr>
+            <p:ph type="sldImg"/>
+          </p:nvPr>
+        </p:nvSpPr>
+        <p:spPr/>
+      </p:sp>
+      <p:sp>
+        <p:nvSpPr>
+          <p:cNvPr id="3" name="Platshållare för anteckningar 2"/>
+          <p:cNvSpPr>
+            <a:spLocks noGrp="1"/>
+          </p:cNvSpPr>
+          <p:nvPr>
+            <p:ph type="body" idx="1"/>
+          </p:nvPr>
+        </p:nvSpPr>
+        <p:spPr/>
+        <p:txBody>
+          <a:bodyPr/>
+          <a:lstStyle/>
+          <a:p>
+            <a:endParaRPr lang="en-US"/>
+          </a:p>
+        </p:txBody>
+      </p:sp>
+      <p:sp>
+        <p:nvSpPr>
+          <p:cNvPr id="4" name="Platshållare för bildnummer 3"/>
+          <p:cNvSpPr>
+            <a:spLocks noGrp="1"/>
+          </p:cNvSpPr>
+          <p:nvPr>
+            <p:ph type="sldNum" sz="quarter" idx="10"/>
+          </p:nvPr>
+        </p:nvSpPr>
+        <p:spPr/>
+        <p:txBody>
+          <a:bodyPr/>
+          <a:lstStyle/>
+          <a:p>
+            <a:pPr>
+              <a:defRPr/>
+            </a:pPr>
+            <a:fld id="{0C6D6275-D5B4-459A-B2A3-212CA60D2300}" type="slidenum">
+              <a:rPr lang="de-DE" smtClean="0"/>
+              <a:pPr>
+                <a:defRPr/>
+              </a:pPr>
+              <a:t>15</a:t>
+            </a:fld>
+            <a:endParaRPr lang="de-DE"/>
+          </a:p>
+        </p:txBody>
+      </p:sp>
+    </p:spTree>
+    <p:extLst>
+      <p:ext uri="{BB962C8B-B14F-4D97-AF65-F5344CB8AC3E}">
+        <p14:creationId xmlns:p14="http://schemas.microsoft.com/office/powerpoint/2010/main" val="396229024"/>
+      </p:ext>
+    </p:extLst>
+  </p:cSld>
+  <p:clrMapOvr>
+    <a:masterClrMapping/>
+  </p:clrMapOvr>
+</p:notes>
+</file>
+
+<file path=ppt/notesSlides/notesSlide14.xml><?xml version="1.0" encoding="utf-8"?>
+<p:notes xmlns:a="http://schemas.openxmlformats.org/drawingml/2006/main" xmlns:r="http://schemas.openxmlformats.org/officeDocument/2006/relationships" xmlns:p="http://schemas.openxmlformats.org/presentationml/2006/main">
+  <p:cSld>
+    <p:spTree>
+      <p:nvGrpSpPr>
+        <p:cNvPr id="1" name=""/>
+        <p:cNvGrpSpPr/>
+        <p:nvPr/>
+      </p:nvGrpSpPr>
+      <p:grpSpPr>
+        <a:xfrm>
+          <a:off x="0" y="0"/>
+          <a:ext cx="0" cy="0"/>
+          <a:chOff x="0" y="0"/>
+          <a:chExt cx="0" cy="0"/>
+        </a:xfrm>
+      </p:grpSpPr>
+      <p:sp>
+        <p:nvSpPr>
+          <p:cNvPr id="2" name="Platshållare för bildobjekt 1"/>
+          <p:cNvSpPr>
+            <a:spLocks noGrp="1" noRot="1" noChangeAspect="1"/>
+          </p:cNvSpPr>
+          <p:nvPr>
+            <p:ph type="sldImg"/>
+          </p:nvPr>
+        </p:nvSpPr>
+        <p:spPr/>
+      </p:sp>
+      <p:sp>
+        <p:nvSpPr>
+          <p:cNvPr id="3" name="Platshållare för anteckningar 2"/>
+          <p:cNvSpPr>
+            <a:spLocks noGrp="1"/>
+          </p:cNvSpPr>
+          <p:nvPr>
+            <p:ph type="body" idx="1"/>
+          </p:nvPr>
+        </p:nvSpPr>
+        <p:spPr/>
+        <p:txBody>
+          <a:bodyPr/>
+          <a:lstStyle/>
+          <a:p>
+            <a:endParaRPr lang="en-US"/>
+          </a:p>
+        </p:txBody>
+      </p:sp>
+      <p:sp>
+        <p:nvSpPr>
+          <p:cNvPr id="4" name="Platshållare för bildnummer 3"/>
+          <p:cNvSpPr>
+            <a:spLocks noGrp="1"/>
+          </p:cNvSpPr>
+          <p:nvPr>
+            <p:ph type="sldNum" sz="quarter" idx="10"/>
+          </p:nvPr>
+        </p:nvSpPr>
+        <p:spPr/>
+        <p:txBody>
+          <a:bodyPr/>
+          <a:lstStyle/>
+          <a:p>
+            <a:pPr>
+              <a:defRPr/>
+            </a:pPr>
+            <a:fld id="{0C6D6275-D5B4-459A-B2A3-212CA60D2300}" type="slidenum">
+              <a:rPr lang="de-DE" smtClean="0"/>
+              <a:pPr>
+                <a:defRPr/>
+              </a:pPr>
+              <a:t>16</a:t>
+            </a:fld>
+            <a:endParaRPr lang="de-DE"/>
+          </a:p>
+        </p:txBody>
+      </p:sp>
+    </p:spTree>
+    <p:extLst>
+      <p:ext uri="{BB962C8B-B14F-4D97-AF65-F5344CB8AC3E}">
+        <p14:creationId xmlns:p14="http://schemas.microsoft.com/office/powerpoint/2010/main" val="3443057698"/>
+      </p:ext>
+    </p:extLst>
+  </p:cSld>
+  <p:clrMapOvr>
+    <a:masterClrMapping/>
+  </p:clrMapOvr>
+</p:notes>
+</file>
+
+<file path=ppt/notesSlides/notesSlide15.xml><?xml version="1.0" encoding="utf-8"?>
+<p:notes xmlns:a="http://schemas.openxmlformats.org/drawingml/2006/main" xmlns:r="http://schemas.openxmlformats.org/officeDocument/2006/relationships" xmlns:p="http://schemas.openxmlformats.org/presentationml/2006/main">
+  <p:cSld>
+    <p:spTree>
+      <p:nvGrpSpPr>
+        <p:cNvPr id="1" name=""/>
+        <p:cNvGrpSpPr/>
+        <p:nvPr/>
+      </p:nvGrpSpPr>
+      <p:grpSpPr>
+        <a:xfrm>
+          <a:off x="0" y="0"/>
+          <a:ext cx="0" cy="0"/>
+          <a:chOff x="0" y="0"/>
+          <a:chExt cx="0" cy="0"/>
+        </a:xfrm>
+      </p:grpSpPr>
+      <p:sp>
+        <p:nvSpPr>
+          <p:cNvPr id="2" name="Platshållare för bildobjekt 1"/>
+          <p:cNvSpPr>
+            <a:spLocks noGrp="1" noRot="1" noChangeAspect="1"/>
+          </p:cNvSpPr>
+          <p:nvPr>
+            <p:ph type="sldImg"/>
+          </p:nvPr>
+        </p:nvSpPr>
+        <p:spPr/>
+      </p:sp>
+      <p:sp>
+        <p:nvSpPr>
+          <p:cNvPr id="3" name="Platshållare för anteckningar 2"/>
+          <p:cNvSpPr>
+            <a:spLocks noGrp="1"/>
+          </p:cNvSpPr>
+          <p:nvPr>
+            <p:ph type="body" idx="1"/>
+          </p:nvPr>
+        </p:nvSpPr>
+        <p:spPr/>
+        <p:txBody>
+          <a:bodyPr/>
+          <a:lstStyle/>
+          <a:p>
+            <a:endParaRPr lang="en-US"/>
+          </a:p>
+        </p:txBody>
+      </p:sp>
+      <p:sp>
+        <p:nvSpPr>
+          <p:cNvPr id="4" name="Platshållare för bildnummer 3"/>
+          <p:cNvSpPr>
+            <a:spLocks noGrp="1"/>
+          </p:cNvSpPr>
+          <p:nvPr>
+            <p:ph type="sldNum" sz="quarter" idx="10"/>
+          </p:nvPr>
+        </p:nvSpPr>
+        <p:spPr/>
+        <p:txBody>
+          <a:bodyPr/>
+          <a:lstStyle/>
+          <a:p>
+            <a:pPr>
+              <a:defRPr/>
+            </a:pPr>
+            <a:fld id="{0C6D6275-D5B4-459A-B2A3-212CA60D2300}" type="slidenum">
+              <a:rPr lang="de-DE" smtClean="0"/>
+              <a:pPr>
+                <a:defRPr/>
+              </a:pPr>
+              <a:t>17</a:t>
+            </a:fld>
+            <a:endParaRPr lang="de-DE"/>
+          </a:p>
+        </p:txBody>
+      </p:sp>
+    </p:spTree>
+    <p:extLst>
+      <p:ext uri="{BB962C8B-B14F-4D97-AF65-F5344CB8AC3E}">
+        <p14:creationId xmlns:p14="http://schemas.microsoft.com/office/powerpoint/2010/main" val="275318205"/>
+      </p:ext>
+    </p:extLst>
+  </p:cSld>
+  <p:clrMapOvr>
+    <a:masterClrMapping/>
+  </p:clrMapOvr>
+</p:notes>
+</file>
+
+<file path=ppt/notesSlides/notesSlide16.xml><?xml version="1.0" encoding="utf-8"?>
+<p:notes xmlns:a="http://schemas.openxmlformats.org/drawingml/2006/main" xmlns:r="http://schemas.openxmlformats.org/officeDocument/2006/relationships" xmlns:p="http://schemas.openxmlformats.org/presentationml/2006/main">
+  <p:cSld>
+    <p:spTree>
+      <p:nvGrpSpPr>
+        <p:cNvPr id="1" name=""/>
+        <p:cNvGrpSpPr/>
+        <p:nvPr/>
+      </p:nvGrpSpPr>
+      <p:grpSpPr>
+        <a:xfrm>
+          <a:off x="0" y="0"/>
+          <a:ext cx="0" cy="0"/>
+          <a:chOff x="0" y="0"/>
+          <a:chExt cx="0" cy="0"/>
+        </a:xfrm>
+      </p:grpSpPr>
+      <p:sp>
+        <p:nvSpPr>
+          <p:cNvPr id="2" name="Platshållare för bildobjekt 1"/>
+          <p:cNvSpPr>
+            <a:spLocks noGrp="1" noRot="1" noChangeAspect="1"/>
+          </p:cNvSpPr>
+          <p:nvPr>
+            <p:ph type="sldImg"/>
+          </p:nvPr>
+        </p:nvSpPr>
+        <p:spPr/>
+      </p:sp>
+      <p:sp>
+        <p:nvSpPr>
+          <p:cNvPr id="3" name="Platshållare för anteckningar 2"/>
+          <p:cNvSpPr>
+            <a:spLocks noGrp="1"/>
+          </p:cNvSpPr>
+          <p:nvPr>
+            <p:ph type="body" idx="1"/>
+          </p:nvPr>
+        </p:nvSpPr>
+        <p:spPr/>
+        <p:txBody>
+          <a:bodyPr/>
+          <a:lstStyle/>
+          <a:p>
+            <a:endParaRPr lang="en-US"/>
+          </a:p>
+        </p:txBody>
+      </p:sp>
+      <p:sp>
+        <p:nvSpPr>
+          <p:cNvPr id="4" name="Platshållare för bildnummer 3"/>
+          <p:cNvSpPr>
+            <a:spLocks noGrp="1"/>
+          </p:cNvSpPr>
+          <p:nvPr>
+            <p:ph type="sldNum" sz="quarter" idx="10"/>
+          </p:nvPr>
+        </p:nvSpPr>
+        <p:spPr/>
+        <p:txBody>
+          <a:bodyPr/>
+          <a:lstStyle/>
+          <a:p>
+            <a:pPr>
+              <a:defRPr/>
+            </a:pPr>
+            <a:fld id="{0C6D6275-D5B4-459A-B2A3-212CA60D2300}" type="slidenum">
+              <a:rPr lang="de-DE" smtClean="0"/>
+              <a:pPr>
+                <a:defRPr/>
+              </a:pPr>
+              <a:t>18</a:t>
+            </a:fld>
+            <a:endParaRPr lang="de-DE"/>
+          </a:p>
+        </p:txBody>
+      </p:sp>
+    </p:spTree>
+    <p:extLst>
+      <p:ext uri="{BB962C8B-B14F-4D97-AF65-F5344CB8AC3E}">
+        <p14:creationId xmlns:p14="http://schemas.microsoft.com/office/powerpoint/2010/main" val="1482013166"/>
+      </p:ext>
+    </p:extLst>
+  </p:cSld>
+  <p:clrMapOvr>
+    <a:masterClrMapping/>
+  </p:clrMapOvr>
+</p:notes>
+</file>
+
 <file path=ppt/notesSlides/notesSlide2.xml><?xml version="1.0" encoding="utf-8"?>
 <p:notes xmlns:a="http://schemas.openxmlformats.org/drawingml/2006/main" xmlns:r="http://schemas.openxmlformats.org/officeDocument/2006/relationships" xmlns:p="http://schemas.openxmlformats.org/presentationml/2006/main">
   <p:cSld>
@@ -1359,45 +1992,7 @@
           <a:bodyPr/>
           <a:lstStyle/>
           <a:p>
-            <a:r>
-              <a:rPr lang="en-US" dirty="0"/>
-              <a:t>ObjectCreation.ps1</a:t>
-            </a:r>
-          </a:p>
-          <a:p>
-            <a:endParaRPr lang="en-US" dirty="0"/>
-          </a:p>
-          <a:p>
-            <a:r>
-              <a:rPr lang="en-US" dirty="0"/>
-              <a:t>ObjectCreation.psm1</a:t>
-            </a:r>
-          </a:p>
-          <a:p>
-            <a:r>
-              <a:rPr lang="en-US" dirty="0" err="1"/>
-              <a:t>Src</a:t>
-            </a:r>
-            <a:r>
-              <a:rPr lang="en-US" dirty="0"/>
-              <a:t>/</a:t>
-            </a:r>
-            <a:r>
-              <a:rPr lang="en-US" dirty="0" err="1"/>
-              <a:t>cs</a:t>
-            </a:r>
-            <a:r>
-              <a:rPr lang="en-US" dirty="0"/>
-              <a:t>/</a:t>
-            </a:r>
-            <a:r>
-              <a:rPr lang="en-US" err="1"/>
-              <a:t>DotnetPerson</a:t>
-            </a:r>
-            <a:r>
-              <a:rPr lang="en-US"/>
-              <a:t>.cs</a:t>
-            </a:r>
+            <a:endParaRPr lang="en-US"/>
           </a:p>
         </p:txBody>
       </p:sp>
@@ -1424,6 +2019,221 @@
               <a:pPr>
                 <a:defRPr/>
               </a:pPr>
+              <a:t>3</a:t>
+            </a:fld>
+            <a:endParaRPr lang="de-DE"/>
+          </a:p>
+        </p:txBody>
+      </p:sp>
+    </p:spTree>
+    <p:extLst>
+      <p:ext uri="{BB962C8B-B14F-4D97-AF65-F5344CB8AC3E}">
+        <p14:creationId xmlns:p14="http://schemas.microsoft.com/office/powerpoint/2010/main" val="1716762587"/>
+      </p:ext>
+    </p:extLst>
+  </p:cSld>
+  <p:clrMapOvr>
+    <a:masterClrMapping/>
+  </p:clrMapOvr>
+</p:notes>
+</file>
+
+<file path=ppt/notesSlides/notesSlide4.xml><?xml version="1.0" encoding="utf-8"?>
+<p:notes xmlns:a="http://schemas.openxmlformats.org/drawingml/2006/main" xmlns:r="http://schemas.openxmlformats.org/officeDocument/2006/relationships" xmlns:p="http://schemas.openxmlformats.org/presentationml/2006/main">
+  <p:cSld>
+    <p:spTree>
+      <p:nvGrpSpPr>
+        <p:cNvPr id="1" name=""/>
+        <p:cNvGrpSpPr/>
+        <p:nvPr/>
+      </p:nvGrpSpPr>
+      <p:grpSpPr>
+        <a:xfrm>
+          <a:off x="0" y="0"/>
+          <a:ext cx="0" cy="0"/>
+          <a:chOff x="0" y="0"/>
+          <a:chExt cx="0" cy="0"/>
+        </a:xfrm>
+      </p:grpSpPr>
+      <p:sp>
+        <p:nvSpPr>
+          <p:cNvPr id="2" name="Platshållare för bildobjekt 1"/>
+          <p:cNvSpPr>
+            <a:spLocks noGrp="1" noRot="1" noChangeAspect="1"/>
+          </p:cNvSpPr>
+          <p:nvPr>
+            <p:ph type="sldImg"/>
+          </p:nvPr>
+        </p:nvSpPr>
+        <p:spPr/>
+      </p:sp>
+      <p:sp>
+        <p:nvSpPr>
+          <p:cNvPr id="3" name="Platshållare för anteckningar 2"/>
+          <p:cNvSpPr>
+            <a:spLocks noGrp="1"/>
+          </p:cNvSpPr>
+          <p:nvPr>
+            <p:ph type="body" idx="1"/>
+          </p:nvPr>
+        </p:nvSpPr>
+        <p:spPr/>
+        <p:txBody>
+          <a:bodyPr/>
+          <a:lstStyle/>
+          <a:p>
+            <a:endParaRPr lang="en-US"/>
+          </a:p>
+        </p:txBody>
+      </p:sp>
+      <p:sp>
+        <p:nvSpPr>
+          <p:cNvPr id="4" name="Platshållare för bildnummer 3"/>
+          <p:cNvSpPr>
+            <a:spLocks noGrp="1"/>
+          </p:cNvSpPr>
+          <p:nvPr>
+            <p:ph type="sldNum" sz="quarter" idx="10"/>
+          </p:nvPr>
+        </p:nvSpPr>
+        <p:spPr/>
+        <p:txBody>
+          <a:bodyPr/>
+          <a:lstStyle/>
+          <a:p>
+            <a:pPr>
+              <a:defRPr/>
+            </a:pPr>
+            <a:fld id="{0C6D6275-D5B4-459A-B2A3-212CA60D2300}" type="slidenum">
+              <a:rPr lang="de-DE" smtClean="0"/>
+              <a:pPr>
+                <a:defRPr/>
+              </a:pPr>
+              <a:t>4</a:t>
+            </a:fld>
+            <a:endParaRPr lang="de-DE"/>
+          </a:p>
+        </p:txBody>
+      </p:sp>
+    </p:spTree>
+    <p:extLst>
+      <p:ext uri="{BB962C8B-B14F-4D97-AF65-F5344CB8AC3E}">
+        <p14:creationId xmlns:p14="http://schemas.microsoft.com/office/powerpoint/2010/main" val="1464824613"/>
+      </p:ext>
+    </p:extLst>
+  </p:cSld>
+  <p:clrMapOvr>
+    <a:masterClrMapping/>
+  </p:clrMapOvr>
+</p:notes>
+</file>
+
+<file path=ppt/notesSlides/notesSlide5.xml><?xml version="1.0" encoding="utf-8"?>
+<p:notes xmlns:a="http://schemas.openxmlformats.org/drawingml/2006/main" xmlns:r="http://schemas.openxmlformats.org/officeDocument/2006/relationships" xmlns:p="http://schemas.openxmlformats.org/presentationml/2006/main">
+  <p:cSld>
+    <p:spTree>
+      <p:nvGrpSpPr>
+        <p:cNvPr id="1" name=""/>
+        <p:cNvGrpSpPr/>
+        <p:nvPr/>
+      </p:nvGrpSpPr>
+      <p:grpSpPr>
+        <a:xfrm>
+          <a:off x="0" y="0"/>
+          <a:ext cx="0" cy="0"/>
+          <a:chOff x="0" y="0"/>
+          <a:chExt cx="0" cy="0"/>
+        </a:xfrm>
+      </p:grpSpPr>
+      <p:sp>
+        <p:nvSpPr>
+          <p:cNvPr id="2" name="Platshållare för bildobjekt 1"/>
+          <p:cNvSpPr>
+            <a:spLocks noGrp="1" noRot="1" noChangeAspect="1"/>
+          </p:cNvSpPr>
+          <p:nvPr>
+            <p:ph type="sldImg"/>
+          </p:nvPr>
+        </p:nvSpPr>
+        <p:spPr/>
+      </p:sp>
+      <p:sp>
+        <p:nvSpPr>
+          <p:cNvPr id="3" name="Platshållare för anteckningar 2"/>
+          <p:cNvSpPr>
+            <a:spLocks noGrp="1"/>
+          </p:cNvSpPr>
+          <p:nvPr>
+            <p:ph type="body" idx="1"/>
+          </p:nvPr>
+        </p:nvSpPr>
+        <p:spPr/>
+        <p:txBody>
+          <a:bodyPr/>
+          <a:lstStyle/>
+          <a:p>
+            <a:r>
+              <a:rPr lang="en-US" dirty="0"/>
+              <a:t>ObjectCreation.ps1</a:t>
+            </a:r>
+          </a:p>
+          <a:p>
+            <a:endParaRPr lang="en-US" dirty="0"/>
+          </a:p>
+          <a:p>
+            <a:r>
+              <a:rPr lang="en-US" dirty="0"/>
+              <a:t>ObjectCreation.psm1</a:t>
+            </a:r>
+          </a:p>
+          <a:p>
+            <a:r>
+              <a:rPr lang="en-US" dirty="0" err="1"/>
+              <a:t>Src</a:t>
+            </a:r>
+            <a:r>
+              <a:rPr lang="en-US" dirty="0"/>
+              <a:t>/</a:t>
+            </a:r>
+            <a:r>
+              <a:rPr lang="en-US" dirty="0" err="1"/>
+              <a:t>cs</a:t>
+            </a:r>
+            <a:r>
+              <a:rPr lang="en-US" dirty="0"/>
+              <a:t>/</a:t>
+            </a:r>
+            <a:r>
+              <a:rPr lang="en-US" dirty="0" err="1"/>
+              <a:t>DotnetPerson.cs</a:t>
+            </a:r>
+            <a:endParaRPr lang="en-US" dirty="0"/>
+          </a:p>
+        </p:txBody>
+      </p:sp>
+      <p:sp>
+        <p:nvSpPr>
+          <p:cNvPr id="4" name="Platshållare för bildnummer 3"/>
+          <p:cNvSpPr>
+            <a:spLocks noGrp="1"/>
+          </p:cNvSpPr>
+          <p:nvPr>
+            <p:ph type="sldNum" sz="quarter" idx="10"/>
+          </p:nvPr>
+        </p:nvSpPr>
+        <p:spPr/>
+        <p:txBody>
+          <a:bodyPr/>
+          <a:lstStyle/>
+          <a:p>
+            <a:pPr>
+              <a:defRPr/>
+            </a:pPr>
+            <a:fld id="{0C6D6275-D5B4-459A-B2A3-212CA60D2300}" type="slidenum">
+              <a:rPr lang="de-DE" smtClean="0"/>
+              <a:pPr>
+                <a:defRPr/>
+              </a:pPr>
               <a:t>5</a:t>
             </a:fld>
             <a:endParaRPr lang="de-DE"/>
@@ -1434,6 +2244,366 @@
     <p:extLst>
       <p:ext uri="{BB962C8B-B14F-4D97-AF65-F5344CB8AC3E}">
         <p14:creationId xmlns:p14="http://schemas.microsoft.com/office/powerpoint/2010/main" val="2980991662"/>
+      </p:ext>
+    </p:extLst>
+  </p:cSld>
+  <p:clrMapOvr>
+    <a:masterClrMapping/>
+  </p:clrMapOvr>
+</p:notes>
+</file>
+
+<file path=ppt/notesSlides/notesSlide6.xml><?xml version="1.0" encoding="utf-8"?>
+<p:notes xmlns:a="http://schemas.openxmlformats.org/drawingml/2006/main" xmlns:r="http://schemas.openxmlformats.org/officeDocument/2006/relationships" xmlns:p="http://schemas.openxmlformats.org/presentationml/2006/main">
+  <p:cSld>
+    <p:spTree>
+      <p:nvGrpSpPr>
+        <p:cNvPr id="1" name=""/>
+        <p:cNvGrpSpPr/>
+        <p:nvPr/>
+      </p:nvGrpSpPr>
+      <p:grpSpPr>
+        <a:xfrm>
+          <a:off x="0" y="0"/>
+          <a:ext cx="0" cy="0"/>
+          <a:chOff x="0" y="0"/>
+          <a:chExt cx="0" cy="0"/>
+        </a:xfrm>
+      </p:grpSpPr>
+      <p:sp>
+        <p:nvSpPr>
+          <p:cNvPr id="2" name="Platshållare för bildobjekt 1"/>
+          <p:cNvSpPr>
+            <a:spLocks noGrp="1" noRot="1" noChangeAspect="1"/>
+          </p:cNvSpPr>
+          <p:nvPr>
+            <p:ph type="sldImg"/>
+          </p:nvPr>
+        </p:nvSpPr>
+        <p:spPr/>
+      </p:sp>
+      <p:sp>
+        <p:nvSpPr>
+          <p:cNvPr id="3" name="Platshållare för anteckningar 2"/>
+          <p:cNvSpPr>
+            <a:spLocks noGrp="1"/>
+          </p:cNvSpPr>
+          <p:nvPr>
+            <p:ph type="body" idx="1"/>
+          </p:nvPr>
+        </p:nvSpPr>
+        <p:spPr/>
+        <p:txBody>
+          <a:bodyPr/>
+          <a:lstStyle/>
+          <a:p>
+            <a:endParaRPr lang="en-US"/>
+          </a:p>
+        </p:txBody>
+      </p:sp>
+      <p:sp>
+        <p:nvSpPr>
+          <p:cNvPr id="4" name="Platshållare för bildnummer 3"/>
+          <p:cNvSpPr>
+            <a:spLocks noGrp="1"/>
+          </p:cNvSpPr>
+          <p:nvPr>
+            <p:ph type="sldNum" sz="quarter" idx="10"/>
+          </p:nvPr>
+        </p:nvSpPr>
+        <p:spPr/>
+        <p:txBody>
+          <a:bodyPr/>
+          <a:lstStyle/>
+          <a:p>
+            <a:pPr>
+              <a:defRPr/>
+            </a:pPr>
+            <a:fld id="{0C6D6275-D5B4-459A-B2A3-212CA60D2300}" type="slidenum">
+              <a:rPr lang="de-DE" smtClean="0"/>
+              <a:pPr>
+                <a:defRPr/>
+              </a:pPr>
+              <a:t>6</a:t>
+            </a:fld>
+            <a:endParaRPr lang="de-DE"/>
+          </a:p>
+        </p:txBody>
+      </p:sp>
+    </p:spTree>
+    <p:extLst>
+      <p:ext uri="{BB962C8B-B14F-4D97-AF65-F5344CB8AC3E}">
+        <p14:creationId xmlns:p14="http://schemas.microsoft.com/office/powerpoint/2010/main" val="1804130626"/>
+      </p:ext>
+    </p:extLst>
+  </p:cSld>
+  <p:clrMapOvr>
+    <a:masterClrMapping/>
+  </p:clrMapOvr>
+</p:notes>
+</file>
+
+<file path=ppt/notesSlides/notesSlide7.xml><?xml version="1.0" encoding="utf-8"?>
+<p:notes xmlns:a="http://schemas.openxmlformats.org/drawingml/2006/main" xmlns:r="http://schemas.openxmlformats.org/officeDocument/2006/relationships" xmlns:p="http://schemas.openxmlformats.org/presentationml/2006/main">
+  <p:cSld>
+    <p:spTree>
+      <p:nvGrpSpPr>
+        <p:cNvPr id="1" name=""/>
+        <p:cNvGrpSpPr/>
+        <p:nvPr/>
+      </p:nvGrpSpPr>
+      <p:grpSpPr>
+        <a:xfrm>
+          <a:off x="0" y="0"/>
+          <a:ext cx="0" cy="0"/>
+          <a:chOff x="0" y="0"/>
+          <a:chExt cx="0" cy="0"/>
+        </a:xfrm>
+      </p:grpSpPr>
+      <p:sp>
+        <p:nvSpPr>
+          <p:cNvPr id="2" name="Platshållare för bildobjekt 1"/>
+          <p:cNvSpPr>
+            <a:spLocks noGrp="1" noRot="1" noChangeAspect="1"/>
+          </p:cNvSpPr>
+          <p:nvPr>
+            <p:ph type="sldImg"/>
+          </p:nvPr>
+        </p:nvSpPr>
+        <p:spPr/>
+      </p:sp>
+      <p:sp>
+        <p:nvSpPr>
+          <p:cNvPr id="3" name="Platshållare för anteckningar 2"/>
+          <p:cNvSpPr>
+            <a:spLocks noGrp="1"/>
+          </p:cNvSpPr>
+          <p:nvPr>
+            <p:ph type="body" idx="1"/>
+          </p:nvPr>
+        </p:nvSpPr>
+        <p:spPr/>
+        <p:txBody>
+          <a:bodyPr/>
+          <a:lstStyle/>
+          <a:p>
+            <a:endParaRPr lang="en-US"/>
+          </a:p>
+        </p:txBody>
+      </p:sp>
+      <p:sp>
+        <p:nvSpPr>
+          <p:cNvPr id="4" name="Platshållare för bildnummer 3"/>
+          <p:cNvSpPr>
+            <a:spLocks noGrp="1"/>
+          </p:cNvSpPr>
+          <p:nvPr>
+            <p:ph type="sldNum" sz="quarter" idx="10"/>
+          </p:nvPr>
+        </p:nvSpPr>
+        <p:spPr/>
+        <p:txBody>
+          <a:bodyPr/>
+          <a:lstStyle/>
+          <a:p>
+            <a:pPr>
+              <a:defRPr/>
+            </a:pPr>
+            <a:fld id="{0C6D6275-D5B4-459A-B2A3-212CA60D2300}" type="slidenum">
+              <a:rPr lang="de-DE" smtClean="0"/>
+              <a:pPr>
+                <a:defRPr/>
+              </a:pPr>
+              <a:t>7</a:t>
+            </a:fld>
+            <a:endParaRPr lang="de-DE"/>
+          </a:p>
+        </p:txBody>
+      </p:sp>
+    </p:spTree>
+    <p:extLst>
+      <p:ext uri="{BB962C8B-B14F-4D97-AF65-F5344CB8AC3E}">
+        <p14:creationId xmlns:p14="http://schemas.microsoft.com/office/powerpoint/2010/main" val="3098222144"/>
+      </p:ext>
+    </p:extLst>
+  </p:cSld>
+  <p:clrMapOvr>
+    <a:masterClrMapping/>
+  </p:clrMapOvr>
+</p:notes>
+</file>
+
+<file path=ppt/notesSlides/notesSlide8.xml><?xml version="1.0" encoding="utf-8"?>
+<p:notes xmlns:a="http://schemas.openxmlformats.org/drawingml/2006/main" xmlns:r="http://schemas.openxmlformats.org/officeDocument/2006/relationships" xmlns:p="http://schemas.openxmlformats.org/presentationml/2006/main">
+  <p:cSld>
+    <p:spTree>
+      <p:nvGrpSpPr>
+        <p:cNvPr id="1" name=""/>
+        <p:cNvGrpSpPr/>
+        <p:nvPr/>
+      </p:nvGrpSpPr>
+      <p:grpSpPr>
+        <a:xfrm>
+          <a:off x="0" y="0"/>
+          <a:ext cx="0" cy="0"/>
+          <a:chOff x="0" y="0"/>
+          <a:chExt cx="0" cy="0"/>
+        </a:xfrm>
+      </p:grpSpPr>
+      <p:sp>
+        <p:nvSpPr>
+          <p:cNvPr id="2" name="Platshållare för bildobjekt 1"/>
+          <p:cNvSpPr>
+            <a:spLocks noGrp="1" noRot="1" noChangeAspect="1"/>
+          </p:cNvSpPr>
+          <p:nvPr>
+            <p:ph type="sldImg"/>
+          </p:nvPr>
+        </p:nvSpPr>
+        <p:spPr/>
+      </p:sp>
+      <p:sp>
+        <p:nvSpPr>
+          <p:cNvPr id="3" name="Platshållare för anteckningar 2"/>
+          <p:cNvSpPr>
+            <a:spLocks noGrp="1"/>
+          </p:cNvSpPr>
+          <p:nvPr>
+            <p:ph type="body" idx="1"/>
+          </p:nvPr>
+        </p:nvSpPr>
+        <p:spPr/>
+        <p:txBody>
+          <a:bodyPr/>
+          <a:lstStyle/>
+          <a:p>
+            <a:endParaRPr lang="en-US"/>
+          </a:p>
+        </p:txBody>
+      </p:sp>
+      <p:sp>
+        <p:nvSpPr>
+          <p:cNvPr id="4" name="Platshållare för bildnummer 3"/>
+          <p:cNvSpPr>
+            <a:spLocks noGrp="1"/>
+          </p:cNvSpPr>
+          <p:nvPr>
+            <p:ph type="sldNum" sz="quarter" idx="10"/>
+          </p:nvPr>
+        </p:nvSpPr>
+        <p:spPr/>
+        <p:txBody>
+          <a:bodyPr/>
+          <a:lstStyle/>
+          <a:p>
+            <a:pPr>
+              <a:defRPr/>
+            </a:pPr>
+            <a:fld id="{0C6D6275-D5B4-459A-B2A3-212CA60D2300}" type="slidenum">
+              <a:rPr lang="de-DE" smtClean="0"/>
+              <a:pPr>
+                <a:defRPr/>
+              </a:pPr>
+              <a:t>8</a:t>
+            </a:fld>
+            <a:endParaRPr lang="de-DE"/>
+          </a:p>
+        </p:txBody>
+      </p:sp>
+    </p:spTree>
+    <p:extLst>
+      <p:ext uri="{BB962C8B-B14F-4D97-AF65-F5344CB8AC3E}">
+        <p14:creationId xmlns:p14="http://schemas.microsoft.com/office/powerpoint/2010/main" val="3430376118"/>
+      </p:ext>
+    </p:extLst>
+  </p:cSld>
+  <p:clrMapOvr>
+    <a:masterClrMapping/>
+  </p:clrMapOvr>
+</p:notes>
+</file>
+
+<file path=ppt/notesSlides/notesSlide9.xml><?xml version="1.0" encoding="utf-8"?>
+<p:notes xmlns:a="http://schemas.openxmlformats.org/drawingml/2006/main" xmlns:r="http://schemas.openxmlformats.org/officeDocument/2006/relationships" xmlns:p="http://schemas.openxmlformats.org/presentationml/2006/main">
+  <p:cSld>
+    <p:spTree>
+      <p:nvGrpSpPr>
+        <p:cNvPr id="1" name=""/>
+        <p:cNvGrpSpPr/>
+        <p:nvPr/>
+      </p:nvGrpSpPr>
+      <p:grpSpPr>
+        <a:xfrm>
+          <a:off x="0" y="0"/>
+          <a:ext cx="0" cy="0"/>
+          <a:chOff x="0" y="0"/>
+          <a:chExt cx="0" cy="0"/>
+        </a:xfrm>
+      </p:grpSpPr>
+      <p:sp>
+        <p:nvSpPr>
+          <p:cNvPr id="2" name="Platshållare för bildobjekt 1"/>
+          <p:cNvSpPr>
+            <a:spLocks noGrp="1" noRot="1" noChangeAspect="1"/>
+          </p:cNvSpPr>
+          <p:nvPr>
+            <p:ph type="sldImg"/>
+          </p:nvPr>
+        </p:nvSpPr>
+        <p:spPr/>
+      </p:sp>
+      <p:sp>
+        <p:nvSpPr>
+          <p:cNvPr id="3" name="Platshållare för anteckningar 2"/>
+          <p:cNvSpPr>
+            <a:spLocks noGrp="1"/>
+          </p:cNvSpPr>
+          <p:nvPr>
+            <p:ph type="body" idx="1"/>
+          </p:nvPr>
+        </p:nvSpPr>
+        <p:spPr/>
+        <p:txBody>
+          <a:bodyPr/>
+          <a:lstStyle/>
+          <a:p>
+            <a:endParaRPr lang="en-US"/>
+          </a:p>
+        </p:txBody>
+      </p:sp>
+      <p:sp>
+        <p:nvSpPr>
+          <p:cNvPr id="4" name="Platshållare för bildnummer 3"/>
+          <p:cNvSpPr>
+            <a:spLocks noGrp="1"/>
+          </p:cNvSpPr>
+          <p:nvPr>
+            <p:ph type="sldNum" sz="quarter" idx="10"/>
+          </p:nvPr>
+        </p:nvSpPr>
+        <p:spPr/>
+        <p:txBody>
+          <a:bodyPr/>
+          <a:lstStyle/>
+          <a:p>
+            <a:pPr>
+              <a:defRPr/>
+            </a:pPr>
+            <a:fld id="{0C6D6275-D5B4-459A-B2A3-212CA60D2300}" type="slidenum">
+              <a:rPr lang="de-DE" smtClean="0"/>
+              <a:pPr>
+                <a:defRPr/>
+              </a:pPr>
+              <a:t>9</a:t>
+            </a:fld>
+            <a:endParaRPr lang="de-DE"/>
+          </a:p>
+        </p:txBody>
+      </p:sp>
+    </p:spTree>
+    <p:extLst>
+      <p:ext uri="{BB962C8B-B14F-4D97-AF65-F5344CB8AC3E}">
+        <p14:creationId xmlns:p14="http://schemas.microsoft.com/office/powerpoint/2010/main" val="1149677755"/>
       </p:ext>
     </p:extLst>
   </p:cSld>
@@ -4861,37 +6031,7 @@
       </p:grpSpPr>
       <p:sp>
         <p:nvSpPr>
-          <p:cNvPr id="2" name="Titel 1"/>
-          <p:cNvSpPr>
-            <a:spLocks noGrp="1"/>
-          </p:cNvSpPr>
-          <p:nvPr>
-            <p:ph type="title"/>
-          </p:nvPr>
-        </p:nvSpPr>
-        <p:spPr>
-          <a:xfrm>
-            <a:off x="0" y="908720"/>
-            <a:ext cx="9144000" cy="792088"/>
-          </a:xfrm>
-          <a:prstGeom prst="rect">
-            <a:avLst/>
-          </a:prstGeom>
-        </p:spPr>
-        <p:txBody>
-          <a:bodyPr/>
-          <a:lstStyle/>
-          <a:p>
-            <a:r>
-              <a:rPr lang="de-DE" dirty="0"/>
-              <a:t>Summary</a:t>
-            </a:r>
-          </a:p>
-        </p:txBody>
-      </p:sp>
-      <p:sp>
-        <p:nvSpPr>
-          <p:cNvPr id="3" name="Inhaltsplatzhalter 2"/>
+          <p:cNvPr id="2" name="Platshållare för innehåll 1"/>
           <p:cNvSpPr>
             <a:spLocks noGrp="1"/>
           </p:cNvSpPr>
@@ -4904,231 +6044,61 @@
           <a:bodyPr/>
           <a:lstStyle/>
           <a:p>
-            <a:pPr>
-              <a:lnSpc>
-                <a:spcPct val="150000"/>
-              </a:lnSpc>
-            </a:pPr>
-            <a:r>
-              <a:rPr lang="de-DE" dirty="0" err="1"/>
-              <a:t>Make</a:t>
-            </a:r>
-            <a:r>
-              <a:rPr lang="de-DE" dirty="0"/>
-              <a:t> </a:t>
-            </a:r>
-            <a:r>
-              <a:rPr lang="de-DE" dirty="0" err="1"/>
-              <a:t>sure</a:t>
-            </a:r>
-            <a:r>
-              <a:rPr lang="de-DE" dirty="0"/>
-              <a:t> </a:t>
-            </a:r>
-            <a:r>
-              <a:rPr lang="de-DE" dirty="0" err="1"/>
-              <a:t>your</a:t>
-            </a:r>
-            <a:r>
-              <a:rPr lang="de-DE" dirty="0"/>
-              <a:t> </a:t>
-            </a:r>
-            <a:r>
-              <a:rPr lang="de-DE" dirty="0" err="1"/>
-              <a:t>functions</a:t>
-            </a:r>
-            <a:r>
-              <a:rPr lang="de-DE" dirty="0"/>
-              <a:t>/</a:t>
-            </a:r>
-            <a:r>
-              <a:rPr lang="de-DE" dirty="0" err="1"/>
-              <a:t>cmdlets</a:t>
-            </a:r>
-            <a:r>
-              <a:rPr lang="de-DE" dirty="0"/>
-              <a:t> </a:t>
-            </a:r>
-            <a:r>
-              <a:rPr lang="de-DE" dirty="0" err="1"/>
-              <a:t>provides</a:t>
-            </a:r>
-            <a:r>
-              <a:rPr lang="de-DE" dirty="0"/>
-              <a:t> </a:t>
-            </a:r>
-            <a:r>
-              <a:rPr lang="de-DE" dirty="0" err="1"/>
-              <a:t>array</a:t>
-            </a:r>
-            <a:r>
-              <a:rPr lang="de-DE" dirty="0"/>
-              <a:t> </a:t>
-            </a:r>
-            <a:r>
-              <a:rPr lang="de-DE" dirty="0" err="1"/>
-              <a:t>input</a:t>
-            </a:r>
-            <a:endParaRPr lang="de-DE" dirty="0"/>
-          </a:p>
-          <a:p>
-            <a:pPr>
-              <a:lnSpc>
-                <a:spcPct val="150000"/>
-              </a:lnSpc>
-            </a:pPr>
-            <a:r>
-              <a:rPr lang="de-DE" dirty="0" err="1"/>
-              <a:t>Avoid</a:t>
-            </a:r>
-            <a:r>
-              <a:rPr lang="de-DE" dirty="0"/>
-              <a:t> </a:t>
-            </a:r>
-            <a:r>
-              <a:rPr lang="de-DE" dirty="0" err="1"/>
-              <a:t>the</a:t>
-            </a:r>
-            <a:r>
-              <a:rPr lang="de-DE" dirty="0"/>
-              <a:t> </a:t>
-            </a:r>
-            <a:r>
-              <a:rPr lang="de-DE" dirty="0" err="1"/>
-              <a:t>pipeline</a:t>
-            </a:r>
-            <a:r>
-              <a:rPr lang="de-DE" dirty="0"/>
-              <a:t> </a:t>
-            </a:r>
-            <a:r>
-              <a:rPr lang="de-DE" dirty="0" err="1"/>
-              <a:t>where</a:t>
-            </a:r>
-            <a:r>
-              <a:rPr lang="de-DE" dirty="0"/>
-              <a:t> </a:t>
-            </a:r>
-            <a:r>
-              <a:rPr lang="de-DE" dirty="0" err="1"/>
-              <a:t>performance</a:t>
-            </a:r>
-            <a:r>
-              <a:rPr lang="de-DE" dirty="0"/>
-              <a:t> </a:t>
-            </a:r>
-            <a:r>
-              <a:rPr lang="de-DE" dirty="0" err="1"/>
-              <a:t>is</a:t>
-            </a:r>
-            <a:r>
-              <a:rPr lang="de-DE" dirty="0"/>
-              <a:t> </a:t>
-            </a:r>
-            <a:r>
-              <a:rPr lang="de-DE" dirty="0" err="1"/>
-              <a:t>important</a:t>
-            </a:r>
-            <a:endParaRPr lang="de-DE" dirty="0"/>
-          </a:p>
-          <a:p>
-            <a:pPr lvl="1">
-              <a:lnSpc>
-                <a:spcPct val="150000"/>
-              </a:lnSpc>
-            </a:pPr>
-            <a:r>
-              <a:rPr lang="de-DE" dirty="0" err="1"/>
-              <a:t>Prefer</a:t>
-            </a:r>
-            <a:r>
-              <a:rPr lang="de-DE" dirty="0"/>
-              <a:t> </a:t>
-            </a:r>
-            <a:r>
-              <a:rPr lang="de-DE" dirty="0" err="1"/>
-              <a:t>looping</a:t>
-            </a:r>
-            <a:r>
-              <a:rPr lang="de-DE" dirty="0"/>
-              <a:t> / </a:t>
-            </a:r>
-            <a:r>
-              <a:rPr lang="de-DE" dirty="0" err="1"/>
-              <a:t>magic</a:t>
-            </a:r>
-            <a:r>
-              <a:rPr lang="de-DE" dirty="0"/>
-              <a:t> </a:t>
-            </a:r>
-            <a:r>
-              <a:rPr lang="de-DE" dirty="0" err="1"/>
-              <a:t>methods</a:t>
-            </a:r>
-            <a:endParaRPr lang="de-DE" dirty="0"/>
-          </a:p>
-          <a:p>
-            <a:pPr>
-              <a:lnSpc>
-                <a:spcPct val="150000"/>
-              </a:lnSpc>
-            </a:pPr>
-            <a:r>
-              <a:rPr lang="de-DE" dirty="0"/>
-              <a:t>Drop down </a:t>
-            </a:r>
-            <a:r>
-              <a:rPr lang="de-DE" dirty="0" err="1"/>
-              <a:t>to</a:t>
-            </a:r>
-            <a:r>
-              <a:rPr lang="de-DE" dirty="0"/>
-              <a:t> .NET </a:t>
-            </a:r>
-            <a:r>
-              <a:rPr lang="de-DE" dirty="0" err="1"/>
-              <a:t>when</a:t>
-            </a:r>
-            <a:r>
-              <a:rPr lang="de-DE" dirty="0"/>
-              <a:t> </a:t>
-            </a:r>
-            <a:r>
-              <a:rPr lang="de-DE" dirty="0" err="1"/>
-              <a:t>you</a:t>
-            </a:r>
-            <a:r>
-              <a:rPr lang="de-DE" dirty="0"/>
-              <a:t> </a:t>
-            </a:r>
-            <a:r>
-              <a:rPr lang="de-DE" dirty="0" err="1"/>
-              <a:t>have</a:t>
-            </a:r>
-            <a:r>
-              <a:rPr lang="de-DE" dirty="0"/>
-              <a:t> </a:t>
-            </a:r>
-            <a:r>
-              <a:rPr lang="de-DE" dirty="0" err="1"/>
-              <a:t>to</a:t>
-            </a:r>
-            <a:endParaRPr lang="de-DE" dirty="0"/>
-          </a:p>
-          <a:p>
-            <a:pPr>
-              <a:lnSpc>
-                <a:spcPct val="150000"/>
-              </a:lnSpc>
-            </a:pPr>
-            <a:endParaRPr lang="de-DE" dirty="0"/>
+            <a:r>
+              <a:rPr lang="en-US" dirty="0"/>
+              <a:t>Compare performance of</a:t>
+            </a:r>
+          </a:p>
+          <a:p>
+            <a:pPr lvl="1"/>
+            <a:r>
+              <a:rPr lang="en-US" dirty="0"/>
+              <a:t>Write-Output cmdlet</a:t>
+            </a:r>
+          </a:p>
+          <a:p>
+            <a:pPr lvl="1"/>
+            <a:r>
+              <a:rPr lang="en-US" dirty="0" err="1"/>
+              <a:t>PSCmdlet.WriteObject</a:t>
+            </a:r>
+            <a:endParaRPr lang="en-US" dirty="0"/>
+          </a:p>
+          <a:p>
+            <a:pPr lvl="1"/>
+            <a:r>
+              <a:rPr lang="en-US" dirty="0"/>
+              <a:t>Non-captured objects</a:t>
+            </a:r>
+          </a:p>
+        </p:txBody>
+      </p:sp>
+      <p:sp>
+        <p:nvSpPr>
+          <p:cNvPr id="3" name="Rubrik 2"/>
+          <p:cNvSpPr>
+            <a:spLocks noGrp="1"/>
+          </p:cNvSpPr>
+          <p:nvPr>
+            <p:ph type="title"/>
+          </p:nvPr>
+        </p:nvSpPr>
+        <p:spPr/>
+        <p:txBody>
+          <a:bodyPr/>
+          <a:lstStyle/>
+          <a:p>
+            <a:r>
+              <a:rPr lang="en-US" dirty="0"/>
+              <a:t>Writing to the pipeline</a:t>
+            </a:r>
           </a:p>
         </p:txBody>
       </p:sp>
     </p:spTree>
     <p:extLst>
       <p:ext uri="{BB962C8B-B14F-4D97-AF65-F5344CB8AC3E}">
-        <p14:creationId xmlns:p14="http://schemas.microsoft.com/office/powerpoint/2010/main" val="697367777"/>
+        <p14:creationId xmlns:p14="http://schemas.microsoft.com/office/powerpoint/2010/main" val="1429977576"/>
       </p:ext>
     </p:extLst>
   </p:cSld>
@@ -5137,12 +6107,12 @@
   </p:clrMapOvr>
   <mc:AlternateContent xmlns:mc="http://schemas.openxmlformats.org/markup-compatibility/2006" xmlns:p14="http://schemas.microsoft.com/office/powerpoint/2010/main">
     <mc:Choice Requires="p14">
-      <p:transition spd="med" p14:dur="700">
-        <p:fade/>
+      <p:transition spd="slow" p14:dur="1300">
+        <p14:pan dir="u"/>
       </p:transition>
     </mc:Choice>
     <mc:Fallback xmlns="">
-      <p:transition spd="med">
+      <p:transition spd="slow">
         <p:fade/>
       </p:transition>
     </mc:Fallback>
@@ -5169,227 +6139,7 @@
       </p:grpSpPr>
       <p:sp>
         <p:nvSpPr>
-          <p:cNvPr id="2" name="Inhaltsplatzhalter 1"/>
-          <p:cNvSpPr>
-            <a:spLocks noGrp="1"/>
-          </p:cNvSpPr>
-          <p:nvPr>
-            <p:ph idx="1"/>
-          </p:nvPr>
-        </p:nvSpPr>
-        <p:spPr/>
-        <p:txBody>
-          <a:bodyPr/>
-          <a:lstStyle/>
-          <a:p>
-            <a:r>
-              <a:rPr lang="de-DE" dirty="0" err="1"/>
-              <a:t>Now</a:t>
-            </a:r>
-            <a:r>
-              <a:rPr lang="de-DE" dirty="0"/>
-              <a:t>: 15 min break</a:t>
-            </a:r>
-          </a:p>
-          <a:p>
-            <a:endParaRPr lang="de-DE" dirty="0"/>
-          </a:p>
-          <a:p>
-            <a:r>
-              <a:rPr lang="de-DE" dirty="0"/>
-              <a:t>Grab a </a:t>
-            </a:r>
-            <a:r>
-              <a:rPr lang="de-DE" dirty="0" err="1"/>
-              <a:t>coffee</a:t>
-            </a:r>
-            <a:endParaRPr lang="de-DE" dirty="0"/>
-          </a:p>
-          <a:p>
-            <a:r>
-              <a:rPr lang="de-DE" dirty="0" err="1"/>
-              <a:t>Stay</a:t>
-            </a:r>
-            <a:r>
-              <a:rPr lang="de-DE" dirty="0"/>
-              <a:t> </a:t>
-            </a:r>
-            <a:r>
-              <a:rPr lang="de-DE" dirty="0" err="1"/>
-              <a:t>here</a:t>
-            </a:r>
-            <a:r>
-              <a:rPr lang="de-DE" dirty="0"/>
-              <a:t> </a:t>
-            </a:r>
-            <a:r>
-              <a:rPr lang="de-DE" dirty="0" err="1"/>
-              <a:t>to</a:t>
-            </a:r>
-            <a:r>
-              <a:rPr lang="de-DE" dirty="0"/>
-              <a:t> </a:t>
-            </a:r>
-            <a:r>
-              <a:rPr lang="de-DE" dirty="0" err="1"/>
-              <a:t>enjoy</a:t>
-            </a:r>
-            <a:r>
-              <a:rPr lang="de-DE" dirty="0"/>
-              <a:t> </a:t>
-            </a:r>
-            <a:r>
-              <a:rPr lang="de-DE" dirty="0" err="1"/>
-              <a:t>next</a:t>
-            </a:r>
-            <a:r>
-              <a:rPr lang="de-DE" dirty="0"/>
-              <a:t> </a:t>
-            </a:r>
-            <a:r>
-              <a:rPr lang="de-DE" dirty="0" err="1"/>
-              <a:t>presentation</a:t>
-            </a:r>
-            <a:endParaRPr lang="de-DE" dirty="0"/>
-          </a:p>
-          <a:p>
-            <a:r>
-              <a:rPr lang="de-DE" dirty="0"/>
-              <a:t>Change </a:t>
-            </a:r>
-            <a:r>
-              <a:rPr lang="de-DE" dirty="0" err="1"/>
-              <a:t>track</a:t>
-            </a:r>
-            <a:r>
-              <a:rPr lang="de-DE" dirty="0"/>
-              <a:t> </a:t>
-            </a:r>
-            <a:r>
-              <a:rPr lang="de-DE" dirty="0" err="1"/>
-              <a:t>and</a:t>
-            </a:r>
-            <a:r>
-              <a:rPr lang="de-DE" dirty="0"/>
-              <a:t> </a:t>
-            </a:r>
-            <a:r>
-              <a:rPr lang="de-DE" dirty="0" err="1"/>
-              <a:t>switch</a:t>
-            </a:r>
-            <a:r>
-              <a:rPr lang="de-DE" dirty="0"/>
-              <a:t> </a:t>
-            </a:r>
-            <a:r>
-              <a:rPr lang="de-DE" dirty="0" err="1"/>
-              <a:t>to</a:t>
-            </a:r>
-            <a:r>
-              <a:rPr lang="de-DE" dirty="0"/>
-              <a:t> </a:t>
-            </a:r>
-            <a:r>
-              <a:rPr lang="de-DE" dirty="0" err="1"/>
-              <a:t>another</a:t>
-            </a:r>
-            <a:r>
-              <a:rPr lang="de-DE" dirty="0"/>
-              <a:t> </a:t>
-            </a:r>
-            <a:r>
-              <a:rPr lang="de-DE" dirty="0" err="1"/>
-              <a:t>room</a:t>
-            </a:r>
-            <a:endParaRPr lang="de-DE" dirty="0"/>
-          </a:p>
-          <a:p>
-            <a:endParaRPr lang="de-DE" dirty="0"/>
-          </a:p>
-          <a:p>
-            <a:r>
-              <a:rPr lang="de-DE" dirty="0" err="1"/>
-              <a:t>Ask</a:t>
-            </a:r>
-            <a:r>
-              <a:rPr lang="de-DE" dirty="0"/>
-              <a:t> </a:t>
-            </a:r>
-            <a:r>
-              <a:rPr lang="de-DE" dirty="0" err="1"/>
-              <a:t>me</a:t>
-            </a:r>
-            <a:r>
-              <a:rPr lang="de-DE" dirty="0"/>
-              <a:t> </a:t>
-            </a:r>
-            <a:r>
-              <a:rPr lang="de-DE" dirty="0" err="1"/>
-              <a:t>questions</a:t>
-            </a:r>
-            <a:r>
-              <a:rPr lang="de-DE" dirty="0"/>
-              <a:t> </a:t>
-            </a:r>
-            <a:r>
-              <a:rPr lang="de-DE" dirty="0" err="1"/>
-              <a:t>or</a:t>
-            </a:r>
-            <a:r>
-              <a:rPr lang="de-DE" dirty="0"/>
-              <a:t> </a:t>
-            </a:r>
-            <a:r>
-              <a:rPr lang="de-DE" dirty="0" err="1"/>
-              <a:t>meet</a:t>
-            </a:r>
-            <a:r>
-              <a:rPr lang="de-DE" dirty="0"/>
-              <a:t> </a:t>
-            </a:r>
-            <a:r>
-              <a:rPr lang="de-DE" dirty="0" err="1"/>
-              <a:t>me</a:t>
-            </a:r>
-            <a:r>
-              <a:rPr lang="de-DE" dirty="0"/>
-              <a:t> in a </a:t>
-            </a:r>
-            <a:r>
-              <a:rPr lang="de-DE" dirty="0" err="1"/>
-              <a:t>breakout</a:t>
-            </a:r>
-            <a:r>
-              <a:rPr lang="de-DE" dirty="0"/>
-              <a:t> </a:t>
-            </a:r>
-            <a:r>
-              <a:rPr lang="de-DE" dirty="0" err="1"/>
-              <a:t>session</a:t>
-            </a:r>
-            <a:r>
-              <a:rPr lang="de-DE" dirty="0"/>
-              <a:t> </a:t>
-            </a:r>
-            <a:r>
-              <a:rPr lang="de-DE" dirty="0" err="1"/>
-              <a:t>room</a:t>
-            </a:r>
-            <a:r>
-              <a:rPr lang="de-DE" dirty="0"/>
-              <a:t> </a:t>
-            </a:r>
-            <a:r>
-              <a:rPr lang="de-DE" dirty="0" err="1"/>
-              <a:t>afterwards</a:t>
-            </a:r>
-            <a:endParaRPr lang="de-DE" dirty="0"/>
-          </a:p>
-        </p:txBody>
-      </p:sp>
-      <p:sp>
-        <p:nvSpPr>
-          <p:cNvPr id="3" name="Titel 2"/>
+          <p:cNvPr id="2" name="Titel 1"/>
           <p:cNvSpPr>
             <a:spLocks noGrp="1"/>
           </p:cNvSpPr>
@@ -5404,15 +6154,31 @@
           <a:p>
             <a:r>
               <a:rPr lang="de-DE" dirty="0"/>
-              <a:t>Next </a:t>
-            </a:r>
-            <a:r>
-              <a:rPr lang="de-DE" dirty="0" err="1"/>
-              <a:t>Steps</a:t>
-            </a:r>
-            <a:r>
-              <a:rPr lang="de-DE" dirty="0"/>
-              <a:t>...</a:t>
+              <a:t>Demo</a:t>
+            </a:r>
+          </a:p>
+        </p:txBody>
+      </p:sp>
+      <p:sp>
+        <p:nvSpPr>
+          <p:cNvPr id="3" name="Textplatzhalter 2"/>
+          <p:cNvSpPr>
+            <a:spLocks noGrp="1"/>
+          </p:cNvSpPr>
+          <p:nvPr>
+            <p:ph type="body" sz="quarter" idx="10"/>
+          </p:nvPr>
+        </p:nvSpPr>
+        <p:spPr/>
+        <p:txBody>
+          <a:bodyPr>
+            <a:normAutofit/>
+          </a:bodyPr>
+          <a:lstStyle/>
+          <a:p>
+            <a:r>
+              <a:rPr lang="de-DE" dirty="0"/>
+              <a:t>Pipeline</a:t>
             </a:r>
           </a:p>
         </p:txBody>
@@ -5420,7 +6186,7 @@
     </p:spTree>
     <p:extLst>
       <p:ext uri="{BB962C8B-B14F-4D97-AF65-F5344CB8AC3E}">
-        <p14:creationId xmlns:p14="http://schemas.microsoft.com/office/powerpoint/2010/main" val="3397310615"/>
+        <p14:creationId xmlns:p14="http://schemas.microsoft.com/office/powerpoint/2010/main" val="566057962"/>
       </p:ext>
     </p:extLst>
   </p:cSld>
@@ -5461,7 +6227,64 @@
       </p:grpSpPr>
       <p:sp>
         <p:nvSpPr>
-          <p:cNvPr id="2" name="Titel 1"/>
+          <p:cNvPr id="2" name="Platshållare för innehåll 1"/>
+          <p:cNvSpPr>
+            <a:spLocks noGrp="1"/>
+          </p:cNvSpPr>
+          <p:nvPr>
+            <p:ph idx="1"/>
+          </p:nvPr>
+        </p:nvSpPr>
+        <p:spPr/>
+        <p:txBody>
+          <a:bodyPr/>
+          <a:lstStyle/>
+          <a:p>
+            <a:r>
+              <a:rPr lang="en-US" dirty="0"/>
+              <a:t>Compare performance of</a:t>
+            </a:r>
+          </a:p>
+          <a:p>
+            <a:pPr lvl="1"/>
+            <a:r>
+              <a:rPr lang="en-US" dirty="0" err="1"/>
+              <a:t>CodeMethod</a:t>
+            </a:r>
+            <a:endParaRPr lang="en-US" dirty="0"/>
+          </a:p>
+          <a:p>
+            <a:pPr lvl="1"/>
+            <a:r>
+              <a:rPr lang="en-US" dirty="0" err="1"/>
+              <a:t>ScriptMethod</a:t>
+            </a:r>
+            <a:endParaRPr lang="en-US" dirty="0"/>
+          </a:p>
+          <a:p>
+            <a:pPr lvl="1"/>
+            <a:r>
+              <a:rPr lang="en-US" dirty="0" err="1"/>
+              <a:t>.Net</a:t>
+            </a:r>
+            <a:r>
+              <a:rPr lang="en-US" dirty="0"/>
+              <a:t> method</a:t>
+            </a:r>
+          </a:p>
+          <a:p>
+            <a:pPr lvl="1"/>
+            <a:r>
+              <a:rPr lang="en-US"/>
+              <a:t>PowerShell function</a:t>
+            </a:r>
+            <a:endParaRPr lang="en-US" dirty="0"/>
+          </a:p>
+        </p:txBody>
+      </p:sp>
+      <p:sp>
+        <p:nvSpPr>
+          <p:cNvPr id="3" name="Rubrik 2"/>
           <p:cNvSpPr>
             <a:spLocks noGrp="1"/>
           </p:cNvSpPr>
@@ -5475,24 +6298,92 @@
           <a:lstStyle/>
           <a:p>
             <a:r>
-              <a:rPr lang="de-DE" dirty="0" err="1"/>
-              <a:t>Questions</a:t>
-            </a:r>
-            <a:r>
-              <a:rPr lang="de-DE" dirty="0"/>
-              <a:t>?</a:t>
+              <a:rPr lang="en-US" dirty="0"/>
+              <a:t>Member access</a:t>
+            </a:r>
+          </a:p>
+        </p:txBody>
+      </p:sp>
+    </p:spTree>
+    <p:extLst>
+      <p:ext uri="{BB962C8B-B14F-4D97-AF65-F5344CB8AC3E}">
+        <p14:creationId xmlns:p14="http://schemas.microsoft.com/office/powerpoint/2010/main" val="3193772836"/>
+      </p:ext>
+    </p:extLst>
+  </p:cSld>
+  <p:clrMapOvr>
+    <a:masterClrMapping/>
+  </p:clrMapOvr>
+  <mc:AlternateContent xmlns:mc="http://schemas.openxmlformats.org/markup-compatibility/2006" xmlns:p14="http://schemas.microsoft.com/office/powerpoint/2010/main">
+    <mc:Choice Requires="p14">
+      <p:transition spd="slow" p14:dur="1300">
+        <p14:pan dir="u"/>
+      </p:transition>
+    </mc:Choice>
+    <mc:Fallback xmlns="">
+      <p:transition spd="slow">
+        <p:fade/>
+      </p:transition>
+    </mc:Fallback>
+  </mc:AlternateContent>
+</p:sld>
+</file>
+
+<file path=ppt/slides/slide15.xml><?xml version="1.0" encoding="utf-8"?>
+<p:sld xmlns:a="http://schemas.openxmlformats.org/drawingml/2006/main" xmlns:r="http://schemas.openxmlformats.org/officeDocument/2006/relationships" xmlns:p="http://schemas.openxmlformats.org/presentationml/2006/main">
+  <p:cSld>
+    <p:spTree>
+      <p:nvGrpSpPr>
+        <p:cNvPr id="1" name=""/>
+        <p:cNvGrpSpPr/>
+        <p:nvPr/>
+      </p:nvGrpSpPr>
+      <p:grpSpPr>
+        <a:xfrm>
+          <a:off x="0" y="0"/>
+          <a:ext cx="0" cy="0"/>
+          <a:chOff x="0" y="0"/>
+          <a:chExt cx="0" cy="0"/>
+        </a:xfrm>
+      </p:grpSpPr>
+      <p:sp>
+        <p:nvSpPr>
+          <p:cNvPr id="2" name="Titel 1"/>
+          <p:cNvSpPr>
+            <a:spLocks noGrp="1"/>
+          </p:cNvSpPr>
+          <p:nvPr>
+            <p:ph type="title"/>
+          </p:nvPr>
+        </p:nvSpPr>
+        <p:spPr>
+          <a:xfrm>
+            <a:off x="0" y="908720"/>
+            <a:ext cx="9144000" cy="792088"/>
+          </a:xfrm>
+          <a:prstGeom prst="rect">
+            <a:avLst/>
+          </a:prstGeom>
+        </p:spPr>
+        <p:txBody>
+          <a:bodyPr/>
+          <a:lstStyle/>
+          <a:p>
+            <a:r>
+              <a:rPr lang="de-DE" dirty="0"/>
+              <a:t>Summary</a:t>
             </a:r>
           </a:p>
         </p:txBody>
       </p:sp>
       <p:sp>
         <p:nvSpPr>
-          <p:cNvPr id="3" name="Textplatzhalter 2"/>
+          <p:cNvPr id="3" name="Inhaltsplatzhalter 2"/>
           <p:cNvSpPr>
             <a:spLocks noGrp="1"/>
           </p:cNvSpPr>
           <p:nvPr>
-            <p:ph type="body" idx="1"/>
+            <p:ph idx="1"/>
           </p:nvPr>
         </p:nvSpPr>
         <p:spPr/>
@@ -5500,6 +6391,223 @@
           <a:bodyPr/>
           <a:lstStyle/>
           <a:p>
+            <a:pPr>
+              <a:lnSpc>
+                <a:spcPct val="150000"/>
+              </a:lnSpc>
+            </a:pPr>
+            <a:r>
+              <a:rPr lang="de-DE" dirty="0" err="1"/>
+              <a:t>Make</a:t>
+            </a:r>
+            <a:r>
+              <a:rPr lang="de-DE" dirty="0"/>
+              <a:t> </a:t>
+            </a:r>
+            <a:r>
+              <a:rPr lang="de-DE" dirty="0" err="1"/>
+              <a:t>sure</a:t>
+            </a:r>
+            <a:r>
+              <a:rPr lang="de-DE" dirty="0"/>
+              <a:t> </a:t>
+            </a:r>
+            <a:r>
+              <a:rPr lang="de-DE" dirty="0" err="1"/>
+              <a:t>your</a:t>
+            </a:r>
+            <a:r>
+              <a:rPr lang="de-DE" dirty="0"/>
+              <a:t> </a:t>
+            </a:r>
+            <a:r>
+              <a:rPr lang="de-DE" dirty="0" err="1"/>
+              <a:t>functions</a:t>
+            </a:r>
+            <a:r>
+              <a:rPr lang="de-DE" dirty="0"/>
+              <a:t>/</a:t>
+            </a:r>
+            <a:r>
+              <a:rPr lang="de-DE" dirty="0" err="1"/>
+              <a:t>cmdlets</a:t>
+            </a:r>
+            <a:r>
+              <a:rPr lang="de-DE" dirty="0"/>
+              <a:t> </a:t>
+            </a:r>
+            <a:r>
+              <a:rPr lang="de-DE" dirty="0" err="1"/>
+              <a:t>provides</a:t>
+            </a:r>
+            <a:r>
+              <a:rPr lang="de-DE" dirty="0"/>
+              <a:t> </a:t>
+            </a:r>
+            <a:r>
+              <a:rPr lang="de-DE" dirty="0" err="1"/>
+              <a:t>array</a:t>
+            </a:r>
+            <a:r>
+              <a:rPr lang="de-DE" dirty="0"/>
+              <a:t> </a:t>
+            </a:r>
+            <a:r>
+              <a:rPr lang="de-DE" dirty="0" err="1"/>
+              <a:t>input</a:t>
+            </a:r>
+            <a:endParaRPr lang="de-DE" dirty="0"/>
+          </a:p>
+          <a:p>
+            <a:pPr>
+              <a:lnSpc>
+                <a:spcPct val="150000"/>
+              </a:lnSpc>
+            </a:pPr>
+            <a:r>
+              <a:rPr lang="de-DE" dirty="0" err="1"/>
+              <a:t>Avoid</a:t>
+            </a:r>
+            <a:r>
+              <a:rPr lang="de-DE" dirty="0"/>
+              <a:t> </a:t>
+            </a:r>
+            <a:r>
+              <a:rPr lang="de-DE" dirty="0" err="1"/>
+              <a:t>the</a:t>
+            </a:r>
+            <a:r>
+              <a:rPr lang="de-DE" dirty="0"/>
+              <a:t> </a:t>
+            </a:r>
+            <a:r>
+              <a:rPr lang="de-DE" dirty="0" err="1"/>
+              <a:t>pipeline</a:t>
+            </a:r>
+            <a:r>
+              <a:rPr lang="de-DE" dirty="0"/>
+              <a:t> </a:t>
+            </a:r>
+            <a:r>
+              <a:rPr lang="de-DE" dirty="0" err="1"/>
+              <a:t>where</a:t>
+            </a:r>
+            <a:r>
+              <a:rPr lang="de-DE" dirty="0"/>
+              <a:t> </a:t>
+            </a:r>
+            <a:r>
+              <a:rPr lang="de-DE" dirty="0" err="1"/>
+              <a:t>performance</a:t>
+            </a:r>
+            <a:r>
+              <a:rPr lang="de-DE" dirty="0"/>
+              <a:t> </a:t>
+            </a:r>
+            <a:r>
+              <a:rPr lang="de-DE" dirty="0" err="1"/>
+              <a:t>is</a:t>
+            </a:r>
+            <a:r>
+              <a:rPr lang="de-DE" dirty="0"/>
+              <a:t> </a:t>
+            </a:r>
+            <a:r>
+              <a:rPr lang="de-DE" dirty="0" err="1"/>
+              <a:t>important</a:t>
+            </a:r>
+            <a:endParaRPr lang="de-DE" dirty="0"/>
+          </a:p>
+          <a:p>
+            <a:pPr lvl="1">
+              <a:lnSpc>
+                <a:spcPct val="150000"/>
+              </a:lnSpc>
+            </a:pPr>
+            <a:r>
+              <a:rPr lang="de-DE" dirty="0" err="1"/>
+              <a:t>Prefer</a:t>
+            </a:r>
+            <a:r>
+              <a:rPr lang="de-DE" dirty="0"/>
+              <a:t> </a:t>
+            </a:r>
+            <a:r>
+              <a:rPr lang="de-DE" dirty="0" err="1"/>
+              <a:t>looping</a:t>
+            </a:r>
+            <a:r>
+              <a:rPr lang="de-DE" dirty="0"/>
+              <a:t> / </a:t>
+            </a:r>
+            <a:r>
+              <a:rPr lang="de-DE" dirty="0" err="1"/>
+              <a:t>magic</a:t>
+            </a:r>
+            <a:r>
+              <a:rPr lang="de-DE" dirty="0"/>
+              <a:t> </a:t>
+            </a:r>
+            <a:r>
+              <a:rPr lang="de-DE" dirty="0" err="1"/>
+              <a:t>methods</a:t>
+            </a:r>
+            <a:endParaRPr lang="de-DE" dirty="0"/>
+          </a:p>
+          <a:p>
+            <a:pPr>
+              <a:lnSpc>
+                <a:spcPct val="150000"/>
+              </a:lnSpc>
+            </a:pPr>
+            <a:r>
+              <a:rPr lang="de-DE" dirty="0"/>
+              <a:t>Drop down </a:t>
+            </a:r>
+            <a:r>
+              <a:rPr lang="de-DE" dirty="0" err="1"/>
+              <a:t>to</a:t>
+            </a:r>
+            <a:r>
+              <a:rPr lang="de-DE" dirty="0"/>
+              <a:t> .NET </a:t>
+            </a:r>
+            <a:r>
+              <a:rPr lang="de-DE" dirty="0" err="1"/>
+              <a:t>when</a:t>
+            </a:r>
+            <a:r>
+              <a:rPr lang="de-DE" dirty="0"/>
+              <a:t> </a:t>
+            </a:r>
+            <a:r>
+              <a:rPr lang="de-DE" dirty="0" err="1"/>
+              <a:t>you</a:t>
+            </a:r>
+            <a:r>
+              <a:rPr lang="de-DE" dirty="0"/>
+              <a:t> </a:t>
+            </a:r>
+            <a:r>
+              <a:rPr lang="de-DE" dirty="0" err="1"/>
+              <a:t>have</a:t>
+            </a:r>
+            <a:r>
+              <a:rPr lang="de-DE" dirty="0"/>
+              <a:t> </a:t>
+            </a:r>
+            <a:r>
+              <a:rPr lang="de-DE" dirty="0" err="1"/>
+              <a:t>to</a:t>
+            </a:r>
+            <a:endParaRPr lang="de-DE" dirty="0"/>
+          </a:p>
+          <a:p>
+            <a:pPr>
+              <a:lnSpc>
+                <a:spcPct val="150000"/>
+              </a:lnSpc>
+            </a:pPr>
             <a:endParaRPr lang="de-DE" dirty="0"/>
           </a:p>
         </p:txBody>
@@ -5507,7 +6615,7 @@
     </p:spTree>
     <p:extLst>
       <p:ext uri="{BB962C8B-B14F-4D97-AF65-F5344CB8AC3E}">
-        <p14:creationId xmlns:p14="http://schemas.microsoft.com/office/powerpoint/2010/main" val="4184402693"/>
+        <p14:creationId xmlns:p14="http://schemas.microsoft.com/office/powerpoint/2010/main" val="697367777"/>
       </p:ext>
     </p:extLst>
   </p:cSld>
@@ -5529,7 +6637,7 @@
 </p:sld>
 </file>
 
-<file path=ppt/slides/slide15.xml><?xml version="1.0" encoding="utf-8"?>
+<file path=ppt/slides/slide16.xml><?xml version="1.0" encoding="utf-8"?>
 <p:sld xmlns:a="http://schemas.openxmlformats.org/drawingml/2006/main" xmlns:r="http://schemas.openxmlformats.org/officeDocument/2006/relationships" xmlns:p="http://schemas.openxmlformats.org/presentationml/2006/main">
   <p:cSld>
     <p:spTree>
@@ -5562,6 +6670,385 @@
           <a:lstStyle/>
           <a:p>
             <a:r>
+              <a:rPr lang="de-DE" dirty="0" err="1"/>
+              <a:t>Now</a:t>
+            </a:r>
+            <a:r>
+              <a:rPr lang="de-DE" dirty="0"/>
+              <a:t>: 15 min break</a:t>
+            </a:r>
+          </a:p>
+          <a:p>
+            <a:endParaRPr lang="de-DE" dirty="0"/>
+          </a:p>
+          <a:p>
+            <a:r>
+              <a:rPr lang="de-DE" dirty="0"/>
+              <a:t>Grab a </a:t>
+            </a:r>
+            <a:r>
+              <a:rPr lang="de-DE" dirty="0" err="1"/>
+              <a:t>coffee</a:t>
+            </a:r>
+            <a:endParaRPr lang="de-DE" dirty="0"/>
+          </a:p>
+          <a:p>
+            <a:r>
+              <a:rPr lang="de-DE" dirty="0" err="1"/>
+              <a:t>Stay</a:t>
+            </a:r>
+            <a:r>
+              <a:rPr lang="de-DE" dirty="0"/>
+              <a:t> </a:t>
+            </a:r>
+            <a:r>
+              <a:rPr lang="de-DE" dirty="0" err="1"/>
+              <a:t>here</a:t>
+            </a:r>
+            <a:r>
+              <a:rPr lang="de-DE" dirty="0"/>
+              <a:t> </a:t>
+            </a:r>
+            <a:r>
+              <a:rPr lang="de-DE" dirty="0" err="1"/>
+              <a:t>to</a:t>
+            </a:r>
+            <a:r>
+              <a:rPr lang="de-DE" dirty="0"/>
+              <a:t> </a:t>
+            </a:r>
+            <a:r>
+              <a:rPr lang="de-DE" dirty="0" err="1"/>
+              <a:t>enjoy</a:t>
+            </a:r>
+            <a:r>
+              <a:rPr lang="de-DE" dirty="0"/>
+              <a:t> </a:t>
+            </a:r>
+            <a:r>
+              <a:rPr lang="de-DE" dirty="0" err="1"/>
+              <a:t>next</a:t>
+            </a:r>
+            <a:r>
+              <a:rPr lang="de-DE" dirty="0"/>
+              <a:t> </a:t>
+            </a:r>
+            <a:r>
+              <a:rPr lang="de-DE" dirty="0" err="1"/>
+              <a:t>presentation</a:t>
+            </a:r>
+            <a:endParaRPr lang="de-DE" dirty="0"/>
+          </a:p>
+          <a:p>
+            <a:r>
+              <a:rPr lang="de-DE" dirty="0"/>
+              <a:t>Change </a:t>
+            </a:r>
+            <a:r>
+              <a:rPr lang="de-DE" dirty="0" err="1"/>
+              <a:t>track</a:t>
+            </a:r>
+            <a:r>
+              <a:rPr lang="de-DE" dirty="0"/>
+              <a:t> </a:t>
+            </a:r>
+            <a:r>
+              <a:rPr lang="de-DE" dirty="0" err="1"/>
+              <a:t>and</a:t>
+            </a:r>
+            <a:r>
+              <a:rPr lang="de-DE" dirty="0"/>
+              <a:t> </a:t>
+            </a:r>
+            <a:r>
+              <a:rPr lang="de-DE" dirty="0" err="1"/>
+              <a:t>switch</a:t>
+            </a:r>
+            <a:r>
+              <a:rPr lang="de-DE" dirty="0"/>
+              <a:t> </a:t>
+            </a:r>
+            <a:r>
+              <a:rPr lang="de-DE" dirty="0" err="1"/>
+              <a:t>to</a:t>
+            </a:r>
+            <a:r>
+              <a:rPr lang="de-DE" dirty="0"/>
+              <a:t> </a:t>
+            </a:r>
+            <a:r>
+              <a:rPr lang="de-DE" dirty="0" err="1"/>
+              <a:t>another</a:t>
+            </a:r>
+            <a:r>
+              <a:rPr lang="de-DE" dirty="0"/>
+              <a:t> </a:t>
+            </a:r>
+            <a:r>
+              <a:rPr lang="de-DE" dirty="0" err="1"/>
+              <a:t>room</a:t>
+            </a:r>
+            <a:endParaRPr lang="de-DE" dirty="0"/>
+          </a:p>
+          <a:p>
+            <a:endParaRPr lang="de-DE" dirty="0"/>
+          </a:p>
+          <a:p>
+            <a:r>
+              <a:rPr lang="de-DE" dirty="0" err="1"/>
+              <a:t>Ask</a:t>
+            </a:r>
+            <a:r>
+              <a:rPr lang="de-DE" dirty="0"/>
+              <a:t> </a:t>
+            </a:r>
+            <a:r>
+              <a:rPr lang="de-DE" dirty="0" err="1"/>
+              <a:t>me</a:t>
+            </a:r>
+            <a:r>
+              <a:rPr lang="de-DE" dirty="0"/>
+              <a:t> </a:t>
+            </a:r>
+            <a:r>
+              <a:rPr lang="de-DE" dirty="0" err="1"/>
+              <a:t>questions</a:t>
+            </a:r>
+            <a:r>
+              <a:rPr lang="de-DE" dirty="0"/>
+              <a:t> </a:t>
+            </a:r>
+            <a:r>
+              <a:rPr lang="de-DE" dirty="0" err="1"/>
+              <a:t>or</a:t>
+            </a:r>
+            <a:r>
+              <a:rPr lang="de-DE" dirty="0"/>
+              <a:t> </a:t>
+            </a:r>
+            <a:r>
+              <a:rPr lang="de-DE" dirty="0" err="1"/>
+              <a:t>meet</a:t>
+            </a:r>
+            <a:r>
+              <a:rPr lang="de-DE" dirty="0"/>
+              <a:t> </a:t>
+            </a:r>
+            <a:r>
+              <a:rPr lang="de-DE" dirty="0" err="1"/>
+              <a:t>me</a:t>
+            </a:r>
+            <a:r>
+              <a:rPr lang="de-DE" dirty="0"/>
+              <a:t> in a </a:t>
+            </a:r>
+            <a:r>
+              <a:rPr lang="de-DE" dirty="0" err="1"/>
+              <a:t>breakout</a:t>
+            </a:r>
+            <a:r>
+              <a:rPr lang="de-DE" dirty="0"/>
+              <a:t> </a:t>
+            </a:r>
+            <a:r>
+              <a:rPr lang="de-DE" dirty="0" err="1"/>
+              <a:t>session</a:t>
+            </a:r>
+            <a:r>
+              <a:rPr lang="de-DE" dirty="0"/>
+              <a:t> </a:t>
+            </a:r>
+            <a:r>
+              <a:rPr lang="de-DE" dirty="0" err="1"/>
+              <a:t>room</a:t>
+            </a:r>
+            <a:r>
+              <a:rPr lang="de-DE" dirty="0"/>
+              <a:t> </a:t>
+            </a:r>
+            <a:r>
+              <a:rPr lang="de-DE" dirty="0" err="1"/>
+              <a:t>afterwards</a:t>
+            </a:r>
+            <a:endParaRPr lang="de-DE" dirty="0"/>
+          </a:p>
+        </p:txBody>
+      </p:sp>
+      <p:sp>
+        <p:nvSpPr>
+          <p:cNvPr id="3" name="Titel 2"/>
+          <p:cNvSpPr>
+            <a:spLocks noGrp="1"/>
+          </p:cNvSpPr>
+          <p:nvPr>
+            <p:ph type="title"/>
+          </p:nvPr>
+        </p:nvSpPr>
+        <p:spPr/>
+        <p:txBody>
+          <a:bodyPr/>
+          <a:lstStyle/>
+          <a:p>
+            <a:r>
+              <a:rPr lang="de-DE" dirty="0"/>
+              <a:t>Next </a:t>
+            </a:r>
+            <a:r>
+              <a:rPr lang="de-DE" dirty="0" err="1"/>
+              <a:t>Steps</a:t>
+            </a:r>
+            <a:r>
+              <a:rPr lang="de-DE" dirty="0"/>
+              <a:t>...</a:t>
+            </a:r>
+          </a:p>
+        </p:txBody>
+      </p:sp>
+    </p:spTree>
+    <p:extLst>
+      <p:ext uri="{BB962C8B-B14F-4D97-AF65-F5344CB8AC3E}">
+        <p14:creationId xmlns:p14="http://schemas.microsoft.com/office/powerpoint/2010/main" val="3397310615"/>
+      </p:ext>
+    </p:extLst>
+  </p:cSld>
+  <p:clrMapOvr>
+    <a:masterClrMapping/>
+  </p:clrMapOvr>
+  <mc:AlternateContent xmlns:mc="http://schemas.openxmlformats.org/markup-compatibility/2006" xmlns:p14="http://schemas.microsoft.com/office/powerpoint/2010/main">
+    <mc:Choice Requires="p14">
+      <p:transition spd="med" p14:dur="700">
+        <p:fade/>
+      </p:transition>
+    </mc:Choice>
+    <mc:Fallback xmlns="">
+      <p:transition spd="med">
+        <p:fade/>
+      </p:transition>
+    </mc:Fallback>
+  </mc:AlternateContent>
+</p:sld>
+</file>
+
+<file path=ppt/slides/slide17.xml><?xml version="1.0" encoding="utf-8"?>
+<p:sld xmlns:a="http://schemas.openxmlformats.org/drawingml/2006/main" xmlns:r="http://schemas.openxmlformats.org/officeDocument/2006/relationships" xmlns:p="http://schemas.openxmlformats.org/presentationml/2006/main">
+  <p:cSld>
+    <p:spTree>
+      <p:nvGrpSpPr>
+        <p:cNvPr id="1" name=""/>
+        <p:cNvGrpSpPr/>
+        <p:nvPr/>
+      </p:nvGrpSpPr>
+      <p:grpSpPr>
+        <a:xfrm>
+          <a:off x="0" y="0"/>
+          <a:ext cx="0" cy="0"/>
+          <a:chOff x="0" y="0"/>
+          <a:chExt cx="0" cy="0"/>
+        </a:xfrm>
+      </p:grpSpPr>
+      <p:sp>
+        <p:nvSpPr>
+          <p:cNvPr id="2" name="Titel 1"/>
+          <p:cNvSpPr>
+            <a:spLocks noGrp="1"/>
+          </p:cNvSpPr>
+          <p:nvPr>
+            <p:ph type="title"/>
+          </p:nvPr>
+        </p:nvSpPr>
+        <p:spPr/>
+        <p:txBody>
+          <a:bodyPr/>
+          <a:lstStyle/>
+          <a:p>
+            <a:r>
+              <a:rPr lang="de-DE" dirty="0" err="1"/>
+              <a:t>Questions</a:t>
+            </a:r>
+            <a:r>
+              <a:rPr lang="de-DE" dirty="0"/>
+              <a:t>?</a:t>
+            </a:r>
+          </a:p>
+        </p:txBody>
+      </p:sp>
+      <p:sp>
+        <p:nvSpPr>
+          <p:cNvPr id="3" name="Textplatzhalter 2"/>
+          <p:cNvSpPr>
+            <a:spLocks noGrp="1"/>
+          </p:cNvSpPr>
+          <p:nvPr>
+            <p:ph type="body" idx="1"/>
+          </p:nvPr>
+        </p:nvSpPr>
+        <p:spPr/>
+        <p:txBody>
+          <a:bodyPr/>
+          <a:lstStyle/>
+          <a:p>
+            <a:endParaRPr lang="de-DE" dirty="0"/>
+          </a:p>
+        </p:txBody>
+      </p:sp>
+    </p:spTree>
+    <p:extLst>
+      <p:ext uri="{BB962C8B-B14F-4D97-AF65-F5344CB8AC3E}">
+        <p14:creationId xmlns:p14="http://schemas.microsoft.com/office/powerpoint/2010/main" val="4184402693"/>
+      </p:ext>
+    </p:extLst>
+  </p:cSld>
+  <p:clrMapOvr>
+    <a:masterClrMapping/>
+  </p:clrMapOvr>
+  <mc:AlternateContent xmlns:mc="http://schemas.openxmlformats.org/markup-compatibility/2006" xmlns:p14="http://schemas.microsoft.com/office/powerpoint/2010/main">
+    <mc:Choice Requires="p14">
+      <p:transition spd="med" p14:dur="700">
+        <p:fade/>
+      </p:transition>
+    </mc:Choice>
+    <mc:Fallback xmlns="">
+      <p:transition spd="med">
+        <p:fade/>
+      </p:transition>
+    </mc:Fallback>
+  </mc:AlternateContent>
+</p:sld>
+</file>
+
+<file path=ppt/slides/slide18.xml><?xml version="1.0" encoding="utf-8"?>
+<p:sld xmlns:a="http://schemas.openxmlformats.org/drawingml/2006/main" xmlns:r="http://schemas.openxmlformats.org/officeDocument/2006/relationships" xmlns:p="http://schemas.openxmlformats.org/presentationml/2006/main">
+  <p:cSld>
+    <p:spTree>
+      <p:nvGrpSpPr>
+        <p:cNvPr id="1" name=""/>
+        <p:cNvGrpSpPr/>
+        <p:nvPr/>
+      </p:nvGrpSpPr>
+      <p:grpSpPr>
+        <a:xfrm>
+          <a:off x="0" y="0"/>
+          <a:ext cx="0" cy="0"/>
+          <a:chOff x="0" y="0"/>
+          <a:chExt cx="0" cy="0"/>
+        </a:xfrm>
+      </p:grpSpPr>
+      <p:sp>
+        <p:nvSpPr>
+          <p:cNvPr id="2" name="Inhaltsplatzhalter 1"/>
+          <p:cNvSpPr>
+            <a:spLocks noGrp="1"/>
+          </p:cNvSpPr>
+          <p:nvPr>
+            <p:ph idx="1"/>
+          </p:nvPr>
+        </p:nvSpPr>
+        <p:spPr/>
+        <p:txBody>
+          <a:bodyPr/>
+          <a:lstStyle/>
+          <a:p>
+            <a:r>
               <a:rPr lang="de-DE" dirty="0"/>
               <a:t>Software Engineer </a:t>
             </a:r>
@@ -5706,7 +7193,7 @@
             </a:pPr>
             <a:r>
               <a:rPr lang="de-DE" dirty="0">
-                <a:hlinkClick r:id="rId2"/>
+                <a:hlinkClick r:id="rId3"/>
               </a:rPr>
               <a:t>https://github.com/powercode</a:t>
             </a:r>
@@ -5947,6 +7434,33 @@
             <a:pPr lvl="1"/>
             <a:r>
               <a:rPr lang="de-DE" dirty="0"/>
+              <a:t>Working </a:t>
+            </a:r>
+            <a:r>
+              <a:rPr lang="de-DE" dirty="0" err="1"/>
+              <a:t>with</a:t>
+            </a:r>
+            <a:r>
+              <a:rPr lang="de-DE" dirty="0"/>
+              <a:t> </a:t>
+            </a:r>
+            <a:r>
+              <a:rPr lang="de-DE" dirty="0" err="1"/>
+              <a:t>collections</a:t>
+            </a:r>
+            <a:endParaRPr lang="de-DE" dirty="0"/>
+          </a:p>
+          <a:p>
+            <a:pPr lvl="1"/>
+            <a:r>
+              <a:rPr lang="de-DE" dirty="0"/>
+              <a:t>Filesystem</a:t>
+            </a:r>
+          </a:p>
+          <a:p>
+            <a:pPr lvl="1"/>
+            <a:r>
+              <a:rPr lang="de-DE" dirty="0"/>
               <a:t>Parameter </a:t>
             </a:r>
             <a:r>
@@ -5984,22 +7498,6 @@
             <a:r>
               <a:rPr lang="de-DE" dirty="0" err="1"/>
               <a:t>pipeline</a:t>
-            </a:r>
-            <a:endParaRPr lang="de-DE" dirty="0"/>
-          </a:p>
-          <a:p>
-            <a:pPr lvl="1"/>
-            <a:r>
-              <a:rPr lang="de-DE" dirty="0" err="1"/>
-              <a:t>Coding</a:t>
-            </a:r>
-            <a:r>
-              <a:rPr lang="de-DE" dirty="0"/>
-              <a:t> </a:t>
-            </a:r>
-            <a:r>
-              <a:rPr lang="de-DE" dirty="0" err="1"/>
-              <a:t>patterns</a:t>
             </a:r>
             <a:endParaRPr lang="de-DE" dirty="0"/>
           </a:p>
@@ -7832,7 +9330,7 @@
           </p:nvPr>
         </p:nvPicPr>
         <p:blipFill>
-          <a:blip r:embed="rId2">
+          <a:blip r:embed="rId3">
             <a:extLst>
               <a:ext uri="{28A0092B-C50C-407E-A947-70E740481C1C}">
                 <a14:useLocalDpi xmlns:a14="http://schemas.microsoft.com/office/drawing/2010/main" val="0"/>
@@ -7859,7 +9357,7 @@
           <p:nvPr/>
         </p:nvPicPr>
         <p:blipFill>
-          <a:blip r:embed="rId3">
+          <a:blip r:embed="rId4">
             <a:extLst>
               <a:ext uri="{28A0092B-C50C-407E-A947-70E740481C1C}">
                 <a14:useLocalDpi xmlns:a14="http://schemas.microsoft.com/office/drawing/2010/main" val="0"/>
@@ -7889,7 +9387,7 @@
           <p:nvPr/>
         </p:nvPicPr>
         <p:blipFill>
-          <a:blip r:embed="rId4">
+          <a:blip r:embed="rId5">
             <a:extLst>
               <a:ext uri="{28A0092B-C50C-407E-A947-70E740481C1C}">
                 <a14:useLocalDpi xmlns:a14="http://schemas.microsoft.com/office/drawing/2010/main" val="0"/>
@@ -7919,7 +9417,7 @@
           <p:nvPr/>
         </p:nvPicPr>
         <p:blipFill>
-          <a:blip r:embed="rId5">
+          <a:blip r:embed="rId6">
             <a:extLst>
               <a:ext uri="{28A0092B-C50C-407E-A947-70E740481C1C}">
                 <a14:useLocalDpi xmlns:a14="http://schemas.microsoft.com/office/drawing/2010/main" val="0"/>

--- a/PSCONFEU_Perf2017.pptx
+++ b/PSCONFEU_Perf2017.pptx
@@ -6,10 +6,10 @@
     <p:sldMasterId id="2147483809" r:id="rId2"/>
   </p:sldMasterIdLst>
   <p:notesMasterIdLst>
-    <p:notesMasterId r:id="rId21"/>
+    <p:notesMasterId r:id="rId27"/>
   </p:notesMasterIdLst>
   <p:handoutMasterIdLst>
-    <p:handoutMasterId r:id="rId22"/>
+    <p:handoutMasterId r:id="rId28"/>
   </p:handoutMasterIdLst>
   <p:sldIdLst>
     <p:sldId id="316" r:id="rId3"/>
@@ -30,6 +30,12 @@
     <p:sldId id="313" r:id="rId18"/>
     <p:sldId id="314" r:id="rId19"/>
     <p:sldId id="312" r:id="rId20"/>
+    <p:sldId id="332" r:id="rId21"/>
+    <p:sldId id="330" r:id="rId22"/>
+    <p:sldId id="329" r:id="rId23"/>
+    <p:sldId id="333" r:id="rId24"/>
+    <p:sldId id="331" r:id="rId25"/>
+    <p:sldId id="328" r:id="rId26"/>
   </p:sldIdLst>
   <p:sldSz cx="9144000" cy="6858000" type="screen4x3"/>
   <p:notesSz cx="7099300" cy="10234613"/>
@@ -6275,10 +6281,9 @@
           <a:p>
             <a:pPr lvl="1"/>
             <a:r>
-              <a:rPr lang="en-US"/>
+              <a:rPr lang="en-US" dirty="0"/>
               <a:t>PowerShell function</a:t>
             </a:r>
-            <a:endParaRPr lang="en-US" dirty="0"/>
           </a:p>
         </p:txBody>
       </p:sp>
@@ -7264,6 +7269,99 @@
 </p:sld>
 </file>
 
+<file path=ppt/slides/slide19.xml><?xml version="1.0" encoding="utf-8"?>
+<p:sld xmlns:a="http://schemas.openxmlformats.org/drawingml/2006/main" xmlns:r="http://schemas.openxmlformats.org/officeDocument/2006/relationships" xmlns:p="http://schemas.openxmlformats.org/presentationml/2006/main">
+  <p:cSld>
+    <p:spTree>
+      <p:nvGrpSpPr>
+        <p:cNvPr id="1" name=""/>
+        <p:cNvGrpSpPr/>
+        <p:nvPr/>
+      </p:nvGrpSpPr>
+      <p:grpSpPr>
+        <a:xfrm>
+          <a:off x="0" y="0"/>
+          <a:ext cx="0" cy="0"/>
+          <a:chOff x="0" y="0"/>
+          <a:chExt cx="0" cy="0"/>
+        </a:xfrm>
+      </p:grpSpPr>
+      <p:pic>
+        <p:nvPicPr>
+          <p:cNvPr id="5" name="Platshållare för innehåll 4"/>
+          <p:cNvPicPr>
+            <a:picLocks noGrp="1" noChangeAspect="1"/>
+          </p:cNvPicPr>
+          <p:nvPr>
+            <p:ph idx="1"/>
+          </p:nvPr>
+        </p:nvPicPr>
+        <p:blipFill>
+          <a:blip r:embed="rId2">
+            <a:extLst>
+              <a:ext uri="{28A0092B-C50C-407E-A947-70E740481C1C}">
+                <a14:useLocalDpi xmlns:a14="http://schemas.microsoft.com/office/drawing/2010/main" val="0"/>
+              </a:ext>
+            </a:extLst>
+          </a:blip>
+          <a:stretch>
+            <a:fillRect/>
+          </a:stretch>
+        </p:blipFill>
+        <p:spPr>
+          <a:xfrm>
+            <a:off x="1277541" y="1916113"/>
+            <a:ext cx="6588917" cy="4392612"/>
+          </a:xfrm>
+        </p:spPr>
+      </p:pic>
+      <p:sp>
+        <p:nvSpPr>
+          <p:cNvPr id="3" name="Rubrik 2"/>
+          <p:cNvSpPr>
+            <a:spLocks noGrp="1"/>
+          </p:cNvSpPr>
+          <p:nvPr>
+            <p:ph type="title"/>
+          </p:nvPr>
+        </p:nvSpPr>
+        <p:spPr/>
+        <p:txBody>
+          <a:bodyPr/>
+          <a:lstStyle/>
+          <a:p>
+            <a:r>
+              <a:rPr lang="en-US" dirty="0"/>
+              <a:t>Object allocation</a:t>
+            </a:r>
+          </a:p>
+        </p:txBody>
+      </p:sp>
+    </p:spTree>
+    <p:extLst>
+      <p:ext uri="{BB962C8B-B14F-4D97-AF65-F5344CB8AC3E}">
+        <p14:creationId xmlns:p14="http://schemas.microsoft.com/office/powerpoint/2010/main" val="2479219313"/>
+      </p:ext>
+    </p:extLst>
+  </p:cSld>
+  <p:clrMapOvr>
+    <a:masterClrMapping/>
+  </p:clrMapOvr>
+  <mc:AlternateContent xmlns:mc="http://schemas.openxmlformats.org/markup-compatibility/2006" xmlns:p14="http://schemas.microsoft.com/office/powerpoint/2010/main">
+    <mc:Choice Requires="p14">
+      <p:transition spd="slow" p14:dur="1300">
+        <p14:pan dir="u"/>
+      </p:transition>
+    </mc:Choice>
+    <mc:Fallback xmlns="">
+      <p:transition spd="slow">
+        <p:fade/>
+      </p:transition>
+    </mc:Fallback>
+  </mc:AlternateContent>
+</p:sld>
+</file>
+
 <file path=ppt/slides/slide2.xml><?xml version="1.0" encoding="utf-8"?>
 <p:sld xmlns:a="http://schemas.openxmlformats.org/drawingml/2006/main" xmlns:r="http://schemas.openxmlformats.org/officeDocument/2006/relationships" xmlns:p="http://schemas.openxmlformats.org/presentationml/2006/main">
   <p:cSld>
@@ -7622,6 +7720,479 @@
     </mc:Choice>
     <mc:Fallback xmlns="">
       <p:transition spd="med">
+        <p:fade/>
+      </p:transition>
+    </mc:Fallback>
+  </mc:AlternateContent>
+</p:sld>
+</file>
+
+<file path=ppt/slides/slide20.xml><?xml version="1.0" encoding="utf-8"?>
+<p:sld xmlns:a="http://schemas.openxmlformats.org/drawingml/2006/main" xmlns:r="http://schemas.openxmlformats.org/officeDocument/2006/relationships" xmlns:p="http://schemas.openxmlformats.org/presentationml/2006/main">
+  <p:cSld>
+    <p:spTree>
+      <p:nvGrpSpPr>
+        <p:cNvPr id="1" name=""/>
+        <p:cNvGrpSpPr/>
+        <p:nvPr/>
+      </p:nvGrpSpPr>
+      <p:grpSpPr>
+        <a:xfrm>
+          <a:off x="0" y="0"/>
+          <a:ext cx="0" cy="0"/>
+          <a:chOff x="0" y="0"/>
+          <a:chExt cx="0" cy="0"/>
+        </a:xfrm>
+      </p:grpSpPr>
+      <p:pic>
+        <p:nvPicPr>
+          <p:cNvPr id="5" name="Platshållare för innehåll 4"/>
+          <p:cNvPicPr>
+            <a:picLocks noGrp="1" noChangeAspect="1"/>
+          </p:cNvPicPr>
+          <p:nvPr>
+            <p:ph idx="1"/>
+          </p:nvPr>
+        </p:nvPicPr>
+        <p:blipFill>
+          <a:blip r:embed="rId2">
+            <a:extLst>
+              <a:ext uri="{28A0092B-C50C-407E-A947-70E740481C1C}">
+                <a14:useLocalDpi xmlns:a14="http://schemas.microsoft.com/office/drawing/2010/main" val="0"/>
+              </a:ext>
+            </a:extLst>
+          </a:blip>
+          <a:stretch>
+            <a:fillRect/>
+          </a:stretch>
+        </p:blipFill>
+        <p:spPr>
+          <a:xfrm>
+            <a:off x="1277541" y="1916113"/>
+            <a:ext cx="6588917" cy="4392612"/>
+          </a:xfrm>
+        </p:spPr>
+      </p:pic>
+      <p:sp>
+        <p:nvSpPr>
+          <p:cNvPr id="3" name="Rubrik 2"/>
+          <p:cNvSpPr>
+            <a:spLocks noGrp="1"/>
+          </p:cNvSpPr>
+          <p:nvPr>
+            <p:ph type="title"/>
+          </p:nvPr>
+        </p:nvSpPr>
+        <p:spPr/>
+        <p:txBody>
+          <a:bodyPr/>
+          <a:lstStyle/>
+          <a:p>
+            <a:r>
+              <a:rPr lang="en-US" dirty="0"/>
+              <a:t>Iterating collections</a:t>
+            </a:r>
+          </a:p>
+        </p:txBody>
+      </p:sp>
+    </p:spTree>
+    <p:extLst>
+      <p:ext uri="{BB962C8B-B14F-4D97-AF65-F5344CB8AC3E}">
+        <p14:creationId xmlns:p14="http://schemas.microsoft.com/office/powerpoint/2010/main" val="2050055630"/>
+      </p:ext>
+    </p:extLst>
+  </p:cSld>
+  <p:clrMapOvr>
+    <a:masterClrMapping/>
+  </p:clrMapOvr>
+  <mc:AlternateContent xmlns:mc="http://schemas.openxmlformats.org/markup-compatibility/2006" xmlns:p14="http://schemas.microsoft.com/office/powerpoint/2010/main">
+    <mc:Choice Requires="p14">
+      <p:transition spd="slow" p14:dur="1300">
+        <p14:pan dir="u"/>
+      </p:transition>
+    </mc:Choice>
+    <mc:Fallback xmlns="">
+      <p:transition spd="slow">
+        <p:fade/>
+      </p:transition>
+    </mc:Fallback>
+  </mc:AlternateContent>
+</p:sld>
+</file>
+
+<file path=ppt/slides/slide21.xml><?xml version="1.0" encoding="utf-8"?>
+<p:sld xmlns:a="http://schemas.openxmlformats.org/drawingml/2006/main" xmlns:r="http://schemas.openxmlformats.org/officeDocument/2006/relationships" xmlns:p="http://schemas.openxmlformats.org/presentationml/2006/main">
+  <p:cSld>
+    <p:spTree>
+      <p:nvGrpSpPr>
+        <p:cNvPr id="1" name=""/>
+        <p:cNvGrpSpPr/>
+        <p:nvPr/>
+      </p:nvGrpSpPr>
+      <p:grpSpPr>
+        <a:xfrm>
+          <a:off x="0" y="0"/>
+          <a:ext cx="0" cy="0"/>
+          <a:chOff x="0" y="0"/>
+          <a:chExt cx="0" cy="0"/>
+        </a:xfrm>
+      </p:grpSpPr>
+      <p:pic>
+        <p:nvPicPr>
+          <p:cNvPr id="5" name="Platshållare för innehåll 4"/>
+          <p:cNvPicPr>
+            <a:picLocks noGrp="1" noChangeAspect="1"/>
+          </p:cNvPicPr>
+          <p:nvPr>
+            <p:ph idx="1"/>
+          </p:nvPr>
+        </p:nvPicPr>
+        <p:blipFill>
+          <a:blip r:embed="rId2">
+            <a:extLst>
+              <a:ext uri="{28A0092B-C50C-407E-A947-70E740481C1C}">
+                <a14:useLocalDpi xmlns:a14="http://schemas.microsoft.com/office/drawing/2010/main" val="0"/>
+              </a:ext>
+            </a:extLst>
+          </a:blip>
+          <a:stretch>
+            <a:fillRect/>
+          </a:stretch>
+        </p:blipFill>
+        <p:spPr>
+          <a:xfrm>
+            <a:off x="1277541" y="1916113"/>
+            <a:ext cx="6588917" cy="4392612"/>
+          </a:xfrm>
+        </p:spPr>
+      </p:pic>
+      <p:sp>
+        <p:nvSpPr>
+          <p:cNvPr id="3" name="Rubrik 2"/>
+          <p:cNvSpPr>
+            <a:spLocks noGrp="1"/>
+          </p:cNvSpPr>
+          <p:nvPr>
+            <p:ph type="title"/>
+          </p:nvPr>
+        </p:nvSpPr>
+        <p:spPr/>
+        <p:txBody>
+          <a:bodyPr/>
+          <a:lstStyle/>
+          <a:p>
+            <a:r>
+              <a:rPr lang="en-US" dirty="0" err="1"/>
+              <a:t>Enumating</a:t>
+            </a:r>
+            <a:r>
+              <a:rPr lang="en-US" dirty="0"/>
+              <a:t> filesystem</a:t>
+            </a:r>
+          </a:p>
+        </p:txBody>
+      </p:sp>
+    </p:spTree>
+    <p:extLst>
+      <p:ext uri="{BB962C8B-B14F-4D97-AF65-F5344CB8AC3E}">
+        <p14:creationId xmlns:p14="http://schemas.microsoft.com/office/powerpoint/2010/main" val="2525902357"/>
+      </p:ext>
+    </p:extLst>
+  </p:cSld>
+  <p:clrMapOvr>
+    <a:masterClrMapping/>
+  </p:clrMapOvr>
+  <mc:AlternateContent xmlns:mc="http://schemas.openxmlformats.org/markup-compatibility/2006" xmlns:p14="http://schemas.microsoft.com/office/powerpoint/2010/main">
+    <mc:Choice Requires="p14">
+      <p:transition spd="slow" p14:dur="1300">
+        <p14:pan dir="u"/>
+      </p:transition>
+    </mc:Choice>
+    <mc:Fallback xmlns="">
+      <p:transition spd="slow">
+        <p:fade/>
+      </p:transition>
+    </mc:Fallback>
+  </mc:AlternateContent>
+</p:sld>
+</file>
+
+<file path=ppt/slides/slide22.xml><?xml version="1.0" encoding="utf-8"?>
+<p:sld xmlns:a="http://schemas.openxmlformats.org/drawingml/2006/main" xmlns:r="http://schemas.openxmlformats.org/officeDocument/2006/relationships" xmlns:p="http://schemas.openxmlformats.org/presentationml/2006/main">
+  <p:cSld>
+    <p:spTree>
+      <p:nvGrpSpPr>
+        <p:cNvPr id="1" name=""/>
+        <p:cNvGrpSpPr/>
+        <p:nvPr/>
+      </p:nvGrpSpPr>
+      <p:grpSpPr>
+        <a:xfrm>
+          <a:off x="0" y="0"/>
+          <a:ext cx="0" cy="0"/>
+          <a:chOff x="0" y="0"/>
+          <a:chExt cx="0" cy="0"/>
+        </a:xfrm>
+      </p:grpSpPr>
+      <p:pic>
+        <p:nvPicPr>
+          <p:cNvPr id="5" name="Platshållare för innehåll 4"/>
+          <p:cNvPicPr>
+            <a:picLocks noGrp="1" noChangeAspect="1"/>
+          </p:cNvPicPr>
+          <p:nvPr>
+            <p:ph idx="1"/>
+          </p:nvPr>
+        </p:nvPicPr>
+        <p:blipFill>
+          <a:blip r:embed="rId2">
+            <a:extLst>
+              <a:ext uri="{28A0092B-C50C-407E-A947-70E740481C1C}">
+                <a14:useLocalDpi xmlns:a14="http://schemas.microsoft.com/office/drawing/2010/main" val="0"/>
+              </a:ext>
+            </a:extLst>
+          </a:blip>
+          <a:stretch>
+            <a:fillRect/>
+          </a:stretch>
+        </p:blipFill>
+        <p:spPr>
+          <a:xfrm>
+            <a:off x="1277541" y="1916113"/>
+            <a:ext cx="6588917" cy="4392612"/>
+          </a:xfrm>
+        </p:spPr>
+      </p:pic>
+      <p:sp>
+        <p:nvSpPr>
+          <p:cNvPr id="3" name="Rubrik 2"/>
+          <p:cNvSpPr>
+            <a:spLocks noGrp="1"/>
+          </p:cNvSpPr>
+          <p:nvPr>
+            <p:ph type="title"/>
+          </p:nvPr>
+        </p:nvSpPr>
+        <p:spPr/>
+        <p:txBody>
+          <a:bodyPr/>
+          <a:lstStyle/>
+          <a:p>
+            <a:r>
+              <a:rPr lang="en-US" dirty="0"/>
+              <a:t>Writing to </a:t>
+            </a:r>
+            <a:r>
+              <a:rPr lang="en-US"/>
+              <a:t>the pipeline</a:t>
+            </a:r>
+          </a:p>
+        </p:txBody>
+      </p:sp>
+    </p:spTree>
+    <p:extLst>
+      <p:ext uri="{BB962C8B-B14F-4D97-AF65-F5344CB8AC3E}">
+        <p14:creationId xmlns:p14="http://schemas.microsoft.com/office/powerpoint/2010/main" val="130955990"/>
+      </p:ext>
+    </p:extLst>
+  </p:cSld>
+  <p:clrMapOvr>
+    <a:masterClrMapping/>
+  </p:clrMapOvr>
+  <mc:AlternateContent xmlns:mc="http://schemas.openxmlformats.org/markup-compatibility/2006" xmlns:p14="http://schemas.microsoft.com/office/powerpoint/2010/main">
+    <mc:Choice Requires="p14">
+      <p:transition spd="slow" p14:dur="1300">
+        <p14:pan dir="u"/>
+      </p:transition>
+    </mc:Choice>
+    <mc:Fallback xmlns="">
+      <p:transition spd="slow">
+        <p:fade/>
+      </p:transition>
+    </mc:Fallback>
+  </mc:AlternateContent>
+</p:sld>
+</file>
+
+<file path=ppt/slides/slide23.xml><?xml version="1.0" encoding="utf-8"?>
+<p:sld xmlns:a="http://schemas.openxmlformats.org/drawingml/2006/main" xmlns:r="http://schemas.openxmlformats.org/officeDocument/2006/relationships" xmlns:p="http://schemas.openxmlformats.org/presentationml/2006/main">
+  <p:cSld>
+    <p:spTree>
+      <p:nvGrpSpPr>
+        <p:cNvPr id="1" name=""/>
+        <p:cNvGrpSpPr/>
+        <p:nvPr/>
+      </p:nvGrpSpPr>
+      <p:grpSpPr>
+        <a:xfrm>
+          <a:off x="0" y="0"/>
+          <a:ext cx="0" cy="0"/>
+          <a:chOff x="0" y="0"/>
+          <a:chExt cx="0" cy="0"/>
+        </a:xfrm>
+      </p:grpSpPr>
+      <p:pic>
+        <p:nvPicPr>
+          <p:cNvPr id="5" name="Platshållare för innehåll 4"/>
+          <p:cNvPicPr>
+            <a:picLocks noGrp="1" noChangeAspect="1"/>
+          </p:cNvPicPr>
+          <p:nvPr>
+            <p:ph idx="1"/>
+          </p:nvPr>
+        </p:nvPicPr>
+        <p:blipFill>
+          <a:blip r:embed="rId2">
+            <a:extLst>
+              <a:ext uri="{28A0092B-C50C-407E-A947-70E740481C1C}">
+                <a14:useLocalDpi xmlns:a14="http://schemas.microsoft.com/office/drawing/2010/main" val="0"/>
+              </a:ext>
+            </a:extLst>
+          </a:blip>
+          <a:stretch>
+            <a:fillRect/>
+          </a:stretch>
+        </p:blipFill>
+        <p:spPr>
+          <a:xfrm>
+            <a:off x="1277541" y="1916113"/>
+            <a:ext cx="6588917" cy="4392612"/>
+          </a:xfrm>
+        </p:spPr>
+      </p:pic>
+      <p:sp>
+        <p:nvSpPr>
+          <p:cNvPr id="3" name="Rubrik 2"/>
+          <p:cNvSpPr>
+            <a:spLocks noGrp="1"/>
+          </p:cNvSpPr>
+          <p:nvPr>
+            <p:ph type="title"/>
+          </p:nvPr>
+        </p:nvSpPr>
+        <p:spPr/>
+        <p:txBody>
+          <a:bodyPr/>
+          <a:lstStyle/>
+          <a:p>
+            <a:r>
+              <a:rPr lang="en-US" dirty="0"/>
+              <a:t>Function call times</a:t>
+            </a:r>
+          </a:p>
+        </p:txBody>
+      </p:sp>
+    </p:spTree>
+    <p:extLst>
+      <p:ext uri="{BB962C8B-B14F-4D97-AF65-F5344CB8AC3E}">
+        <p14:creationId xmlns:p14="http://schemas.microsoft.com/office/powerpoint/2010/main" val="3544881785"/>
+      </p:ext>
+    </p:extLst>
+  </p:cSld>
+  <p:clrMapOvr>
+    <a:masterClrMapping/>
+  </p:clrMapOvr>
+  <mc:AlternateContent xmlns:mc="http://schemas.openxmlformats.org/markup-compatibility/2006" xmlns:p14="http://schemas.microsoft.com/office/powerpoint/2010/main">
+    <mc:Choice Requires="p14">
+      <p:transition spd="slow" p14:dur="1300">
+        <p14:pan dir="u"/>
+      </p:transition>
+    </mc:Choice>
+    <mc:Fallback xmlns="">
+      <p:transition spd="slow">
+        <p:fade/>
+      </p:transition>
+    </mc:Fallback>
+  </mc:AlternateContent>
+</p:sld>
+</file>
+
+<file path=ppt/slides/slide24.xml><?xml version="1.0" encoding="utf-8"?>
+<p:sld xmlns:a="http://schemas.openxmlformats.org/drawingml/2006/main" xmlns:r="http://schemas.openxmlformats.org/officeDocument/2006/relationships" xmlns:p="http://schemas.openxmlformats.org/presentationml/2006/main">
+  <p:cSld>
+    <p:spTree>
+      <p:nvGrpSpPr>
+        <p:cNvPr id="1" name=""/>
+        <p:cNvGrpSpPr/>
+        <p:nvPr/>
+      </p:nvGrpSpPr>
+      <p:grpSpPr>
+        <a:xfrm>
+          <a:off x="0" y="0"/>
+          <a:ext cx="0" cy="0"/>
+          <a:chOff x="0" y="0"/>
+          <a:chExt cx="0" cy="0"/>
+        </a:xfrm>
+      </p:grpSpPr>
+      <p:pic>
+        <p:nvPicPr>
+          <p:cNvPr id="5" name="Platshållare för innehåll 4"/>
+          <p:cNvPicPr>
+            <a:picLocks noGrp="1" noChangeAspect="1"/>
+          </p:cNvPicPr>
+          <p:nvPr>
+            <p:ph idx="1"/>
+          </p:nvPr>
+        </p:nvPicPr>
+        <p:blipFill>
+          <a:blip r:embed="rId2">
+            <a:extLst>
+              <a:ext uri="{28A0092B-C50C-407E-A947-70E740481C1C}">
+                <a14:useLocalDpi xmlns:a14="http://schemas.microsoft.com/office/drawing/2010/main" val="0"/>
+              </a:ext>
+            </a:extLst>
+          </a:blip>
+          <a:stretch>
+            <a:fillRect/>
+          </a:stretch>
+        </p:blipFill>
+        <p:spPr>
+          <a:xfrm>
+            <a:off x="1277541" y="1916113"/>
+            <a:ext cx="6588917" cy="4392612"/>
+          </a:xfrm>
+        </p:spPr>
+      </p:pic>
+      <p:sp>
+        <p:nvSpPr>
+          <p:cNvPr id="3" name="Rubrik 2"/>
+          <p:cNvSpPr>
+            <a:spLocks noGrp="1"/>
+          </p:cNvSpPr>
+          <p:nvPr>
+            <p:ph type="title"/>
+          </p:nvPr>
+        </p:nvSpPr>
+        <p:spPr/>
+        <p:txBody>
+          <a:bodyPr/>
+          <a:lstStyle/>
+          <a:p>
+            <a:r>
+              <a:rPr lang="en-US" dirty="0"/>
+              <a:t>Time adding to array vs List</a:t>
+            </a:r>
+          </a:p>
+        </p:txBody>
+      </p:sp>
+    </p:spTree>
+    <p:extLst>
+      <p:ext uri="{BB962C8B-B14F-4D97-AF65-F5344CB8AC3E}">
+        <p14:creationId xmlns:p14="http://schemas.microsoft.com/office/powerpoint/2010/main" val="3157544414"/>
+      </p:ext>
+    </p:extLst>
+  </p:cSld>
+  <p:clrMapOvr>
+    <a:masterClrMapping/>
+  </p:clrMapOvr>
+  <mc:AlternateContent xmlns:mc="http://schemas.openxmlformats.org/markup-compatibility/2006" xmlns:p14="http://schemas.microsoft.com/office/powerpoint/2010/main">
+    <mc:Choice Requires="p14">
+      <p:transition spd="slow" p14:dur="1300">
+        <p14:pan dir="u"/>
+      </p:transition>
+    </mc:Choice>
+    <mc:Fallback xmlns="">
+      <p:transition spd="slow">
         <p:fade/>
       </p:transition>
     </mc:Fallback>

--- a/PSCONFEU_Perf2017.pptx
+++ b/PSCONFEU_Perf2017.pptx
@@ -6,10 +6,10 @@
     <p:sldMasterId id="2147483809" r:id="rId2"/>
   </p:sldMasterIdLst>
   <p:notesMasterIdLst>
-    <p:notesMasterId r:id="rId27"/>
+    <p:notesMasterId r:id="rId28"/>
   </p:notesMasterIdLst>
   <p:handoutMasterIdLst>
-    <p:handoutMasterId r:id="rId28"/>
+    <p:handoutMasterId r:id="rId29"/>
   </p:handoutMasterIdLst>
   <p:sldIdLst>
     <p:sldId id="316" r:id="rId3"/>
@@ -26,16 +26,17 @@
     <p:sldId id="325" r:id="rId14"/>
     <p:sldId id="326" r:id="rId15"/>
     <p:sldId id="327" r:id="rId16"/>
-    <p:sldId id="321" r:id="rId17"/>
-    <p:sldId id="313" r:id="rId18"/>
-    <p:sldId id="314" r:id="rId19"/>
-    <p:sldId id="312" r:id="rId20"/>
-    <p:sldId id="332" r:id="rId21"/>
-    <p:sldId id="330" r:id="rId22"/>
-    <p:sldId id="329" r:id="rId23"/>
-    <p:sldId id="333" r:id="rId24"/>
-    <p:sldId id="331" r:id="rId25"/>
-    <p:sldId id="328" r:id="rId26"/>
+    <p:sldId id="334" r:id="rId17"/>
+    <p:sldId id="321" r:id="rId18"/>
+    <p:sldId id="313" r:id="rId19"/>
+    <p:sldId id="314" r:id="rId20"/>
+    <p:sldId id="312" r:id="rId21"/>
+    <p:sldId id="332" r:id="rId22"/>
+    <p:sldId id="330" r:id="rId23"/>
+    <p:sldId id="329" r:id="rId24"/>
+    <p:sldId id="333" r:id="rId25"/>
+    <p:sldId id="331" r:id="rId26"/>
+    <p:sldId id="328" r:id="rId27"/>
   </p:sldIdLst>
   <p:sldSz cx="9144000" cy="6858000" type="screen4x3"/>
   <p:notesSz cx="7099300" cy="10234613"/>
@@ -1564,7 +1565,7 @@
     </p:spTree>
     <p:extLst>
       <p:ext uri="{BB962C8B-B14F-4D97-AF65-F5344CB8AC3E}">
-        <p14:creationId xmlns:p14="http://schemas.microsoft.com/office/powerpoint/2010/main" val="396229024"/>
+        <p14:creationId xmlns:p14="http://schemas.microsoft.com/office/powerpoint/2010/main" val="626676249"/>
       </p:ext>
     </p:extLst>
   </p:cSld>
@@ -1654,7 +1655,7 @@
     </p:spTree>
     <p:extLst>
       <p:ext uri="{BB962C8B-B14F-4D97-AF65-F5344CB8AC3E}">
-        <p14:creationId xmlns:p14="http://schemas.microsoft.com/office/powerpoint/2010/main" val="3443057698"/>
+        <p14:creationId xmlns:p14="http://schemas.microsoft.com/office/powerpoint/2010/main" val="396229024"/>
       </p:ext>
     </p:extLst>
   </p:cSld>
@@ -1744,7 +1745,7 @@
     </p:spTree>
     <p:extLst>
       <p:ext uri="{BB962C8B-B14F-4D97-AF65-F5344CB8AC3E}">
-        <p14:creationId xmlns:p14="http://schemas.microsoft.com/office/powerpoint/2010/main" val="275318205"/>
+        <p14:creationId xmlns:p14="http://schemas.microsoft.com/office/powerpoint/2010/main" val="3443057698"/>
       </p:ext>
     </p:extLst>
   </p:cSld>
@@ -1826,6 +1827,96 @@
                 <a:defRPr/>
               </a:pPr>
               <a:t>18</a:t>
+            </a:fld>
+            <a:endParaRPr lang="de-DE"/>
+          </a:p>
+        </p:txBody>
+      </p:sp>
+    </p:spTree>
+    <p:extLst>
+      <p:ext uri="{BB962C8B-B14F-4D97-AF65-F5344CB8AC3E}">
+        <p14:creationId xmlns:p14="http://schemas.microsoft.com/office/powerpoint/2010/main" val="275318205"/>
+      </p:ext>
+    </p:extLst>
+  </p:cSld>
+  <p:clrMapOvr>
+    <a:masterClrMapping/>
+  </p:clrMapOvr>
+</p:notes>
+</file>
+
+<file path=ppt/notesSlides/notesSlide17.xml><?xml version="1.0" encoding="utf-8"?>
+<p:notes xmlns:a="http://schemas.openxmlformats.org/drawingml/2006/main" xmlns:r="http://schemas.openxmlformats.org/officeDocument/2006/relationships" xmlns:p="http://schemas.openxmlformats.org/presentationml/2006/main">
+  <p:cSld>
+    <p:spTree>
+      <p:nvGrpSpPr>
+        <p:cNvPr id="1" name=""/>
+        <p:cNvGrpSpPr/>
+        <p:nvPr/>
+      </p:nvGrpSpPr>
+      <p:grpSpPr>
+        <a:xfrm>
+          <a:off x="0" y="0"/>
+          <a:ext cx="0" cy="0"/>
+          <a:chOff x="0" y="0"/>
+          <a:chExt cx="0" cy="0"/>
+        </a:xfrm>
+      </p:grpSpPr>
+      <p:sp>
+        <p:nvSpPr>
+          <p:cNvPr id="2" name="Platshållare för bildobjekt 1"/>
+          <p:cNvSpPr>
+            <a:spLocks noGrp="1" noRot="1" noChangeAspect="1"/>
+          </p:cNvSpPr>
+          <p:nvPr>
+            <p:ph type="sldImg"/>
+          </p:nvPr>
+        </p:nvSpPr>
+        <p:spPr/>
+      </p:sp>
+      <p:sp>
+        <p:nvSpPr>
+          <p:cNvPr id="3" name="Platshållare för anteckningar 2"/>
+          <p:cNvSpPr>
+            <a:spLocks noGrp="1"/>
+          </p:cNvSpPr>
+          <p:nvPr>
+            <p:ph type="body" idx="1"/>
+          </p:nvPr>
+        </p:nvSpPr>
+        <p:spPr/>
+        <p:txBody>
+          <a:bodyPr/>
+          <a:lstStyle/>
+          <a:p>
+            <a:endParaRPr lang="en-US"/>
+          </a:p>
+        </p:txBody>
+      </p:sp>
+      <p:sp>
+        <p:nvSpPr>
+          <p:cNvPr id="4" name="Platshållare för bildnummer 3"/>
+          <p:cNvSpPr>
+            <a:spLocks noGrp="1"/>
+          </p:cNvSpPr>
+          <p:nvPr>
+            <p:ph type="sldNum" sz="quarter" idx="10"/>
+          </p:nvPr>
+        </p:nvSpPr>
+        <p:spPr/>
+        <p:txBody>
+          <a:bodyPr/>
+          <a:lstStyle/>
+          <a:p>
+            <a:pPr>
+              <a:defRPr/>
+            </a:pPr>
+            <a:fld id="{0C6D6275-D5B4-459A-B2A3-212CA60D2300}" type="slidenum">
+              <a:rPr lang="de-DE" smtClean="0"/>
+              <a:pPr>
+                <a:defRPr/>
+              </a:pPr>
+              <a:t>19</a:t>
             </a:fld>
             <a:endParaRPr lang="de-DE"/>
           </a:p>
@@ -6361,49 +6452,42 @@
             <p:ph type="title"/>
           </p:nvPr>
         </p:nvSpPr>
-        <p:spPr>
-          <a:xfrm>
-            <a:off x="0" y="908720"/>
-            <a:ext cx="9144000" cy="792088"/>
-          </a:xfrm>
-          <a:prstGeom prst="rect">
-            <a:avLst/>
-          </a:prstGeom>
-        </p:spPr>
+        <p:spPr/>
         <p:txBody>
           <a:bodyPr/>
           <a:lstStyle/>
           <a:p>
             <a:r>
               <a:rPr lang="de-DE" dirty="0"/>
-              <a:t>Summary</a:t>
+              <a:t>Demo</a:t>
             </a:r>
           </a:p>
         </p:txBody>
       </p:sp>
       <p:sp>
         <p:nvSpPr>
-          <p:cNvPr id="3" name="Inhaltsplatzhalter 2"/>
+          <p:cNvPr id="3" name="Textplatzhalter 2"/>
           <p:cNvSpPr>
             <a:spLocks noGrp="1"/>
           </p:cNvSpPr>
           <p:nvPr>
-            <p:ph idx="1"/>
+            <p:ph type="body" sz="quarter" idx="10"/>
           </p:nvPr>
         </p:nvSpPr>
         <p:spPr/>
         <p:txBody>
-          <a:bodyPr/>
+          <a:bodyPr>
+            <a:normAutofit/>
+          </a:bodyPr>
           <a:lstStyle/>
           <a:p>
-            <a:pPr>
-              <a:lnSpc>
-                <a:spcPct val="150000"/>
-              </a:lnSpc>
-            </a:pPr>
+            <a:r>
+              <a:rPr lang="de-DE" dirty="0"/>
+              <a:t>Collections, </a:t>
+            </a:r>
             <a:r>
               <a:rPr lang="de-DE" dirty="0" err="1"/>
-              <a:t>Make</a:t>
+              <a:t>Partitioning</a:t>
             </a:r>
             <a:r>
               <a:rPr lang="de-DE" dirty="0"/>
@@ -6411,7 +6495,7 @@
             </a:r>
             <a:r>
               <a:rPr lang="de-DE" dirty="0" err="1"/>
-              <a:t>sure</a:t>
+              <a:t>and</a:t>
             </a:r>
             <a:r>
               <a:rPr lang="de-DE" dirty="0"/>
@@ -6419,200 +6503,8 @@
             </a:r>
             <a:r>
               <a:rPr lang="de-DE" dirty="0" err="1"/>
-              <a:t>your</a:t>
-            </a:r>
-            <a:r>
-              <a:rPr lang="de-DE" dirty="0"/>
-              <a:t> </a:t>
-            </a:r>
-            <a:r>
-              <a:rPr lang="de-DE" dirty="0" err="1"/>
-              <a:t>functions</a:t>
-            </a:r>
-            <a:r>
-              <a:rPr lang="de-DE" dirty="0"/>
-              <a:t>/</a:t>
-            </a:r>
-            <a:r>
-              <a:rPr lang="de-DE" dirty="0" err="1"/>
-              <a:t>cmdlets</a:t>
-            </a:r>
-            <a:r>
-              <a:rPr lang="de-DE" dirty="0"/>
-              <a:t> </a:t>
-            </a:r>
-            <a:r>
-              <a:rPr lang="de-DE" dirty="0" err="1"/>
-              <a:t>provides</a:t>
-            </a:r>
-            <a:r>
-              <a:rPr lang="de-DE" dirty="0"/>
-              <a:t> </a:t>
-            </a:r>
-            <a:r>
-              <a:rPr lang="de-DE" dirty="0" err="1"/>
-              <a:t>array</a:t>
-            </a:r>
-            <a:r>
-              <a:rPr lang="de-DE" dirty="0"/>
-              <a:t> </a:t>
-            </a:r>
-            <a:r>
-              <a:rPr lang="de-DE" dirty="0" err="1"/>
-              <a:t>input</a:t>
-            </a:r>
-            <a:endParaRPr lang="de-DE" dirty="0"/>
-          </a:p>
-          <a:p>
-            <a:pPr>
-              <a:lnSpc>
-                <a:spcPct val="150000"/>
-              </a:lnSpc>
-            </a:pPr>
-            <a:r>
-              <a:rPr lang="de-DE" dirty="0" err="1"/>
-              <a:t>Avoid</a:t>
-            </a:r>
-            <a:r>
-              <a:rPr lang="de-DE" dirty="0"/>
-              <a:t> </a:t>
-            </a:r>
-            <a:r>
-              <a:rPr lang="de-DE" dirty="0" err="1"/>
-              <a:t>the</a:t>
-            </a:r>
-            <a:r>
-              <a:rPr lang="de-DE" dirty="0"/>
-              <a:t> </a:t>
-            </a:r>
-            <a:r>
-              <a:rPr lang="de-DE" dirty="0" err="1"/>
-              <a:t>pipeline</a:t>
-            </a:r>
-            <a:r>
-              <a:rPr lang="de-DE" dirty="0"/>
-              <a:t> </a:t>
-            </a:r>
-            <a:r>
-              <a:rPr lang="de-DE" dirty="0" err="1"/>
-              <a:t>where</a:t>
-            </a:r>
-            <a:r>
-              <a:rPr lang="de-DE" dirty="0"/>
-              <a:t> </a:t>
-            </a:r>
-            <a:r>
-              <a:rPr lang="de-DE" dirty="0" err="1"/>
-              <a:t>performance</a:t>
-            </a:r>
-            <a:r>
-              <a:rPr lang="de-DE" dirty="0"/>
-              <a:t> </a:t>
-            </a:r>
-            <a:r>
-              <a:rPr lang="de-DE" dirty="0" err="1"/>
-              <a:t>is</a:t>
-            </a:r>
-            <a:r>
-              <a:rPr lang="de-DE" dirty="0"/>
-              <a:t> </a:t>
-            </a:r>
-            <a:r>
-              <a:rPr lang="de-DE" dirty="0" err="1"/>
-              <a:t>important</a:t>
-            </a:r>
-            <a:endParaRPr lang="de-DE" dirty="0"/>
-          </a:p>
-          <a:p>
-            <a:pPr lvl="1">
-              <a:lnSpc>
-                <a:spcPct val="150000"/>
-              </a:lnSpc>
-            </a:pPr>
-            <a:r>
-              <a:rPr lang="de-DE" dirty="0" err="1"/>
-              <a:t>Prefer</a:t>
-            </a:r>
-            <a:r>
-              <a:rPr lang="de-DE" dirty="0"/>
-              <a:t> </a:t>
-            </a:r>
-            <a:r>
-              <a:rPr lang="de-DE" dirty="0" err="1"/>
-              <a:t>looping</a:t>
-            </a:r>
-            <a:r>
-              <a:rPr lang="de-DE" dirty="0"/>
-              <a:t> / </a:t>
-            </a:r>
-            <a:r>
-              <a:rPr lang="de-DE" dirty="0" err="1"/>
-              <a:t>magic</a:t>
-            </a:r>
-            <a:r>
-              <a:rPr lang="de-DE" dirty="0"/>
-              <a:t> </a:t>
-            </a:r>
-            <a:r>
-              <a:rPr lang="de-DE" dirty="0" err="1"/>
-              <a:t>methods</a:t>
-            </a:r>
-            <a:endParaRPr lang="de-DE" dirty="0"/>
-          </a:p>
-          <a:p>
-            <a:pPr>
-              <a:lnSpc>
-                <a:spcPct val="150000"/>
-              </a:lnSpc>
-            </a:pPr>
-            <a:r>
-              <a:rPr lang="de-DE" dirty="0"/>
-              <a:t>Drop down </a:t>
-            </a:r>
-            <a:r>
-              <a:rPr lang="de-DE" dirty="0" err="1"/>
-              <a:t>to</a:t>
-            </a:r>
-            <a:r>
-              <a:rPr lang="de-DE" dirty="0"/>
-              <a:t> .NET </a:t>
-            </a:r>
-            <a:r>
-              <a:rPr lang="de-DE" dirty="0" err="1"/>
-              <a:t>when</a:t>
-            </a:r>
-            <a:r>
-              <a:rPr lang="de-DE" dirty="0"/>
-              <a:t> </a:t>
-            </a:r>
-            <a:r>
-              <a:rPr lang="de-DE" dirty="0" err="1"/>
-              <a:t>you</a:t>
-            </a:r>
-            <a:r>
-              <a:rPr lang="de-DE" dirty="0"/>
-              <a:t> </a:t>
-            </a:r>
-            <a:r>
-              <a:rPr lang="de-DE" dirty="0" err="1"/>
-              <a:t>have</a:t>
-            </a:r>
-            <a:r>
-              <a:rPr lang="de-DE" dirty="0"/>
-              <a:t> </a:t>
-            </a:r>
-            <a:r>
-              <a:rPr lang="de-DE" dirty="0" err="1"/>
-              <a:t>to</a:t>
-            </a:r>
-            <a:endParaRPr lang="de-DE" dirty="0"/>
-          </a:p>
-          <a:p>
-            <a:pPr>
-              <a:lnSpc>
-                <a:spcPct val="150000"/>
-              </a:lnSpc>
-            </a:pPr>
+              <a:t>download</a:t>
+            </a:r>
             <a:endParaRPr lang="de-DE" dirty="0"/>
           </a:p>
         </p:txBody>
@@ -6620,7 +6512,7 @@
     </p:spTree>
     <p:extLst>
       <p:ext uri="{BB962C8B-B14F-4D97-AF65-F5344CB8AC3E}">
-        <p14:creationId xmlns:p14="http://schemas.microsoft.com/office/powerpoint/2010/main" val="697367777"/>
+        <p14:creationId xmlns:p14="http://schemas.microsoft.com/office/powerpoint/2010/main" val="1287252949"/>
       </p:ext>
     </p:extLst>
   </p:cSld>
@@ -6661,7 +6553,37 @@
       </p:grpSpPr>
       <p:sp>
         <p:nvSpPr>
-          <p:cNvPr id="2" name="Inhaltsplatzhalter 1"/>
+          <p:cNvPr id="2" name="Titel 1"/>
+          <p:cNvSpPr>
+            <a:spLocks noGrp="1"/>
+          </p:cNvSpPr>
+          <p:nvPr>
+            <p:ph type="title"/>
+          </p:nvPr>
+        </p:nvSpPr>
+        <p:spPr>
+          <a:xfrm>
+            <a:off x="0" y="908720"/>
+            <a:ext cx="9144000" cy="792088"/>
+          </a:xfrm>
+          <a:prstGeom prst="rect">
+            <a:avLst/>
+          </a:prstGeom>
+        </p:spPr>
+        <p:txBody>
+          <a:bodyPr/>
+          <a:lstStyle/>
+          <a:p>
+            <a:r>
+              <a:rPr lang="de-DE" dirty="0"/>
+              <a:t>Summary</a:t>
+            </a:r>
+          </a:p>
+        </p:txBody>
+      </p:sp>
+      <p:sp>
+        <p:nvSpPr>
+          <p:cNvPr id="3" name="Inhaltsplatzhalter 2"/>
           <p:cNvSpPr>
             <a:spLocks noGrp="1"/>
           </p:cNvSpPr>
@@ -6674,33 +6596,146 @@
           <a:bodyPr/>
           <a:lstStyle/>
           <a:p>
+            <a:pPr>
+              <a:lnSpc>
+                <a:spcPct val="150000"/>
+              </a:lnSpc>
+            </a:pPr>
             <a:r>
               <a:rPr lang="de-DE" dirty="0" err="1"/>
-              <a:t>Now</a:t>
-            </a:r>
-            <a:r>
-              <a:rPr lang="de-DE" dirty="0"/>
-              <a:t>: 15 min break</a:t>
-            </a:r>
-          </a:p>
-          <a:p>
+              <a:t>Make</a:t>
+            </a:r>
+            <a:r>
+              <a:rPr lang="de-DE" dirty="0"/>
+              <a:t> </a:t>
+            </a:r>
+            <a:r>
+              <a:rPr lang="de-DE" dirty="0" err="1"/>
+              <a:t>sure</a:t>
+            </a:r>
+            <a:r>
+              <a:rPr lang="de-DE" dirty="0"/>
+              <a:t> </a:t>
+            </a:r>
+            <a:r>
+              <a:rPr lang="de-DE" dirty="0" err="1"/>
+              <a:t>your</a:t>
+            </a:r>
+            <a:r>
+              <a:rPr lang="de-DE" dirty="0"/>
+              <a:t> </a:t>
+            </a:r>
+            <a:r>
+              <a:rPr lang="de-DE" dirty="0" err="1"/>
+              <a:t>functions</a:t>
+            </a:r>
+            <a:r>
+              <a:rPr lang="de-DE" dirty="0"/>
+              <a:t>/</a:t>
+            </a:r>
+            <a:r>
+              <a:rPr lang="de-DE" dirty="0" err="1"/>
+              <a:t>cmdlets</a:t>
+            </a:r>
+            <a:r>
+              <a:rPr lang="de-DE" dirty="0"/>
+              <a:t> </a:t>
+            </a:r>
+            <a:r>
+              <a:rPr lang="de-DE" dirty="0" err="1"/>
+              <a:t>provides</a:t>
+            </a:r>
+            <a:r>
+              <a:rPr lang="de-DE" dirty="0"/>
+              <a:t> </a:t>
+            </a:r>
+            <a:r>
+              <a:rPr lang="de-DE" dirty="0" err="1"/>
+              <a:t>array</a:t>
+            </a:r>
+            <a:r>
+              <a:rPr lang="de-DE" dirty="0"/>
+              <a:t> </a:t>
+            </a:r>
+            <a:r>
+              <a:rPr lang="de-DE" dirty="0" err="1"/>
+              <a:t>input</a:t>
+            </a:r>
             <a:endParaRPr lang="de-DE" dirty="0"/>
           </a:p>
           <a:p>
-            <a:r>
-              <a:rPr lang="de-DE" dirty="0"/>
-              <a:t>Grab a </a:t>
-            </a:r>
+            <a:pPr>
+              <a:lnSpc>
+                <a:spcPct val="150000"/>
+              </a:lnSpc>
+            </a:pPr>
             <a:r>
               <a:rPr lang="de-DE" dirty="0" err="1"/>
-              <a:t>coffee</a:t>
+              <a:t>Avoid</a:t>
+            </a:r>
+            <a:r>
+              <a:rPr lang="de-DE" dirty="0"/>
+              <a:t> </a:t>
+            </a:r>
+            <a:r>
+              <a:rPr lang="de-DE" dirty="0" err="1"/>
+              <a:t>the</a:t>
+            </a:r>
+            <a:r>
+              <a:rPr lang="de-DE" dirty="0"/>
+              <a:t> </a:t>
+            </a:r>
+            <a:r>
+              <a:rPr lang="de-DE" dirty="0" err="1"/>
+              <a:t>pipeline</a:t>
+            </a:r>
+            <a:r>
+              <a:rPr lang="de-DE" dirty="0"/>
+              <a:t> </a:t>
+            </a:r>
+            <a:r>
+              <a:rPr lang="de-DE" dirty="0" err="1"/>
+              <a:t>where</a:t>
+            </a:r>
+            <a:r>
+              <a:rPr lang="de-DE" dirty="0"/>
+              <a:t> </a:t>
+            </a:r>
+            <a:r>
+              <a:rPr lang="de-DE" dirty="0" err="1"/>
+              <a:t>performance</a:t>
+            </a:r>
+            <a:r>
+              <a:rPr lang="de-DE" dirty="0"/>
+              <a:t> </a:t>
+            </a:r>
+            <a:r>
+              <a:rPr lang="de-DE" dirty="0" err="1"/>
+              <a:t>is</a:t>
+            </a:r>
+            <a:r>
+              <a:rPr lang="de-DE" dirty="0"/>
+              <a:t> </a:t>
+            </a:r>
+            <a:r>
+              <a:rPr lang="de-DE" dirty="0" err="1"/>
+              <a:t>important</a:t>
             </a:r>
             <a:endParaRPr lang="de-DE" dirty="0"/>
           </a:p>
           <a:p>
+            <a:pPr lvl="1">
+              <a:lnSpc>
+                <a:spcPct val="150000"/>
+              </a:lnSpc>
+            </a:pPr>
+            <a:r>
+              <a:rPr lang="de-DE" dirty="0"/>
+              <a:t>Pass </a:t>
+            </a:r>
             <a:r>
               <a:rPr lang="de-DE" dirty="0" err="1"/>
-              <a:t>Stay</a:t>
+              <a:t>arguments</a:t>
             </a:r>
             <a:r>
               <a:rPr lang="de-DE" dirty="0"/>
@@ -6708,11 +6743,71 @@
             </a:r>
             <a:r>
               <a:rPr lang="de-DE" dirty="0" err="1"/>
-              <a:t>here</a:t>
+              <a:t>as</a:t>
             </a:r>
             <a:r>
               <a:rPr lang="de-DE" dirty="0"/>
               <a:t> </a:t>
+            </a:r>
+            <a:r>
+              <a:rPr lang="de-DE" dirty="0" err="1"/>
+              <a:t>arrays</a:t>
+            </a:r>
+            <a:r>
+              <a:rPr lang="de-DE" dirty="0"/>
+              <a:t> </a:t>
+            </a:r>
+            <a:r>
+              <a:rPr lang="de-DE" dirty="0" err="1"/>
+              <a:t>instead</a:t>
+            </a:r>
+            <a:endParaRPr lang="de-DE" dirty="0"/>
+          </a:p>
+          <a:p>
+            <a:pPr lvl="1">
+              <a:lnSpc>
+                <a:spcPct val="150000"/>
+              </a:lnSpc>
+            </a:pPr>
+            <a:r>
+              <a:rPr lang="de-DE" dirty="0" err="1"/>
+              <a:t>Prefer</a:t>
+            </a:r>
+            <a:r>
+              <a:rPr lang="de-DE" dirty="0"/>
+              <a:t> </a:t>
+            </a:r>
+            <a:r>
+              <a:rPr lang="de-DE" dirty="0" err="1"/>
+              <a:t>looping</a:t>
+            </a:r>
+            <a:r>
+              <a:rPr lang="de-DE" dirty="0"/>
+              <a:t> / </a:t>
+            </a:r>
+            <a:r>
+              <a:rPr lang="de-DE" dirty="0" err="1"/>
+              <a:t>magic</a:t>
+            </a:r>
+            <a:r>
+              <a:rPr lang="de-DE" dirty="0"/>
+              <a:t> </a:t>
+            </a:r>
+            <a:r>
+              <a:rPr lang="de-DE" dirty="0" err="1"/>
+              <a:t>methods</a:t>
+            </a:r>
+            <a:endParaRPr lang="de-DE" dirty="0"/>
+          </a:p>
+          <a:p>
+            <a:pPr>
+              <a:lnSpc>
+                <a:spcPct val="150000"/>
+              </a:lnSpc>
+            </a:pPr>
+            <a:r>
+              <a:rPr lang="de-DE" dirty="0"/>
+              <a:t>Drop down </a:t>
             </a:r>
             <a:r>
               <a:rPr lang="de-DE" dirty="0" err="1"/>
@@ -6720,11 +6815,19 @@
             </a:r>
             <a:r>
               <a:rPr lang="de-DE" dirty="0"/>
+              <a:t> .NET </a:t>
+            </a:r>
+            <a:r>
+              <a:rPr lang="de-DE" dirty="0" err="1"/>
+              <a:t>when</a:t>
+            </a:r>
+            <a:r>
+              <a:rPr lang="de-DE" dirty="0"/>
               <a:t> </a:t>
             </a:r>
             <a:r>
               <a:rPr lang="de-DE" dirty="0" err="1"/>
-              <a:t>enjoy</a:t>
+              <a:t>you</a:t>
             </a:r>
             <a:r>
               <a:rPr lang="de-DE" dirty="0"/>
@@ -6732,42 +6835,7 @@
             </a:r>
             <a:r>
               <a:rPr lang="de-DE" dirty="0" err="1"/>
-              <a:t>next</a:t>
-            </a:r>
-            <a:r>
-              <a:rPr lang="de-DE" dirty="0"/>
-              <a:t> </a:t>
-            </a:r>
-            <a:r>
-              <a:rPr lang="de-DE" dirty="0" err="1"/>
-              <a:t>presentation</a:t>
-            </a:r>
-            <a:endParaRPr lang="de-DE" dirty="0"/>
-          </a:p>
-          <a:p>
-            <a:r>
-              <a:rPr lang="de-DE" dirty="0"/>
-              <a:t>Change </a:t>
-            </a:r>
-            <a:r>
-              <a:rPr lang="de-DE" dirty="0" err="1"/>
-              <a:t>track</a:t>
-            </a:r>
-            <a:r>
-              <a:rPr lang="de-DE" dirty="0"/>
-              <a:t> </a:t>
-            </a:r>
-            <a:r>
-              <a:rPr lang="de-DE" dirty="0" err="1"/>
-              <a:t>and</a:t>
-            </a:r>
-            <a:r>
-              <a:rPr lang="de-DE" dirty="0"/>
-              <a:t> </a:t>
-            </a:r>
-            <a:r>
-              <a:rPr lang="de-DE" dirty="0" err="1"/>
-              <a:t>switch</a:t>
+              <a:t>have</a:t>
             </a:r>
             <a:r>
               <a:rPr lang="de-DE" dirty="0"/>
@@ -6777,142 +6845,22 @@
               <a:rPr lang="de-DE" dirty="0" err="1"/>
               <a:t>to</a:t>
             </a:r>
-            <a:r>
-              <a:rPr lang="de-DE" dirty="0"/>
-              <a:t> </a:t>
-            </a:r>
-            <a:r>
-              <a:rPr lang="de-DE" dirty="0" err="1"/>
-              <a:t>another</a:t>
-            </a:r>
-            <a:r>
-              <a:rPr lang="de-DE" dirty="0"/>
-              <a:t> </a:t>
-            </a:r>
-            <a:r>
-              <a:rPr lang="de-DE" dirty="0" err="1"/>
-              <a:t>room</a:t>
-            </a:r>
             <a:endParaRPr lang="de-DE" dirty="0"/>
           </a:p>
           <a:p>
+            <a:pPr>
+              <a:lnSpc>
+                <a:spcPct val="150000"/>
+              </a:lnSpc>
+            </a:pPr>
             <a:endParaRPr lang="de-DE" dirty="0"/>
-          </a:p>
-          <a:p>
-            <a:r>
-              <a:rPr lang="de-DE" dirty="0" err="1"/>
-              <a:t>Ask</a:t>
-            </a:r>
-            <a:r>
-              <a:rPr lang="de-DE" dirty="0"/>
-              <a:t> </a:t>
-            </a:r>
-            <a:r>
-              <a:rPr lang="de-DE" dirty="0" err="1"/>
-              <a:t>me</a:t>
-            </a:r>
-            <a:r>
-              <a:rPr lang="de-DE" dirty="0"/>
-              <a:t> </a:t>
-            </a:r>
-            <a:r>
-              <a:rPr lang="de-DE" dirty="0" err="1"/>
-              <a:t>questions</a:t>
-            </a:r>
-            <a:r>
-              <a:rPr lang="de-DE" dirty="0"/>
-              <a:t> </a:t>
-            </a:r>
-            <a:r>
-              <a:rPr lang="de-DE" dirty="0" err="1"/>
-              <a:t>or</a:t>
-            </a:r>
-            <a:r>
-              <a:rPr lang="de-DE" dirty="0"/>
-              <a:t> </a:t>
-            </a:r>
-            <a:r>
-              <a:rPr lang="de-DE" dirty="0" err="1"/>
-              <a:t>meet</a:t>
-            </a:r>
-            <a:r>
-              <a:rPr lang="de-DE" dirty="0"/>
-              <a:t> </a:t>
-            </a:r>
-            <a:r>
-              <a:rPr lang="de-DE" dirty="0" err="1"/>
-              <a:t>me</a:t>
-            </a:r>
-            <a:r>
-              <a:rPr lang="de-DE" dirty="0"/>
-              <a:t> in a </a:t>
-            </a:r>
-            <a:r>
-              <a:rPr lang="de-DE" dirty="0" err="1"/>
-              <a:t>breakout</a:t>
-            </a:r>
-            <a:r>
-              <a:rPr lang="de-DE" dirty="0"/>
-              <a:t> </a:t>
-            </a:r>
-            <a:r>
-              <a:rPr lang="de-DE" dirty="0" err="1"/>
-              <a:t>session</a:t>
-            </a:r>
-            <a:r>
-              <a:rPr lang="de-DE" dirty="0"/>
-              <a:t> </a:t>
-            </a:r>
-            <a:r>
-              <a:rPr lang="de-DE" dirty="0" err="1"/>
-              <a:t>room</a:t>
-            </a:r>
-            <a:r>
-              <a:rPr lang="de-DE" dirty="0"/>
-              <a:t> </a:t>
-            </a:r>
-            <a:r>
-              <a:rPr lang="de-DE" dirty="0" err="1"/>
-              <a:t>afterwards</a:t>
-            </a:r>
-            <a:endParaRPr lang="de-DE" dirty="0"/>
-          </a:p>
-        </p:txBody>
-      </p:sp>
-      <p:sp>
-        <p:nvSpPr>
-          <p:cNvPr id="3" name="Titel 2"/>
-          <p:cNvSpPr>
-            <a:spLocks noGrp="1"/>
-          </p:cNvSpPr>
-          <p:nvPr>
-            <p:ph type="title"/>
-          </p:nvPr>
-        </p:nvSpPr>
-        <p:spPr/>
-        <p:txBody>
-          <a:bodyPr/>
-          <a:lstStyle/>
-          <a:p>
-            <a:r>
-              <a:rPr lang="de-DE" dirty="0"/>
-              <a:t>Next </a:t>
-            </a:r>
-            <a:r>
-              <a:rPr lang="de-DE" dirty="0" err="1"/>
-              <a:t>Steps</a:t>
-            </a:r>
-            <a:r>
-              <a:rPr lang="de-DE" dirty="0"/>
-              <a:t>...</a:t>
-            </a:r>
           </a:p>
         </p:txBody>
       </p:sp>
     </p:spTree>
     <p:extLst>
       <p:ext uri="{BB962C8B-B14F-4D97-AF65-F5344CB8AC3E}">
-        <p14:creationId xmlns:p14="http://schemas.microsoft.com/office/powerpoint/2010/main" val="3397310615"/>
+        <p14:creationId xmlns:p14="http://schemas.microsoft.com/office/powerpoint/2010/main" val="697367777"/>
       </p:ext>
     </p:extLst>
   </p:cSld>
@@ -6953,7 +6901,227 @@
       </p:grpSpPr>
       <p:sp>
         <p:nvSpPr>
-          <p:cNvPr id="2" name="Titel 1"/>
+          <p:cNvPr id="2" name="Inhaltsplatzhalter 1"/>
+          <p:cNvSpPr>
+            <a:spLocks noGrp="1"/>
+          </p:cNvSpPr>
+          <p:nvPr>
+            <p:ph idx="1"/>
+          </p:nvPr>
+        </p:nvSpPr>
+        <p:spPr/>
+        <p:txBody>
+          <a:bodyPr/>
+          <a:lstStyle/>
+          <a:p>
+            <a:r>
+              <a:rPr lang="de-DE" dirty="0" err="1"/>
+              <a:t>Now</a:t>
+            </a:r>
+            <a:r>
+              <a:rPr lang="de-DE" dirty="0"/>
+              <a:t>: 15 min break</a:t>
+            </a:r>
+          </a:p>
+          <a:p>
+            <a:endParaRPr lang="de-DE" dirty="0"/>
+          </a:p>
+          <a:p>
+            <a:r>
+              <a:rPr lang="de-DE" dirty="0"/>
+              <a:t>Grab a </a:t>
+            </a:r>
+            <a:r>
+              <a:rPr lang="de-DE" dirty="0" err="1"/>
+              <a:t>coffee</a:t>
+            </a:r>
+            <a:endParaRPr lang="de-DE" dirty="0"/>
+          </a:p>
+          <a:p>
+            <a:r>
+              <a:rPr lang="de-DE" dirty="0" err="1"/>
+              <a:t>Stay</a:t>
+            </a:r>
+            <a:r>
+              <a:rPr lang="de-DE" dirty="0"/>
+              <a:t> </a:t>
+            </a:r>
+            <a:r>
+              <a:rPr lang="de-DE" dirty="0" err="1"/>
+              <a:t>here</a:t>
+            </a:r>
+            <a:r>
+              <a:rPr lang="de-DE" dirty="0"/>
+              <a:t> </a:t>
+            </a:r>
+            <a:r>
+              <a:rPr lang="de-DE" dirty="0" err="1"/>
+              <a:t>to</a:t>
+            </a:r>
+            <a:r>
+              <a:rPr lang="de-DE" dirty="0"/>
+              <a:t> </a:t>
+            </a:r>
+            <a:r>
+              <a:rPr lang="de-DE" dirty="0" err="1"/>
+              <a:t>enjoy</a:t>
+            </a:r>
+            <a:r>
+              <a:rPr lang="de-DE" dirty="0"/>
+              <a:t> </a:t>
+            </a:r>
+            <a:r>
+              <a:rPr lang="de-DE" dirty="0" err="1"/>
+              <a:t>next</a:t>
+            </a:r>
+            <a:r>
+              <a:rPr lang="de-DE" dirty="0"/>
+              <a:t> </a:t>
+            </a:r>
+            <a:r>
+              <a:rPr lang="de-DE" dirty="0" err="1"/>
+              <a:t>presentation</a:t>
+            </a:r>
+            <a:endParaRPr lang="de-DE" dirty="0"/>
+          </a:p>
+          <a:p>
+            <a:r>
+              <a:rPr lang="de-DE" dirty="0"/>
+              <a:t>Change </a:t>
+            </a:r>
+            <a:r>
+              <a:rPr lang="de-DE" dirty="0" err="1"/>
+              <a:t>track</a:t>
+            </a:r>
+            <a:r>
+              <a:rPr lang="de-DE" dirty="0"/>
+              <a:t> </a:t>
+            </a:r>
+            <a:r>
+              <a:rPr lang="de-DE" dirty="0" err="1"/>
+              <a:t>and</a:t>
+            </a:r>
+            <a:r>
+              <a:rPr lang="de-DE" dirty="0"/>
+              <a:t> </a:t>
+            </a:r>
+            <a:r>
+              <a:rPr lang="de-DE" dirty="0" err="1"/>
+              <a:t>switch</a:t>
+            </a:r>
+            <a:r>
+              <a:rPr lang="de-DE" dirty="0"/>
+              <a:t> </a:t>
+            </a:r>
+            <a:r>
+              <a:rPr lang="de-DE" dirty="0" err="1"/>
+              <a:t>to</a:t>
+            </a:r>
+            <a:r>
+              <a:rPr lang="de-DE" dirty="0"/>
+              <a:t> </a:t>
+            </a:r>
+            <a:r>
+              <a:rPr lang="de-DE" dirty="0" err="1"/>
+              <a:t>another</a:t>
+            </a:r>
+            <a:r>
+              <a:rPr lang="de-DE" dirty="0"/>
+              <a:t> </a:t>
+            </a:r>
+            <a:r>
+              <a:rPr lang="de-DE" dirty="0" err="1"/>
+              <a:t>room</a:t>
+            </a:r>
+            <a:endParaRPr lang="de-DE" dirty="0"/>
+          </a:p>
+          <a:p>
+            <a:endParaRPr lang="de-DE" dirty="0"/>
+          </a:p>
+          <a:p>
+            <a:r>
+              <a:rPr lang="de-DE" dirty="0" err="1"/>
+              <a:t>Ask</a:t>
+            </a:r>
+            <a:r>
+              <a:rPr lang="de-DE" dirty="0"/>
+              <a:t> </a:t>
+            </a:r>
+            <a:r>
+              <a:rPr lang="de-DE" dirty="0" err="1"/>
+              <a:t>me</a:t>
+            </a:r>
+            <a:r>
+              <a:rPr lang="de-DE" dirty="0"/>
+              <a:t> </a:t>
+            </a:r>
+            <a:r>
+              <a:rPr lang="de-DE" dirty="0" err="1"/>
+              <a:t>questions</a:t>
+            </a:r>
+            <a:r>
+              <a:rPr lang="de-DE" dirty="0"/>
+              <a:t> </a:t>
+            </a:r>
+            <a:r>
+              <a:rPr lang="de-DE" dirty="0" err="1"/>
+              <a:t>or</a:t>
+            </a:r>
+            <a:r>
+              <a:rPr lang="de-DE" dirty="0"/>
+              <a:t> </a:t>
+            </a:r>
+            <a:r>
+              <a:rPr lang="de-DE" dirty="0" err="1"/>
+              <a:t>meet</a:t>
+            </a:r>
+            <a:r>
+              <a:rPr lang="de-DE" dirty="0"/>
+              <a:t> </a:t>
+            </a:r>
+            <a:r>
+              <a:rPr lang="de-DE" dirty="0" err="1"/>
+              <a:t>me</a:t>
+            </a:r>
+            <a:r>
+              <a:rPr lang="de-DE" dirty="0"/>
+              <a:t> in a </a:t>
+            </a:r>
+            <a:r>
+              <a:rPr lang="de-DE" dirty="0" err="1"/>
+              <a:t>breakout</a:t>
+            </a:r>
+            <a:r>
+              <a:rPr lang="de-DE" dirty="0"/>
+              <a:t> </a:t>
+            </a:r>
+            <a:r>
+              <a:rPr lang="de-DE" dirty="0" err="1"/>
+              <a:t>session</a:t>
+            </a:r>
+            <a:r>
+              <a:rPr lang="de-DE" dirty="0"/>
+              <a:t> </a:t>
+            </a:r>
+            <a:r>
+              <a:rPr lang="de-DE" dirty="0" err="1"/>
+              <a:t>room</a:t>
+            </a:r>
+            <a:r>
+              <a:rPr lang="de-DE" dirty="0"/>
+              <a:t> </a:t>
+            </a:r>
+            <a:r>
+              <a:rPr lang="de-DE" dirty="0" err="1"/>
+              <a:t>afterwards</a:t>
+            </a:r>
+            <a:endParaRPr lang="de-DE" dirty="0"/>
+          </a:p>
+        </p:txBody>
+      </p:sp>
+      <p:sp>
+        <p:nvSpPr>
+          <p:cNvPr id="3" name="Titel 2"/>
           <p:cNvSpPr>
             <a:spLocks noGrp="1"/>
           </p:cNvSpPr>
@@ -6967,39 +7135,24 @@
           <a:lstStyle/>
           <a:p>
             <a:r>
+              <a:rPr lang="de-DE" dirty="0"/>
+              <a:t>Next </a:t>
+            </a:r>
+            <a:r>
               <a:rPr lang="de-DE" dirty="0" err="1"/>
-              <a:t>Questions</a:t>
-            </a:r>
-            <a:r>
-              <a:rPr lang="de-DE" dirty="0"/>
-              <a:t>?</a:t>
-            </a:r>
-          </a:p>
-        </p:txBody>
-      </p:sp>
-      <p:sp>
-        <p:nvSpPr>
-          <p:cNvPr id="3" name="Textplatzhalter 2"/>
-          <p:cNvSpPr>
-            <a:spLocks noGrp="1"/>
-          </p:cNvSpPr>
-          <p:nvPr>
-            <p:ph type="body" idx="1"/>
-          </p:nvPr>
-        </p:nvSpPr>
-        <p:spPr/>
-        <p:txBody>
-          <a:bodyPr/>
-          <a:lstStyle/>
-          <a:p>
-            <a:endParaRPr lang="de-DE" dirty="0"/>
+              <a:t>Steps</a:t>
+            </a:r>
+            <a:r>
+              <a:rPr lang="de-DE" dirty="0"/>
+              <a:t>...</a:t>
+            </a:r>
           </a:p>
         </p:txBody>
       </p:sp>
     </p:spTree>
     <p:extLst>
       <p:ext uri="{BB962C8B-B14F-4D97-AF65-F5344CB8AC3E}">
-        <p14:creationId xmlns:p14="http://schemas.microsoft.com/office/powerpoint/2010/main" val="4184402693"/>
+        <p14:creationId xmlns:p14="http://schemas.microsoft.com/office/powerpoint/2010/main" val="3397310615"/>
       </p:ext>
     </p:extLst>
   </p:cSld>
@@ -7040,190 +7193,7 @@
       </p:grpSpPr>
       <p:sp>
         <p:nvSpPr>
-          <p:cNvPr id="2" name="Inhaltsplatzhalter 1"/>
-          <p:cNvSpPr>
-            <a:spLocks noGrp="1"/>
-          </p:cNvSpPr>
-          <p:nvPr>
-            <p:ph idx="1"/>
-          </p:nvPr>
-        </p:nvSpPr>
-        <p:spPr/>
-        <p:txBody>
-          <a:bodyPr/>
-          <a:lstStyle/>
-          <a:p>
-            <a:r>
-              <a:rPr lang="de-DE" dirty="0"/>
-              <a:t>Software Engineer </a:t>
-            </a:r>
-            <a:r>
-              <a:rPr lang="de-DE" dirty="0" err="1"/>
-              <a:t>with</a:t>
-            </a:r>
-            <a:r>
-              <a:rPr lang="de-DE" dirty="0"/>
-              <a:t> a </a:t>
-            </a:r>
-            <a:r>
-              <a:rPr lang="de-DE" dirty="0" err="1"/>
-              <a:t>passion</a:t>
-            </a:r>
-            <a:r>
-              <a:rPr lang="de-DE" dirty="0"/>
-              <a:t> </a:t>
-            </a:r>
-            <a:r>
-              <a:rPr lang="de-DE" dirty="0" err="1"/>
-              <a:t>for</a:t>
-            </a:r>
-            <a:r>
-              <a:rPr lang="de-DE" dirty="0"/>
-              <a:t> PowerShell</a:t>
-            </a:r>
-          </a:p>
-          <a:p>
-            <a:endParaRPr lang="de-DE" dirty="0"/>
-          </a:p>
-          <a:p>
-            <a:r>
-              <a:rPr lang="de-DE" dirty="0"/>
-              <a:t>At DICE </a:t>
-            </a:r>
-            <a:r>
-              <a:rPr lang="de-DE" dirty="0" err="1"/>
-              <a:t>making</a:t>
-            </a:r>
-            <a:r>
-              <a:rPr lang="de-DE" dirty="0"/>
-              <a:t> </a:t>
-            </a:r>
-            <a:r>
-              <a:rPr lang="de-DE" dirty="0" err="1"/>
-              <a:t>computer</a:t>
-            </a:r>
-            <a:r>
-              <a:rPr lang="de-DE" dirty="0"/>
-              <a:t> </a:t>
-            </a:r>
-            <a:r>
-              <a:rPr lang="de-DE" dirty="0" err="1"/>
-              <a:t>games</a:t>
-            </a:r>
-            <a:r>
-              <a:rPr lang="de-DE" dirty="0"/>
-              <a:t>. </a:t>
-            </a:r>
-            <a:r>
-              <a:rPr lang="de-DE" dirty="0" err="1"/>
-              <a:t>Coding</a:t>
-            </a:r>
-            <a:r>
-              <a:rPr lang="de-DE" dirty="0"/>
-              <a:t> </a:t>
-            </a:r>
-            <a:r>
-              <a:rPr lang="de-DE" dirty="0" err="1"/>
-              <a:t>mostly</a:t>
-            </a:r>
-            <a:r>
-              <a:rPr lang="de-DE" dirty="0"/>
-              <a:t> C++, but </a:t>
-            </a:r>
-            <a:r>
-              <a:rPr lang="de-DE" dirty="0" err="1"/>
-              <a:t>automating</a:t>
-            </a:r>
-            <a:r>
-              <a:rPr lang="de-DE" dirty="0"/>
-              <a:t> </a:t>
-            </a:r>
-            <a:r>
-              <a:rPr lang="de-DE" dirty="0" err="1"/>
-              <a:t>processes</a:t>
-            </a:r>
-            <a:r>
-              <a:rPr lang="de-DE" dirty="0"/>
-              <a:t> </a:t>
-            </a:r>
-            <a:r>
-              <a:rPr lang="de-DE" dirty="0" err="1"/>
-              <a:t>with</a:t>
-            </a:r>
-            <a:r>
-              <a:rPr lang="de-DE" dirty="0"/>
-              <a:t> PowerShell</a:t>
-            </a:r>
-          </a:p>
-          <a:p>
-            <a:endParaRPr lang="de-DE" dirty="0"/>
-          </a:p>
-          <a:p>
-            <a:r>
-              <a:rPr lang="de-DE" dirty="0" err="1"/>
-              <a:t>Evenings</a:t>
-            </a:r>
-            <a:r>
-              <a:rPr lang="de-DE" dirty="0"/>
-              <a:t> </a:t>
-            </a:r>
-            <a:r>
-              <a:rPr lang="de-DE" dirty="0" err="1"/>
-              <a:t>spent</a:t>
-            </a:r>
-            <a:r>
-              <a:rPr lang="de-DE" dirty="0"/>
-              <a:t> </a:t>
-            </a:r>
-            <a:r>
-              <a:rPr lang="de-DE" dirty="0" err="1"/>
-              <a:t>contributing</a:t>
-            </a:r>
-            <a:r>
-              <a:rPr lang="de-DE" dirty="0"/>
-              <a:t> </a:t>
-            </a:r>
-            <a:r>
-              <a:rPr lang="de-DE" dirty="0" err="1"/>
-              <a:t>to</a:t>
-            </a:r>
-            <a:r>
-              <a:rPr lang="de-DE" dirty="0"/>
-              <a:t> PowerShell</a:t>
-            </a:r>
-          </a:p>
-          <a:p>
-            <a:pPr marL="57150" indent="0">
-              <a:buNone/>
-            </a:pPr>
-            <a:r>
-              <a:rPr lang="de-DE" dirty="0">
-                <a:hlinkClick r:id="rId3"/>
-              </a:rPr>
-              <a:t>https://github.com/powercode</a:t>
-            </a:r>
-            <a:br>
-              <a:rPr lang="de-DE" dirty="0"/>
-            </a:br>
-            <a:r>
-              <a:rPr lang="de-DE" dirty="0"/>
-              <a:t>@</a:t>
-            </a:r>
-            <a:r>
-              <a:rPr lang="de-DE" dirty="0" err="1"/>
-              <a:t>StaffanGSon</a:t>
-            </a:r>
-            <a:endParaRPr lang="de-DE" dirty="0"/>
-          </a:p>
-          <a:p>
-            <a:pPr lvl="1"/>
-            <a:endParaRPr lang="de-DE" dirty="0"/>
-          </a:p>
-        </p:txBody>
-      </p:sp>
-      <p:sp>
-        <p:nvSpPr>
-          <p:cNvPr id="3" name="Titel 2"/>
+          <p:cNvPr id="2" name="Titel 1"/>
           <p:cNvSpPr>
             <a:spLocks noGrp="1"/>
           </p:cNvSpPr>
@@ -7238,8 +7208,30 @@
           <a:p>
             <a:r>
               <a:rPr lang="de-DE" dirty="0" err="1"/>
-              <a:t>About_Author</a:t>
-            </a:r>
+              <a:t>Questions</a:t>
+            </a:r>
+            <a:r>
+              <a:rPr lang="de-DE" dirty="0"/>
+              <a:t>?</a:t>
+            </a:r>
+          </a:p>
+        </p:txBody>
+      </p:sp>
+      <p:sp>
+        <p:nvSpPr>
+          <p:cNvPr id="3" name="Textplatzhalter 2"/>
+          <p:cNvSpPr>
+            <a:spLocks noGrp="1"/>
+          </p:cNvSpPr>
+          <p:nvPr>
+            <p:ph type="body" idx="1"/>
+          </p:nvPr>
+        </p:nvSpPr>
+        <p:spPr/>
+        <p:txBody>
+          <a:bodyPr/>
+          <a:lstStyle/>
+          <a:p>
             <a:endParaRPr lang="de-DE" dirty="0"/>
           </a:p>
         </p:txBody>
@@ -7247,7 +7239,7 @@
     </p:spTree>
     <p:extLst>
       <p:ext uri="{BB962C8B-B14F-4D97-AF65-F5344CB8AC3E}">
-        <p14:creationId xmlns:p14="http://schemas.microsoft.com/office/powerpoint/2010/main" val="1783199960"/>
+        <p14:creationId xmlns:p14="http://schemas.microsoft.com/office/powerpoint/2010/main" val="4184402693"/>
       </p:ext>
     </p:extLst>
   </p:cSld>
@@ -7286,38 +7278,192 @@
           <a:chExt cx="0" cy="0"/>
         </a:xfrm>
       </p:grpSpPr>
-      <p:pic>
-        <p:nvPicPr>
-          <p:cNvPr id="5" name="Platshållare för innehåll 4"/>
-          <p:cNvPicPr>
-            <a:picLocks noGrp="1" noChangeAspect="1"/>
-          </p:cNvPicPr>
+      <p:sp>
+        <p:nvSpPr>
+          <p:cNvPr id="2" name="Inhaltsplatzhalter 1"/>
+          <p:cNvSpPr>
+            <a:spLocks noGrp="1"/>
+          </p:cNvSpPr>
           <p:nvPr>
             <p:ph idx="1"/>
           </p:nvPr>
-        </p:nvPicPr>
-        <p:blipFill>
-          <a:blip r:embed="rId2">
-            <a:extLst>
-              <a:ext uri="{28A0092B-C50C-407E-A947-70E740481C1C}">
-                <a14:useLocalDpi xmlns:a14="http://schemas.microsoft.com/office/drawing/2010/main" val="0"/>
-              </a:ext>
-            </a:extLst>
-          </a:blip>
-          <a:stretch>
-            <a:fillRect/>
-          </a:stretch>
-        </p:blipFill>
-        <p:spPr>
-          <a:xfrm>
-            <a:off x="1277541" y="1916113"/>
-            <a:ext cx="6588917" cy="4392612"/>
-          </a:xfrm>
-        </p:spPr>
-      </p:pic>
+        </p:nvSpPr>
+        <p:spPr/>
+        <p:txBody>
+          <a:bodyPr/>
+          <a:lstStyle/>
+          <a:p>
+            <a:r>
+              <a:rPr lang="de-DE" dirty="0"/>
+              <a:t>Software Engineer </a:t>
+            </a:r>
+            <a:r>
+              <a:rPr lang="de-DE" dirty="0" err="1"/>
+              <a:t>with</a:t>
+            </a:r>
+            <a:r>
+              <a:rPr lang="de-DE" dirty="0"/>
+              <a:t> a </a:t>
+            </a:r>
+            <a:r>
+              <a:rPr lang="de-DE" dirty="0" err="1"/>
+              <a:t>passion</a:t>
+            </a:r>
+            <a:r>
+              <a:rPr lang="de-DE" dirty="0"/>
+              <a:t> </a:t>
+            </a:r>
+            <a:r>
+              <a:rPr lang="de-DE" dirty="0" err="1"/>
+              <a:t>for</a:t>
+            </a:r>
+            <a:r>
+              <a:rPr lang="de-DE" dirty="0"/>
+              <a:t> PowerShell</a:t>
+            </a:r>
+          </a:p>
+          <a:p>
+            <a:endParaRPr lang="de-DE" dirty="0"/>
+          </a:p>
+          <a:p>
+            <a:r>
+              <a:rPr lang="de-DE" dirty="0"/>
+              <a:t>At DICE </a:t>
+            </a:r>
+            <a:r>
+              <a:rPr lang="de-DE" dirty="0" err="1"/>
+              <a:t>making</a:t>
+            </a:r>
+            <a:r>
+              <a:rPr lang="de-DE" dirty="0"/>
+              <a:t> </a:t>
+            </a:r>
+            <a:r>
+              <a:rPr lang="de-DE" dirty="0" err="1"/>
+              <a:t>computer</a:t>
+            </a:r>
+            <a:r>
+              <a:rPr lang="de-DE" dirty="0"/>
+              <a:t> </a:t>
+            </a:r>
+            <a:r>
+              <a:rPr lang="de-DE" dirty="0" err="1"/>
+              <a:t>games</a:t>
+            </a:r>
+            <a:r>
+              <a:rPr lang="de-DE" dirty="0"/>
+              <a:t>. </a:t>
+            </a:r>
+            <a:r>
+              <a:rPr lang="de-DE" dirty="0" err="1"/>
+              <a:t>Coding</a:t>
+            </a:r>
+            <a:r>
+              <a:rPr lang="de-DE" dirty="0"/>
+              <a:t> </a:t>
+            </a:r>
+            <a:r>
+              <a:rPr lang="de-DE" dirty="0" err="1"/>
+              <a:t>mostly</a:t>
+            </a:r>
+            <a:r>
+              <a:rPr lang="de-DE" dirty="0"/>
+              <a:t> C++, but </a:t>
+            </a:r>
+            <a:r>
+              <a:rPr lang="de-DE" dirty="0" err="1"/>
+              <a:t>automating</a:t>
+            </a:r>
+            <a:r>
+              <a:rPr lang="de-DE" dirty="0"/>
+              <a:t> </a:t>
+            </a:r>
+            <a:r>
+              <a:rPr lang="de-DE" dirty="0" err="1"/>
+              <a:t>processes</a:t>
+            </a:r>
+            <a:r>
+              <a:rPr lang="de-DE" dirty="0"/>
+              <a:t> </a:t>
+            </a:r>
+            <a:r>
+              <a:rPr lang="de-DE" dirty="0" err="1"/>
+              <a:t>with</a:t>
+            </a:r>
+            <a:r>
+              <a:rPr lang="de-DE" dirty="0"/>
+              <a:t> PowerShell</a:t>
+            </a:r>
+          </a:p>
+          <a:p>
+            <a:endParaRPr lang="de-DE" dirty="0"/>
+          </a:p>
+          <a:p>
+            <a:r>
+              <a:rPr lang="de-DE" dirty="0" err="1"/>
+              <a:t>Evenings</a:t>
+            </a:r>
+            <a:r>
+              <a:rPr lang="de-DE" dirty="0"/>
+              <a:t> </a:t>
+            </a:r>
+            <a:r>
+              <a:rPr lang="de-DE" dirty="0" err="1"/>
+              <a:t>spent</a:t>
+            </a:r>
+            <a:r>
+              <a:rPr lang="de-DE" dirty="0"/>
+              <a:t> </a:t>
+            </a:r>
+            <a:r>
+              <a:rPr lang="de-DE" dirty="0" err="1"/>
+              <a:t>contributing</a:t>
+            </a:r>
+            <a:r>
+              <a:rPr lang="de-DE" dirty="0"/>
+              <a:t> </a:t>
+            </a:r>
+            <a:r>
+              <a:rPr lang="de-DE" dirty="0" err="1"/>
+              <a:t>to</a:t>
+            </a:r>
+            <a:r>
+              <a:rPr lang="de-DE" dirty="0"/>
+              <a:t> PowerShell</a:t>
+            </a:r>
+          </a:p>
+          <a:p>
+            <a:pPr marL="57150" indent="0">
+              <a:buNone/>
+            </a:pPr>
+            <a:r>
+              <a:rPr lang="de-DE" dirty="0">
+                <a:hlinkClick r:id="rId3"/>
+              </a:rPr>
+              <a:t>https://github.com/powercode</a:t>
+            </a:r>
+            <a:br>
+              <a:rPr lang="de-DE" dirty="0"/>
+            </a:br>
+            <a:r>
+              <a:rPr lang="de-DE" dirty="0"/>
+              <a:t>@</a:t>
+            </a:r>
+            <a:r>
+              <a:rPr lang="de-DE" dirty="0" err="1"/>
+              <a:t>StaffanGSon</a:t>
+            </a:r>
+            <a:endParaRPr lang="de-DE" dirty="0"/>
+          </a:p>
+          <a:p>
+            <a:pPr lvl="1"/>
+            <a:endParaRPr lang="de-DE" dirty="0"/>
+          </a:p>
+        </p:txBody>
+      </p:sp>
       <p:sp>
         <p:nvSpPr>
-          <p:cNvPr id="3" name="Rubrik 2"/>
+          <p:cNvPr id="3" name="Titel 2"/>
           <p:cNvSpPr>
             <a:spLocks noGrp="1"/>
           </p:cNvSpPr>
@@ -7331,16 +7477,17 @@
           <a:lstStyle/>
           <a:p>
             <a:r>
-              <a:rPr lang="en-US" dirty="0"/>
-              <a:t>Object allocation</a:t>
-            </a:r>
+              <a:rPr lang="de-DE" dirty="0" err="1"/>
+              <a:t>About_Author</a:t>
+            </a:r>
+            <a:endParaRPr lang="de-DE" dirty="0"/>
           </a:p>
         </p:txBody>
       </p:sp>
     </p:spTree>
     <p:extLst>
       <p:ext uri="{BB962C8B-B14F-4D97-AF65-F5344CB8AC3E}">
-        <p14:creationId xmlns:p14="http://schemas.microsoft.com/office/powerpoint/2010/main" val="2479219313"/>
+        <p14:creationId xmlns:p14="http://schemas.microsoft.com/office/powerpoint/2010/main" val="1783199960"/>
       </p:ext>
     </p:extLst>
   </p:cSld>
@@ -7349,12 +7496,12 @@
   </p:clrMapOvr>
   <mc:AlternateContent xmlns:mc="http://schemas.openxmlformats.org/markup-compatibility/2006" xmlns:p14="http://schemas.microsoft.com/office/powerpoint/2010/main">
     <mc:Choice Requires="p14">
-      <p:transition spd="slow" p14:dur="1300">
-        <p14:pan dir="u"/>
+      <p:transition spd="med" p14:dur="700">
+        <p:fade/>
       </p:transition>
     </mc:Choice>
     <mc:Fallback xmlns="">
-      <p:transition spd="slow">
+      <p:transition spd="med">
         <p:fade/>
       </p:transition>
     </mc:Fallback>
@@ -7790,7 +7937,7 @@
           <a:p>
             <a:r>
               <a:rPr lang="en-US" dirty="0"/>
-              <a:t>Iterating collections</a:t>
+              <a:t>Object allocation</a:t>
             </a:r>
           </a:p>
         </p:txBody>
@@ -7798,7 +7945,7 @@
     </p:spTree>
     <p:extLst>
       <p:ext uri="{BB962C8B-B14F-4D97-AF65-F5344CB8AC3E}">
-        <p14:creationId xmlns:p14="http://schemas.microsoft.com/office/powerpoint/2010/main" val="2050055630"/>
+        <p14:creationId xmlns:p14="http://schemas.microsoft.com/office/powerpoint/2010/main" val="2479219313"/>
       </p:ext>
     </p:extLst>
   </p:cSld>
@@ -7882,12 +8029,8 @@
           <a:lstStyle/>
           <a:p>
             <a:r>
-              <a:rPr lang="en-US" dirty="0" err="1"/>
-              <a:t>Enumating</a:t>
-            </a:r>
-            <a:r>
               <a:rPr lang="en-US" dirty="0"/>
-              <a:t> filesystem</a:t>
+              <a:t>Iterating collections</a:t>
             </a:r>
           </a:p>
         </p:txBody>
@@ -7895,7 +8038,7 @@
     </p:spTree>
     <p:extLst>
       <p:ext uri="{BB962C8B-B14F-4D97-AF65-F5344CB8AC3E}">
-        <p14:creationId xmlns:p14="http://schemas.microsoft.com/office/powerpoint/2010/main" val="2525902357"/>
+        <p14:creationId xmlns:p14="http://schemas.microsoft.com/office/powerpoint/2010/main" val="2050055630"/>
       </p:ext>
     </p:extLst>
   </p:cSld>
@@ -7979,12 +8122,12 @@
           <a:lstStyle/>
           <a:p>
             <a:r>
+              <a:rPr lang="en-US" dirty="0" err="1"/>
+              <a:t>Enumating</a:t>
+            </a:r>
+            <a:r>
               <a:rPr lang="en-US" dirty="0"/>
-              <a:t>Writing to </a:t>
-            </a:r>
-            <a:r>
-              <a:rPr lang="en-US"/>
-              <a:t>the pipeline</a:t>
+              <a:t> filesystem</a:t>
             </a:r>
           </a:p>
         </p:txBody>
@@ -7992,7 +8135,7 @@
     </p:spTree>
     <p:extLst>
       <p:ext uri="{BB962C8B-B14F-4D97-AF65-F5344CB8AC3E}">
-        <p14:creationId xmlns:p14="http://schemas.microsoft.com/office/powerpoint/2010/main" val="130955990"/>
+        <p14:creationId xmlns:p14="http://schemas.microsoft.com/office/powerpoint/2010/main" val="2525902357"/>
       </p:ext>
     </p:extLst>
   </p:cSld>
@@ -8077,6 +8220,99 @@
           <a:p>
             <a:r>
               <a:rPr lang="en-US" dirty="0"/>
+              <a:t>Writing to the pipeline</a:t>
+            </a:r>
+          </a:p>
+        </p:txBody>
+      </p:sp>
+    </p:spTree>
+    <p:extLst>
+      <p:ext uri="{BB962C8B-B14F-4D97-AF65-F5344CB8AC3E}">
+        <p14:creationId xmlns:p14="http://schemas.microsoft.com/office/powerpoint/2010/main" val="130955990"/>
+      </p:ext>
+    </p:extLst>
+  </p:cSld>
+  <p:clrMapOvr>
+    <a:masterClrMapping/>
+  </p:clrMapOvr>
+  <mc:AlternateContent xmlns:mc="http://schemas.openxmlformats.org/markup-compatibility/2006" xmlns:p14="http://schemas.microsoft.com/office/powerpoint/2010/main">
+    <mc:Choice Requires="p14">
+      <p:transition spd="slow" p14:dur="1300">
+        <p14:pan dir="u"/>
+      </p:transition>
+    </mc:Choice>
+    <mc:Fallback xmlns="">
+      <p:transition spd="slow">
+        <p:fade/>
+      </p:transition>
+    </mc:Fallback>
+  </mc:AlternateContent>
+</p:sld>
+</file>
+
+<file path=ppt/slides/slide24.xml><?xml version="1.0" encoding="utf-8"?>
+<p:sld xmlns:a="http://schemas.openxmlformats.org/drawingml/2006/main" xmlns:r="http://schemas.openxmlformats.org/officeDocument/2006/relationships" xmlns:p="http://schemas.openxmlformats.org/presentationml/2006/main">
+  <p:cSld>
+    <p:spTree>
+      <p:nvGrpSpPr>
+        <p:cNvPr id="1" name=""/>
+        <p:cNvGrpSpPr/>
+        <p:nvPr/>
+      </p:nvGrpSpPr>
+      <p:grpSpPr>
+        <a:xfrm>
+          <a:off x="0" y="0"/>
+          <a:ext cx="0" cy="0"/>
+          <a:chOff x="0" y="0"/>
+          <a:chExt cx="0" cy="0"/>
+        </a:xfrm>
+      </p:grpSpPr>
+      <p:pic>
+        <p:nvPicPr>
+          <p:cNvPr id="5" name="Platshållare för innehåll 4"/>
+          <p:cNvPicPr>
+            <a:picLocks noGrp="1" noChangeAspect="1"/>
+          </p:cNvPicPr>
+          <p:nvPr>
+            <p:ph idx="1"/>
+          </p:nvPr>
+        </p:nvPicPr>
+        <p:blipFill>
+          <a:blip r:embed="rId2">
+            <a:extLst>
+              <a:ext uri="{28A0092B-C50C-407E-A947-70E740481C1C}">
+                <a14:useLocalDpi xmlns:a14="http://schemas.microsoft.com/office/drawing/2010/main" val="0"/>
+              </a:ext>
+            </a:extLst>
+          </a:blip>
+          <a:stretch>
+            <a:fillRect/>
+          </a:stretch>
+        </p:blipFill>
+        <p:spPr>
+          <a:xfrm>
+            <a:off x="1277541" y="1916113"/>
+            <a:ext cx="6588917" cy="4392612"/>
+          </a:xfrm>
+        </p:spPr>
+      </p:pic>
+      <p:sp>
+        <p:nvSpPr>
+          <p:cNvPr id="3" name="Rubrik 2"/>
+          <p:cNvSpPr>
+            <a:spLocks noGrp="1"/>
+          </p:cNvSpPr>
+          <p:nvPr>
+            <p:ph type="title"/>
+          </p:nvPr>
+        </p:nvSpPr>
+        <p:spPr/>
+        <p:txBody>
+          <a:bodyPr/>
+          <a:lstStyle/>
+          <a:p>
+            <a:r>
+              <a:rPr lang="en-US" dirty="0"/>
               <a:t>Function call times</a:t>
             </a:r>
           </a:p>
@@ -8107,7 +8343,7 @@
 </p:sld>
 </file>
 
-<file path=ppt/slides/slide24.xml><?xml version="1.0" encoding="utf-8"?>
+<file path=ppt/slides/slide25.xml><?xml version="1.0" encoding="utf-8"?>
 <p:sld xmlns:a="http://schemas.openxmlformats.org/drawingml/2006/main" xmlns:r="http://schemas.openxmlformats.org/officeDocument/2006/relationships" xmlns:p="http://schemas.openxmlformats.org/presentationml/2006/main">
   <p:cSld>
     <p:spTree>

--- a/PSCONFEU_Perf2017.pptx
+++ b/PSCONFEU_Perf2017.pptx
@@ -385,6 +385,10 @@
     </p:ext>
   </p:extLst>
 </p:presentation>
+</file>
+
+<file path=ppt/revisionInfo.xml><?xml version="1.0" encoding="utf-8"?>
+<p1510:revInfo xmlns:a="http://schemas.openxmlformats.org/drawingml/2006/main" xmlns:r="http://schemas.openxmlformats.org/officeDocument/2006/relationships" xmlns:p1510="http://schemas.microsoft.com/office/powerpoint/2015/10/main"/>
 </file>
 
 <file path=ppt/handoutMasters/handoutMaster1.xml><?xml version="1.0" encoding="utf-8"?>
@@ -5770,12 +5774,8 @@
           <a:lstStyle/>
           <a:p>
             <a:r>
-              <a:rPr lang="de-DE" dirty="0"/>
-              <a:t>A Peek </a:t>
-            </a:r>
-            <a:r>
               <a:rPr lang="de-DE" dirty="0" err="1"/>
-              <a:t>Under</a:t>
+              <a:t>When</a:t>
             </a:r>
             <a:r>
               <a:rPr lang="de-DE" dirty="0"/>
@@ -5783,12 +5783,25 @@
             </a:r>
             <a:r>
               <a:rPr lang="de-DE" dirty="0" err="1"/>
-              <a:t>the</a:t>
-            </a:r>
-            <a:r>
-              <a:rPr lang="de-DE" dirty="0"/>
-              <a:t> Hood</a:t>
-            </a:r>
+              <a:t>every</a:t>
+            </a:r>
+            <a:r>
+              <a:rPr lang="de-DE" dirty="0"/>
+              <a:t> </a:t>
+            </a:r>
+            <a:r>
+              <a:rPr lang="de-DE" dirty="0" err="1"/>
+              <a:t>ms</a:t>
+            </a:r>
+            <a:r>
+              <a:rPr lang="de-DE" dirty="0"/>
+              <a:t> </a:t>
+            </a:r>
+            <a:r>
+              <a:rPr lang="de-DE" dirty="0" err="1"/>
+              <a:t>count</a:t>
+            </a:r>
+            <a:endParaRPr lang="de-DE" dirty="0"/>
           </a:p>
         </p:txBody>
       </p:sp>
@@ -7602,58 +7615,6 @@
             </a:r>
           </a:p>
           <a:p>
-            <a:pPr lvl="1"/>
-            <a:r>
-              <a:rPr lang="de-DE" dirty="0" err="1"/>
-              <a:t>Effective</a:t>
-            </a:r>
-            <a:r>
-              <a:rPr lang="de-DE" dirty="0"/>
-              <a:t> </a:t>
-            </a:r>
-            <a:r>
-              <a:rPr lang="de-DE" dirty="0" err="1"/>
-              <a:t>vs</a:t>
-            </a:r>
-            <a:r>
-              <a:rPr lang="de-DE" dirty="0"/>
-              <a:t> </a:t>
-            </a:r>
-            <a:r>
-              <a:rPr lang="de-DE" dirty="0" err="1"/>
-              <a:t>Efficient</a:t>
-            </a:r>
-            <a:endParaRPr lang="de-DE" dirty="0"/>
-          </a:p>
-          <a:p>
-            <a:pPr lvl="1"/>
-            <a:r>
-              <a:rPr lang="de-DE" dirty="0"/>
-              <a:t>Try </a:t>
-            </a:r>
-            <a:r>
-              <a:rPr lang="de-DE" dirty="0" err="1"/>
-              <a:t>to</a:t>
-            </a:r>
-            <a:r>
-              <a:rPr lang="de-DE" dirty="0"/>
-              <a:t> do </a:t>
-            </a:r>
-            <a:r>
-              <a:rPr lang="de-DE" dirty="0" err="1"/>
-              <a:t>less</a:t>
-            </a:r>
-            <a:r>
-              <a:rPr lang="de-DE" dirty="0"/>
-              <a:t> </a:t>
-            </a:r>
-            <a:r>
-              <a:rPr lang="de-DE" dirty="0" err="1"/>
-              <a:t>work</a:t>
-            </a:r>
-            <a:endParaRPr lang="de-DE" dirty="0"/>
-          </a:p>
-          <a:p>
             <a:r>
               <a:rPr lang="de-DE" dirty="0"/>
               <a:t>PowerShell</a:t>
@@ -7779,72 +7740,6 @@
             <a:pPr marL="914400" lvl="2" indent="0">
               <a:buNone/>
             </a:pPr>
-            <a:endParaRPr lang="de-DE" dirty="0"/>
-          </a:p>
-          <a:p>
-            <a:r>
-              <a:rPr lang="de-DE" dirty="0"/>
-              <a:t>Keep </a:t>
-            </a:r>
-            <a:r>
-              <a:rPr lang="de-DE" dirty="0" err="1"/>
-              <a:t>need</a:t>
-            </a:r>
-            <a:r>
-              <a:rPr lang="de-DE" dirty="0"/>
-              <a:t> </a:t>
-            </a:r>
-            <a:r>
-              <a:rPr lang="de-DE" dirty="0" err="1"/>
-              <a:t>for</a:t>
-            </a:r>
-            <a:r>
-              <a:rPr lang="de-DE" dirty="0"/>
-              <a:t> </a:t>
-            </a:r>
-            <a:r>
-              <a:rPr lang="de-DE" dirty="0" err="1"/>
-              <a:t>slides</a:t>
-            </a:r>
-            <a:r>
-              <a:rPr lang="de-DE" dirty="0"/>
-              <a:t> </a:t>
-            </a:r>
-            <a:r>
-              <a:rPr lang="de-DE" dirty="0" err="1"/>
-              <a:t>to</a:t>
-            </a:r>
-            <a:r>
-              <a:rPr lang="de-DE" dirty="0"/>
-              <a:t> a </a:t>
-            </a:r>
-            <a:r>
-              <a:rPr lang="de-DE" dirty="0" err="1"/>
-              <a:t>minimum</a:t>
-            </a:r>
-            <a:endParaRPr lang="de-DE" dirty="0"/>
-          </a:p>
-          <a:p>
-            <a:r>
-              <a:rPr lang="de-DE" dirty="0" err="1"/>
-              <a:t>Use</a:t>
-            </a:r>
-            <a:r>
-              <a:rPr lang="de-DE" dirty="0"/>
-              <a:t> </a:t>
-            </a:r>
-            <a:r>
-              <a:rPr lang="de-DE" dirty="0" err="1"/>
-              <a:t>demos</a:t>
-            </a:r>
-            <a:r>
-              <a:rPr lang="de-DE" dirty="0"/>
-              <a:t> </a:t>
-            </a:r>
-            <a:r>
-              <a:rPr lang="de-DE" dirty="0" err="1"/>
-              <a:t>instead</a:t>
-            </a:r>
             <a:endParaRPr lang="de-DE" dirty="0"/>
           </a:p>
         </p:txBody>
@@ -9509,7 +9404,31 @@
             </a:r>
             <a:r>
               <a:rPr lang="de-DE" dirty="0" err="1"/>
-              <a:t>varies</a:t>
+              <a:t>of</a:t>
+            </a:r>
+            <a:r>
+              <a:rPr lang="de-DE" dirty="0"/>
+              <a:t> </a:t>
+            </a:r>
+            <a:r>
+              <a:rPr lang="de-DE" dirty="0" err="1"/>
+              <a:t>these</a:t>
+            </a:r>
+            <a:r>
+              <a:rPr lang="de-DE" dirty="0"/>
+              <a:t> </a:t>
+            </a:r>
+            <a:r>
+              <a:rPr lang="de-DE" dirty="0" err="1"/>
+              <a:t>are</a:t>
+            </a:r>
+            <a:r>
+              <a:rPr lang="de-DE" dirty="0"/>
+              <a:t> _not_ </a:t>
+            </a:r>
+            <a:r>
+              <a:rPr lang="de-DE"/>
+              <a:t>equal</a:t>
             </a:r>
             <a:endParaRPr lang="de-DE" dirty="0"/>
           </a:p>

--- a/PSCONFEU_Perf2017.pptx
+++ b/PSCONFEU_Perf2017.pptx
@@ -10560,76 +10560,37 @@
               <a:rPr lang="de-DE" sz="2000" dirty="0">
                 <a:latin typeface="Consolas" panose="020B0609020204030204" pitchFamily="49" charset="0"/>
               </a:rPr>
-              <a:t> </a:t>
-            </a:r>
-          </a:p>
-          <a:p>
-            <a:pPr lvl="2"/>
+              <a:t>, </a:t>
+            </a:r>
             <a:r>
               <a:rPr lang="de-DE" sz="2000" dirty="0" err="1">
                 <a:latin typeface="Consolas" panose="020B0609020204030204" pitchFamily="49" charset="0"/>
               </a:rPr>
-              <a:t>Our</a:t>
-            </a:r>
-            <a:r>
-              <a:rPr lang="de-DE" sz="2000" dirty="0">
-                <a:latin typeface="Consolas" panose="020B0609020204030204" pitchFamily="49" charset="0"/>
-              </a:rPr>
-              <a:t> </a:t>
-            </a:r>
-            <a:r>
-              <a:rPr lang="de-DE" sz="2000" dirty="0" err="1">
-                <a:latin typeface="Consolas" panose="020B0609020204030204" pitchFamily="49" charset="0"/>
-              </a:rPr>
-              <a:t>interactive</a:t>
-            </a:r>
-            <a:r>
-              <a:rPr lang="de-DE" sz="2000" dirty="0">
-                <a:latin typeface="Consolas" panose="020B0609020204030204" pitchFamily="49" charset="0"/>
-              </a:rPr>
-              <a:t> </a:t>
-            </a:r>
-            <a:r>
-              <a:rPr lang="de-DE" sz="2000" dirty="0" err="1">
-                <a:latin typeface="Consolas" panose="020B0609020204030204" pitchFamily="49" charset="0"/>
-              </a:rPr>
-              <a:t>work</a:t>
-            </a:r>
-            <a:r>
-              <a:rPr lang="de-DE" sz="2000" dirty="0">
-                <a:latin typeface="Consolas" panose="020B0609020204030204" pitchFamily="49" charset="0"/>
-              </a:rPr>
-              <a:t> </a:t>
-            </a:r>
-            <a:r>
-              <a:rPr lang="de-DE" sz="2000" dirty="0" err="1">
-                <a:latin typeface="Consolas" panose="020B0609020204030204" pitchFamily="49" charset="0"/>
-              </a:rPr>
-              <a:t>horse</a:t>
+              <a:t>cmdlet</a:t>
             </a:r>
             <a:endParaRPr lang="de-DE" sz="2000" dirty="0">
               <a:latin typeface="Consolas" panose="020B0609020204030204" pitchFamily="49" charset="0"/>
             </a:endParaRPr>
           </a:p>
           <a:p>
-            <a:pPr lvl="1"/>
+            <a:pPr lvl="2"/>
             <a:r>
               <a:rPr lang="de-DE" sz="2000" dirty="0" err="1">
                 <a:latin typeface="Consolas" panose="020B0609020204030204" pitchFamily="49" charset="0"/>
               </a:rPr>
-              <a:t>foreach</a:t>
+              <a:t>Our</a:t>
             </a:r>
             <a:r>
               <a:rPr lang="de-DE" sz="2000" dirty="0">
                 <a:latin typeface="Consolas" panose="020B0609020204030204" pitchFamily="49" charset="0"/>
               </a:rPr>
-              <a:t> (</a:t>
+              <a:t> </a:t>
             </a:r>
             <a:r>
               <a:rPr lang="de-DE" sz="2000" dirty="0" err="1">
                 <a:latin typeface="Consolas" panose="020B0609020204030204" pitchFamily="49" charset="0"/>
               </a:rPr>
-              <a:t>language</a:t>
+              <a:t>interactive</a:t>
             </a:r>
             <a:r>
               <a:rPr lang="de-DE" sz="2000" dirty="0">
@@ -10641,52 +10602,19 @@
               <a:rPr lang="de-DE" sz="2000" dirty="0" err="1">
                 <a:latin typeface="Consolas" panose="020B0609020204030204" pitchFamily="49" charset="0"/>
               </a:rPr>
-              <a:t>construct</a:t>
+              <a:t>work</a:t>
             </a:r>
             <a:r>
               <a:rPr lang="de-DE" sz="2000" dirty="0">
                 <a:latin typeface="Consolas" panose="020B0609020204030204" pitchFamily="49" charset="0"/>
               </a:rPr>
-              <a:t>)</a:t>
-            </a:r>
-          </a:p>
-          <a:p>
-            <a:pPr lvl="2"/>
-            <a:r>
-              <a:rPr lang="de-DE" sz="2000" dirty="0">
-                <a:latin typeface="Consolas" panose="020B0609020204030204" pitchFamily="49" charset="0"/>
-              </a:rPr>
-              <a:t>Not </a:t>
+              <a:t> </a:t>
             </a:r>
             <a:r>
               <a:rPr lang="de-DE" sz="2000" dirty="0" err="1">
                 <a:latin typeface="Consolas" panose="020B0609020204030204" pitchFamily="49" charset="0"/>
               </a:rPr>
-              <a:t>as</a:t>
-            </a:r>
-            <a:r>
-              <a:rPr lang="de-DE" sz="2000" dirty="0">
-                <a:latin typeface="Consolas" panose="020B0609020204030204" pitchFamily="49" charset="0"/>
-              </a:rPr>
-              <a:t> </a:t>
-            </a:r>
-            <a:r>
-              <a:rPr lang="de-DE" sz="2000" dirty="0" err="1">
-                <a:latin typeface="Consolas" panose="020B0609020204030204" pitchFamily="49" charset="0"/>
-              </a:rPr>
-              <a:t>pipeline</a:t>
-            </a:r>
-            <a:r>
-              <a:rPr lang="de-DE" sz="2000" dirty="0">
-                <a:latin typeface="Consolas" panose="020B0609020204030204" pitchFamily="49" charset="0"/>
-              </a:rPr>
-              <a:t> </a:t>
-            </a:r>
-            <a:r>
-              <a:rPr lang="de-DE" sz="2000" dirty="0" err="1">
-                <a:latin typeface="Consolas" panose="020B0609020204030204" pitchFamily="49" charset="0"/>
-              </a:rPr>
-              <a:t>friendly</a:t>
+              <a:t>horse</a:t>
             </a:r>
             <a:endParaRPr lang="de-DE" sz="2000" dirty="0">
               <a:latin typeface="Consolas" panose="020B0609020204030204" pitchFamily="49" charset="0"/>
@@ -10695,37 +10623,79 @@
           <a:p>
             <a:pPr lvl="1"/>
             <a:r>
+              <a:rPr lang="de-DE" sz="2000" dirty="0" err="1">
+                <a:latin typeface="Consolas" panose="020B0609020204030204" pitchFamily="49" charset="0"/>
+              </a:rPr>
+              <a:t>foreach</a:t>
+            </a:r>
+            <a:r>
               <a:rPr lang="de-DE" sz="2000" dirty="0">
                 <a:latin typeface="Consolas" panose="020B0609020204030204" pitchFamily="49" charset="0"/>
               </a:rPr>
-              <a:t>.</a:t>
+              <a:t> (</a:t>
             </a:r>
             <a:r>
               <a:rPr lang="de-DE" sz="2000" dirty="0" err="1">
                 <a:latin typeface="Consolas" panose="020B0609020204030204" pitchFamily="49" charset="0"/>
               </a:rPr>
-              <a:t>Foreach</a:t>
+              <a:t>language</a:t>
             </a:r>
             <a:r>
               <a:rPr lang="de-DE" sz="2000" dirty="0">
                 <a:latin typeface="Consolas" panose="020B0609020204030204" pitchFamily="49" charset="0"/>
               </a:rPr>
-              <a:t>{}</a:t>
-            </a:r>
-          </a:p>
-          <a:p>
-            <a:pPr lvl="2"/>
+              <a:t> </a:t>
+            </a:r>
+            <a:r>
+              <a:rPr lang="de-DE" sz="2000" dirty="0" err="1">
+                <a:latin typeface="Consolas" panose="020B0609020204030204" pitchFamily="49" charset="0"/>
+              </a:rPr>
+              <a:t>construct</a:t>
+            </a:r>
             <a:r>
               <a:rPr lang="de-DE" sz="2000" dirty="0">
                 <a:latin typeface="Consolas" panose="020B0609020204030204" pitchFamily="49" charset="0"/>
               </a:rPr>
-              <a:t>Magic </a:t>
+              <a:t>)</a:t>
+            </a:r>
+          </a:p>
+          <a:p>
+            <a:pPr lvl="2"/>
+            <a:r>
+              <a:rPr lang="de-DE" sz="2000" dirty="0">
+                <a:latin typeface="Consolas" panose="020B0609020204030204" pitchFamily="49" charset="0"/>
+              </a:rPr>
+              <a:t>Not </a:t>
             </a:r>
             <a:r>
               <a:rPr lang="de-DE" sz="2000" dirty="0" err="1">
                 <a:latin typeface="Consolas" panose="020B0609020204030204" pitchFamily="49" charset="0"/>
               </a:rPr>
-              <a:t>method</a:t>
+              <a:t>as</a:t>
+            </a:r>
+            <a:r>
+              <a:rPr lang="de-DE" sz="2000" dirty="0">
+                <a:latin typeface="Consolas" panose="020B0609020204030204" pitchFamily="49" charset="0"/>
+              </a:rPr>
+              <a:t> </a:t>
+            </a:r>
+            <a:r>
+              <a:rPr lang="de-DE" sz="2000" dirty="0" err="1">
+                <a:latin typeface="Consolas" panose="020B0609020204030204" pitchFamily="49" charset="0"/>
+              </a:rPr>
+              <a:t>pipeline</a:t>
+            </a:r>
+            <a:r>
+              <a:rPr lang="de-DE" sz="2000" dirty="0">
+                <a:latin typeface="Consolas" panose="020B0609020204030204" pitchFamily="49" charset="0"/>
+              </a:rPr>
+              <a:t> </a:t>
+            </a:r>
+            <a:r>
+              <a:rPr lang="de-DE" sz="2000" dirty="0" err="1">
+                <a:latin typeface="Consolas" panose="020B0609020204030204" pitchFamily="49" charset="0"/>
+              </a:rPr>
+              <a:t>friendly</a:t>
             </a:r>
             <a:endParaRPr lang="de-DE" sz="2000" dirty="0">
               <a:latin typeface="Consolas" panose="020B0609020204030204" pitchFamily="49" charset="0"/>
@@ -10734,14 +10704,152 @@
           <a:p>
             <a:pPr lvl="1"/>
             <a:r>
+              <a:rPr lang="de-DE" sz="2000" dirty="0">
+                <a:latin typeface="Consolas" panose="020B0609020204030204" pitchFamily="49" charset="0"/>
+              </a:rPr>
+              <a:t>.</a:t>
+            </a:r>
+            <a:r>
               <a:rPr lang="de-DE" sz="2000" dirty="0" err="1">
                 <a:latin typeface="Consolas" panose="020B0609020204030204" pitchFamily="49" charset="0"/>
               </a:rPr>
+              <a:t>Foreach</a:t>
+            </a:r>
+            <a:r>
+              <a:rPr lang="de-DE" sz="2000" dirty="0">
+                <a:latin typeface="Consolas" panose="020B0609020204030204" pitchFamily="49" charset="0"/>
+              </a:rPr>
+              <a:t>{}</a:t>
+            </a:r>
+          </a:p>
+          <a:p>
+            <a:pPr lvl="2"/>
+            <a:r>
+              <a:rPr lang="de-DE" sz="2000" dirty="0">
+                <a:latin typeface="Consolas" panose="020B0609020204030204" pitchFamily="49" charset="0"/>
+              </a:rPr>
+              <a:t>Magic </a:t>
+            </a:r>
+            <a:r>
+              <a:rPr lang="de-DE" sz="2000" dirty="0" err="1">
+                <a:latin typeface="Consolas" panose="020B0609020204030204" pitchFamily="49" charset="0"/>
+              </a:rPr>
+              <a:t>method</a:t>
+            </a:r>
+            <a:r>
+              <a:rPr lang="de-DE" sz="2000" dirty="0">
+                <a:latin typeface="Consolas" panose="020B0609020204030204" pitchFamily="49" charset="0"/>
+              </a:rPr>
+              <a:t>, </a:t>
+            </a:r>
+            <a:r>
+              <a:rPr lang="de-DE" sz="2000" dirty="0" err="1">
+                <a:latin typeface="Consolas" panose="020B0609020204030204" pitchFamily="49" charset="0"/>
+              </a:rPr>
+              <a:t>trades</a:t>
+            </a:r>
+            <a:r>
+              <a:rPr lang="de-DE" sz="2000" dirty="0">
+                <a:latin typeface="Consolas" panose="020B0609020204030204" pitchFamily="49" charset="0"/>
+              </a:rPr>
+              <a:t> </a:t>
+            </a:r>
+            <a:r>
+              <a:rPr lang="de-DE" sz="2000" dirty="0" err="1">
+                <a:latin typeface="Consolas" panose="020B0609020204030204" pitchFamily="49" charset="0"/>
+              </a:rPr>
+              <a:t>memory</a:t>
+            </a:r>
+            <a:r>
+              <a:rPr lang="de-DE" sz="2000" dirty="0">
+                <a:latin typeface="Consolas" panose="020B0609020204030204" pitchFamily="49" charset="0"/>
+              </a:rPr>
+              <a:t> </a:t>
+            </a:r>
+            <a:r>
+              <a:rPr lang="de-DE" sz="2000" dirty="0" err="1">
+                <a:latin typeface="Consolas" panose="020B0609020204030204" pitchFamily="49" charset="0"/>
+              </a:rPr>
               <a:t>for</a:t>
+            </a:r>
+            <a:r>
+              <a:rPr lang="de-DE" sz="2000" dirty="0">
+                <a:latin typeface="Consolas" panose="020B0609020204030204" pitchFamily="49" charset="0"/>
+              </a:rPr>
+              <a:t> </a:t>
+            </a:r>
+            <a:r>
+              <a:rPr lang="de-DE" sz="2000" dirty="0" err="1">
+                <a:latin typeface="Consolas" panose="020B0609020204030204" pitchFamily="49" charset="0"/>
+              </a:rPr>
+              <a:t>speed</a:t>
             </a:r>
             <a:endParaRPr lang="de-DE" sz="2000" dirty="0">
               <a:latin typeface="Consolas" panose="020B0609020204030204" pitchFamily="49" charset="0"/>
             </a:endParaRPr>
+          </a:p>
+          <a:p>
+            <a:pPr lvl="1"/>
+            <a:r>
+              <a:rPr lang="de-DE" sz="2000" dirty="0" err="1">
+                <a:latin typeface="Consolas" panose="020B0609020204030204" pitchFamily="49" charset="0"/>
+              </a:rPr>
+              <a:t>for</a:t>
+            </a:r>
+            <a:r>
+              <a:rPr lang="de-DE" sz="2000" dirty="0">
+                <a:latin typeface="Consolas" panose="020B0609020204030204" pitchFamily="49" charset="0"/>
+              </a:rPr>
+              <a:t> </a:t>
+            </a:r>
+            <a:r>
+              <a:rPr lang="de-DE" sz="2000" dirty="0" err="1">
+                <a:latin typeface="Consolas" panose="020B0609020204030204" pitchFamily="49" charset="0"/>
+              </a:rPr>
+              <a:t>loop</a:t>
+            </a:r>
+            <a:r>
+              <a:rPr lang="de-DE" sz="2000" dirty="0">
+                <a:latin typeface="Consolas" panose="020B0609020204030204" pitchFamily="49" charset="0"/>
+              </a:rPr>
+              <a:t> </a:t>
+            </a:r>
+            <a:r>
+              <a:rPr lang="de-DE" sz="2000" dirty="0" err="1">
+                <a:latin typeface="Consolas" panose="020B0609020204030204" pitchFamily="49" charset="0"/>
+              </a:rPr>
+              <a:t>with</a:t>
+            </a:r>
+            <a:r>
+              <a:rPr lang="de-DE" sz="2000" dirty="0">
+                <a:latin typeface="Consolas" panose="020B0609020204030204" pitchFamily="49" charset="0"/>
+              </a:rPr>
+              <a:t> </a:t>
+            </a:r>
+            <a:r>
+              <a:rPr lang="de-DE" sz="2000" dirty="0" err="1">
+                <a:latin typeface="Consolas" panose="020B0609020204030204" pitchFamily="49" charset="0"/>
+              </a:rPr>
+              <a:t>incremented</a:t>
+            </a:r>
+            <a:r>
+              <a:rPr lang="de-DE" sz="2000" dirty="0">
+                <a:latin typeface="Consolas" panose="020B0609020204030204" pitchFamily="49" charset="0"/>
+              </a:rPr>
+              <a:t> </a:t>
+            </a:r>
+            <a:r>
+              <a:rPr lang="de-DE" sz="2000" dirty="0" err="1">
+                <a:latin typeface="Consolas" panose="020B0609020204030204" pitchFamily="49" charset="0"/>
+              </a:rPr>
+              <a:t>loop</a:t>
+            </a:r>
+            <a:r>
+              <a:rPr lang="de-DE" sz="2000" dirty="0">
+                <a:latin typeface="Consolas" panose="020B0609020204030204" pitchFamily="49" charset="0"/>
+              </a:rPr>
+              <a:t> variable</a:t>
+            </a:r>
           </a:p>
           <a:p>
             <a:pPr lvl="1"/>

--- a/PSCONFEU_Perf2017.pptx
+++ b/PSCONFEU_Perf2017.pptx
@@ -6181,6 +6181,21 @@
               <a:t>Non-captured objects</a:t>
             </a:r>
           </a:p>
+          <a:p>
+            <a:pPr lvl="1"/>
+            <a:endParaRPr lang="en-US" dirty="0"/>
+          </a:p>
+          <a:p>
+            <a:r>
+              <a:rPr lang="en-US" dirty="0"/>
+              <a:t>Each in two variants, enumerated </a:t>
+            </a:r>
+            <a:r>
+              <a:rPr lang="en-US"/>
+              <a:t>and non-enumerated</a:t>
+            </a:r>
+            <a:endParaRPr lang="en-US" dirty="0"/>
+          </a:p>
         </p:txBody>
       </p:sp>
       <p:sp>
@@ -10728,7 +10743,7 @@
               <a:rPr lang="de-DE" sz="2000" dirty="0">
                 <a:latin typeface="Consolas" panose="020B0609020204030204" pitchFamily="49" charset="0"/>
               </a:rPr>
-              <a:t>Magic </a:t>
+              <a:t>„Magic“ </a:t>
             </a:r>
             <a:r>
               <a:rPr lang="de-DE" sz="2000" dirty="0" err="1">
@@ -10850,6 +10865,41 @@
               </a:rPr>
               <a:t> variable</a:t>
             </a:r>
+          </a:p>
+          <a:p>
+            <a:r>
+              <a:rPr lang="de-DE" sz="2400" dirty="0" err="1">
+                <a:latin typeface="Consolas" panose="020B0609020204030204" pitchFamily="49" charset="0"/>
+              </a:rPr>
+              <a:t>With</a:t>
+            </a:r>
+            <a:r>
+              <a:rPr lang="de-DE" sz="2400" dirty="0">
+                <a:latin typeface="Consolas" panose="020B0609020204030204" pitchFamily="49" charset="0"/>
+              </a:rPr>
+              <a:t> </a:t>
+            </a:r>
+            <a:r>
+              <a:rPr lang="de-DE" sz="2400" dirty="0" err="1">
+                <a:latin typeface="Consolas" panose="020B0609020204030204" pitchFamily="49" charset="0"/>
+              </a:rPr>
+              <a:t>or</a:t>
+            </a:r>
+            <a:r>
+              <a:rPr lang="de-DE" sz="2400" dirty="0">
+                <a:latin typeface="Consolas" panose="020B0609020204030204" pitchFamily="49" charset="0"/>
+              </a:rPr>
+              <a:t> w/o </a:t>
+            </a:r>
+            <a:r>
+              <a:rPr lang="de-DE" sz="2400" dirty="0" err="1">
+                <a:latin typeface="Consolas" panose="020B0609020204030204" pitchFamily="49" charset="0"/>
+              </a:rPr>
+              <a:t>pipeline</a:t>
+            </a:r>
+            <a:endParaRPr lang="de-DE" sz="2400" dirty="0">
+              <a:latin typeface="Consolas" panose="020B0609020204030204" pitchFamily="49" charset="0"/>
+            </a:endParaRPr>
           </a:p>
           <a:p>
             <a:pPr lvl="1"/>

--- a/PSCONFEU_Perf2017.pptx
+++ b/PSCONFEU_Perf2017.pptx
@@ -6188,13 +6188,8 @@
           <a:p>
             <a:r>
               <a:rPr lang="en-US" dirty="0"/>
-              <a:t>Each in two variants, enumerated </a:t>
-            </a:r>
-            <a:r>
-              <a:rPr lang="en-US"/>
-              <a:t>and non-enumerated</a:t>
-            </a:r>
-            <a:endParaRPr lang="en-US" dirty="0"/>
+              <a:t>Each in two variants, enumerated and non-enumerated</a:t>
+            </a:r>
           </a:p>
         </p:txBody>
       </p:sp>
@@ -6630,66 +6625,66 @@
               </a:lnSpc>
             </a:pPr>
             <a:r>
-              <a:rPr lang="de-DE" dirty="0" err="1"/>
+              <a:rPr lang="de-DE" sz="2400" dirty="0" err="1"/>
               <a:t>Make</a:t>
             </a:r>
             <a:r>
-              <a:rPr lang="de-DE" dirty="0"/>
-              <a:t> </a:t>
-            </a:r>
-            <a:r>
-              <a:rPr lang="de-DE" dirty="0" err="1"/>
+              <a:rPr lang="de-DE" sz="2400" dirty="0"/>
+              <a:t> </a:t>
+            </a:r>
+            <a:r>
+              <a:rPr lang="de-DE" sz="2400" dirty="0" err="1"/>
               <a:t>sure</a:t>
             </a:r>
             <a:r>
-              <a:rPr lang="de-DE" dirty="0"/>
-              <a:t> </a:t>
-            </a:r>
-            <a:r>
-              <a:rPr lang="de-DE" dirty="0" err="1"/>
+              <a:rPr lang="de-DE" sz="2400" dirty="0"/>
+              <a:t> </a:t>
+            </a:r>
+            <a:r>
+              <a:rPr lang="de-DE" sz="2400" dirty="0" err="1"/>
               <a:t>your</a:t>
             </a:r>
             <a:r>
-              <a:rPr lang="de-DE" dirty="0"/>
-              <a:t> </a:t>
-            </a:r>
-            <a:r>
-              <a:rPr lang="de-DE" dirty="0" err="1"/>
+              <a:rPr lang="de-DE" sz="2400" dirty="0"/>
+              <a:t> </a:t>
+            </a:r>
+            <a:r>
+              <a:rPr lang="de-DE" sz="2400" dirty="0" err="1"/>
               <a:t>functions</a:t>
             </a:r>
             <a:r>
-              <a:rPr lang="de-DE" dirty="0"/>
+              <a:rPr lang="de-DE" sz="2400" dirty="0"/>
               <a:t>/</a:t>
             </a:r>
             <a:r>
-              <a:rPr lang="de-DE" dirty="0" err="1"/>
+              <a:rPr lang="de-DE" sz="2400" dirty="0" err="1"/>
               <a:t>cmdlets</a:t>
             </a:r>
             <a:r>
-              <a:rPr lang="de-DE" dirty="0"/>
-              <a:t> </a:t>
-            </a:r>
-            <a:r>
-              <a:rPr lang="de-DE" dirty="0" err="1"/>
+              <a:rPr lang="de-DE" sz="2400" dirty="0"/>
+              <a:t> </a:t>
+            </a:r>
+            <a:r>
+              <a:rPr lang="de-DE" sz="2400" dirty="0" err="1"/>
               <a:t>provides</a:t>
             </a:r>
             <a:r>
-              <a:rPr lang="de-DE" dirty="0"/>
-              <a:t> </a:t>
-            </a:r>
-            <a:r>
-              <a:rPr lang="de-DE" dirty="0" err="1"/>
+              <a:rPr lang="de-DE" sz="2400" dirty="0"/>
+              <a:t> </a:t>
+            </a:r>
+            <a:r>
+              <a:rPr lang="de-DE" sz="2400" dirty="0" err="1"/>
               <a:t>array</a:t>
             </a:r>
             <a:r>
-              <a:rPr lang="de-DE" dirty="0"/>
-              <a:t> </a:t>
-            </a:r>
-            <a:r>
-              <a:rPr lang="de-DE" dirty="0" err="1"/>
+              <a:rPr lang="de-DE" sz="2400" dirty="0"/>
+              <a:t> </a:t>
+            </a:r>
+            <a:r>
+              <a:rPr lang="de-DE" sz="2400" dirty="0" err="1"/>
               <a:t>input</a:t>
             </a:r>
-            <a:endParaRPr lang="de-DE" dirty="0"/>
+            <a:endParaRPr lang="de-DE" sz="2400" dirty="0"/>
           </a:p>
           <a:p>
             <a:pPr>
@@ -6698,58 +6693,58 @@
               </a:lnSpc>
             </a:pPr>
             <a:r>
-              <a:rPr lang="de-DE" dirty="0" err="1"/>
+              <a:rPr lang="de-DE" sz="2400" dirty="0" err="1"/>
               <a:t>Avoid</a:t>
             </a:r>
             <a:r>
-              <a:rPr lang="de-DE" dirty="0"/>
-              <a:t> </a:t>
-            </a:r>
-            <a:r>
-              <a:rPr lang="de-DE" dirty="0" err="1"/>
+              <a:rPr lang="de-DE" sz="2400" dirty="0"/>
+              <a:t> </a:t>
+            </a:r>
+            <a:r>
+              <a:rPr lang="de-DE" sz="2400" dirty="0" err="1"/>
               <a:t>the</a:t>
             </a:r>
             <a:r>
-              <a:rPr lang="de-DE" dirty="0"/>
-              <a:t> </a:t>
-            </a:r>
-            <a:r>
-              <a:rPr lang="de-DE" dirty="0" err="1"/>
+              <a:rPr lang="de-DE" sz="2400" dirty="0"/>
+              <a:t> </a:t>
+            </a:r>
+            <a:r>
+              <a:rPr lang="de-DE" sz="2400" dirty="0" err="1"/>
               <a:t>pipeline</a:t>
             </a:r>
             <a:r>
-              <a:rPr lang="de-DE" dirty="0"/>
-              <a:t> </a:t>
-            </a:r>
-            <a:r>
-              <a:rPr lang="de-DE" dirty="0" err="1"/>
+              <a:rPr lang="de-DE" sz="2400" dirty="0"/>
+              <a:t> </a:t>
+            </a:r>
+            <a:r>
+              <a:rPr lang="de-DE" sz="2400" dirty="0" err="1"/>
               <a:t>where</a:t>
             </a:r>
             <a:r>
-              <a:rPr lang="de-DE" dirty="0"/>
-              <a:t> </a:t>
-            </a:r>
-            <a:r>
-              <a:rPr lang="de-DE" dirty="0" err="1"/>
+              <a:rPr lang="de-DE" sz="2400" dirty="0"/>
+              <a:t> </a:t>
+            </a:r>
+            <a:r>
+              <a:rPr lang="de-DE" sz="2400" dirty="0" err="1"/>
               <a:t>performance</a:t>
             </a:r>
             <a:r>
-              <a:rPr lang="de-DE" dirty="0"/>
-              <a:t> </a:t>
-            </a:r>
-            <a:r>
-              <a:rPr lang="de-DE" dirty="0" err="1"/>
+              <a:rPr lang="de-DE" sz="2400" dirty="0"/>
+              <a:t> </a:t>
+            </a:r>
+            <a:r>
+              <a:rPr lang="de-DE" sz="2400" dirty="0" err="1"/>
               <a:t>is</a:t>
             </a:r>
             <a:r>
-              <a:rPr lang="de-DE" dirty="0"/>
-              <a:t> </a:t>
-            </a:r>
-            <a:r>
-              <a:rPr lang="de-DE" dirty="0" err="1"/>
+              <a:rPr lang="de-DE" sz="2400" dirty="0"/>
+              <a:t> </a:t>
+            </a:r>
+            <a:r>
+              <a:rPr lang="de-DE" sz="2400" dirty="0" err="1"/>
               <a:t>important</a:t>
             </a:r>
-            <a:endParaRPr lang="de-DE" dirty="0"/>
+            <a:endParaRPr lang="de-DE" sz="2400" dirty="0"/>
           </a:p>
           <a:p>
             <a:pPr lvl="1">
@@ -6758,38 +6753,38 @@
               </a:lnSpc>
             </a:pPr>
             <a:r>
-              <a:rPr lang="de-DE" dirty="0"/>
+              <a:rPr lang="de-DE" sz="2000" dirty="0"/>
               <a:t>Pass </a:t>
             </a:r>
             <a:r>
-              <a:rPr lang="de-DE" dirty="0" err="1"/>
+              <a:rPr lang="de-DE" sz="2000" dirty="0" err="1"/>
               <a:t>arguments</a:t>
             </a:r>
             <a:r>
-              <a:rPr lang="de-DE" dirty="0"/>
-              <a:t> </a:t>
-            </a:r>
-            <a:r>
-              <a:rPr lang="de-DE" dirty="0" err="1"/>
+              <a:rPr lang="de-DE" sz="2000" dirty="0"/>
+              <a:t> </a:t>
+            </a:r>
+            <a:r>
+              <a:rPr lang="de-DE" sz="2000" dirty="0" err="1"/>
               <a:t>as</a:t>
             </a:r>
             <a:r>
-              <a:rPr lang="de-DE" dirty="0"/>
-              <a:t> </a:t>
-            </a:r>
-            <a:r>
-              <a:rPr lang="de-DE" dirty="0" err="1"/>
+              <a:rPr lang="de-DE" sz="2000" dirty="0"/>
+              <a:t> </a:t>
+            </a:r>
+            <a:r>
+              <a:rPr lang="de-DE" sz="2000" dirty="0" err="1"/>
               <a:t>arrays</a:t>
             </a:r>
             <a:r>
-              <a:rPr lang="de-DE" dirty="0"/>
-              <a:t> </a:t>
-            </a:r>
-            <a:r>
-              <a:rPr lang="de-DE" dirty="0" err="1"/>
+              <a:rPr lang="de-DE" sz="2000" dirty="0"/>
+              <a:t> </a:t>
+            </a:r>
+            <a:r>
+              <a:rPr lang="de-DE" sz="2000" dirty="0" err="1"/>
               <a:t>instead</a:t>
             </a:r>
-            <a:endParaRPr lang="de-DE" dirty="0"/>
+            <a:endParaRPr lang="de-DE" sz="2000" dirty="0"/>
           </a:p>
           <a:p>
             <a:pPr lvl="1">
@@ -6798,34 +6793,34 @@
               </a:lnSpc>
             </a:pPr>
             <a:r>
-              <a:rPr lang="de-DE" dirty="0" err="1"/>
+              <a:rPr lang="de-DE" sz="2000" dirty="0" err="1"/>
               <a:t>Prefer</a:t>
             </a:r>
             <a:r>
-              <a:rPr lang="de-DE" dirty="0"/>
-              <a:t> </a:t>
-            </a:r>
-            <a:r>
-              <a:rPr lang="de-DE" dirty="0" err="1"/>
+              <a:rPr lang="de-DE" sz="2000" dirty="0"/>
+              <a:t> </a:t>
+            </a:r>
+            <a:r>
+              <a:rPr lang="de-DE" sz="2000" dirty="0" err="1"/>
               <a:t>looping</a:t>
             </a:r>
             <a:r>
-              <a:rPr lang="de-DE" dirty="0"/>
+              <a:rPr lang="de-DE" sz="2000" dirty="0"/>
               <a:t> / </a:t>
             </a:r>
             <a:r>
-              <a:rPr lang="de-DE" dirty="0" err="1"/>
+              <a:rPr lang="de-DE" sz="2000" dirty="0" err="1"/>
               <a:t>magic</a:t>
             </a:r>
             <a:r>
-              <a:rPr lang="de-DE" dirty="0"/>
-              <a:t> </a:t>
-            </a:r>
-            <a:r>
-              <a:rPr lang="de-DE" dirty="0" err="1"/>
+              <a:rPr lang="de-DE" sz="2000" dirty="0"/>
+              <a:t> </a:t>
+            </a:r>
+            <a:r>
+              <a:rPr lang="de-DE" sz="2000" dirty="0" err="1"/>
               <a:t>methods</a:t>
             </a:r>
-            <a:endParaRPr lang="de-DE" dirty="0"/>
+            <a:endParaRPr lang="de-DE" sz="2000" dirty="0"/>
           </a:p>
           <a:p>
             <a:pPr>
@@ -6834,46 +6829,46 @@
               </a:lnSpc>
             </a:pPr>
             <a:r>
-              <a:rPr lang="de-DE" dirty="0"/>
+              <a:rPr lang="de-DE" sz="2400" dirty="0"/>
               <a:t>Drop down </a:t>
             </a:r>
             <a:r>
-              <a:rPr lang="de-DE" dirty="0" err="1"/>
+              <a:rPr lang="de-DE" sz="2400" dirty="0" err="1"/>
               <a:t>to</a:t>
             </a:r>
             <a:r>
-              <a:rPr lang="de-DE" dirty="0"/>
+              <a:rPr lang="de-DE" sz="2400" dirty="0"/>
               <a:t> .NET </a:t>
             </a:r>
             <a:r>
-              <a:rPr lang="de-DE" dirty="0" err="1"/>
+              <a:rPr lang="de-DE" sz="2400" dirty="0" err="1"/>
               <a:t>when</a:t>
             </a:r>
             <a:r>
-              <a:rPr lang="de-DE" dirty="0"/>
-              <a:t> </a:t>
-            </a:r>
-            <a:r>
-              <a:rPr lang="de-DE" dirty="0" err="1"/>
+              <a:rPr lang="de-DE" sz="2400" dirty="0"/>
+              <a:t> </a:t>
+            </a:r>
+            <a:r>
+              <a:rPr lang="de-DE" sz="2400" dirty="0" err="1"/>
               <a:t>you</a:t>
             </a:r>
             <a:r>
-              <a:rPr lang="de-DE" dirty="0"/>
-              <a:t> </a:t>
-            </a:r>
-            <a:r>
-              <a:rPr lang="de-DE" dirty="0" err="1"/>
+              <a:rPr lang="de-DE" sz="2400" dirty="0"/>
+              <a:t> </a:t>
+            </a:r>
+            <a:r>
+              <a:rPr lang="de-DE" sz="2400" dirty="0" err="1"/>
               <a:t>have</a:t>
             </a:r>
             <a:r>
-              <a:rPr lang="de-DE" dirty="0"/>
-              <a:t> </a:t>
-            </a:r>
-            <a:r>
-              <a:rPr lang="de-DE" dirty="0" err="1"/>
+              <a:rPr lang="de-DE" sz="2400" dirty="0"/>
+              <a:t> </a:t>
+            </a:r>
+            <a:r>
+              <a:rPr lang="de-DE" sz="2400" dirty="0" err="1"/>
               <a:t>to</a:t>
             </a:r>
-            <a:endParaRPr lang="de-DE" dirty="0"/>
+            <a:endParaRPr lang="de-DE" sz="2400" dirty="0"/>
           </a:p>
           <a:p>
             <a:pPr>
@@ -6881,7 +6876,31 @@
                 <a:spcPct val="150000"/>
               </a:lnSpc>
             </a:pPr>
-            <a:endParaRPr lang="de-DE" dirty="0"/>
+            <a:r>
+              <a:rPr lang="de-DE" sz="2400" dirty="0"/>
+              <a:t>Create List/</a:t>
+            </a:r>
+            <a:r>
+              <a:rPr lang="de-DE" sz="2400" dirty="0" err="1"/>
+              <a:t>StringBuilder</a:t>
+            </a:r>
+            <a:r>
+              <a:rPr lang="de-DE" sz="2400" dirty="0"/>
+              <a:t> </a:t>
+            </a:r>
+            <a:r>
+              <a:rPr lang="de-DE" sz="2400" dirty="0" err="1"/>
+              <a:t>with</a:t>
+            </a:r>
+            <a:r>
+              <a:rPr lang="de-DE" sz="2400" dirty="0"/>
+              <a:t> </a:t>
+            </a:r>
+            <a:r>
+              <a:rPr lang="de-DE" sz="2400"/>
+              <a:t>capacity</a:t>
+            </a:r>
+            <a:endParaRPr lang="de-DE" sz="2400" dirty="0"/>
           </a:p>
         </p:txBody>
       </p:sp>

--- a/PSCONFEU_Perf2017.pptx
+++ b/PSCONFEU_Perf2017.pptx
@@ -6897,7 +6897,7 @@
               <a:t> </a:t>
             </a:r>
             <a:r>
-              <a:rPr lang="de-DE" sz="2400"/>
+              <a:rPr lang="de-DE" sz="2400" dirty="0" err="1"/>
               <a:t>capacity</a:t>
             </a:r>
             <a:endParaRPr lang="de-DE" sz="2400" dirty="0"/>
@@ -7370,9 +7370,6 @@
             </a:r>
           </a:p>
           <a:p>
-            <a:endParaRPr lang="de-DE" dirty="0"/>
-          </a:p>
-          <a:p>
             <a:r>
               <a:rPr lang="de-DE" dirty="0"/>
               <a:t>At DICE </a:t>
@@ -7443,9 +7440,6 @@
             </a:r>
           </a:p>
           <a:p>
-            <a:endParaRPr lang="de-DE" dirty="0"/>
-          </a:p>
-          <a:p>
             <a:r>
               <a:rPr lang="de-DE" dirty="0" err="1"/>
               <a:t>Evenings</a:t>
@@ -7478,11 +7472,21 @@
               <a:rPr lang="de-DE" dirty="0"/>
               <a:t> PowerShell</a:t>
             </a:r>
+            <a:br>
+              <a:rPr lang="de-DE" dirty="0"/>
+            </a:br>
+            <a:endParaRPr lang="de-DE" dirty="0"/>
           </a:p>
           <a:p>
             <a:pPr marL="57150" indent="0">
               <a:buNone/>
             </a:pPr>
+            <a:r>
+              <a:rPr lang="de-DE" dirty="0">
+                <a:hlinkClick r:id="rId3"/>
+              </a:rPr>
+              <a:t>https://gist.github.com/powercode </a:t>
+            </a:r>
             <a:r>
               <a:rPr lang="de-DE" dirty="0">
                 <a:hlinkClick r:id="rId3"/>
